--- a/Handout/Covert Channel Lecture Whitepaper Slides.pptx
+++ b/Handout/Covert Channel Lecture Whitepaper Slides.pptx
@@ -5,37 +5,48 @@
     <p:sldMasterId id="2147483673" r:id="rId1"/>
   </p:sldMasterIdLst>
   <p:notesMasterIdLst>
-    <p:notesMasterId r:id="rId27"/>
+    <p:notesMasterId r:id="rId38"/>
   </p:notesMasterIdLst>
   <p:handoutMasterIdLst>
-    <p:handoutMasterId r:id="rId28"/>
+    <p:handoutMasterId r:id="rId39"/>
   </p:handoutMasterIdLst>
   <p:sldIdLst>
     <p:sldId id="450" r:id="rId2"/>
-    <p:sldId id="451" r:id="rId3"/>
-    <p:sldId id="452" r:id="rId4"/>
-    <p:sldId id="453" r:id="rId5"/>
-    <p:sldId id="454" r:id="rId6"/>
-    <p:sldId id="455" r:id="rId7"/>
-    <p:sldId id="456" r:id="rId8"/>
-    <p:sldId id="457" r:id="rId9"/>
-    <p:sldId id="458" r:id="rId10"/>
-    <p:sldId id="459" r:id="rId11"/>
-    <p:sldId id="460" r:id="rId12"/>
-    <p:sldId id="461" r:id="rId13"/>
-    <p:sldId id="462" r:id="rId14"/>
-    <p:sldId id="463" r:id="rId15"/>
-    <p:sldId id="464" r:id="rId16"/>
-    <p:sldId id="465" r:id="rId17"/>
-    <p:sldId id="466" r:id="rId18"/>
-    <p:sldId id="467" r:id="rId19"/>
-    <p:sldId id="468" r:id="rId20"/>
-    <p:sldId id="469" r:id="rId21"/>
-    <p:sldId id="470" r:id="rId22"/>
-    <p:sldId id="471" r:id="rId23"/>
-    <p:sldId id="472" r:id="rId24"/>
-    <p:sldId id="473" r:id="rId25"/>
-    <p:sldId id="474" r:id="rId26"/>
+    <p:sldId id="532" r:id="rId3"/>
+    <p:sldId id="533" r:id="rId4"/>
+    <p:sldId id="556" r:id="rId5"/>
+    <p:sldId id="534" r:id="rId6"/>
+    <p:sldId id="535" r:id="rId7"/>
+    <p:sldId id="536" r:id="rId8"/>
+    <p:sldId id="537" r:id="rId9"/>
+    <p:sldId id="538" r:id="rId10"/>
+    <p:sldId id="540" r:id="rId11"/>
+    <p:sldId id="541" r:id="rId12"/>
+    <p:sldId id="542" r:id="rId13"/>
+    <p:sldId id="557" r:id="rId14"/>
+    <p:sldId id="543" r:id="rId15"/>
+    <p:sldId id="558" r:id="rId16"/>
+    <p:sldId id="559" r:id="rId17"/>
+    <p:sldId id="560" r:id="rId18"/>
+    <p:sldId id="561" r:id="rId19"/>
+    <p:sldId id="544" r:id="rId20"/>
+    <p:sldId id="562" r:id="rId21"/>
+    <p:sldId id="545" r:id="rId22"/>
+    <p:sldId id="563" r:id="rId23"/>
+    <p:sldId id="546" r:id="rId24"/>
+    <p:sldId id="547" r:id="rId25"/>
+    <p:sldId id="564" r:id="rId26"/>
+    <p:sldId id="565" r:id="rId27"/>
+    <p:sldId id="566" r:id="rId28"/>
+    <p:sldId id="567" r:id="rId29"/>
+    <p:sldId id="568" r:id="rId30"/>
+    <p:sldId id="549" r:id="rId31"/>
+    <p:sldId id="550" r:id="rId32"/>
+    <p:sldId id="551" r:id="rId33"/>
+    <p:sldId id="552" r:id="rId34"/>
+    <p:sldId id="553" r:id="rId35"/>
+    <p:sldId id="473" r:id="rId36"/>
+    <p:sldId id="569" r:id="rId37"/>
   </p:sldIdLst>
   <p:sldSz cx="9144000" cy="6858000" type="screen4x3"/>
   <p:notesSz cx="6400800" cy="8686800"/>
@@ -238,7 +249,7 @@
           <a:p>
             <a:fld id="{24DAFBA8-35F2-4C04-8149-4585D62DFC6D}" type="datetimeFigureOut">
               <a:rPr lang="en-US" smtClean="0"/>
-              <a:t>6/2/2021</a:t>
+              <a:t>7/10/2022</a:t>
             </a:fld>
             <a:endParaRPr lang="en-US"/>
           </a:p>
@@ -405,7 +416,7 @@
             <a:fld id="{2ECEE970-886D-4DEB-A78D-5219D8C79727}" type="datetimeFigureOut">
               <a:rPr lang="en-US" smtClean="0"/>
               <a:pPr/>
-              <a:t>6/2/2021</a:t>
+              <a:t>7/10/2022</a:t>
             </a:fld>
             <a:endParaRPr lang="en-US"/>
           </a:p>
@@ -717,8 +728,1766 @@
         </p:nvSpPr>
         <p:spPr/>
         <p:txBody>
+          <a:bodyPr>
+            <a:normAutofit fontScale="92500" lnSpcReduction="20000"/>
+          </a:bodyPr>
+          <a:lstStyle/>
+          <a:p>
+            <a:r>
+              <a:rPr lang="en-US" dirty="0"/>
+              <a:t>https://www.wendzel.de/</a:t>
+            </a:r>
+          </a:p>
+          <a:p>
+            <a:r>
+              <a:rPr lang="en-US" dirty="0"/>
+              <a:t>https://ih-patterns.blogspot.com/p/test.html</a:t>
+            </a:r>
+          </a:p>
+          <a:p>
+            <a:endParaRPr lang="en-US" dirty="0"/>
+          </a:p>
+          <a:p>
+            <a:pPr algn="l"/>
+            <a:r>
+              <a:rPr lang="en-US" b="0" i="0" dirty="0">
+                <a:solidFill>
+                  <a:srgbClr val="222222"/>
+                </a:solidFill>
+                <a:effectLst/>
+                <a:latin typeface="Arial" panose="020B0604020202020204" pitchFamily="34" charset="0"/>
+              </a:rPr>
+              <a:t>[1] S. </a:t>
+            </a:r>
+            <a:r>
+              <a:rPr lang="en-US" b="0" i="0" dirty="0" err="1">
+                <a:solidFill>
+                  <a:srgbClr val="222222"/>
+                </a:solidFill>
+                <a:effectLst/>
+                <a:latin typeface="Arial" panose="020B0604020202020204" pitchFamily="34" charset="0"/>
+              </a:rPr>
+              <a:t>Wendzel</a:t>
+            </a:r>
+            <a:r>
+              <a:rPr lang="en-US" b="0" i="0" dirty="0">
+                <a:solidFill>
+                  <a:srgbClr val="222222"/>
+                </a:solidFill>
+                <a:effectLst/>
+                <a:latin typeface="Arial" panose="020B0604020202020204" pitchFamily="34" charset="0"/>
+              </a:rPr>
+              <a:t>, S. Zander, B. Fechner, C. </a:t>
+            </a:r>
+            <a:r>
+              <a:rPr lang="en-US" b="0" i="0" dirty="0" err="1">
+                <a:solidFill>
+                  <a:srgbClr val="222222"/>
+                </a:solidFill>
+                <a:effectLst/>
+                <a:latin typeface="Arial" panose="020B0604020202020204" pitchFamily="34" charset="0"/>
+              </a:rPr>
+              <a:t>Herdin</a:t>
+            </a:r>
+            <a:r>
+              <a:rPr lang="en-US" b="0" i="0" dirty="0">
+                <a:solidFill>
+                  <a:srgbClr val="222222"/>
+                </a:solidFill>
+                <a:effectLst/>
+                <a:latin typeface="Arial" panose="020B0604020202020204" pitchFamily="34" charset="0"/>
+              </a:rPr>
+              <a:t>: </a:t>
+            </a:r>
+            <a:r>
+              <a:rPr lang="en-US" b="0" i="1" u="none" strike="noStrike" dirty="0">
+                <a:solidFill>
+                  <a:srgbClr val="1177CC"/>
+                </a:solidFill>
+                <a:effectLst/>
+                <a:latin typeface="Arial" panose="020B0604020202020204" pitchFamily="34" charset="0"/>
+                <a:hlinkClick r:id="rId3"/>
+              </a:rPr>
+              <a:t>Pattern-based Survey and Categorization of Network Covert Channel Techniques</a:t>
+            </a:r>
+            <a:r>
+              <a:rPr lang="en-US" b="0" i="0" dirty="0">
+                <a:solidFill>
+                  <a:srgbClr val="222222"/>
+                </a:solidFill>
+                <a:effectLst/>
+                <a:latin typeface="Arial" panose="020B0604020202020204" pitchFamily="34" charset="0"/>
+              </a:rPr>
+              <a:t>, ACM Computing Surveys, Vol. 47, Issue 3, pp. 50:1-26, ACM, 2015.</a:t>
+            </a:r>
+            <a:br>
+              <a:rPr lang="en-US" b="0" i="0" dirty="0">
+                <a:solidFill>
+                  <a:srgbClr val="222222"/>
+                </a:solidFill>
+                <a:effectLst/>
+                <a:latin typeface="Arial" panose="020B0604020202020204" pitchFamily="34" charset="0"/>
+              </a:rPr>
+            </a:br>
+            <a:r>
+              <a:rPr lang="en-US" b="0" i="0" dirty="0">
+                <a:solidFill>
+                  <a:srgbClr val="222222"/>
+                </a:solidFill>
+                <a:effectLst/>
+                <a:latin typeface="Arial" panose="020B0604020202020204" pitchFamily="34" charset="0"/>
+              </a:rPr>
+              <a:t>An early version of the article is available here: </a:t>
+            </a:r>
+            <a:r>
+              <a:rPr lang="en-US" b="0" i="0" u="none" strike="noStrike" dirty="0">
+                <a:solidFill>
+                  <a:srgbClr val="1177CC"/>
+                </a:solidFill>
+                <a:effectLst/>
+                <a:latin typeface="Arial" panose="020B0604020202020204" pitchFamily="34" charset="0"/>
+                <a:hlinkClick r:id="rId4"/>
+              </a:rPr>
+              <a:t>download</a:t>
+            </a:r>
+            <a:r>
+              <a:rPr lang="en-US" b="0" i="0" dirty="0">
+                <a:solidFill>
+                  <a:srgbClr val="222222"/>
+                </a:solidFill>
+                <a:effectLst/>
+                <a:latin typeface="Arial" panose="020B0604020202020204" pitchFamily="34" charset="0"/>
+              </a:rPr>
+              <a:t>.</a:t>
+            </a:r>
+            <a:br>
+              <a:rPr lang="en-US" b="0" i="0" dirty="0">
+                <a:solidFill>
+                  <a:srgbClr val="222222"/>
+                </a:solidFill>
+                <a:effectLst/>
+                <a:latin typeface="Arial" panose="020B0604020202020204" pitchFamily="34" charset="0"/>
+              </a:rPr>
+            </a:br>
+            <a:br>
+              <a:rPr lang="en-US" b="0" i="0" dirty="0">
+                <a:solidFill>
+                  <a:srgbClr val="222222"/>
+                </a:solidFill>
+                <a:effectLst/>
+                <a:latin typeface="Arial" panose="020B0604020202020204" pitchFamily="34" charset="0"/>
+              </a:rPr>
+            </a:br>
+            <a:r>
+              <a:rPr lang="en-US" b="0" i="0" dirty="0">
+                <a:solidFill>
+                  <a:srgbClr val="222222"/>
+                </a:solidFill>
+                <a:effectLst/>
+                <a:latin typeface="Arial" panose="020B0604020202020204" pitchFamily="34" charset="0"/>
+              </a:rPr>
+              <a:t>[2] W. </a:t>
+            </a:r>
+            <a:r>
+              <a:rPr lang="en-US" b="0" i="0" dirty="0" err="1">
+                <a:solidFill>
+                  <a:srgbClr val="222222"/>
+                </a:solidFill>
+                <a:effectLst/>
+                <a:latin typeface="Arial" panose="020B0604020202020204" pitchFamily="34" charset="0"/>
+              </a:rPr>
+              <a:t>Mazurczyk</a:t>
+            </a:r>
+            <a:r>
+              <a:rPr lang="en-US" b="0" i="0" dirty="0">
+                <a:solidFill>
+                  <a:srgbClr val="222222"/>
+                </a:solidFill>
+                <a:effectLst/>
+                <a:latin typeface="Arial" panose="020B0604020202020204" pitchFamily="34" charset="0"/>
+              </a:rPr>
+              <a:t>, S. </a:t>
+            </a:r>
+            <a:r>
+              <a:rPr lang="en-US" b="0" i="0" dirty="0" err="1">
+                <a:solidFill>
+                  <a:srgbClr val="222222"/>
+                </a:solidFill>
+                <a:effectLst/>
+                <a:latin typeface="Arial" panose="020B0604020202020204" pitchFamily="34" charset="0"/>
+              </a:rPr>
+              <a:t>Wendzel</a:t>
+            </a:r>
+            <a:r>
+              <a:rPr lang="en-US" b="0" i="0" dirty="0">
+                <a:solidFill>
+                  <a:srgbClr val="222222"/>
+                </a:solidFill>
+                <a:effectLst/>
+                <a:latin typeface="Arial" panose="020B0604020202020204" pitchFamily="34" charset="0"/>
+              </a:rPr>
+              <a:t>, S. Zander, A. </a:t>
+            </a:r>
+            <a:r>
+              <a:rPr lang="en-US" b="0" i="0" dirty="0" err="1">
+                <a:solidFill>
+                  <a:srgbClr val="222222"/>
+                </a:solidFill>
+                <a:effectLst/>
+                <a:latin typeface="Arial" panose="020B0604020202020204" pitchFamily="34" charset="0"/>
+              </a:rPr>
+              <a:t>Houmansadr</a:t>
+            </a:r>
+            <a:r>
+              <a:rPr lang="en-US" b="0" i="0" dirty="0">
+                <a:solidFill>
+                  <a:srgbClr val="222222"/>
+                </a:solidFill>
+                <a:effectLst/>
+                <a:latin typeface="Arial" panose="020B0604020202020204" pitchFamily="34" charset="0"/>
+              </a:rPr>
+              <a:t>, K. </a:t>
+            </a:r>
+            <a:r>
+              <a:rPr lang="en-US" b="0" i="0" dirty="0" err="1">
+                <a:solidFill>
+                  <a:srgbClr val="222222"/>
+                </a:solidFill>
+                <a:effectLst/>
+                <a:latin typeface="Arial" panose="020B0604020202020204" pitchFamily="34" charset="0"/>
+              </a:rPr>
+              <a:t>Szczypiorski</a:t>
+            </a:r>
+            <a:r>
+              <a:rPr lang="en-US" b="0" i="0" dirty="0">
+                <a:solidFill>
+                  <a:srgbClr val="222222"/>
+                </a:solidFill>
+                <a:effectLst/>
+                <a:latin typeface="Arial" panose="020B0604020202020204" pitchFamily="34" charset="0"/>
+              </a:rPr>
+              <a:t>: </a:t>
+            </a:r>
+            <a:r>
+              <a:rPr lang="en-US" b="0" i="1" u="none" strike="noStrike" dirty="0">
+                <a:solidFill>
+                  <a:srgbClr val="1177CC"/>
+                </a:solidFill>
+                <a:effectLst/>
+                <a:latin typeface="Arial" panose="020B0604020202020204" pitchFamily="34" charset="0"/>
+                <a:hlinkClick r:id="rId5"/>
+              </a:rPr>
+              <a:t>Information Hiding in Communication Networks</a:t>
+            </a:r>
+            <a:r>
+              <a:rPr lang="en-US" b="0" i="0" dirty="0">
+                <a:solidFill>
+                  <a:srgbClr val="222222"/>
+                </a:solidFill>
+                <a:effectLst/>
+                <a:latin typeface="Arial" panose="020B0604020202020204" pitchFamily="34" charset="0"/>
+              </a:rPr>
+              <a:t>, Wiley, 2016. Chapters 3 and 8 contain discussions on hiding patterns, basically on the basis of [1] but with an extension of timing-based patterns.</a:t>
+            </a:r>
+            <a:br>
+              <a:rPr lang="en-US" b="0" i="0" dirty="0">
+                <a:solidFill>
+                  <a:srgbClr val="222222"/>
+                </a:solidFill>
+                <a:effectLst/>
+                <a:latin typeface="Arial" panose="020B0604020202020204" pitchFamily="34" charset="0"/>
+              </a:rPr>
+            </a:br>
+            <a:br>
+              <a:rPr lang="en-US" b="0" i="0" dirty="0">
+                <a:solidFill>
+                  <a:srgbClr val="222222"/>
+                </a:solidFill>
+                <a:effectLst/>
+                <a:latin typeface="Arial" panose="020B0604020202020204" pitchFamily="34" charset="0"/>
+              </a:rPr>
+            </a:br>
+            <a:r>
+              <a:rPr lang="en-US" b="0" i="0" dirty="0">
+                <a:solidFill>
+                  <a:srgbClr val="222222"/>
+                </a:solidFill>
+                <a:effectLst/>
+                <a:latin typeface="Arial" panose="020B0604020202020204" pitchFamily="34" charset="0"/>
+              </a:rPr>
+              <a:t>[3] W. </a:t>
+            </a:r>
+            <a:r>
+              <a:rPr lang="en-US" b="0" i="0" dirty="0" err="1">
+                <a:solidFill>
+                  <a:srgbClr val="222222"/>
+                </a:solidFill>
+                <a:effectLst/>
+                <a:latin typeface="Arial" panose="020B0604020202020204" pitchFamily="34" charset="0"/>
+              </a:rPr>
+              <a:t>Mazurczyk</a:t>
+            </a:r>
+            <a:r>
+              <a:rPr lang="en-US" b="0" i="0" dirty="0">
+                <a:solidFill>
+                  <a:srgbClr val="222222"/>
+                </a:solidFill>
+                <a:effectLst/>
+                <a:latin typeface="Arial" panose="020B0604020202020204" pitchFamily="34" charset="0"/>
+              </a:rPr>
+              <a:t>, S. </a:t>
+            </a:r>
+            <a:r>
+              <a:rPr lang="en-US" b="0" i="0" dirty="0" err="1">
+                <a:solidFill>
+                  <a:srgbClr val="222222"/>
+                </a:solidFill>
+                <a:effectLst/>
+                <a:latin typeface="Arial" panose="020B0604020202020204" pitchFamily="34" charset="0"/>
+              </a:rPr>
+              <a:t>Wendzel</a:t>
+            </a:r>
+            <a:r>
+              <a:rPr lang="en-US" b="0" i="0" dirty="0">
+                <a:solidFill>
+                  <a:srgbClr val="222222"/>
+                </a:solidFill>
+                <a:effectLst/>
+                <a:latin typeface="Arial" panose="020B0604020202020204" pitchFamily="34" charset="0"/>
+              </a:rPr>
+              <a:t>, K. </a:t>
+            </a:r>
+            <a:r>
+              <a:rPr lang="en-US" b="0" i="0" dirty="0" err="1">
+                <a:solidFill>
+                  <a:srgbClr val="222222"/>
+                </a:solidFill>
+                <a:effectLst/>
+                <a:latin typeface="Arial" panose="020B0604020202020204" pitchFamily="34" charset="0"/>
+              </a:rPr>
+              <a:t>Cabaj</a:t>
+            </a:r>
+            <a:r>
+              <a:rPr lang="en-US" b="0" i="0" dirty="0">
+                <a:solidFill>
+                  <a:srgbClr val="222222"/>
+                </a:solidFill>
+                <a:effectLst/>
+                <a:latin typeface="Arial" panose="020B0604020202020204" pitchFamily="34" charset="0"/>
+              </a:rPr>
+              <a:t>: </a:t>
+            </a:r>
+            <a:r>
+              <a:rPr lang="en-US" b="0" i="1" u="none" strike="noStrike" dirty="0">
+                <a:solidFill>
+                  <a:srgbClr val="1177CC"/>
+                </a:solidFill>
+                <a:effectLst/>
+                <a:latin typeface="Arial" panose="020B0604020202020204" pitchFamily="34" charset="0"/>
+                <a:hlinkClick r:id="rId6"/>
+              </a:rPr>
+              <a:t>Towards Deriving Insights into Data Hiding Methods Using Pattern-based Approach</a:t>
+            </a:r>
+            <a:r>
+              <a:rPr lang="en-US" b="0" i="0" dirty="0">
+                <a:solidFill>
+                  <a:srgbClr val="222222"/>
+                </a:solidFill>
+                <a:effectLst/>
+                <a:latin typeface="Arial" panose="020B0604020202020204" pitchFamily="34" charset="0"/>
+              </a:rPr>
+              <a:t>, in Proc. Second International Workshop on Criminal Use of Information Hiding (CUING 2018) at ARES, pp. 10:1-10:10, ACM, 2018.</a:t>
+            </a:r>
+          </a:p>
+          <a:p>
+            <a:pPr algn="l"/>
+            <a:r>
+              <a:rPr lang="en-US" b="0" i="0" dirty="0">
+                <a:solidFill>
+                  <a:srgbClr val="222222"/>
+                </a:solidFill>
+                <a:effectLst/>
+                <a:latin typeface="Arial" panose="020B0604020202020204" pitchFamily="34" charset="0"/>
+              </a:rPr>
+              <a:t>[4] A. </a:t>
+            </a:r>
+            <a:r>
+              <a:rPr lang="en-US" b="0" i="0" dirty="0" err="1">
+                <a:solidFill>
+                  <a:srgbClr val="222222"/>
+                </a:solidFill>
+                <a:effectLst/>
+                <a:latin typeface="Arial" panose="020B0604020202020204" pitchFamily="34" charset="0"/>
+              </a:rPr>
+              <a:t>Velinov</a:t>
+            </a:r>
+            <a:r>
+              <a:rPr lang="en-US" b="0" i="0" dirty="0">
+                <a:solidFill>
+                  <a:srgbClr val="222222"/>
+                </a:solidFill>
+                <a:effectLst/>
+                <a:latin typeface="Arial" panose="020B0604020202020204" pitchFamily="34" charset="0"/>
+              </a:rPr>
+              <a:t>, A. </a:t>
+            </a:r>
+            <a:r>
+              <a:rPr lang="en-US" b="0" i="0" dirty="0" err="1">
+                <a:solidFill>
+                  <a:srgbClr val="222222"/>
+                </a:solidFill>
+                <a:effectLst/>
+                <a:latin typeface="Arial" panose="020B0604020202020204" pitchFamily="34" charset="0"/>
+              </a:rPr>
+              <a:t>Mileva</a:t>
+            </a:r>
+            <a:r>
+              <a:rPr lang="en-US" b="0" i="0" dirty="0">
+                <a:solidFill>
+                  <a:srgbClr val="222222"/>
+                </a:solidFill>
+                <a:effectLst/>
+                <a:latin typeface="Arial" panose="020B0604020202020204" pitchFamily="34" charset="0"/>
+              </a:rPr>
+              <a:t>, S. </a:t>
+            </a:r>
+            <a:r>
+              <a:rPr lang="en-US" b="0" i="0" dirty="0" err="1">
+                <a:solidFill>
+                  <a:srgbClr val="222222"/>
+                </a:solidFill>
+                <a:effectLst/>
+                <a:latin typeface="Arial" panose="020B0604020202020204" pitchFamily="34" charset="0"/>
+              </a:rPr>
+              <a:t>Wendzel</a:t>
+            </a:r>
+            <a:r>
+              <a:rPr lang="en-US" b="0" i="0" dirty="0">
+                <a:solidFill>
+                  <a:srgbClr val="222222"/>
+                </a:solidFill>
+                <a:effectLst/>
+                <a:latin typeface="Arial" panose="020B0604020202020204" pitchFamily="34" charset="0"/>
+              </a:rPr>
+              <a:t>, W. </a:t>
+            </a:r>
+            <a:r>
+              <a:rPr lang="en-US" b="0" i="0" dirty="0" err="1">
+                <a:solidFill>
+                  <a:srgbClr val="222222"/>
+                </a:solidFill>
+                <a:effectLst/>
+                <a:latin typeface="Arial" panose="020B0604020202020204" pitchFamily="34" charset="0"/>
+              </a:rPr>
+              <a:t>Mazurczyk</a:t>
+            </a:r>
+            <a:r>
+              <a:rPr lang="en-US" b="0" i="0" dirty="0">
+                <a:solidFill>
+                  <a:srgbClr val="222222"/>
+                </a:solidFill>
+                <a:effectLst/>
+                <a:latin typeface="Arial" panose="020B0604020202020204" pitchFamily="34" charset="0"/>
+              </a:rPr>
+              <a:t>: </a:t>
+            </a:r>
+            <a:r>
+              <a:rPr lang="en-US" b="0" i="0" u="none" strike="noStrike" dirty="0">
+                <a:solidFill>
+                  <a:srgbClr val="1177CC"/>
+                </a:solidFill>
+                <a:effectLst/>
+                <a:latin typeface="Arial" panose="020B0604020202020204" pitchFamily="34" charset="0"/>
+                <a:hlinkClick r:id="rId7"/>
+              </a:rPr>
+              <a:t>Covert Channels in MQTT-based Internet of Things</a:t>
+            </a:r>
+            <a:r>
+              <a:rPr lang="en-US" b="0" i="0" dirty="0">
+                <a:solidFill>
+                  <a:srgbClr val="222222"/>
+                </a:solidFill>
+                <a:effectLst/>
+                <a:latin typeface="Arial" panose="020B0604020202020204" pitchFamily="34" charset="0"/>
+              </a:rPr>
+              <a:t>, </a:t>
+            </a:r>
+            <a:r>
+              <a:rPr lang="en-US" b="0" i="1" dirty="0">
+                <a:solidFill>
+                  <a:srgbClr val="222222"/>
+                </a:solidFill>
+                <a:effectLst/>
+                <a:latin typeface="Arial" panose="020B0604020202020204" pitchFamily="34" charset="0"/>
+              </a:rPr>
+              <a:t>IEEE ACCESS</a:t>
+            </a:r>
+            <a:r>
+              <a:rPr lang="en-US" b="0" i="0" dirty="0">
+                <a:solidFill>
+                  <a:srgbClr val="222222"/>
+                </a:solidFill>
+                <a:effectLst/>
+                <a:latin typeface="Arial" panose="020B0604020202020204" pitchFamily="34" charset="0"/>
+              </a:rPr>
+              <a:t>, Vol. 7, pp. 161899-161915, 2019. </a:t>
+            </a:r>
+            <a:br>
+              <a:rPr lang="en-US" b="0" i="0" dirty="0">
+                <a:solidFill>
+                  <a:srgbClr val="222222"/>
+                </a:solidFill>
+                <a:effectLst/>
+                <a:latin typeface="Arial" panose="020B0604020202020204" pitchFamily="34" charset="0"/>
+              </a:rPr>
+            </a:br>
+            <a:endParaRPr lang="en-US" b="0" i="0" dirty="0">
+              <a:solidFill>
+                <a:srgbClr val="222222"/>
+              </a:solidFill>
+              <a:effectLst/>
+              <a:latin typeface="Arial" panose="020B0604020202020204" pitchFamily="34" charset="0"/>
+            </a:endParaRPr>
+          </a:p>
+          <a:p>
+            <a:pPr algn="l"/>
+            <a:r>
+              <a:rPr lang="en-US" b="0" i="0" dirty="0">
+                <a:solidFill>
+                  <a:srgbClr val="222222"/>
+                </a:solidFill>
+                <a:effectLst/>
+                <a:latin typeface="Arial" panose="020B0604020202020204" pitchFamily="34" charset="0"/>
+              </a:rPr>
+              <a:t>[5] A. </a:t>
+            </a:r>
+            <a:r>
+              <a:rPr lang="en-US" b="0" i="0" dirty="0" err="1">
+                <a:solidFill>
+                  <a:srgbClr val="222222"/>
+                </a:solidFill>
+                <a:effectLst/>
+                <a:latin typeface="Arial" panose="020B0604020202020204" pitchFamily="34" charset="0"/>
+              </a:rPr>
+              <a:t>Mileva</a:t>
+            </a:r>
+            <a:r>
+              <a:rPr lang="en-US" b="0" i="0" dirty="0">
+                <a:solidFill>
+                  <a:srgbClr val="222222"/>
+                </a:solidFill>
+                <a:effectLst/>
+                <a:latin typeface="Arial" panose="020B0604020202020204" pitchFamily="34" charset="0"/>
+              </a:rPr>
+              <a:t>, A. </a:t>
+            </a:r>
+            <a:r>
+              <a:rPr lang="en-US" b="0" i="0" dirty="0" err="1">
+                <a:solidFill>
+                  <a:srgbClr val="222222"/>
+                </a:solidFill>
+                <a:effectLst/>
+                <a:latin typeface="Arial" panose="020B0604020202020204" pitchFamily="34" charset="0"/>
+              </a:rPr>
+              <a:t>Velinov</a:t>
+            </a:r>
+            <a:r>
+              <a:rPr lang="en-US" b="0" i="0" dirty="0">
+                <a:solidFill>
+                  <a:srgbClr val="222222"/>
+                </a:solidFill>
+                <a:effectLst/>
+                <a:latin typeface="Arial" panose="020B0604020202020204" pitchFamily="34" charset="0"/>
+              </a:rPr>
+              <a:t>, L. Hartmann, S. </a:t>
+            </a:r>
+            <a:r>
+              <a:rPr lang="en-US" b="0" i="0" dirty="0" err="1">
+                <a:solidFill>
+                  <a:srgbClr val="222222"/>
+                </a:solidFill>
+                <a:effectLst/>
+                <a:latin typeface="Arial" panose="020B0604020202020204" pitchFamily="34" charset="0"/>
+              </a:rPr>
+              <a:t>Wendzel</a:t>
+            </a:r>
+            <a:r>
+              <a:rPr lang="en-US" b="0" i="0" dirty="0">
+                <a:solidFill>
+                  <a:srgbClr val="222222"/>
+                </a:solidFill>
+                <a:effectLst/>
+                <a:latin typeface="Arial" panose="020B0604020202020204" pitchFamily="34" charset="0"/>
+              </a:rPr>
+              <a:t>, W. </a:t>
+            </a:r>
+            <a:r>
+              <a:rPr lang="en-US" b="0" i="0" dirty="0" err="1">
+                <a:solidFill>
+                  <a:srgbClr val="222222"/>
+                </a:solidFill>
+                <a:effectLst/>
+                <a:latin typeface="Arial" panose="020B0604020202020204" pitchFamily="34" charset="0"/>
+              </a:rPr>
+              <a:t>Mazurczyk</a:t>
+            </a:r>
+            <a:r>
+              <a:rPr lang="en-US" b="0" i="0" dirty="0">
+                <a:solidFill>
+                  <a:srgbClr val="222222"/>
+                </a:solidFill>
+                <a:effectLst/>
+                <a:latin typeface="Arial" panose="020B0604020202020204" pitchFamily="34" charset="0"/>
+              </a:rPr>
+              <a:t>: </a:t>
+            </a:r>
+            <a:r>
+              <a:rPr lang="en-US" b="0" i="1" dirty="0">
+                <a:solidFill>
+                  <a:srgbClr val="222222"/>
+                </a:solidFill>
+                <a:effectLst/>
+                <a:latin typeface="Arial" panose="020B0604020202020204" pitchFamily="34" charset="0"/>
+              </a:rPr>
+              <a:t>Comprehensive Analysis of MQTT 5.0 Susceptibility to Network Covert Channels</a:t>
+            </a:r>
+            <a:r>
+              <a:rPr lang="en-US" b="0" i="0" dirty="0">
+                <a:solidFill>
+                  <a:srgbClr val="222222"/>
+                </a:solidFill>
+                <a:effectLst/>
+                <a:latin typeface="Arial" panose="020B0604020202020204" pitchFamily="34" charset="0"/>
+              </a:rPr>
+              <a:t>, Computers &amp; Security, Elsevier, 2021. </a:t>
+            </a:r>
+          </a:p>
+          <a:p>
+            <a:pPr algn="l"/>
+            <a:r>
+              <a:rPr lang="en-US" b="0" i="0" dirty="0">
+                <a:solidFill>
+                  <a:srgbClr val="222222"/>
+                </a:solidFill>
+                <a:effectLst/>
+                <a:latin typeface="Arial" panose="020B0604020202020204" pitchFamily="34" charset="0"/>
+              </a:rPr>
+              <a:t>[6] L. Hartmann, S. </a:t>
+            </a:r>
+            <a:r>
+              <a:rPr lang="en-US" b="0" i="0" dirty="0" err="1">
+                <a:solidFill>
+                  <a:srgbClr val="222222"/>
+                </a:solidFill>
+                <a:effectLst/>
+                <a:latin typeface="Arial" panose="020B0604020202020204" pitchFamily="34" charset="0"/>
+              </a:rPr>
+              <a:t>Zillien</a:t>
+            </a:r>
+            <a:r>
+              <a:rPr lang="en-US" b="0" i="0" dirty="0">
+                <a:solidFill>
+                  <a:srgbClr val="222222"/>
+                </a:solidFill>
+                <a:effectLst/>
+                <a:latin typeface="Arial" panose="020B0604020202020204" pitchFamily="34" charset="0"/>
+              </a:rPr>
+              <a:t>, S. </a:t>
+            </a:r>
+            <a:r>
+              <a:rPr lang="en-US" b="0" i="0" dirty="0" err="1">
+                <a:solidFill>
+                  <a:srgbClr val="222222"/>
+                </a:solidFill>
+                <a:effectLst/>
+                <a:latin typeface="Arial" panose="020B0604020202020204" pitchFamily="34" charset="0"/>
+              </a:rPr>
+              <a:t>Wendzel</a:t>
+            </a:r>
+            <a:r>
+              <a:rPr lang="en-US" b="0" i="0" dirty="0">
+                <a:solidFill>
+                  <a:srgbClr val="222222"/>
+                </a:solidFill>
+                <a:effectLst/>
+                <a:latin typeface="Arial" panose="020B0604020202020204" pitchFamily="34" charset="0"/>
+              </a:rPr>
+              <a:t>: </a:t>
+            </a:r>
+            <a:r>
+              <a:rPr lang="en-US" b="0" i="1" dirty="0">
+                <a:solidFill>
+                  <a:srgbClr val="222222"/>
+                </a:solidFill>
+                <a:effectLst/>
+                <a:latin typeface="Arial" panose="020B0604020202020204" pitchFamily="34" charset="0"/>
+              </a:rPr>
+              <a:t>Reset- and Reconnection-based Covert Channels in CoAP</a:t>
+            </a:r>
+            <a:r>
+              <a:rPr lang="en-US" b="0" i="0" dirty="0">
+                <a:solidFill>
+                  <a:srgbClr val="222222"/>
+                </a:solidFill>
+                <a:effectLst/>
+                <a:latin typeface="Arial" panose="020B0604020202020204" pitchFamily="34" charset="0"/>
+              </a:rPr>
+              <a:t>. In: Proc. European Interdisciplinary Cybersecurity Conference (EICC), 2021.</a:t>
+            </a:r>
+          </a:p>
+          <a:p>
+            <a:endParaRPr lang="en-US" dirty="0"/>
+          </a:p>
+        </p:txBody>
+      </p:sp>
+    </p:spTree>
+    <p:extLst>
+      <p:ext uri="{BB962C8B-B14F-4D97-AF65-F5344CB8AC3E}">
+        <p14:creationId xmlns:p14="http://schemas.microsoft.com/office/powerpoint/2010/main" val="459014813"/>
+      </p:ext>
+    </p:extLst>
+  </p:cSld>
+  <p:clrMapOvr>
+    <a:masterClrMapping/>
+  </p:clrMapOvr>
+</p:notes>
+</file>
+
+<file path=ppt/notesSlides/notesSlide10.xml><?xml version="1.0" encoding="utf-8"?>
+<p:notes xmlns:a="http://schemas.openxmlformats.org/drawingml/2006/main" xmlns:r="http://schemas.openxmlformats.org/officeDocument/2006/relationships" xmlns:p="http://schemas.openxmlformats.org/presentationml/2006/main">
+  <p:cSld>
+    <p:spTree>
+      <p:nvGrpSpPr>
+        <p:cNvPr id="1" name=""/>
+        <p:cNvGrpSpPr/>
+        <p:nvPr/>
+      </p:nvGrpSpPr>
+      <p:grpSpPr>
+        <a:xfrm>
+          <a:off x="0" y="0"/>
+          <a:ext cx="0" cy="0"/>
+          <a:chOff x="0" y="0"/>
+          <a:chExt cx="0" cy="0"/>
+        </a:xfrm>
+      </p:grpSpPr>
+      <p:sp>
+        <p:nvSpPr>
+          <p:cNvPr id="2" name="Slide Image Placeholder 1"/>
+          <p:cNvSpPr>
+            <a:spLocks noGrp="1" noRot="1" noChangeAspect="1"/>
+          </p:cNvSpPr>
+          <p:nvPr>
+            <p:ph type="sldImg"/>
+          </p:nvPr>
+        </p:nvSpPr>
+        <p:spPr/>
+      </p:sp>
+      <p:sp>
+        <p:nvSpPr>
+          <p:cNvPr id="3" name="Notes Placeholder 2"/>
+          <p:cNvSpPr>
+            <a:spLocks noGrp="1"/>
+          </p:cNvSpPr>
+          <p:nvPr>
+            <p:ph type="body" idx="1"/>
+          </p:nvPr>
+        </p:nvSpPr>
+        <p:spPr/>
+        <p:txBody>
           <a:bodyPr/>
           <a:lstStyle/>
+          <a:p>
+            <a:r>
+              <a:rPr lang="en-US" b="0" i="0" u="none" strike="noStrike" dirty="0">
+                <a:solidFill>
+                  <a:srgbClr val="1177CC"/>
+                </a:solidFill>
+                <a:effectLst/>
+                <a:latin typeface="Arial" panose="020B0604020202020204" pitchFamily="34" charset="0"/>
+                <a:hlinkClick r:id="rId3"/>
+              </a:rPr>
+              <a:t>https://github.com/NIoSaT/CoAP-Covert-Channels</a:t>
+            </a:r>
+            <a:r>
+              <a:rPr lang="en-US" b="0" i="0" dirty="0">
+                <a:solidFill>
+                  <a:srgbClr val="222222"/>
+                </a:solidFill>
+                <a:effectLst/>
+                <a:latin typeface="Arial" panose="020B0604020202020204" pitchFamily="34" charset="0"/>
+              </a:rPr>
+              <a:t> features the first known implementation and is based on the IoT protocol CoAP.</a:t>
+            </a:r>
+            <a:endParaRPr lang="en-US" dirty="0"/>
+          </a:p>
+        </p:txBody>
+      </p:sp>
+    </p:spTree>
+    <p:extLst>
+      <p:ext uri="{BB962C8B-B14F-4D97-AF65-F5344CB8AC3E}">
+        <p14:creationId xmlns:p14="http://schemas.microsoft.com/office/powerpoint/2010/main" val="436372135"/>
+      </p:ext>
+    </p:extLst>
+  </p:cSld>
+  <p:clrMapOvr>
+    <a:masterClrMapping/>
+  </p:clrMapOvr>
+</p:notes>
+</file>
+
+<file path=ppt/notesSlides/notesSlide11.xml><?xml version="1.0" encoding="utf-8"?>
+<p:notes xmlns:a="http://schemas.openxmlformats.org/drawingml/2006/main" xmlns:r="http://schemas.openxmlformats.org/officeDocument/2006/relationships" xmlns:p="http://schemas.openxmlformats.org/presentationml/2006/main">
+  <p:cSld>
+    <p:spTree>
+      <p:nvGrpSpPr>
+        <p:cNvPr id="1" name=""/>
+        <p:cNvGrpSpPr/>
+        <p:nvPr/>
+      </p:nvGrpSpPr>
+      <p:grpSpPr>
+        <a:xfrm>
+          <a:off x="0" y="0"/>
+          <a:ext cx="0" cy="0"/>
+          <a:chOff x="0" y="0"/>
+          <a:chExt cx="0" cy="0"/>
+        </a:xfrm>
+      </p:grpSpPr>
+      <p:sp>
+        <p:nvSpPr>
+          <p:cNvPr id="2" name="Slide Image Placeholder 1"/>
+          <p:cNvSpPr>
+            <a:spLocks noGrp="1" noRot="1" noChangeAspect="1"/>
+          </p:cNvSpPr>
+          <p:nvPr>
+            <p:ph type="sldImg"/>
+          </p:nvPr>
+        </p:nvSpPr>
+        <p:spPr/>
+      </p:sp>
+      <p:sp>
+        <p:nvSpPr>
+          <p:cNvPr id="3" name="Notes Placeholder 2"/>
+          <p:cNvSpPr>
+            <a:spLocks noGrp="1"/>
+          </p:cNvSpPr>
+          <p:nvPr>
+            <p:ph type="body" idx="1"/>
+          </p:nvPr>
+        </p:nvSpPr>
+        <p:spPr/>
+        <p:txBody>
+          <a:bodyPr>
+            <a:normAutofit fontScale="92500" lnSpcReduction="10000"/>
+          </a:bodyPr>
+          <a:lstStyle/>
+          <a:p>
+            <a:pPr algn="l"/>
+            <a:r>
+              <a:rPr lang="en-US" b="0" i="0" dirty="0">
+                <a:solidFill>
+                  <a:srgbClr val="222222"/>
+                </a:solidFill>
+                <a:effectLst/>
+                <a:latin typeface="Arial" panose="020B0604020202020204" pitchFamily="34" charset="0"/>
+              </a:rPr>
+              <a:t>[1] S. </a:t>
+            </a:r>
+            <a:r>
+              <a:rPr lang="en-US" b="0" i="0" dirty="0" err="1">
+                <a:solidFill>
+                  <a:srgbClr val="222222"/>
+                </a:solidFill>
+                <a:effectLst/>
+                <a:latin typeface="Arial" panose="020B0604020202020204" pitchFamily="34" charset="0"/>
+              </a:rPr>
+              <a:t>Wendzel</a:t>
+            </a:r>
+            <a:r>
+              <a:rPr lang="en-US" b="0" i="0" dirty="0">
+                <a:solidFill>
+                  <a:srgbClr val="222222"/>
+                </a:solidFill>
+                <a:effectLst/>
+                <a:latin typeface="Arial" panose="020B0604020202020204" pitchFamily="34" charset="0"/>
+              </a:rPr>
+              <a:t>, S. Zander, B. Fechner, C. </a:t>
+            </a:r>
+            <a:r>
+              <a:rPr lang="en-US" b="0" i="0" dirty="0" err="1">
+                <a:solidFill>
+                  <a:srgbClr val="222222"/>
+                </a:solidFill>
+                <a:effectLst/>
+                <a:latin typeface="Arial" panose="020B0604020202020204" pitchFamily="34" charset="0"/>
+              </a:rPr>
+              <a:t>Herdin</a:t>
+            </a:r>
+            <a:r>
+              <a:rPr lang="en-US" b="0" i="0" dirty="0">
+                <a:solidFill>
+                  <a:srgbClr val="222222"/>
+                </a:solidFill>
+                <a:effectLst/>
+                <a:latin typeface="Arial" panose="020B0604020202020204" pitchFamily="34" charset="0"/>
+              </a:rPr>
+              <a:t>: </a:t>
+            </a:r>
+            <a:r>
+              <a:rPr lang="en-US" b="0" i="1" u="none" strike="noStrike" dirty="0">
+                <a:solidFill>
+                  <a:srgbClr val="1177CC"/>
+                </a:solidFill>
+                <a:effectLst/>
+                <a:latin typeface="Arial" panose="020B0604020202020204" pitchFamily="34" charset="0"/>
+                <a:hlinkClick r:id="rId3"/>
+              </a:rPr>
+              <a:t>Pattern-based Survey and Categorization of Network Covert Channel Techniques</a:t>
+            </a:r>
+            <a:r>
+              <a:rPr lang="en-US" b="0" i="0" dirty="0">
+                <a:solidFill>
+                  <a:srgbClr val="222222"/>
+                </a:solidFill>
+                <a:effectLst/>
+                <a:latin typeface="Arial" panose="020B0604020202020204" pitchFamily="34" charset="0"/>
+              </a:rPr>
+              <a:t>, ACM Computing Surveys, Vol. 47, Issue 3, pp. 50:1-26, ACM, 2015.</a:t>
+            </a:r>
+            <a:br>
+              <a:rPr lang="en-US" b="0" i="0" dirty="0">
+                <a:solidFill>
+                  <a:srgbClr val="222222"/>
+                </a:solidFill>
+                <a:effectLst/>
+                <a:latin typeface="Arial" panose="020B0604020202020204" pitchFamily="34" charset="0"/>
+              </a:rPr>
+            </a:br>
+            <a:r>
+              <a:rPr lang="en-US" b="0" i="0" dirty="0">
+                <a:solidFill>
+                  <a:srgbClr val="222222"/>
+                </a:solidFill>
+                <a:effectLst/>
+                <a:latin typeface="Arial" panose="020B0604020202020204" pitchFamily="34" charset="0"/>
+              </a:rPr>
+              <a:t>An early version of the article is available here: </a:t>
+            </a:r>
+            <a:r>
+              <a:rPr lang="en-US" b="0" i="0" u="none" strike="noStrike" dirty="0">
+                <a:solidFill>
+                  <a:srgbClr val="1177CC"/>
+                </a:solidFill>
+                <a:effectLst/>
+                <a:latin typeface="Arial" panose="020B0604020202020204" pitchFamily="34" charset="0"/>
+                <a:hlinkClick r:id="rId4"/>
+              </a:rPr>
+              <a:t>download</a:t>
+            </a:r>
+            <a:r>
+              <a:rPr lang="en-US" b="0" i="0" dirty="0">
+                <a:solidFill>
+                  <a:srgbClr val="222222"/>
+                </a:solidFill>
+                <a:effectLst/>
+                <a:latin typeface="Arial" panose="020B0604020202020204" pitchFamily="34" charset="0"/>
+              </a:rPr>
+              <a:t>.</a:t>
+            </a:r>
+            <a:br>
+              <a:rPr lang="en-US" b="0" i="0" dirty="0">
+                <a:solidFill>
+                  <a:srgbClr val="222222"/>
+                </a:solidFill>
+                <a:effectLst/>
+                <a:latin typeface="Arial" panose="020B0604020202020204" pitchFamily="34" charset="0"/>
+              </a:rPr>
+            </a:br>
+            <a:br>
+              <a:rPr lang="en-US" b="0" i="0" dirty="0">
+                <a:solidFill>
+                  <a:srgbClr val="222222"/>
+                </a:solidFill>
+                <a:effectLst/>
+                <a:latin typeface="Arial" panose="020B0604020202020204" pitchFamily="34" charset="0"/>
+              </a:rPr>
+            </a:br>
+            <a:r>
+              <a:rPr lang="en-US" b="0" i="0" dirty="0">
+                <a:solidFill>
+                  <a:srgbClr val="222222"/>
+                </a:solidFill>
+                <a:effectLst/>
+                <a:latin typeface="Arial" panose="020B0604020202020204" pitchFamily="34" charset="0"/>
+              </a:rPr>
+              <a:t>[2] W. </a:t>
+            </a:r>
+            <a:r>
+              <a:rPr lang="en-US" b="0" i="0" dirty="0" err="1">
+                <a:solidFill>
+                  <a:srgbClr val="222222"/>
+                </a:solidFill>
+                <a:effectLst/>
+                <a:latin typeface="Arial" panose="020B0604020202020204" pitchFamily="34" charset="0"/>
+              </a:rPr>
+              <a:t>Mazurczyk</a:t>
+            </a:r>
+            <a:r>
+              <a:rPr lang="en-US" b="0" i="0" dirty="0">
+                <a:solidFill>
+                  <a:srgbClr val="222222"/>
+                </a:solidFill>
+                <a:effectLst/>
+                <a:latin typeface="Arial" panose="020B0604020202020204" pitchFamily="34" charset="0"/>
+              </a:rPr>
+              <a:t>, S. </a:t>
+            </a:r>
+            <a:r>
+              <a:rPr lang="en-US" b="0" i="0" dirty="0" err="1">
+                <a:solidFill>
+                  <a:srgbClr val="222222"/>
+                </a:solidFill>
+                <a:effectLst/>
+                <a:latin typeface="Arial" panose="020B0604020202020204" pitchFamily="34" charset="0"/>
+              </a:rPr>
+              <a:t>Wendzel</a:t>
+            </a:r>
+            <a:r>
+              <a:rPr lang="en-US" b="0" i="0" dirty="0">
+                <a:solidFill>
+                  <a:srgbClr val="222222"/>
+                </a:solidFill>
+                <a:effectLst/>
+                <a:latin typeface="Arial" panose="020B0604020202020204" pitchFamily="34" charset="0"/>
+              </a:rPr>
+              <a:t>, S. Zander, A. </a:t>
+            </a:r>
+            <a:r>
+              <a:rPr lang="en-US" b="0" i="0" dirty="0" err="1">
+                <a:solidFill>
+                  <a:srgbClr val="222222"/>
+                </a:solidFill>
+                <a:effectLst/>
+                <a:latin typeface="Arial" panose="020B0604020202020204" pitchFamily="34" charset="0"/>
+              </a:rPr>
+              <a:t>Houmansadr</a:t>
+            </a:r>
+            <a:r>
+              <a:rPr lang="en-US" b="0" i="0" dirty="0">
+                <a:solidFill>
+                  <a:srgbClr val="222222"/>
+                </a:solidFill>
+                <a:effectLst/>
+                <a:latin typeface="Arial" panose="020B0604020202020204" pitchFamily="34" charset="0"/>
+              </a:rPr>
+              <a:t>, K. </a:t>
+            </a:r>
+            <a:r>
+              <a:rPr lang="en-US" b="0" i="0" dirty="0" err="1">
+                <a:solidFill>
+                  <a:srgbClr val="222222"/>
+                </a:solidFill>
+                <a:effectLst/>
+                <a:latin typeface="Arial" panose="020B0604020202020204" pitchFamily="34" charset="0"/>
+              </a:rPr>
+              <a:t>Szczypiorski</a:t>
+            </a:r>
+            <a:r>
+              <a:rPr lang="en-US" b="0" i="0" dirty="0">
+                <a:solidFill>
+                  <a:srgbClr val="222222"/>
+                </a:solidFill>
+                <a:effectLst/>
+                <a:latin typeface="Arial" panose="020B0604020202020204" pitchFamily="34" charset="0"/>
+              </a:rPr>
+              <a:t>: </a:t>
+            </a:r>
+            <a:r>
+              <a:rPr lang="en-US" b="0" i="1" u="none" strike="noStrike" dirty="0">
+                <a:solidFill>
+                  <a:srgbClr val="1177CC"/>
+                </a:solidFill>
+                <a:effectLst/>
+                <a:latin typeface="Arial" panose="020B0604020202020204" pitchFamily="34" charset="0"/>
+                <a:hlinkClick r:id="rId5"/>
+              </a:rPr>
+              <a:t>Information Hiding in Communication Networks</a:t>
+            </a:r>
+            <a:r>
+              <a:rPr lang="en-US" b="0" i="0" dirty="0">
+                <a:solidFill>
+                  <a:srgbClr val="222222"/>
+                </a:solidFill>
+                <a:effectLst/>
+                <a:latin typeface="Arial" panose="020B0604020202020204" pitchFamily="34" charset="0"/>
+              </a:rPr>
+              <a:t>, Wiley, 2016. Chapters 3 and 8 contain discussions on hiding patterns, basically on the basis of [1] but with an extension of timing-based patterns.</a:t>
+            </a:r>
+            <a:br>
+              <a:rPr lang="en-US" b="0" i="0" dirty="0">
+                <a:solidFill>
+                  <a:srgbClr val="222222"/>
+                </a:solidFill>
+                <a:effectLst/>
+                <a:latin typeface="Arial" panose="020B0604020202020204" pitchFamily="34" charset="0"/>
+              </a:rPr>
+            </a:br>
+            <a:br>
+              <a:rPr lang="en-US" b="0" i="0" dirty="0">
+                <a:solidFill>
+                  <a:srgbClr val="222222"/>
+                </a:solidFill>
+                <a:effectLst/>
+                <a:latin typeface="Arial" panose="020B0604020202020204" pitchFamily="34" charset="0"/>
+              </a:rPr>
+            </a:br>
+            <a:r>
+              <a:rPr lang="en-US" b="0" i="0" dirty="0">
+                <a:solidFill>
+                  <a:srgbClr val="222222"/>
+                </a:solidFill>
+                <a:effectLst/>
+                <a:latin typeface="Arial" panose="020B0604020202020204" pitchFamily="34" charset="0"/>
+              </a:rPr>
+              <a:t>[3] W. </a:t>
+            </a:r>
+            <a:r>
+              <a:rPr lang="en-US" b="0" i="0" dirty="0" err="1">
+                <a:solidFill>
+                  <a:srgbClr val="222222"/>
+                </a:solidFill>
+                <a:effectLst/>
+                <a:latin typeface="Arial" panose="020B0604020202020204" pitchFamily="34" charset="0"/>
+              </a:rPr>
+              <a:t>Mazurczyk</a:t>
+            </a:r>
+            <a:r>
+              <a:rPr lang="en-US" b="0" i="0" dirty="0">
+                <a:solidFill>
+                  <a:srgbClr val="222222"/>
+                </a:solidFill>
+                <a:effectLst/>
+                <a:latin typeface="Arial" panose="020B0604020202020204" pitchFamily="34" charset="0"/>
+              </a:rPr>
+              <a:t>, S. </a:t>
+            </a:r>
+            <a:r>
+              <a:rPr lang="en-US" b="0" i="0" dirty="0" err="1">
+                <a:solidFill>
+                  <a:srgbClr val="222222"/>
+                </a:solidFill>
+                <a:effectLst/>
+                <a:latin typeface="Arial" panose="020B0604020202020204" pitchFamily="34" charset="0"/>
+              </a:rPr>
+              <a:t>Wendzel</a:t>
+            </a:r>
+            <a:r>
+              <a:rPr lang="en-US" b="0" i="0" dirty="0">
+                <a:solidFill>
+                  <a:srgbClr val="222222"/>
+                </a:solidFill>
+                <a:effectLst/>
+                <a:latin typeface="Arial" panose="020B0604020202020204" pitchFamily="34" charset="0"/>
+              </a:rPr>
+              <a:t>, K. </a:t>
+            </a:r>
+            <a:r>
+              <a:rPr lang="en-US" b="0" i="0" dirty="0" err="1">
+                <a:solidFill>
+                  <a:srgbClr val="222222"/>
+                </a:solidFill>
+                <a:effectLst/>
+                <a:latin typeface="Arial" panose="020B0604020202020204" pitchFamily="34" charset="0"/>
+              </a:rPr>
+              <a:t>Cabaj</a:t>
+            </a:r>
+            <a:r>
+              <a:rPr lang="en-US" b="0" i="0" dirty="0">
+                <a:solidFill>
+                  <a:srgbClr val="222222"/>
+                </a:solidFill>
+                <a:effectLst/>
+                <a:latin typeface="Arial" panose="020B0604020202020204" pitchFamily="34" charset="0"/>
+              </a:rPr>
+              <a:t>: </a:t>
+            </a:r>
+            <a:r>
+              <a:rPr lang="en-US" b="0" i="1" u="none" strike="noStrike" dirty="0">
+                <a:solidFill>
+                  <a:srgbClr val="1177CC"/>
+                </a:solidFill>
+                <a:effectLst/>
+                <a:latin typeface="Arial" panose="020B0604020202020204" pitchFamily="34" charset="0"/>
+                <a:hlinkClick r:id="rId6"/>
+              </a:rPr>
+              <a:t>Towards Deriving Insights into Data Hiding Methods Using Pattern-based Approach</a:t>
+            </a:r>
+            <a:r>
+              <a:rPr lang="en-US" b="0" i="0" dirty="0">
+                <a:solidFill>
+                  <a:srgbClr val="222222"/>
+                </a:solidFill>
+                <a:effectLst/>
+                <a:latin typeface="Arial" panose="020B0604020202020204" pitchFamily="34" charset="0"/>
+              </a:rPr>
+              <a:t>, in Proc. Second International Workshop on Criminal Use of Information Hiding (CUING 2018) at ARES, pp. 10:1-10:10, ACM, 2018.</a:t>
+            </a:r>
+          </a:p>
+          <a:p>
+            <a:pPr algn="l"/>
+            <a:r>
+              <a:rPr lang="en-US" b="0" i="0" dirty="0">
+                <a:solidFill>
+                  <a:srgbClr val="222222"/>
+                </a:solidFill>
+                <a:effectLst/>
+                <a:latin typeface="Arial" panose="020B0604020202020204" pitchFamily="34" charset="0"/>
+              </a:rPr>
+              <a:t>[4] A. </a:t>
+            </a:r>
+            <a:r>
+              <a:rPr lang="en-US" b="0" i="0" dirty="0" err="1">
+                <a:solidFill>
+                  <a:srgbClr val="222222"/>
+                </a:solidFill>
+                <a:effectLst/>
+                <a:latin typeface="Arial" panose="020B0604020202020204" pitchFamily="34" charset="0"/>
+              </a:rPr>
+              <a:t>Velinov</a:t>
+            </a:r>
+            <a:r>
+              <a:rPr lang="en-US" b="0" i="0" dirty="0">
+                <a:solidFill>
+                  <a:srgbClr val="222222"/>
+                </a:solidFill>
+                <a:effectLst/>
+                <a:latin typeface="Arial" panose="020B0604020202020204" pitchFamily="34" charset="0"/>
+              </a:rPr>
+              <a:t>, A. </a:t>
+            </a:r>
+            <a:r>
+              <a:rPr lang="en-US" b="0" i="0" dirty="0" err="1">
+                <a:solidFill>
+                  <a:srgbClr val="222222"/>
+                </a:solidFill>
+                <a:effectLst/>
+                <a:latin typeface="Arial" panose="020B0604020202020204" pitchFamily="34" charset="0"/>
+              </a:rPr>
+              <a:t>Mileva</a:t>
+            </a:r>
+            <a:r>
+              <a:rPr lang="en-US" b="0" i="0" dirty="0">
+                <a:solidFill>
+                  <a:srgbClr val="222222"/>
+                </a:solidFill>
+                <a:effectLst/>
+                <a:latin typeface="Arial" panose="020B0604020202020204" pitchFamily="34" charset="0"/>
+              </a:rPr>
+              <a:t>, S. </a:t>
+            </a:r>
+            <a:r>
+              <a:rPr lang="en-US" b="0" i="0" dirty="0" err="1">
+                <a:solidFill>
+                  <a:srgbClr val="222222"/>
+                </a:solidFill>
+                <a:effectLst/>
+                <a:latin typeface="Arial" panose="020B0604020202020204" pitchFamily="34" charset="0"/>
+              </a:rPr>
+              <a:t>Wendzel</a:t>
+            </a:r>
+            <a:r>
+              <a:rPr lang="en-US" b="0" i="0" dirty="0">
+                <a:solidFill>
+                  <a:srgbClr val="222222"/>
+                </a:solidFill>
+                <a:effectLst/>
+                <a:latin typeface="Arial" panose="020B0604020202020204" pitchFamily="34" charset="0"/>
+              </a:rPr>
+              <a:t>, W. </a:t>
+            </a:r>
+            <a:r>
+              <a:rPr lang="en-US" b="0" i="0" dirty="0" err="1">
+                <a:solidFill>
+                  <a:srgbClr val="222222"/>
+                </a:solidFill>
+                <a:effectLst/>
+                <a:latin typeface="Arial" panose="020B0604020202020204" pitchFamily="34" charset="0"/>
+              </a:rPr>
+              <a:t>Mazurczyk</a:t>
+            </a:r>
+            <a:r>
+              <a:rPr lang="en-US" b="0" i="0" dirty="0">
+                <a:solidFill>
+                  <a:srgbClr val="222222"/>
+                </a:solidFill>
+                <a:effectLst/>
+                <a:latin typeface="Arial" panose="020B0604020202020204" pitchFamily="34" charset="0"/>
+              </a:rPr>
+              <a:t>: </a:t>
+            </a:r>
+            <a:r>
+              <a:rPr lang="en-US" b="0" i="0" u="none" strike="noStrike" dirty="0">
+                <a:solidFill>
+                  <a:srgbClr val="1177CC"/>
+                </a:solidFill>
+                <a:effectLst/>
+                <a:latin typeface="Arial" panose="020B0604020202020204" pitchFamily="34" charset="0"/>
+                <a:hlinkClick r:id="rId7"/>
+              </a:rPr>
+              <a:t>Covert Channels in MQTT-based Internet of Things</a:t>
+            </a:r>
+            <a:r>
+              <a:rPr lang="en-US" b="0" i="0" dirty="0">
+                <a:solidFill>
+                  <a:srgbClr val="222222"/>
+                </a:solidFill>
+                <a:effectLst/>
+                <a:latin typeface="Arial" panose="020B0604020202020204" pitchFamily="34" charset="0"/>
+              </a:rPr>
+              <a:t>, </a:t>
+            </a:r>
+            <a:r>
+              <a:rPr lang="en-US" b="0" i="1" dirty="0">
+                <a:solidFill>
+                  <a:srgbClr val="222222"/>
+                </a:solidFill>
+                <a:effectLst/>
+                <a:latin typeface="Arial" panose="020B0604020202020204" pitchFamily="34" charset="0"/>
+              </a:rPr>
+              <a:t>IEEE ACCESS</a:t>
+            </a:r>
+            <a:r>
+              <a:rPr lang="en-US" b="0" i="0" dirty="0">
+                <a:solidFill>
+                  <a:srgbClr val="222222"/>
+                </a:solidFill>
+                <a:effectLst/>
+                <a:latin typeface="Arial" panose="020B0604020202020204" pitchFamily="34" charset="0"/>
+              </a:rPr>
+              <a:t>, Vol. 7, pp. 161899-161915, 2019. </a:t>
+            </a:r>
+            <a:br>
+              <a:rPr lang="en-US" b="0" i="0" dirty="0">
+                <a:solidFill>
+                  <a:srgbClr val="222222"/>
+                </a:solidFill>
+                <a:effectLst/>
+                <a:latin typeface="Arial" panose="020B0604020202020204" pitchFamily="34" charset="0"/>
+              </a:rPr>
+            </a:br>
+            <a:endParaRPr lang="en-US" b="0" i="0" dirty="0">
+              <a:solidFill>
+                <a:srgbClr val="222222"/>
+              </a:solidFill>
+              <a:effectLst/>
+              <a:latin typeface="Arial" panose="020B0604020202020204" pitchFamily="34" charset="0"/>
+            </a:endParaRPr>
+          </a:p>
+          <a:p>
+            <a:pPr algn="l"/>
+            <a:r>
+              <a:rPr lang="en-US" b="0" i="0" dirty="0">
+                <a:solidFill>
+                  <a:srgbClr val="222222"/>
+                </a:solidFill>
+                <a:effectLst/>
+                <a:latin typeface="Arial" panose="020B0604020202020204" pitchFamily="34" charset="0"/>
+              </a:rPr>
+              <a:t>[5] A. </a:t>
+            </a:r>
+            <a:r>
+              <a:rPr lang="en-US" b="0" i="0" dirty="0" err="1">
+                <a:solidFill>
+                  <a:srgbClr val="222222"/>
+                </a:solidFill>
+                <a:effectLst/>
+                <a:latin typeface="Arial" panose="020B0604020202020204" pitchFamily="34" charset="0"/>
+              </a:rPr>
+              <a:t>Mileva</a:t>
+            </a:r>
+            <a:r>
+              <a:rPr lang="en-US" b="0" i="0" dirty="0">
+                <a:solidFill>
+                  <a:srgbClr val="222222"/>
+                </a:solidFill>
+                <a:effectLst/>
+                <a:latin typeface="Arial" panose="020B0604020202020204" pitchFamily="34" charset="0"/>
+              </a:rPr>
+              <a:t>, A. </a:t>
+            </a:r>
+            <a:r>
+              <a:rPr lang="en-US" b="0" i="0" dirty="0" err="1">
+                <a:solidFill>
+                  <a:srgbClr val="222222"/>
+                </a:solidFill>
+                <a:effectLst/>
+                <a:latin typeface="Arial" panose="020B0604020202020204" pitchFamily="34" charset="0"/>
+              </a:rPr>
+              <a:t>Velinov</a:t>
+            </a:r>
+            <a:r>
+              <a:rPr lang="en-US" b="0" i="0" dirty="0">
+                <a:solidFill>
+                  <a:srgbClr val="222222"/>
+                </a:solidFill>
+                <a:effectLst/>
+                <a:latin typeface="Arial" panose="020B0604020202020204" pitchFamily="34" charset="0"/>
+              </a:rPr>
+              <a:t>, L. Hartmann, S. </a:t>
+            </a:r>
+            <a:r>
+              <a:rPr lang="en-US" b="0" i="0" dirty="0" err="1">
+                <a:solidFill>
+                  <a:srgbClr val="222222"/>
+                </a:solidFill>
+                <a:effectLst/>
+                <a:latin typeface="Arial" panose="020B0604020202020204" pitchFamily="34" charset="0"/>
+              </a:rPr>
+              <a:t>Wendzel</a:t>
+            </a:r>
+            <a:r>
+              <a:rPr lang="en-US" b="0" i="0" dirty="0">
+                <a:solidFill>
+                  <a:srgbClr val="222222"/>
+                </a:solidFill>
+                <a:effectLst/>
+                <a:latin typeface="Arial" panose="020B0604020202020204" pitchFamily="34" charset="0"/>
+              </a:rPr>
+              <a:t>, W. </a:t>
+            </a:r>
+            <a:r>
+              <a:rPr lang="en-US" b="0" i="0" dirty="0" err="1">
+                <a:solidFill>
+                  <a:srgbClr val="222222"/>
+                </a:solidFill>
+                <a:effectLst/>
+                <a:latin typeface="Arial" panose="020B0604020202020204" pitchFamily="34" charset="0"/>
+              </a:rPr>
+              <a:t>Mazurczyk</a:t>
+            </a:r>
+            <a:r>
+              <a:rPr lang="en-US" b="0" i="0" dirty="0">
+                <a:solidFill>
+                  <a:srgbClr val="222222"/>
+                </a:solidFill>
+                <a:effectLst/>
+                <a:latin typeface="Arial" panose="020B0604020202020204" pitchFamily="34" charset="0"/>
+              </a:rPr>
+              <a:t>: </a:t>
+            </a:r>
+            <a:r>
+              <a:rPr lang="en-US" b="0" i="1" dirty="0">
+                <a:solidFill>
+                  <a:srgbClr val="222222"/>
+                </a:solidFill>
+                <a:effectLst/>
+                <a:latin typeface="Arial" panose="020B0604020202020204" pitchFamily="34" charset="0"/>
+              </a:rPr>
+              <a:t>Comprehensive Analysis of MQTT 5.0 Susceptibility to Network Covert Channels</a:t>
+            </a:r>
+            <a:r>
+              <a:rPr lang="en-US" b="0" i="0" dirty="0">
+                <a:solidFill>
+                  <a:srgbClr val="222222"/>
+                </a:solidFill>
+                <a:effectLst/>
+                <a:latin typeface="Arial" panose="020B0604020202020204" pitchFamily="34" charset="0"/>
+              </a:rPr>
+              <a:t>, Computers &amp; Security, Elsevier, 2021. </a:t>
+            </a:r>
+          </a:p>
+          <a:p>
+            <a:pPr algn="l"/>
+            <a:r>
+              <a:rPr lang="en-US" b="0" i="0" dirty="0">
+                <a:solidFill>
+                  <a:srgbClr val="222222"/>
+                </a:solidFill>
+                <a:effectLst/>
+                <a:latin typeface="Arial" panose="020B0604020202020204" pitchFamily="34" charset="0"/>
+              </a:rPr>
+              <a:t>[6] L. Hartmann, S. </a:t>
+            </a:r>
+            <a:r>
+              <a:rPr lang="en-US" b="0" i="0" dirty="0" err="1">
+                <a:solidFill>
+                  <a:srgbClr val="222222"/>
+                </a:solidFill>
+                <a:effectLst/>
+                <a:latin typeface="Arial" panose="020B0604020202020204" pitchFamily="34" charset="0"/>
+              </a:rPr>
+              <a:t>Zillien</a:t>
+            </a:r>
+            <a:r>
+              <a:rPr lang="en-US" b="0" i="0" dirty="0">
+                <a:solidFill>
+                  <a:srgbClr val="222222"/>
+                </a:solidFill>
+                <a:effectLst/>
+                <a:latin typeface="Arial" panose="020B0604020202020204" pitchFamily="34" charset="0"/>
+              </a:rPr>
+              <a:t>, S. </a:t>
+            </a:r>
+            <a:r>
+              <a:rPr lang="en-US" b="0" i="0" dirty="0" err="1">
+                <a:solidFill>
+                  <a:srgbClr val="222222"/>
+                </a:solidFill>
+                <a:effectLst/>
+                <a:latin typeface="Arial" panose="020B0604020202020204" pitchFamily="34" charset="0"/>
+              </a:rPr>
+              <a:t>Wendzel</a:t>
+            </a:r>
+            <a:r>
+              <a:rPr lang="en-US" b="0" i="0" dirty="0">
+                <a:solidFill>
+                  <a:srgbClr val="222222"/>
+                </a:solidFill>
+                <a:effectLst/>
+                <a:latin typeface="Arial" panose="020B0604020202020204" pitchFamily="34" charset="0"/>
+              </a:rPr>
+              <a:t>: </a:t>
+            </a:r>
+            <a:r>
+              <a:rPr lang="en-US" b="0" i="1" dirty="0">
+                <a:solidFill>
+                  <a:srgbClr val="222222"/>
+                </a:solidFill>
+                <a:effectLst/>
+                <a:latin typeface="Arial" panose="020B0604020202020204" pitchFamily="34" charset="0"/>
+              </a:rPr>
+              <a:t>Reset- and Reconnection-based Covert Channels in CoAP</a:t>
+            </a:r>
+            <a:r>
+              <a:rPr lang="en-US" b="0" i="0" dirty="0">
+                <a:solidFill>
+                  <a:srgbClr val="222222"/>
+                </a:solidFill>
+                <a:effectLst/>
+                <a:latin typeface="Arial" panose="020B0604020202020204" pitchFamily="34" charset="0"/>
+              </a:rPr>
+              <a:t>. In: Proc. European Interdisciplinary Cybersecurity Conference (EICC), 2021.</a:t>
+            </a:r>
+          </a:p>
+          <a:p>
+            <a:endParaRPr lang="en-US" dirty="0"/>
+          </a:p>
+        </p:txBody>
+      </p:sp>
+    </p:spTree>
+    <p:extLst>
+      <p:ext uri="{BB962C8B-B14F-4D97-AF65-F5344CB8AC3E}">
+        <p14:creationId xmlns:p14="http://schemas.microsoft.com/office/powerpoint/2010/main" val="4087832577"/>
+      </p:ext>
+    </p:extLst>
+  </p:cSld>
+  <p:clrMapOvr>
+    <a:masterClrMapping/>
+  </p:clrMapOvr>
+</p:notes>
+</file>
+
+<file path=ppt/notesSlides/notesSlide12.xml><?xml version="1.0" encoding="utf-8"?>
+<p:notes xmlns:a="http://schemas.openxmlformats.org/drawingml/2006/main" xmlns:r="http://schemas.openxmlformats.org/officeDocument/2006/relationships" xmlns:p="http://schemas.openxmlformats.org/presentationml/2006/main">
+  <p:cSld>
+    <p:spTree>
+      <p:nvGrpSpPr>
+        <p:cNvPr id="1" name=""/>
+        <p:cNvGrpSpPr/>
+        <p:nvPr/>
+      </p:nvGrpSpPr>
+      <p:grpSpPr>
+        <a:xfrm>
+          <a:off x="0" y="0"/>
+          <a:ext cx="0" cy="0"/>
+          <a:chOff x="0" y="0"/>
+          <a:chExt cx="0" cy="0"/>
+        </a:xfrm>
+      </p:grpSpPr>
+      <p:sp>
+        <p:nvSpPr>
+          <p:cNvPr id="2" name="Slide Image Placeholder 1"/>
+          <p:cNvSpPr>
+            <a:spLocks noGrp="1" noRot="1" noChangeAspect="1"/>
+          </p:cNvSpPr>
+          <p:nvPr>
+            <p:ph type="sldImg"/>
+          </p:nvPr>
+        </p:nvSpPr>
+        <p:spPr/>
+      </p:sp>
+      <p:sp>
+        <p:nvSpPr>
+          <p:cNvPr id="3" name="Notes Placeholder 2"/>
+          <p:cNvSpPr>
+            <a:spLocks noGrp="1"/>
+          </p:cNvSpPr>
+          <p:nvPr>
+            <p:ph type="body" idx="1"/>
+          </p:nvPr>
+        </p:nvSpPr>
+        <p:spPr/>
+        <p:txBody>
+          <a:bodyPr/>
+          <a:lstStyle/>
+          <a:p>
+            <a:r>
+              <a:rPr lang="en-US" dirty="0"/>
+              <a:t>Why is detection extremely difficult? – Everything can be used for good and bad.</a:t>
+            </a:r>
+          </a:p>
+          <a:p>
+            <a:r>
+              <a:rPr lang="en-US" dirty="0"/>
+              <a:t>Only way to determine intent is after the fact.</a:t>
+            </a:r>
+          </a:p>
+          <a:p>
+            <a:endParaRPr lang="en-US" dirty="0"/>
+          </a:p>
+        </p:txBody>
+      </p:sp>
+    </p:spTree>
+    <p:extLst>
+      <p:ext uri="{BB962C8B-B14F-4D97-AF65-F5344CB8AC3E}">
+        <p14:creationId xmlns:p14="http://schemas.microsoft.com/office/powerpoint/2010/main" val="3541831844"/>
+      </p:ext>
+    </p:extLst>
+  </p:cSld>
+  <p:clrMapOvr>
+    <a:masterClrMapping/>
+  </p:clrMapOvr>
+</p:notes>
+</file>
+
+<file path=ppt/notesSlides/notesSlide13.xml><?xml version="1.0" encoding="utf-8"?>
+<p:notes xmlns:a="http://schemas.openxmlformats.org/drawingml/2006/main" xmlns:r="http://schemas.openxmlformats.org/officeDocument/2006/relationships" xmlns:p="http://schemas.openxmlformats.org/presentationml/2006/main">
+  <p:cSld>
+    <p:spTree>
+      <p:nvGrpSpPr>
+        <p:cNvPr id="1" name=""/>
+        <p:cNvGrpSpPr/>
+        <p:nvPr/>
+      </p:nvGrpSpPr>
+      <p:grpSpPr>
+        <a:xfrm>
+          <a:off x="0" y="0"/>
+          <a:ext cx="0" cy="0"/>
+          <a:chOff x="0" y="0"/>
+          <a:chExt cx="0" cy="0"/>
+        </a:xfrm>
+      </p:grpSpPr>
+      <p:sp>
+        <p:nvSpPr>
+          <p:cNvPr id="2" name="Slide Image Placeholder 1"/>
+          <p:cNvSpPr>
+            <a:spLocks noGrp="1" noRot="1" noChangeAspect="1"/>
+          </p:cNvSpPr>
+          <p:nvPr>
+            <p:ph type="sldImg"/>
+          </p:nvPr>
+        </p:nvSpPr>
+        <p:spPr/>
+      </p:sp>
+      <p:sp>
+        <p:nvSpPr>
+          <p:cNvPr id="3" name="Notes Placeholder 2"/>
+          <p:cNvSpPr>
+            <a:spLocks noGrp="1"/>
+          </p:cNvSpPr>
+          <p:nvPr>
+            <p:ph type="body" idx="1"/>
+          </p:nvPr>
+        </p:nvSpPr>
+        <p:spPr/>
+        <p:txBody>
+          <a:bodyPr>
+            <a:normAutofit fontScale="92500" lnSpcReduction="10000"/>
+          </a:bodyPr>
+          <a:lstStyle/>
+          <a:p>
+            <a:r>
+              <a:rPr lang="en-US" dirty="0"/>
+              <a:t>Dr J – AI wont work, it improves efficiency, it does nothing for effectiveness. Will not improve the effectiveness of failed processes.</a:t>
+            </a:r>
+          </a:p>
+          <a:p>
+            <a:endParaRPr lang="en-US" dirty="0"/>
+          </a:p>
+          <a:p>
+            <a:r>
+              <a:rPr lang="en-US" dirty="0"/>
+              <a:t>Traffic Normalizers – Remove ambiguities and policy breaking elements in network traffic. (i.e. replace TTL field)</a:t>
+            </a:r>
+          </a:p>
+          <a:p>
+            <a:r>
+              <a:rPr lang="en-US" dirty="0"/>
+              <a:t>	- Might also set setting headers to default values</a:t>
+            </a:r>
+          </a:p>
+          <a:p>
+            <a:r>
+              <a:rPr lang="en-US" dirty="0"/>
+              <a:t>	- Limited by buffer size for re-ordering or fixing timing</a:t>
+            </a:r>
+          </a:p>
+          <a:p>
+            <a:r>
+              <a:rPr lang="en-US" dirty="0"/>
+              <a:t>Statistical Approaches – Detection vs inter-arrival time pattern, random value pattern, and maybe others based on statistical value distributions</a:t>
+            </a:r>
+          </a:p>
+          <a:p>
+            <a:r>
+              <a:rPr lang="en-US" dirty="0"/>
+              <a:t>Machine Learning – Covert channels can be detected using supervised ML approaches </a:t>
+            </a:r>
+          </a:p>
+          <a:p>
+            <a:r>
+              <a:rPr lang="en-US" dirty="0"/>
+              <a:t>	-SVM – can detect IP ID or TCP ISN covert channels</a:t>
+            </a:r>
+          </a:p>
+          <a:p>
+            <a:r>
+              <a:rPr lang="en-US" dirty="0"/>
+              <a:t>	-NN – can detect TCP ISN</a:t>
+            </a:r>
+          </a:p>
+          <a:p>
+            <a:r>
+              <a:rPr lang="en-US" dirty="0"/>
+              <a:t>	-C4.5 DT – can detect inter-packet timing channels and simple protocol switching channels</a:t>
+            </a:r>
+          </a:p>
+          <a:p>
+            <a:r>
+              <a:rPr lang="en-US" dirty="0"/>
+              <a:t>Web Tap – measures browsing patters to determine if it is a legit user</a:t>
+            </a:r>
+          </a:p>
+          <a:p>
+            <a:r>
+              <a:rPr lang="en-US" dirty="0"/>
+              <a:t>	-Header format, Delay times, Request sizes, bandwidth usage (out vs in), request regularity/ time</a:t>
+            </a:r>
+          </a:p>
+          <a:p>
+            <a:r>
+              <a:rPr lang="en-US" dirty="0"/>
+              <a:t>Tunnel Hunter – statistical fingerprinting to detect network tunnels</a:t>
+            </a:r>
+          </a:p>
+          <a:p>
+            <a:r>
+              <a:rPr lang="en-US" dirty="0"/>
+              <a:t>	-IP packet size, time between arrival, order of arrival </a:t>
+            </a:r>
+          </a:p>
+          <a:p>
+            <a:endParaRPr lang="en-US" dirty="0"/>
+          </a:p>
           <a:p>
             <a:pPr marL="0" marR="0" lvl="0" indent="0" algn="l" defTabSz="914400" rtl="0" eaLnBrk="1" fontAlgn="auto" latinLnBrk="0" hangingPunct="1">
               <a:lnSpc>
@@ -785,7 +2554,856 @@
     </p:spTree>
     <p:extLst>
       <p:ext uri="{BB962C8B-B14F-4D97-AF65-F5344CB8AC3E}">
-        <p14:creationId xmlns:p14="http://schemas.microsoft.com/office/powerpoint/2010/main" val="311151459"/>
+        <p14:creationId xmlns:p14="http://schemas.microsoft.com/office/powerpoint/2010/main" val="3578883136"/>
+      </p:ext>
+    </p:extLst>
+  </p:cSld>
+  <p:clrMapOvr>
+    <a:masterClrMapping/>
+  </p:clrMapOvr>
+</p:notes>
+</file>
+
+<file path=ppt/notesSlides/notesSlide14.xml><?xml version="1.0" encoding="utf-8"?>
+<p:notes xmlns:a="http://schemas.openxmlformats.org/drawingml/2006/main" xmlns:r="http://schemas.openxmlformats.org/officeDocument/2006/relationships" xmlns:p="http://schemas.openxmlformats.org/presentationml/2006/main">
+  <p:cSld>
+    <p:spTree>
+      <p:nvGrpSpPr>
+        <p:cNvPr id="1" name=""/>
+        <p:cNvGrpSpPr/>
+        <p:nvPr/>
+      </p:nvGrpSpPr>
+      <p:grpSpPr>
+        <a:xfrm>
+          <a:off x="0" y="0"/>
+          <a:ext cx="0" cy="0"/>
+          <a:chOff x="0" y="0"/>
+          <a:chExt cx="0" cy="0"/>
+        </a:xfrm>
+      </p:grpSpPr>
+      <p:sp>
+        <p:nvSpPr>
+          <p:cNvPr id="2" name="Slide Image Placeholder 1"/>
+          <p:cNvSpPr>
+            <a:spLocks noGrp="1" noRot="1" noChangeAspect="1"/>
+          </p:cNvSpPr>
+          <p:nvPr>
+            <p:ph type="sldImg"/>
+          </p:nvPr>
+        </p:nvSpPr>
+        <p:spPr/>
+      </p:sp>
+      <p:sp>
+        <p:nvSpPr>
+          <p:cNvPr id="3" name="Notes Placeholder 2"/>
+          <p:cNvSpPr>
+            <a:spLocks noGrp="1"/>
+          </p:cNvSpPr>
+          <p:nvPr>
+            <p:ph type="body" idx="1"/>
+          </p:nvPr>
+        </p:nvSpPr>
+        <p:spPr/>
+        <p:txBody>
+          <a:bodyPr/>
+          <a:lstStyle/>
+          <a:p>
+            <a:r>
+              <a:rPr lang="en-US" dirty="0"/>
+              <a:t>Why is detection extremely difficult? – Everything can be used for good and bad.</a:t>
+            </a:r>
+          </a:p>
+          <a:p>
+            <a:r>
+              <a:rPr lang="en-US" dirty="0"/>
+              <a:t>Only way to determine intent is after the fact.</a:t>
+            </a:r>
+          </a:p>
+          <a:p>
+            <a:endParaRPr lang="en-US" dirty="0"/>
+          </a:p>
+          <a:p>
+            <a:r>
+              <a:rPr lang="en-US" dirty="0"/>
+              <a:t>Dr J video: </a:t>
+            </a:r>
+            <a:r>
+              <a:rPr lang="en-US" dirty="0">
+                <a:hlinkClick r:id="rId3"/>
+              </a:rPr>
+              <a:t>https://drive.google.com/file/d/16HpL1qxRjlv6YxaC59_Jb3yMlKtvaJni/view?fbclid=IwAR2PlPvzaUYx6Dvmn2X0-ro398YgznFL4QzrdKxUlN7lBlHzx9LdZAWsVys</a:t>
+            </a:r>
+            <a:endParaRPr lang="en-US" dirty="0"/>
+          </a:p>
+          <a:p>
+            <a:r>
+              <a:rPr lang="en-US" dirty="0"/>
+              <a:t>7:35 for Hume’s Induction Problem</a:t>
+            </a:r>
+          </a:p>
+          <a:p>
+            <a:r>
+              <a:rPr lang="en-US" dirty="0"/>
+              <a:t>47:28 for why AI/ML wont save us (ends at 50:30)</a:t>
+            </a:r>
+          </a:p>
+        </p:txBody>
+      </p:sp>
+    </p:spTree>
+    <p:extLst>
+      <p:ext uri="{BB962C8B-B14F-4D97-AF65-F5344CB8AC3E}">
+        <p14:creationId xmlns:p14="http://schemas.microsoft.com/office/powerpoint/2010/main" val="2525503367"/>
+      </p:ext>
+    </p:extLst>
+  </p:cSld>
+  <p:clrMapOvr>
+    <a:masterClrMapping/>
+  </p:clrMapOvr>
+</p:notes>
+</file>
+
+<file path=ppt/notesSlides/notesSlide15.xml><?xml version="1.0" encoding="utf-8"?>
+<p:notes xmlns:a="http://schemas.openxmlformats.org/drawingml/2006/main" xmlns:r="http://schemas.openxmlformats.org/officeDocument/2006/relationships" xmlns:p="http://schemas.openxmlformats.org/presentationml/2006/main">
+  <p:cSld>
+    <p:spTree>
+      <p:nvGrpSpPr>
+        <p:cNvPr id="1" name=""/>
+        <p:cNvGrpSpPr/>
+        <p:nvPr/>
+      </p:nvGrpSpPr>
+      <p:grpSpPr>
+        <a:xfrm>
+          <a:off x="0" y="0"/>
+          <a:ext cx="0" cy="0"/>
+          <a:chOff x="0" y="0"/>
+          <a:chExt cx="0" cy="0"/>
+        </a:xfrm>
+      </p:grpSpPr>
+      <p:sp>
+        <p:nvSpPr>
+          <p:cNvPr id="2" name="Slide Image Placeholder 1"/>
+          <p:cNvSpPr>
+            <a:spLocks noGrp="1" noRot="1" noChangeAspect="1"/>
+          </p:cNvSpPr>
+          <p:nvPr>
+            <p:ph type="sldImg"/>
+          </p:nvPr>
+        </p:nvSpPr>
+        <p:spPr/>
+      </p:sp>
+      <p:sp>
+        <p:nvSpPr>
+          <p:cNvPr id="3" name="Notes Placeholder 2"/>
+          <p:cNvSpPr>
+            <a:spLocks noGrp="1"/>
+          </p:cNvSpPr>
+          <p:nvPr>
+            <p:ph type="body" idx="1"/>
+          </p:nvPr>
+        </p:nvSpPr>
+        <p:spPr/>
+        <p:txBody>
+          <a:bodyPr>
+            <a:normAutofit fontScale="92500" lnSpcReduction="10000"/>
+          </a:bodyPr>
+          <a:lstStyle/>
+          <a:p>
+            <a:pPr algn="l"/>
+            <a:r>
+              <a:rPr lang="en-US" b="0" i="0" dirty="0">
+                <a:solidFill>
+                  <a:srgbClr val="222222"/>
+                </a:solidFill>
+                <a:effectLst/>
+                <a:latin typeface="Arial" panose="020B0604020202020204" pitchFamily="34" charset="0"/>
+              </a:rPr>
+              <a:t>[1] S. </a:t>
+            </a:r>
+            <a:r>
+              <a:rPr lang="en-US" b="0" i="0" dirty="0" err="1">
+                <a:solidFill>
+                  <a:srgbClr val="222222"/>
+                </a:solidFill>
+                <a:effectLst/>
+                <a:latin typeface="Arial" panose="020B0604020202020204" pitchFamily="34" charset="0"/>
+              </a:rPr>
+              <a:t>Wendzel</a:t>
+            </a:r>
+            <a:r>
+              <a:rPr lang="en-US" b="0" i="0" dirty="0">
+                <a:solidFill>
+                  <a:srgbClr val="222222"/>
+                </a:solidFill>
+                <a:effectLst/>
+                <a:latin typeface="Arial" panose="020B0604020202020204" pitchFamily="34" charset="0"/>
+              </a:rPr>
+              <a:t>, S. Zander, B. Fechner, C. </a:t>
+            </a:r>
+            <a:r>
+              <a:rPr lang="en-US" b="0" i="0" dirty="0" err="1">
+                <a:solidFill>
+                  <a:srgbClr val="222222"/>
+                </a:solidFill>
+                <a:effectLst/>
+                <a:latin typeface="Arial" panose="020B0604020202020204" pitchFamily="34" charset="0"/>
+              </a:rPr>
+              <a:t>Herdin</a:t>
+            </a:r>
+            <a:r>
+              <a:rPr lang="en-US" b="0" i="0" dirty="0">
+                <a:solidFill>
+                  <a:srgbClr val="222222"/>
+                </a:solidFill>
+                <a:effectLst/>
+                <a:latin typeface="Arial" panose="020B0604020202020204" pitchFamily="34" charset="0"/>
+              </a:rPr>
+              <a:t>: </a:t>
+            </a:r>
+            <a:r>
+              <a:rPr lang="en-US" b="0" i="1" u="none" strike="noStrike" dirty="0">
+                <a:solidFill>
+                  <a:srgbClr val="1177CC"/>
+                </a:solidFill>
+                <a:effectLst/>
+                <a:latin typeface="Arial" panose="020B0604020202020204" pitchFamily="34" charset="0"/>
+                <a:hlinkClick r:id="rId3"/>
+              </a:rPr>
+              <a:t>Pattern-based Survey and Categorization of Network Covert Channel Techniques</a:t>
+            </a:r>
+            <a:r>
+              <a:rPr lang="en-US" b="0" i="0" dirty="0">
+                <a:solidFill>
+                  <a:srgbClr val="222222"/>
+                </a:solidFill>
+                <a:effectLst/>
+                <a:latin typeface="Arial" panose="020B0604020202020204" pitchFamily="34" charset="0"/>
+              </a:rPr>
+              <a:t>, ACM Computing Surveys, Vol. 47, Issue 3, pp. 50:1-26, ACM, 2015.</a:t>
+            </a:r>
+            <a:br>
+              <a:rPr lang="en-US" b="0" i="0" dirty="0">
+                <a:solidFill>
+                  <a:srgbClr val="222222"/>
+                </a:solidFill>
+                <a:effectLst/>
+                <a:latin typeface="Arial" panose="020B0604020202020204" pitchFamily="34" charset="0"/>
+              </a:rPr>
+            </a:br>
+            <a:r>
+              <a:rPr lang="en-US" b="0" i="0" dirty="0">
+                <a:solidFill>
+                  <a:srgbClr val="222222"/>
+                </a:solidFill>
+                <a:effectLst/>
+                <a:latin typeface="Arial" panose="020B0604020202020204" pitchFamily="34" charset="0"/>
+              </a:rPr>
+              <a:t>An early version of the article is available here: </a:t>
+            </a:r>
+            <a:r>
+              <a:rPr lang="en-US" b="0" i="0" u="none" strike="noStrike" dirty="0">
+                <a:solidFill>
+                  <a:srgbClr val="1177CC"/>
+                </a:solidFill>
+                <a:effectLst/>
+                <a:latin typeface="Arial" panose="020B0604020202020204" pitchFamily="34" charset="0"/>
+                <a:hlinkClick r:id="rId4"/>
+              </a:rPr>
+              <a:t>download</a:t>
+            </a:r>
+            <a:r>
+              <a:rPr lang="en-US" b="0" i="0" dirty="0">
+                <a:solidFill>
+                  <a:srgbClr val="222222"/>
+                </a:solidFill>
+                <a:effectLst/>
+                <a:latin typeface="Arial" panose="020B0604020202020204" pitchFamily="34" charset="0"/>
+              </a:rPr>
+              <a:t>.</a:t>
+            </a:r>
+            <a:br>
+              <a:rPr lang="en-US" b="0" i="0" dirty="0">
+                <a:solidFill>
+                  <a:srgbClr val="222222"/>
+                </a:solidFill>
+                <a:effectLst/>
+                <a:latin typeface="Arial" panose="020B0604020202020204" pitchFamily="34" charset="0"/>
+              </a:rPr>
+            </a:br>
+            <a:br>
+              <a:rPr lang="en-US" b="0" i="0" dirty="0">
+                <a:solidFill>
+                  <a:srgbClr val="222222"/>
+                </a:solidFill>
+                <a:effectLst/>
+                <a:latin typeface="Arial" panose="020B0604020202020204" pitchFamily="34" charset="0"/>
+              </a:rPr>
+            </a:br>
+            <a:r>
+              <a:rPr lang="en-US" b="0" i="0" dirty="0">
+                <a:solidFill>
+                  <a:srgbClr val="222222"/>
+                </a:solidFill>
+                <a:effectLst/>
+                <a:latin typeface="Arial" panose="020B0604020202020204" pitchFamily="34" charset="0"/>
+              </a:rPr>
+              <a:t>[2] W. </a:t>
+            </a:r>
+            <a:r>
+              <a:rPr lang="en-US" b="0" i="0" dirty="0" err="1">
+                <a:solidFill>
+                  <a:srgbClr val="222222"/>
+                </a:solidFill>
+                <a:effectLst/>
+                <a:latin typeface="Arial" panose="020B0604020202020204" pitchFamily="34" charset="0"/>
+              </a:rPr>
+              <a:t>Mazurczyk</a:t>
+            </a:r>
+            <a:r>
+              <a:rPr lang="en-US" b="0" i="0" dirty="0">
+                <a:solidFill>
+                  <a:srgbClr val="222222"/>
+                </a:solidFill>
+                <a:effectLst/>
+                <a:latin typeface="Arial" panose="020B0604020202020204" pitchFamily="34" charset="0"/>
+              </a:rPr>
+              <a:t>, S. </a:t>
+            </a:r>
+            <a:r>
+              <a:rPr lang="en-US" b="0" i="0" dirty="0" err="1">
+                <a:solidFill>
+                  <a:srgbClr val="222222"/>
+                </a:solidFill>
+                <a:effectLst/>
+                <a:latin typeface="Arial" panose="020B0604020202020204" pitchFamily="34" charset="0"/>
+              </a:rPr>
+              <a:t>Wendzel</a:t>
+            </a:r>
+            <a:r>
+              <a:rPr lang="en-US" b="0" i="0" dirty="0">
+                <a:solidFill>
+                  <a:srgbClr val="222222"/>
+                </a:solidFill>
+                <a:effectLst/>
+                <a:latin typeface="Arial" panose="020B0604020202020204" pitchFamily="34" charset="0"/>
+              </a:rPr>
+              <a:t>, S. Zander, A. </a:t>
+            </a:r>
+            <a:r>
+              <a:rPr lang="en-US" b="0" i="0" dirty="0" err="1">
+                <a:solidFill>
+                  <a:srgbClr val="222222"/>
+                </a:solidFill>
+                <a:effectLst/>
+                <a:latin typeface="Arial" panose="020B0604020202020204" pitchFamily="34" charset="0"/>
+              </a:rPr>
+              <a:t>Houmansadr</a:t>
+            </a:r>
+            <a:r>
+              <a:rPr lang="en-US" b="0" i="0" dirty="0">
+                <a:solidFill>
+                  <a:srgbClr val="222222"/>
+                </a:solidFill>
+                <a:effectLst/>
+                <a:latin typeface="Arial" panose="020B0604020202020204" pitchFamily="34" charset="0"/>
+              </a:rPr>
+              <a:t>, K. </a:t>
+            </a:r>
+            <a:r>
+              <a:rPr lang="en-US" b="0" i="0" dirty="0" err="1">
+                <a:solidFill>
+                  <a:srgbClr val="222222"/>
+                </a:solidFill>
+                <a:effectLst/>
+                <a:latin typeface="Arial" panose="020B0604020202020204" pitchFamily="34" charset="0"/>
+              </a:rPr>
+              <a:t>Szczypiorski</a:t>
+            </a:r>
+            <a:r>
+              <a:rPr lang="en-US" b="0" i="0" dirty="0">
+                <a:solidFill>
+                  <a:srgbClr val="222222"/>
+                </a:solidFill>
+                <a:effectLst/>
+                <a:latin typeface="Arial" panose="020B0604020202020204" pitchFamily="34" charset="0"/>
+              </a:rPr>
+              <a:t>: </a:t>
+            </a:r>
+            <a:r>
+              <a:rPr lang="en-US" b="0" i="1" u="none" strike="noStrike" dirty="0">
+                <a:solidFill>
+                  <a:srgbClr val="1177CC"/>
+                </a:solidFill>
+                <a:effectLst/>
+                <a:latin typeface="Arial" panose="020B0604020202020204" pitchFamily="34" charset="0"/>
+                <a:hlinkClick r:id="rId5"/>
+              </a:rPr>
+              <a:t>Information Hiding in Communication Networks</a:t>
+            </a:r>
+            <a:r>
+              <a:rPr lang="en-US" b="0" i="0" dirty="0">
+                <a:solidFill>
+                  <a:srgbClr val="222222"/>
+                </a:solidFill>
+                <a:effectLst/>
+                <a:latin typeface="Arial" panose="020B0604020202020204" pitchFamily="34" charset="0"/>
+              </a:rPr>
+              <a:t>, Wiley, 2016. Chapters 3 and 8 contain discussions on hiding patterns, basically on the basis of [1] but with an extension of timing-based patterns.</a:t>
+            </a:r>
+            <a:br>
+              <a:rPr lang="en-US" b="0" i="0" dirty="0">
+                <a:solidFill>
+                  <a:srgbClr val="222222"/>
+                </a:solidFill>
+                <a:effectLst/>
+                <a:latin typeface="Arial" panose="020B0604020202020204" pitchFamily="34" charset="0"/>
+              </a:rPr>
+            </a:br>
+            <a:br>
+              <a:rPr lang="en-US" b="0" i="0" dirty="0">
+                <a:solidFill>
+                  <a:srgbClr val="222222"/>
+                </a:solidFill>
+                <a:effectLst/>
+                <a:latin typeface="Arial" panose="020B0604020202020204" pitchFamily="34" charset="0"/>
+              </a:rPr>
+            </a:br>
+            <a:r>
+              <a:rPr lang="en-US" b="0" i="0" dirty="0">
+                <a:solidFill>
+                  <a:srgbClr val="222222"/>
+                </a:solidFill>
+                <a:effectLst/>
+                <a:latin typeface="Arial" panose="020B0604020202020204" pitchFamily="34" charset="0"/>
+              </a:rPr>
+              <a:t>[3] W. </a:t>
+            </a:r>
+            <a:r>
+              <a:rPr lang="en-US" b="0" i="0" dirty="0" err="1">
+                <a:solidFill>
+                  <a:srgbClr val="222222"/>
+                </a:solidFill>
+                <a:effectLst/>
+                <a:latin typeface="Arial" panose="020B0604020202020204" pitchFamily="34" charset="0"/>
+              </a:rPr>
+              <a:t>Mazurczyk</a:t>
+            </a:r>
+            <a:r>
+              <a:rPr lang="en-US" b="0" i="0" dirty="0">
+                <a:solidFill>
+                  <a:srgbClr val="222222"/>
+                </a:solidFill>
+                <a:effectLst/>
+                <a:latin typeface="Arial" panose="020B0604020202020204" pitchFamily="34" charset="0"/>
+              </a:rPr>
+              <a:t>, S. </a:t>
+            </a:r>
+            <a:r>
+              <a:rPr lang="en-US" b="0" i="0" dirty="0" err="1">
+                <a:solidFill>
+                  <a:srgbClr val="222222"/>
+                </a:solidFill>
+                <a:effectLst/>
+                <a:latin typeface="Arial" panose="020B0604020202020204" pitchFamily="34" charset="0"/>
+              </a:rPr>
+              <a:t>Wendzel</a:t>
+            </a:r>
+            <a:r>
+              <a:rPr lang="en-US" b="0" i="0" dirty="0">
+                <a:solidFill>
+                  <a:srgbClr val="222222"/>
+                </a:solidFill>
+                <a:effectLst/>
+                <a:latin typeface="Arial" panose="020B0604020202020204" pitchFamily="34" charset="0"/>
+              </a:rPr>
+              <a:t>, K. </a:t>
+            </a:r>
+            <a:r>
+              <a:rPr lang="en-US" b="0" i="0" dirty="0" err="1">
+                <a:solidFill>
+                  <a:srgbClr val="222222"/>
+                </a:solidFill>
+                <a:effectLst/>
+                <a:latin typeface="Arial" panose="020B0604020202020204" pitchFamily="34" charset="0"/>
+              </a:rPr>
+              <a:t>Cabaj</a:t>
+            </a:r>
+            <a:r>
+              <a:rPr lang="en-US" b="0" i="0" dirty="0">
+                <a:solidFill>
+                  <a:srgbClr val="222222"/>
+                </a:solidFill>
+                <a:effectLst/>
+                <a:latin typeface="Arial" panose="020B0604020202020204" pitchFamily="34" charset="0"/>
+              </a:rPr>
+              <a:t>: </a:t>
+            </a:r>
+            <a:r>
+              <a:rPr lang="en-US" b="0" i="1" u="none" strike="noStrike" dirty="0">
+                <a:solidFill>
+                  <a:srgbClr val="1177CC"/>
+                </a:solidFill>
+                <a:effectLst/>
+                <a:latin typeface="Arial" panose="020B0604020202020204" pitchFamily="34" charset="0"/>
+                <a:hlinkClick r:id="rId6"/>
+              </a:rPr>
+              <a:t>Towards Deriving Insights into Data Hiding Methods Using Pattern-based Approach</a:t>
+            </a:r>
+            <a:r>
+              <a:rPr lang="en-US" b="0" i="0" dirty="0">
+                <a:solidFill>
+                  <a:srgbClr val="222222"/>
+                </a:solidFill>
+                <a:effectLst/>
+                <a:latin typeface="Arial" panose="020B0604020202020204" pitchFamily="34" charset="0"/>
+              </a:rPr>
+              <a:t>, in Proc. Second International Workshop on Criminal Use of Information Hiding (CUING 2018) at ARES, pp. 10:1-10:10, ACM, 2018.</a:t>
+            </a:r>
+          </a:p>
+          <a:p>
+            <a:pPr algn="l"/>
+            <a:r>
+              <a:rPr lang="en-US" b="0" i="0" dirty="0">
+                <a:solidFill>
+                  <a:srgbClr val="222222"/>
+                </a:solidFill>
+                <a:effectLst/>
+                <a:latin typeface="Arial" panose="020B0604020202020204" pitchFamily="34" charset="0"/>
+              </a:rPr>
+              <a:t>[4] A. </a:t>
+            </a:r>
+            <a:r>
+              <a:rPr lang="en-US" b="0" i="0" dirty="0" err="1">
+                <a:solidFill>
+                  <a:srgbClr val="222222"/>
+                </a:solidFill>
+                <a:effectLst/>
+                <a:latin typeface="Arial" panose="020B0604020202020204" pitchFamily="34" charset="0"/>
+              </a:rPr>
+              <a:t>Velinov</a:t>
+            </a:r>
+            <a:r>
+              <a:rPr lang="en-US" b="0" i="0" dirty="0">
+                <a:solidFill>
+                  <a:srgbClr val="222222"/>
+                </a:solidFill>
+                <a:effectLst/>
+                <a:latin typeface="Arial" panose="020B0604020202020204" pitchFamily="34" charset="0"/>
+              </a:rPr>
+              <a:t>, A. </a:t>
+            </a:r>
+            <a:r>
+              <a:rPr lang="en-US" b="0" i="0" dirty="0" err="1">
+                <a:solidFill>
+                  <a:srgbClr val="222222"/>
+                </a:solidFill>
+                <a:effectLst/>
+                <a:latin typeface="Arial" panose="020B0604020202020204" pitchFamily="34" charset="0"/>
+              </a:rPr>
+              <a:t>Mileva</a:t>
+            </a:r>
+            <a:r>
+              <a:rPr lang="en-US" b="0" i="0" dirty="0">
+                <a:solidFill>
+                  <a:srgbClr val="222222"/>
+                </a:solidFill>
+                <a:effectLst/>
+                <a:latin typeface="Arial" panose="020B0604020202020204" pitchFamily="34" charset="0"/>
+              </a:rPr>
+              <a:t>, S. </a:t>
+            </a:r>
+            <a:r>
+              <a:rPr lang="en-US" b="0" i="0" dirty="0" err="1">
+                <a:solidFill>
+                  <a:srgbClr val="222222"/>
+                </a:solidFill>
+                <a:effectLst/>
+                <a:latin typeface="Arial" panose="020B0604020202020204" pitchFamily="34" charset="0"/>
+              </a:rPr>
+              <a:t>Wendzel</a:t>
+            </a:r>
+            <a:r>
+              <a:rPr lang="en-US" b="0" i="0" dirty="0">
+                <a:solidFill>
+                  <a:srgbClr val="222222"/>
+                </a:solidFill>
+                <a:effectLst/>
+                <a:latin typeface="Arial" panose="020B0604020202020204" pitchFamily="34" charset="0"/>
+              </a:rPr>
+              <a:t>, W. </a:t>
+            </a:r>
+            <a:r>
+              <a:rPr lang="en-US" b="0" i="0" dirty="0" err="1">
+                <a:solidFill>
+                  <a:srgbClr val="222222"/>
+                </a:solidFill>
+                <a:effectLst/>
+                <a:latin typeface="Arial" panose="020B0604020202020204" pitchFamily="34" charset="0"/>
+              </a:rPr>
+              <a:t>Mazurczyk</a:t>
+            </a:r>
+            <a:r>
+              <a:rPr lang="en-US" b="0" i="0" dirty="0">
+                <a:solidFill>
+                  <a:srgbClr val="222222"/>
+                </a:solidFill>
+                <a:effectLst/>
+                <a:latin typeface="Arial" panose="020B0604020202020204" pitchFamily="34" charset="0"/>
+              </a:rPr>
+              <a:t>: </a:t>
+            </a:r>
+            <a:r>
+              <a:rPr lang="en-US" b="0" i="0" u="none" strike="noStrike" dirty="0">
+                <a:solidFill>
+                  <a:srgbClr val="1177CC"/>
+                </a:solidFill>
+                <a:effectLst/>
+                <a:latin typeface="Arial" panose="020B0604020202020204" pitchFamily="34" charset="0"/>
+                <a:hlinkClick r:id="rId7"/>
+              </a:rPr>
+              <a:t>Covert Channels in MQTT-based Internet of Things</a:t>
+            </a:r>
+            <a:r>
+              <a:rPr lang="en-US" b="0" i="0" dirty="0">
+                <a:solidFill>
+                  <a:srgbClr val="222222"/>
+                </a:solidFill>
+                <a:effectLst/>
+                <a:latin typeface="Arial" panose="020B0604020202020204" pitchFamily="34" charset="0"/>
+              </a:rPr>
+              <a:t>, </a:t>
+            </a:r>
+            <a:r>
+              <a:rPr lang="en-US" b="0" i="1" dirty="0">
+                <a:solidFill>
+                  <a:srgbClr val="222222"/>
+                </a:solidFill>
+                <a:effectLst/>
+                <a:latin typeface="Arial" panose="020B0604020202020204" pitchFamily="34" charset="0"/>
+              </a:rPr>
+              <a:t>IEEE ACCESS</a:t>
+            </a:r>
+            <a:r>
+              <a:rPr lang="en-US" b="0" i="0" dirty="0">
+                <a:solidFill>
+                  <a:srgbClr val="222222"/>
+                </a:solidFill>
+                <a:effectLst/>
+                <a:latin typeface="Arial" panose="020B0604020202020204" pitchFamily="34" charset="0"/>
+              </a:rPr>
+              <a:t>, Vol. 7, pp. 161899-161915, 2019. </a:t>
+            </a:r>
+            <a:br>
+              <a:rPr lang="en-US" b="0" i="0" dirty="0">
+                <a:solidFill>
+                  <a:srgbClr val="222222"/>
+                </a:solidFill>
+                <a:effectLst/>
+                <a:latin typeface="Arial" panose="020B0604020202020204" pitchFamily="34" charset="0"/>
+              </a:rPr>
+            </a:br>
+            <a:endParaRPr lang="en-US" b="0" i="0" dirty="0">
+              <a:solidFill>
+                <a:srgbClr val="222222"/>
+              </a:solidFill>
+              <a:effectLst/>
+              <a:latin typeface="Arial" panose="020B0604020202020204" pitchFamily="34" charset="0"/>
+            </a:endParaRPr>
+          </a:p>
+          <a:p>
+            <a:pPr algn="l"/>
+            <a:r>
+              <a:rPr lang="en-US" b="0" i="0" dirty="0">
+                <a:solidFill>
+                  <a:srgbClr val="222222"/>
+                </a:solidFill>
+                <a:effectLst/>
+                <a:latin typeface="Arial" panose="020B0604020202020204" pitchFamily="34" charset="0"/>
+              </a:rPr>
+              <a:t>[5] A. </a:t>
+            </a:r>
+            <a:r>
+              <a:rPr lang="en-US" b="0" i="0" dirty="0" err="1">
+                <a:solidFill>
+                  <a:srgbClr val="222222"/>
+                </a:solidFill>
+                <a:effectLst/>
+                <a:latin typeface="Arial" panose="020B0604020202020204" pitchFamily="34" charset="0"/>
+              </a:rPr>
+              <a:t>Mileva</a:t>
+            </a:r>
+            <a:r>
+              <a:rPr lang="en-US" b="0" i="0" dirty="0">
+                <a:solidFill>
+                  <a:srgbClr val="222222"/>
+                </a:solidFill>
+                <a:effectLst/>
+                <a:latin typeface="Arial" panose="020B0604020202020204" pitchFamily="34" charset="0"/>
+              </a:rPr>
+              <a:t>, A. </a:t>
+            </a:r>
+            <a:r>
+              <a:rPr lang="en-US" b="0" i="0" dirty="0" err="1">
+                <a:solidFill>
+                  <a:srgbClr val="222222"/>
+                </a:solidFill>
+                <a:effectLst/>
+                <a:latin typeface="Arial" panose="020B0604020202020204" pitchFamily="34" charset="0"/>
+              </a:rPr>
+              <a:t>Velinov</a:t>
+            </a:r>
+            <a:r>
+              <a:rPr lang="en-US" b="0" i="0" dirty="0">
+                <a:solidFill>
+                  <a:srgbClr val="222222"/>
+                </a:solidFill>
+                <a:effectLst/>
+                <a:latin typeface="Arial" panose="020B0604020202020204" pitchFamily="34" charset="0"/>
+              </a:rPr>
+              <a:t>, L. Hartmann, S. </a:t>
+            </a:r>
+            <a:r>
+              <a:rPr lang="en-US" b="0" i="0" dirty="0" err="1">
+                <a:solidFill>
+                  <a:srgbClr val="222222"/>
+                </a:solidFill>
+                <a:effectLst/>
+                <a:latin typeface="Arial" panose="020B0604020202020204" pitchFamily="34" charset="0"/>
+              </a:rPr>
+              <a:t>Wendzel</a:t>
+            </a:r>
+            <a:r>
+              <a:rPr lang="en-US" b="0" i="0" dirty="0">
+                <a:solidFill>
+                  <a:srgbClr val="222222"/>
+                </a:solidFill>
+                <a:effectLst/>
+                <a:latin typeface="Arial" panose="020B0604020202020204" pitchFamily="34" charset="0"/>
+              </a:rPr>
+              <a:t>, W. </a:t>
+            </a:r>
+            <a:r>
+              <a:rPr lang="en-US" b="0" i="0" dirty="0" err="1">
+                <a:solidFill>
+                  <a:srgbClr val="222222"/>
+                </a:solidFill>
+                <a:effectLst/>
+                <a:latin typeface="Arial" panose="020B0604020202020204" pitchFamily="34" charset="0"/>
+              </a:rPr>
+              <a:t>Mazurczyk</a:t>
+            </a:r>
+            <a:r>
+              <a:rPr lang="en-US" b="0" i="0" dirty="0">
+                <a:solidFill>
+                  <a:srgbClr val="222222"/>
+                </a:solidFill>
+                <a:effectLst/>
+                <a:latin typeface="Arial" panose="020B0604020202020204" pitchFamily="34" charset="0"/>
+              </a:rPr>
+              <a:t>: </a:t>
+            </a:r>
+            <a:r>
+              <a:rPr lang="en-US" b="0" i="1" dirty="0">
+                <a:solidFill>
+                  <a:srgbClr val="222222"/>
+                </a:solidFill>
+                <a:effectLst/>
+                <a:latin typeface="Arial" panose="020B0604020202020204" pitchFamily="34" charset="0"/>
+              </a:rPr>
+              <a:t>Comprehensive Analysis of MQTT 5.0 Susceptibility to Network Covert Channels</a:t>
+            </a:r>
+            <a:r>
+              <a:rPr lang="en-US" b="0" i="0" dirty="0">
+                <a:solidFill>
+                  <a:srgbClr val="222222"/>
+                </a:solidFill>
+                <a:effectLst/>
+                <a:latin typeface="Arial" panose="020B0604020202020204" pitchFamily="34" charset="0"/>
+              </a:rPr>
+              <a:t>, Computers &amp; Security, Elsevier, 2021. </a:t>
+            </a:r>
+          </a:p>
+          <a:p>
+            <a:pPr algn="l"/>
+            <a:r>
+              <a:rPr lang="en-US" b="0" i="0" dirty="0">
+                <a:solidFill>
+                  <a:srgbClr val="222222"/>
+                </a:solidFill>
+                <a:effectLst/>
+                <a:latin typeface="Arial" panose="020B0604020202020204" pitchFamily="34" charset="0"/>
+              </a:rPr>
+              <a:t>[6] L. Hartmann, S. </a:t>
+            </a:r>
+            <a:r>
+              <a:rPr lang="en-US" b="0" i="0" dirty="0" err="1">
+                <a:solidFill>
+                  <a:srgbClr val="222222"/>
+                </a:solidFill>
+                <a:effectLst/>
+                <a:latin typeface="Arial" panose="020B0604020202020204" pitchFamily="34" charset="0"/>
+              </a:rPr>
+              <a:t>Zillien</a:t>
+            </a:r>
+            <a:r>
+              <a:rPr lang="en-US" b="0" i="0" dirty="0">
+                <a:solidFill>
+                  <a:srgbClr val="222222"/>
+                </a:solidFill>
+                <a:effectLst/>
+                <a:latin typeface="Arial" panose="020B0604020202020204" pitchFamily="34" charset="0"/>
+              </a:rPr>
+              <a:t>, S. </a:t>
+            </a:r>
+            <a:r>
+              <a:rPr lang="en-US" b="0" i="0" dirty="0" err="1">
+                <a:solidFill>
+                  <a:srgbClr val="222222"/>
+                </a:solidFill>
+                <a:effectLst/>
+                <a:latin typeface="Arial" panose="020B0604020202020204" pitchFamily="34" charset="0"/>
+              </a:rPr>
+              <a:t>Wendzel</a:t>
+            </a:r>
+            <a:r>
+              <a:rPr lang="en-US" b="0" i="0" dirty="0">
+                <a:solidFill>
+                  <a:srgbClr val="222222"/>
+                </a:solidFill>
+                <a:effectLst/>
+                <a:latin typeface="Arial" panose="020B0604020202020204" pitchFamily="34" charset="0"/>
+              </a:rPr>
+              <a:t>: </a:t>
+            </a:r>
+            <a:r>
+              <a:rPr lang="en-US" b="0" i="1" dirty="0">
+                <a:solidFill>
+                  <a:srgbClr val="222222"/>
+                </a:solidFill>
+                <a:effectLst/>
+                <a:latin typeface="Arial" panose="020B0604020202020204" pitchFamily="34" charset="0"/>
+              </a:rPr>
+              <a:t>Reset- and Reconnection-based Covert Channels in CoAP</a:t>
+            </a:r>
+            <a:r>
+              <a:rPr lang="en-US" b="0" i="0" dirty="0">
+                <a:solidFill>
+                  <a:srgbClr val="222222"/>
+                </a:solidFill>
+                <a:effectLst/>
+                <a:latin typeface="Arial" panose="020B0604020202020204" pitchFamily="34" charset="0"/>
+              </a:rPr>
+              <a:t>. In: Proc. European Interdisciplinary Cybersecurity Conference (EICC), 2021.</a:t>
+            </a:r>
+          </a:p>
+          <a:p>
+            <a:endParaRPr lang="en-US" dirty="0"/>
+          </a:p>
+        </p:txBody>
+      </p:sp>
+    </p:spTree>
+    <p:extLst>
+      <p:ext uri="{BB962C8B-B14F-4D97-AF65-F5344CB8AC3E}">
+        <p14:creationId xmlns:p14="http://schemas.microsoft.com/office/powerpoint/2010/main" val="2652681500"/>
       </p:ext>
     </p:extLst>
   </p:cSld>
@@ -839,6 +3457,1162 @@
           <a:bodyPr/>
           <a:lstStyle/>
           <a:p>
+            <a:r>
+              <a:rPr lang="en-US" b="0" i="0" dirty="0">
+                <a:solidFill>
+                  <a:srgbClr val="222222"/>
+                </a:solidFill>
+                <a:effectLst/>
+                <a:latin typeface="Arial" panose="020B0604020202020204" pitchFamily="34" charset="0"/>
+              </a:rPr>
+              <a:t>[1] S. </a:t>
+            </a:r>
+            <a:r>
+              <a:rPr lang="en-US" b="0" i="0" dirty="0" err="1">
+                <a:solidFill>
+                  <a:srgbClr val="222222"/>
+                </a:solidFill>
+                <a:effectLst/>
+                <a:latin typeface="Arial" panose="020B0604020202020204" pitchFamily="34" charset="0"/>
+              </a:rPr>
+              <a:t>Wendzel</a:t>
+            </a:r>
+            <a:r>
+              <a:rPr lang="en-US" b="0" i="0" dirty="0">
+                <a:solidFill>
+                  <a:srgbClr val="222222"/>
+                </a:solidFill>
+                <a:effectLst/>
+                <a:latin typeface="Arial" panose="020B0604020202020204" pitchFamily="34" charset="0"/>
+              </a:rPr>
+              <a:t>, S. Zander, B. Fechner, C. </a:t>
+            </a:r>
+            <a:r>
+              <a:rPr lang="en-US" b="0" i="0" dirty="0" err="1">
+                <a:solidFill>
+                  <a:srgbClr val="222222"/>
+                </a:solidFill>
+                <a:effectLst/>
+                <a:latin typeface="Arial" panose="020B0604020202020204" pitchFamily="34" charset="0"/>
+              </a:rPr>
+              <a:t>Herdin</a:t>
+            </a:r>
+            <a:r>
+              <a:rPr lang="en-US" b="0" i="0" dirty="0">
+                <a:solidFill>
+                  <a:srgbClr val="222222"/>
+                </a:solidFill>
+                <a:effectLst/>
+                <a:latin typeface="Arial" panose="020B0604020202020204" pitchFamily="34" charset="0"/>
+              </a:rPr>
+              <a:t>: </a:t>
+            </a:r>
+            <a:r>
+              <a:rPr lang="en-US" b="0" i="1" u="none" strike="noStrike" dirty="0">
+                <a:solidFill>
+                  <a:srgbClr val="1177CC"/>
+                </a:solidFill>
+                <a:effectLst/>
+                <a:latin typeface="Arial" panose="020B0604020202020204" pitchFamily="34" charset="0"/>
+                <a:hlinkClick r:id="rId3"/>
+              </a:rPr>
+              <a:t>Pattern-based Survey and Categorization of Network Covert Channel Techniques</a:t>
+            </a:r>
+            <a:r>
+              <a:rPr lang="en-US" b="0" i="0" dirty="0">
+                <a:solidFill>
+                  <a:srgbClr val="222222"/>
+                </a:solidFill>
+                <a:effectLst/>
+                <a:latin typeface="Arial" panose="020B0604020202020204" pitchFamily="34" charset="0"/>
+              </a:rPr>
+              <a:t>, ACM Computing Surveys, Vol. 47, Issue 3, pp. 50:1-26, ACM, 2015.</a:t>
+            </a:r>
+            <a:br>
+              <a:rPr lang="en-US" b="0" i="0" dirty="0">
+                <a:solidFill>
+                  <a:srgbClr val="222222"/>
+                </a:solidFill>
+                <a:effectLst/>
+                <a:latin typeface="Arial" panose="020B0604020202020204" pitchFamily="34" charset="0"/>
+              </a:rPr>
+            </a:br>
+            <a:r>
+              <a:rPr lang="en-US" b="0" i="0" dirty="0">
+                <a:solidFill>
+                  <a:srgbClr val="222222"/>
+                </a:solidFill>
+                <a:effectLst/>
+                <a:latin typeface="Arial" panose="020B0604020202020204" pitchFamily="34" charset="0"/>
+              </a:rPr>
+              <a:t>An early version of the article is available here: </a:t>
+            </a:r>
+            <a:r>
+              <a:rPr lang="en-US" b="0" i="0" u="none" strike="noStrike" dirty="0">
+                <a:solidFill>
+                  <a:srgbClr val="1177CC"/>
+                </a:solidFill>
+                <a:effectLst/>
+                <a:latin typeface="Arial" panose="020B0604020202020204" pitchFamily="34" charset="0"/>
+                <a:hlinkClick r:id="rId4"/>
+              </a:rPr>
+              <a:t>download</a:t>
+            </a:r>
+            <a:r>
+              <a:rPr lang="en-US" b="0" i="0" dirty="0">
+                <a:solidFill>
+                  <a:srgbClr val="222222"/>
+                </a:solidFill>
+                <a:effectLst/>
+                <a:latin typeface="Arial" panose="020B0604020202020204" pitchFamily="34" charset="0"/>
+              </a:rPr>
+              <a:t>.</a:t>
+            </a:r>
+            <a:endParaRPr lang="en-US" dirty="0"/>
+          </a:p>
+        </p:txBody>
+      </p:sp>
+    </p:spTree>
+    <p:extLst>
+      <p:ext uri="{BB962C8B-B14F-4D97-AF65-F5344CB8AC3E}">
+        <p14:creationId xmlns:p14="http://schemas.microsoft.com/office/powerpoint/2010/main" val="1272206158"/>
+      </p:ext>
+    </p:extLst>
+  </p:cSld>
+  <p:clrMapOvr>
+    <a:masterClrMapping/>
+  </p:clrMapOvr>
+</p:notes>
+</file>
+
+<file path=ppt/notesSlides/notesSlide3.xml><?xml version="1.0" encoding="utf-8"?>
+<p:notes xmlns:a="http://schemas.openxmlformats.org/drawingml/2006/main" xmlns:r="http://schemas.openxmlformats.org/officeDocument/2006/relationships" xmlns:p="http://schemas.openxmlformats.org/presentationml/2006/main">
+  <p:cSld>
+    <p:spTree>
+      <p:nvGrpSpPr>
+        <p:cNvPr id="1" name=""/>
+        <p:cNvGrpSpPr/>
+        <p:nvPr/>
+      </p:nvGrpSpPr>
+      <p:grpSpPr>
+        <a:xfrm>
+          <a:off x="0" y="0"/>
+          <a:ext cx="0" cy="0"/>
+          <a:chOff x="0" y="0"/>
+          <a:chExt cx="0" cy="0"/>
+        </a:xfrm>
+      </p:grpSpPr>
+      <p:sp>
+        <p:nvSpPr>
+          <p:cNvPr id="2" name="Slide Image Placeholder 1"/>
+          <p:cNvSpPr>
+            <a:spLocks noGrp="1" noRot="1" noChangeAspect="1"/>
+          </p:cNvSpPr>
+          <p:nvPr>
+            <p:ph type="sldImg"/>
+          </p:nvPr>
+        </p:nvSpPr>
+        <p:spPr/>
+      </p:sp>
+      <p:sp>
+        <p:nvSpPr>
+          <p:cNvPr id="3" name="Notes Placeholder 2"/>
+          <p:cNvSpPr>
+            <a:spLocks noGrp="1"/>
+          </p:cNvSpPr>
+          <p:nvPr>
+            <p:ph type="body" idx="1"/>
+          </p:nvPr>
+        </p:nvSpPr>
+        <p:spPr/>
+        <p:txBody>
+          <a:bodyPr>
+            <a:normAutofit fontScale="92500" lnSpcReduction="10000"/>
+          </a:bodyPr>
+          <a:lstStyle/>
+          <a:p>
+            <a:pPr algn="l"/>
+            <a:r>
+              <a:rPr lang="en-US" b="0" i="0" dirty="0">
+                <a:solidFill>
+                  <a:srgbClr val="222222"/>
+                </a:solidFill>
+                <a:effectLst/>
+                <a:latin typeface="Arial" panose="020B0604020202020204" pitchFamily="34" charset="0"/>
+              </a:rPr>
+              <a:t>[1] S. </a:t>
+            </a:r>
+            <a:r>
+              <a:rPr lang="en-US" b="0" i="0" dirty="0" err="1">
+                <a:solidFill>
+                  <a:srgbClr val="222222"/>
+                </a:solidFill>
+                <a:effectLst/>
+                <a:latin typeface="Arial" panose="020B0604020202020204" pitchFamily="34" charset="0"/>
+              </a:rPr>
+              <a:t>Wendzel</a:t>
+            </a:r>
+            <a:r>
+              <a:rPr lang="en-US" b="0" i="0" dirty="0">
+                <a:solidFill>
+                  <a:srgbClr val="222222"/>
+                </a:solidFill>
+                <a:effectLst/>
+                <a:latin typeface="Arial" panose="020B0604020202020204" pitchFamily="34" charset="0"/>
+              </a:rPr>
+              <a:t>, S. Zander, B. Fechner, C. </a:t>
+            </a:r>
+            <a:r>
+              <a:rPr lang="en-US" b="0" i="0" dirty="0" err="1">
+                <a:solidFill>
+                  <a:srgbClr val="222222"/>
+                </a:solidFill>
+                <a:effectLst/>
+                <a:latin typeface="Arial" panose="020B0604020202020204" pitchFamily="34" charset="0"/>
+              </a:rPr>
+              <a:t>Herdin</a:t>
+            </a:r>
+            <a:r>
+              <a:rPr lang="en-US" b="0" i="0" dirty="0">
+                <a:solidFill>
+                  <a:srgbClr val="222222"/>
+                </a:solidFill>
+                <a:effectLst/>
+                <a:latin typeface="Arial" panose="020B0604020202020204" pitchFamily="34" charset="0"/>
+              </a:rPr>
+              <a:t>: </a:t>
+            </a:r>
+            <a:r>
+              <a:rPr lang="en-US" b="0" i="1" u="none" strike="noStrike" dirty="0">
+                <a:solidFill>
+                  <a:srgbClr val="1177CC"/>
+                </a:solidFill>
+                <a:effectLst/>
+                <a:latin typeface="Arial" panose="020B0604020202020204" pitchFamily="34" charset="0"/>
+                <a:hlinkClick r:id="rId3"/>
+              </a:rPr>
+              <a:t>Pattern-based Survey and Categorization of Network Covert Channel Techniques</a:t>
+            </a:r>
+            <a:r>
+              <a:rPr lang="en-US" b="0" i="0" dirty="0">
+                <a:solidFill>
+                  <a:srgbClr val="222222"/>
+                </a:solidFill>
+                <a:effectLst/>
+                <a:latin typeface="Arial" panose="020B0604020202020204" pitchFamily="34" charset="0"/>
+              </a:rPr>
+              <a:t>, ACM Computing Surveys, Vol. 47, Issue 3, pp. 50:1-26, ACM, 2015.</a:t>
+            </a:r>
+            <a:br>
+              <a:rPr lang="en-US" b="0" i="0" dirty="0">
+                <a:solidFill>
+                  <a:srgbClr val="222222"/>
+                </a:solidFill>
+                <a:effectLst/>
+                <a:latin typeface="Arial" panose="020B0604020202020204" pitchFamily="34" charset="0"/>
+              </a:rPr>
+            </a:br>
+            <a:r>
+              <a:rPr lang="en-US" b="0" i="0" dirty="0">
+                <a:solidFill>
+                  <a:srgbClr val="222222"/>
+                </a:solidFill>
+                <a:effectLst/>
+                <a:latin typeface="Arial" panose="020B0604020202020204" pitchFamily="34" charset="0"/>
+              </a:rPr>
+              <a:t>An early version of the article is available here: </a:t>
+            </a:r>
+            <a:r>
+              <a:rPr lang="en-US" b="0" i="0" u="none" strike="noStrike" dirty="0">
+                <a:solidFill>
+                  <a:srgbClr val="1177CC"/>
+                </a:solidFill>
+                <a:effectLst/>
+                <a:latin typeface="Arial" panose="020B0604020202020204" pitchFamily="34" charset="0"/>
+                <a:hlinkClick r:id="rId4"/>
+              </a:rPr>
+              <a:t>download</a:t>
+            </a:r>
+            <a:r>
+              <a:rPr lang="en-US" b="0" i="0" dirty="0">
+                <a:solidFill>
+                  <a:srgbClr val="222222"/>
+                </a:solidFill>
+                <a:effectLst/>
+                <a:latin typeface="Arial" panose="020B0604020202020204" pitchFamily="34" charset="0"/>
+              </a:rPr>
+              <a:t>.</a:t>
+            </a:r>
+            <a:br>
+              <a:rPr lang="en-US" b="0" i="0" dirty="0">
+                <a:solidFill>
+                  <a:srgbClr val="222222"/>
+                </a:solidFill>
+                <a:effectLst/>
+                <a:latin typeface="Arial" panose="020B0604020202020204" pitchFamily="34" charset="0"/>
+              </a:rPr>
+            </a:br>
+            <a:br>
+              <a:rPr lang="en-US" b="0" i="0" dirty="0">
+                <a:solidFill>
+                  <a:srgbClr val="222222"/>
+                </a:solidFill>
+                <a:effectLst/>
+                <a:latin typeface="Arial" panose="020B0604020202020204" pitchFamily="34" charset="0"/>
+              </a:rPr>
+            </a:br>
+            <a:r>
+              <a:rPr lang="en-US" b="0" i="0" dirty="0">
+                <a:solidFill>
+                  <a:srgbClr val="222222"/>
+                </a:solidFill>
+                <a:effectLst/>
+                <a:latin typeface="Arial" panose="020B0604020202020204" pitchFamily="34" charset="0"/>
+              </a:rPr>
+              <a:t>[2] W. </a:t>
+            </a:r>
+            <a:r>
+              <a:rPr lang="en-US" b="0" i="0" dirty="0" err="1">
+                <a:solidFill>
+                  <a:srgbClr val="222222"/>
+                </a:solidFill>
+                <a:effectLst/>
+                <a:latin typeface="Arial" panose="020B0604020202020204" pitchFamily="34" charset="0"/>
+              </a:rPr>
+              <a:t>Mazurczyk</a:t>
+            </a:r>
+            <a:r>
+              <a:rPr lang="en-US" b="0" i="0" dirty="0">
+                <a:solidFill>
+                  <a:srgbClr val="222222"/>
+                </a:solidFill>
+                <a:effectLst/>
+                <a:latin typeface="Arial" panose="020B0604020202020204" pitchFamily="34" charset="0"/>
+              </a:rPr>
+              <a:t>, S. </a:t>
+            </a:r>
+            <a:r>
+              <a:rPr lang="en-US" b="0" i="0" dirty="0" err="1">
+                <a:solidFill>
+                  <a:srgbClr val="222222"/>
+                </a:solidFill>
+                <a:effectLst/>
+                <a:latin typeface="Arial" panose="020B0604020202020204" pitchFamily="34" charset="0"/>
+              </a:rPr>
+              <a:t>Wendzel</a:t>
+            </a:r>
+            <a:r>
+              <a:rPr lang="en-US" b="0" i="0" dirty="0">
+                <a:solidFill>
+                  <a:srgbClr val="222222"/>
+                </a:solidFill>
+                <a:effectLst/>
+                <a:latin typeface="Arial" panose="020B0604020202020204" pitchFamily="34" charset="0"/>
+              </a:rPr>
+              <a:t>, S. Zander, A. </a:t>
+            </a:r>
+            <a:r>
+              <a:rPr lang="en-US" b="0" i="0" dirty="0" err="1">
+                <a:solidFill>
+                  <a:srgbClr val="222222"/>
+                </a:solidFill>
+                <a:effectLst/>
+                <a:latin typeface="Arial" panose="020B0604020202020204" pitchFamily="34" charset="0"/>
+              </a:rPr>
+              <a:t>Houmansadr</a:t>
+            </a:r>
+            <a:r>
+              <a:rPr lang="en-US" b="0" i="0" dirty="0">
+                <a:solidFill>
+                  <a:srgbClr val="222222"/>
+                </a:solidFill>
+                <a:effectLst/>
+                <a:latin typeface="Arial" panose="020B0604020202020204" pitchFamily="34" charset="0"/>
+              </a:rPr>
+              <a:t>, K. </a:t>
+            </a:r>
+            <a:r>
+              <a:rPr lang="en-US" b="0" i="0" dirty="0" err="1">
+                <a:solidFill>
+                  <a:srgbClr val="222222"/>
+                </a:solidFill>
+                <a:effectLst/>
+                <a:latin typeface="Arial" panose="020B0604020202020204" pitchFamily="34" charset="0"/>
+              </a:rPr>
+              <a:t>Szczypiorski</a:t>
+            </a:r>
+            <a:r>
+              <a:rPr lang="en-US" b="0" i="0" dirty="0">
+                <a:solidFill>
+                  <a:srgbClr val="222222"/>
+                </a:solidFill>
+                <a:effectLst/>
+                <a:latin typeface="Arial" panose="020B0604020202020204" pitchFamily="34" charset="0"/>
+              </a:rPr>
+              <a:t>: </a:t>
+            </a:r>
+            <a:r>
+              <a:rPr lang="en-US" b="0" i="1" u="none" strike="noStrike" dirty="0">
+                <a:solidFill>
+                  <a:srgbClr val="1177CC"/>
+                </a:solidFill>
+                <a:effectLst/>
+                <a:latin typeface="Arial" panose="020B0604020202020204" pitchFamily="34" charset="0"/>
+                <a:hlinkClick r:id="rId5"/>
+              </a:rPr>
+              <a:t>Information Hiding in Communication Networks</a:t>
+            </a:r>
+            <a:r>
+              <a:rPr lang="en-US" b="0" i="0" dirty="0">
+                <a:solidFill>
+                  <a:srgbClr val="222222"/>
+                </a:solidFill>
+                <a:effectLst/>
+                <a:latin typeface="Arial" panose="020B0604020202020204" pitchFamily="34" charset="0"/>
+              </a:rPr>
+              <a:t>, Wiley, 2016. Chapters 3 and 8 contain discussions on hiding patterns, basically on the basis of [1] but with an extension of timing-based patterns.</a:t>
+            </a:r>
+            <a:br>
+              <a:rPr lang="en-US" b="0" i="0" dirty="0">
+                <a:solidFill>
+                  <a:srgbClr val="222222"/>
+                </a:solidFill>
+                <a:effectLst/>
+                <a:latin typeface="Arial" panose="020B0604020202020204" pitchFamily="34" charset="0"/>
+              </a:rPr>
+            </a:br>
+            <a:br>
+              <a:rPr lang="en-US" b="0" i="0" dirty="0">
+                <a:solidFill>
+                  <a:srgbClr val="222222"/>
+                </a:solidFill>
+                <a:effectLst/>
+                <a:latin typeface="Arial" panose="020B0604020202020204" pitchFamily="34" charset="0"/>
+              </a:rPr>
+            </a:br>
+            <a:r>
+              <a:rPr lang="en-US" b="0" i="0" dirty="0">
+                <a:solidFill>
+                  <a:srgbClr val="222222"/>
+                </a:solidFill>
+                <a:effectLst/>
+                <a:latin typeface="Arial" panose="020B0604020202020204" pitchFamily="34" charset="0"/>
+              </a:rPr>
+              <a:t>[3] W. </a:t>
+            </a:r>
+            <a:r>
+              <a:rPr lang="en-US" b="0" i="0" dirty="0" err="1">
+                <a:solidFill>
+                  <a:srgbClr val="222222"/>
+                </a:solidFill>
+                <a:effectLst/>
+                <a:latin typeface="Arial" panose="020B0604020202020204" pitchFamily="34" charset="0"/>
+              </a:rPr>
+              <a:t>Mazurczyk</a:t>
+            </a:r>
+            <a:r>
+              <a:rPr lang="en-US" b="0" i="0" dirty="0">
+                <a:solidFill>
+                  <a:srgbClr val="222222"/>
+                </a:solidFill>
+                <a:effectLst/>
+                <a:latin typeface="Arial" panose="020B0604020202020204" pitchFamily="34" charset="0"/>
+              </a:rPr>
+              <a:t>, S. </a:t>
+            </a:r>
+            <a:r>
+              <a:rPr lang="en-US" b="0" i="0" dirty="0" err="1">
+                <a:solidFill>
+                  <a:srgbClr val="222222"/>
+                </a:solidFill>
+                <a:effectLst/>
+                <a:latin typeface="Arial" panose="020B0604020202020204" pitchFamily="34" charset="0"/>
+              </a:rPr>
+              <a:t>Wendzel</a:t>
+            </a:r>
+            <a:r>
+              <a:rPr lang="en-US" b="0" i="0" dirty="0">
+                <a:solidFill>
+                  <a:srgbClr val="222222"/>
+                </a:solidFill>
+                <a:effectLst/>
+                <a:latin typeface="Arial" panose="020B0604020202020204" pitchFamily="34" charset="0"/>
+              </a:rPr>
+              <a:t>, K. </a:t>
+            </a:r>
+            <a:r>
+              <a:rPr lang="en-US" b="0" i="0" dirty="0" err="1">
+                <a:solidFill>
+                  <a:srgbClr val="222222"/>
+                </a:solidFill>
+                <a:effectLst/>
+                <a:latin typeface="Arial" panose="020B0604020202020204" pitchFamily="34" charset="0"/>
+              </a:rPr>
+              <a:t>Cabaj</a:t>
+            </a:r>
+            <a:r>
+              <a:rPr lang="en-US" b="0" i="0" dirty="0">
+                <a:solidFill>
+                  <a:srgbClr val="222222"/>
+                </a:solidFill>
+                <a:effectLst/>
+                <a:latin typeface="Arial" panose="020B0604020202020204" pitchFamily="34" charset="0"/>
+              </a:rPr>
+              <a:t>: </a:t>
+            </a:r>
+            <a:r>
+              <a:rPr lang="en-US" b="0" i="1" u="none" strike="noStrike" dirty="0">
+                <a:solidFill>
+                  <a:srgbClr val="1177CC"/>
+                </a:solidFill>
+                <a:effectLst/>
+                <a:latin typeface="Arial" panose="020B0604020202020204" pitchFamily="34" charset="0"/>
+                <a:hlinkClick r:id="rId6"/>
+              </a:rPr>
+              <a:t>Towards Deriving Insights into Data Hiding Methods Using Pattern-based Approach</a:t>
+            </a:r>
+            <a:r>
+              <a:rPr lang="en-US" b="0" i="0" dirty="0">
+                <a:solidFill>
+                  <a:srgbClr val="222222"/>
+                </a:solidFill>
+                <a:effectLst/>
+                <a:latin typeface="Arial" panose="020B0604020202020204" pitchFamily="34" charset="0"/>
+              </a:rPr>
+              <a:t>, in Proc. Second International Workshop on Criminal Use of Information Hiding (CUING 2018) at ARES, pp. 10:1-10:10, ACM, 2018.</a:t>
+            </a:r>
+          </a:p>
+          <a:p>
+            <a:pPr algn="l"/>
+            <a:r>
+              <a:rPr lang="en-US" b="0" i="0" dirty="0">
+                <a:solidFill>
+                  <a:srgbClr val="222222"/>
+                </a:solidFill>
+                <a:effectLst/>
+                <a:latin typeface="Arial" panose="020B0604020202020204" pitchFamily="34" charset="0"/>
+              </a:rPr>
+              <a:t>[4] A. </a:t>
+            </a:r>
+            <a:r>
+              <a:rPr lang="en-US" b="0" i="0" dirty="0" err="1">
+                <a:solidFill>
+                  <a:srgbClr val="222222"/>
+                </a:solidFill>
+                <a:effectLst/>
+                <a:latin typeface="Arial" panose="020B0604020202020204" pitchFamily="34" charset="0"/>
+              </a:rPr>
+              <a:t>Velinov</a:t>
+            </a:r>
+            <a:r>
+              <a:rPr lang="en-US" b="0" i="0" dirty="0">
+                <a:solidFill>
+                  <a:srgbClr val="222222"/>
+                </a:solidFill>
+                <a:effectLst/>
+                <a:latin typeface="Arial" panose="020B0604020202020204" pitchFamily="34" charset="0"/>
+              </a:rPr>
+              <a:t>, A. </a:t>
+            </a:r>
+            <a:r>
+              <a:rPr lang="en-US" b="0" i="0" dirty="0" err="1">
+                <a:solidFill>
+                  <a:srgbClr val="222222"/>
+                </a:solidFill>
+                <a:effectLst/>
+                <a:latin typeface="Arial" panose="020B0604020202020204" pitchFamily="34" charset="0"/>
+              </a:rPr>
+              <a:t>Mileva</a:t>
+            </a:r>
+            <a:r>
+              <a:rPr lang="en-US" b="0" i="0" dirty="0">
+                <a:solidFill>
+                  <a:srgbClr val="222222"/>
+                </a:solidFill>
+                <a:effectLst/>
+                <a:latin typeface="Arial" panose="020B0604020202020204" pitchFamily="34" charset="0"/>
+              </a:rPr>
+              <a:t>, S. </a:t>
+            </a:r>
+            <a:r>
+              <a:rPr lang="en-US" b="0" i="0" dirty="0" err="1">
+                <a:solidFill>
+                  <a:srgbClr val="222222"/>
+                </a:solidFill>
+                <a:effectLst/>
+                <a:latin typeface="Arial" panose="020B0604020202020204" pitchFamily="34" charset="0"/>
+              </a:rPr>
+              <a:t>Wendzel</a:t>
+            </a:r>
+            <a:r>
+              <a:rPr lang="en-US" b="0" i="0" dirty="0">
+                <a:solidFill>
+                  <a:srgbClr val="222222"/>
+                </a:solidFill>
+                <a:effectLst/>
+                <a:latin typeface="Arial" panose="020B0604020202020204" pitchFamily="34" charset="0"/>
+              </a:rPr>
+              <a:t>, W. </a:t>
+            </a:r>
+            <a:r>
+              <a:rPr lang="en-US" b="0" i="0" dirty="0" err="1">
+                <a:solidFill>
+                  <a:srgbClr val="222222"/>
+                </a:solidFill>
+                <a:effectLst/>
+                <a:latin typeface="Arial" panose="020B0604020202020204" pitchFamily="34" charset="0"/>
+              </a:rPr>
+              <a:t>Mazurczyk</a:t>
+            </a:r>
+            <a:r>
+              <a:rPr lang="en-US" b="0" i="0" dirty="0">
+                <a:solidFill>
+                  <a:srgbClr val="222222"/>
+                </a:solidFill>
+                <a:effectLst/>
+                <a:latin typeface="Arial" panose="020B0604020202020204" pitchFamily="34" charset="0"/>
+              </a:rPr>
+              <a:t>: </a:t>
+            </a:r>
+            <a:r>
+              <a:rPr lang="en-US" b="0" i="0" u="none" strike="noStrike" dirty="0">
+                <a:solidFill>
+                  <a:srgbClr val="1177CC"/>
+                </a:solidFill>
+                <a:effectLst/>
+                <a:latin typeface="Arial" panose="020B0604020202020204" pitchFamily="34" charset="0"/>
+                <a:hlinkClick r:id="rId7"/>
+              </a:rPr>
+              <a:t>Covert Channels in MQTT-based Internet of Things</a:t>
+            </a:r>
+            <a:r>
+              <a:rPr lang="en-US" b="0" i="0" dirty="0">
+                <a:solidFill>
+                  <a:srgbClr val="222222"/>
+                </a:solidFill>
+                <a:effectLst/>
+                <a:latin typeface="Arial" panose="020B0604020202020204" pitchFamily="34" charset="0"/>
+              </a:rPr>
+              <a:t>, </a:t>
+            </a:r>
+            <a:r>
+              <a:rPr lang="en-US" b="0" i="1" dirty="0">
+                <a:solidFill>
+                  <a:srgbClr val="222222"/>
+                </a:solidFill>
+                <a:effectLst/>
+                <a:latin typeface="Arial" panose="020B0604020202020204" pitchFamily="34" charset="0"/>
+              </a:rPr>
+              <a:t>IEEE ACCESS</a:t>
+            </a:r>
+            <a:r>
+              <a:rPr lang="en-US" b="0" i="0" dirty="0">
+                <a:solidFill>
+                  <a:srgbClr val="222222"/>
+                </a:solidFill>
+                <a:effectLst/>
+                <a:latin typeface="Arial" panose="020B0604020202020204" pitchFamily="34" charset="0"/>
+              </a:rPr>
+              <a:t>, Vol. 7, pp. 161899-161915, 2019. </a:t>
+            </a:r>
+            <a:br>
+              <a:rPr lang="en-US" b="0" i="0" dirty="0">
+                <a:solidFill>
+                  <a:srgbClr val="222222"/>
+                </a:solidFill>
+                <a:effectLst/>
+                <a:latin typeface="Arial" panose="020B0604020202020204" pitchFamily="34" charset="0"/>
+              </a:rPr>
+            </a:br>
+            <a:endParaRPr lang="en-US" b="0" i="0" dirty="0">
+              <a:solidFill>
+                <a:srgbClr val="222222"/>
+              </a:solidFill>
+              <a:effectLst/>
+              <a:latin typeface="Arial" panose="020B0604020202020204" pitchFamily="34" charset="0"/>
+            </a:endParaRPr>
+          </a:p>
+          <a:p>
+            <a:pPr algn="l"/>
+            <a:r>
+              <a:rPr lang="en-US" b="0" i="0" dirty="0">
+                <a:solidFill>
+                  <a:srgbClr val="222222"/>
+                </a:solidFill>
+                <a:effectLst/>
+                <a:latin typeface="Arial" panose="020B0604020202020204" pitchFamily="34" charset="0"/>
+              </a:rPr>
+              <a:t>[5] A. </a:t>
+            </a:r>
+            <a:r>
+              <a:rPr lang="en-US" b="0" i="0" dirty="0" err="1">
+                <a:solidFill>
+                  <a:srgbClr val="222222"/>
+                </a:solidFill>
+                <a:effectLst/>
+                <a:latin typeface="Arial" panose="020B0604020202020204" pitchFamily="34" charset="0"/>
+              </a:rPr>
+              <a:t>Mileva</a:t>
+            </a:r>
+            <a:r>
+              <a:rPr lang="en-US" b="0" i="0" dirty="0">
+                <a:solidFill>
+                  <a:srgbClr val="222222"/>
+                </a:solidFill>
+                <a:effectLst/>
+                <a:latin typeface="Arial" panose="020B0604020202020204" pitchFamily="34" charset="0"/>
+              </a:rPr>
+              <a:t>, A. </a:t>
+            </a:r>
+            <a:r>
+              <a:rPr lang="en-US" b="0" i="0" dirty="0" err="1">
+                <a:solidFill>
+                  <a:srgbClr val="222222"/>
+                </a:solidFill>
+                <a:effectLst/>
+                <a:latin typeface="Arial" panose="020B0604020202020204" pitchFamily="34" charset="0"/>
+              </a:rPr>
+              <a:t>Velinov</a:t>
+            </a:r>
+            <a:r>
+              <a:rPr lang="en-US" b="0" i="0" dirty="0">
+                <a:solidFill>
+                  <a:srgbClr val="222222"/>
+                </a:solidFill>
+                <a:effectLst/>
+                <a:latin typeface="Arial" panose="020B0604020202020204" pitchFamily="34" charset="0"/>
+              </a:rPr>
+              <a:t>, L. Hartmann, S. </a:t>
+            </a:r>
+            <a:r>
+              <a:rPr lang="en-US" b="0" i="0" dirty="0" err="1">
+                <a:solidFill>
+                  <a:srgbClr val="222222"/>
+                </a:solidFill>
+                <a:effectLst/>
+                <a:latin typeface="Arial" panose="020B0604020202020204" pitchFamily="34" charset="0"/>
+              </a:rPr>
+              <a:t>Wendzel</a:t>
+            </a:r>
+            <a:r>
+              <a:rPr lang="en-US" b="0" i="0" dirty="0">
+                <a:solidFill>
+                  <a:srgbClr val="222222"/>
+                </a:solidFill>
+                <a:effectLst/>
+                <a:latin typeface="Arial" panose="020B0604020202020204" pitchFamily="34" charset="0"/>
+              </a:rPr>
+              <a:t>, W. </a:t>
+            </a:r>
+            <a:r>
+              <a:rPr lang="en-US" b="0" i="0" dirty="0" err="1">
+                <a:solidFill>
+                  <a:srgbClr val="222222"/>
+                </a:solidFill>
+                <a:effectLst/>
+                <a:latin typeface="Arial" panose="020B0604020202020204" pitchFamily="34" charset="0"/>
+              </a:rPr>
+              <a:t>Mazurczyk</a:t>
+            </a:r>
+            <a:r>
+              <a:rPr lang="en-US" b="0" i="0" dirty="0">
+                <a:solidFill>
+                  <a:srgbClr val="222222"/>
+                </a:solidFill>
+                <a:effectLst/>
+                <a:latin typeface="Arial" panose="020B0604020202020204" pitchFamily="34" charset="0"/>
+              </a:rPr>
+              <a:t>: </a:t>
+            </a:r>
+            <a:r>
+              <a:rPr lang="en-US" b="0" i="1" dirty="0">
+                <a:solidFill>
+                  <a:srgbClr val="222222"/>
+                </a:solidFill>
+                <a:effectLst/>
+                <a:latin typeface="Arial" panose="020B0604020202020204" pitchFamily="34" charset="0"/>
+              </a:rPr>
+              <a:t>Comprehensive Analysis of MQTT 5.0 Susceptibility to Network Covert Channels</a:t>
+            </a:r>
+            <a:r>
+              <a:rPr lang="en-US" b="0" i="0" dirty="0">
+                <a:solidFill>
+                  <a:srgbClr val="222222"/>
+                </a:solidFill>
+                <a:effectLst/>
+                <a:latin typeface="Arial" panose="020B0604020202020204" pitchFamily="34" charset="0"/>
+              </a:rPr>
+              <a:t>, Computers &amp; Security, Elsevier, 2021. </a:t>
+            </a:r>
+          </a:p>
+          <a:p>
+            <a:pPr algn="l"/>
+            <a:r>
+              <a:rPr lang="en-US" b="0" i="0" dirty="0">
+                <a:solidFill>
+                  <a:srgbClr val="222222"/>
+                </a:solidFill>
+                <a:effectLst/>
+                <a:latin typeface="Arial" panose="020B0604020202020204" pitchFamily="34" charset="0"/>
+              </a:rPr>
+              <a:t>[6] L. Hartmann, S. </a:t>
+            </a:r>
+            <a:r>
+              <a:rPr lang="en-US" b="0" i="0" dirty="0" err="1">
+                <a:solidFill>
+                  <a:srgbClr val="222222"/>
+                </a:solidFill>
+                <a:effectLst/>
+                <a:latin typeface="Arial" panose="020B0604020202020204" pitchFamily="34" charset="0"/>
+              </a:rPr>
+              <a:t>Zillien</a:t>
+            </a:r>
+            <a:r>
+              <a:rPr lang="en-US" b="0" i="0" dirty="0">
+                <a:solidFill>
+                  <a:srgbClr val="222222"/>
+                </a:solidFill>
+                <a:effectLst/>
+                <a:latin typeface="Arial" panose="020B0604020202020204" pitchFamily="34" charset="0"/>
+              </a:rPr>
+              <a:t>, S. </a:t>
+            </a:r>
+            <a:r>
+              <a:rPr lang="en-US" b="0" i="0" dirty="0" err="1">
+                <a:solidFill>
+                  <a:srgbClr val="222222"/>
+                </a:solidFill>
+                <a:effectLst/>
+                <a:latin typeface="Arial" panose="020B0604020202020204" pitchFamily="34" charset="0"/>
+              </a:rPr>
+              <a:t>Wendzel</a:t>
+            </a:r>
+            <a:r>
+              <a:rPr lang="en-US" b="0" i="0" dirty="0">
+                <a:solidFill>
+                  <a:srgbClr val="222222"/>
+                </a:solidFill>
+                <a:effectLst/>
+                <a:latin typeface="Arial" panose="020B0604020202020204" pitchFamily="34" charset="0"/>
+              </a:rPr>
+              <a:t>: </a:t>
+            </a:r>
+            <a:r>
+              <a:rPr lang="en-US" b="0" i="1" dirty="0">
+                <a:solidFill>
+                  <a:srgbClr val="222222"/>
+                </a:solidFill>
+                <a:effectLst/>
+                <a:latin typeface="Arial" panose="020B0604020202020204" pitchFamily="34" charset="0"/>
+              </a:rPr>
+              <a:t>Reset- and Reconnection-based Covert Channels in CoAP</a:t>
+            </a:r>
+            <a:r>
+              <a:rPr lang="en-US" b="0" i="0" dirty="0">
+                <a:solidFill>
+                  <a:srgbClr val="222222"/>
+                </a:solidFill>
+                <a:effectLst/>
+                <a:latin typeface="Arial" panose="020B0604020202020204" pitchFamily="34" charset="0"/>
+              </a:rPr>
+              <a:t>. In: Proc. European Interdisciplinary Cybersecurity Conference (EICC), 2021.</a:t>
+            </a:r>
+          </a:p>
+          <a:p>
+            <a:endParaRPr lang="en-US" dirty="0"/>
+          </a:p>
+        </p:txBody>
+      </p:sp>
+    </p:spTree>
+    <p:extLst>
+      <p:ext uri="{BB962C8B-B14F-4D97-AF65-F5344CB8AC3E}">
+        <p14:creationId xmlns:p14="http://schemas.microsoft.com/office/powerpoint/2010/main" val="224571251"/>
+      </p:ext>
+    </p:extLst>
+  </p:cSld>
+  <p:clrMapOvr>
+    <a:masterClrMapping/>
+  </p:clrMapOvr>
+</p:notes>
+</file>
+
+<file path=ppt/notesSlides/notesSlide4.xml><?xml version="1.0" encoding="utf-8"?>
+<p:notes xmlns:a="http://schemas.openxmlformats.org/drawingml/2006/main" xmlns:r="http://schemas.openxmlformats.org/officeDocument/2006/relationships" xmlns:p="http://schemas.openxmlformats.org/presentationml/2006/main">
+  <p:cSld>
+    <p:spTree>
+      <p:nvGrpSpPr>
+        <p:cNvPr id="1" name=""/>
+        <p:cNvGrpSpPr/>
+        <p:nvPr/>
+      </p:nvGrpSpPr>
+      <p:grpSpPr>
+        <a:xfrm>
+          <a:off x="0" y="0"/>
+          <a:ext cx="0" cy="0"/>
+          <a:chOff x="0" y="0"/>
+          <a:chExt cx="0" cy="0"/>
+        </a:xfrm>
+      </p:grpSpPr>
+      <p:sp>
+        <p:nvSpPr>
+          <p:cNvPr id="2" name="Slide Image Placeholder 1"/>
+          <p:cNvSpPr>
+            <a:spLocks noGrp="1" noRot="1" noChangeAspect="1"/>
+          </p:cNvSpPr>
+          <p:nvPr>
+            <p:ph type="sldImg"/>
+          </p:nvPr>
+        </p:nvSpPr>
+        <p:spPr/>
+      </p:sp>
+      <p:sp>
+        <p:nvSpPr>
+          <p:cNvPr id="3" name="Notes Placeholder 2"/>
+          <p:cNvSpPr>
+            <a:spLocks noGrp="1"/>
+          </p:cNvSpPr>
+          <p:nvPr>
+            <p:ph type="body" idx="1"/>
+          </p:nvPr>
+        </p:nvSpPr>
+        <p:spPr/>
+        <p:txBody>
+          <a:bodyPr/>
+          <a:lstStyle/>
+          <a:p>
+            <a:pPr marL="0" marR="0" lvl="0" indent="0" algn="l" defTabSz="914400" rtl="0" eaLnBrk="1" fontAlgn="auto" latinLnBrk="0" hangingPunct="1">
+              <a:lnSpc>
+                <a:spcPct val="100000"/>
+              </a:lnSpc>
+              <a:spcBef>
+                <a:spcPts val="0"/>
+              </a:spcBef>
+              <a:spcAft>
+                <a:spcPts val="0"/>
+              </a:spcAft>
+              <a:buClrTx/>
+              <a:buSzTx/>
+              <a:buFontTx/>
+              <a:buNone/>
+              <a:tabLst/>
+              <a:defRPr/>
+            </a:pPr>
+            <a:r>
+              <a:rPr lang="en-US" dirty="0"/>
+              <a:t>Screenshot from </a:t>
+            </a:r>
+            <a:r>
+              <a:rPr lang="en-US" sz="1200" dirty="0"/>
+              <a:t>A Pattern-based Survey and Categorization of Network Covert Channel Techniques by Steffen </a:t>
+            </a:r>
+            <a:r>
+              <a:rPr lang="en-US" sz="1200" dirty="0" err="1"/>
+              <a:t>Wendzel</a:t>
+            </a:r>
+            <a:r>
+              <a:rPr lang="en-US" dirty="0"/>
+              <a:t> </a:t>
+            </a:r>
+          </a:p>
+          <a:p>
+            <a:pPr marL="0" marR="0" lvl="0" indent="0" algn="l" defTabSz="914400" rtl="0" eaLnBrk="1" fontAlgn="auto" latinLnBrk="0" hangingPunct="1">
+              <a:lnSpc>
+                <a:spcPct val="100000"/>
+              </a:lnSpc>
+              <a:spcBef>
+                <a:spcPts val="0"/>
+              </a:spcBef>
+              <a:spcAft>
+                <a:spcPts val="0"/>
+              </a:spcAft>
+              <a:buClrTx/>
+              <a:buSzTx/>
+              <a:buFontTx/>
+              <a:buNone/>
+              <a:tabLst/>
+              <a:defRPr/>
+            </a:pPr>
+            <a:r>
+              <a:rPr lang="en-US" dirty="0"/>
+              <a:t>https://arxiv.org/pdf/1406.2901.pdf</a:t>
+            </a:r>
+          </a:p>
+          <a:p>
+            <a:endParaRPr lang="en-US" dirty="0"/>
+          </a:p>
+          <a:p>
+            <a:r>
+              <a:rPr lang="en-US" b="0" i="0" dirty="0">
+                <a:solidFill>
+                  <a:srgbClr val="222222"/>
+                </a:solidFill>
+                <a:effectLst/>
+                <a:latin typeface="Arial" panose="020B0604020202020204" pitchFamily="34" charset="0"/>
+              </a:rPr>
+              <a:t>[1] S. </a:t>
+            </a:r>
+            <a:r>
+              <a:rPr lang="en-US" b="0" i="0" dirty="0" err="1">
+                <a:solidFill>
+                  <a:srgbClr val="222222"/>
+                </a:solidFill>
+                <a:effectLst/>
+                <a:latin typeface="Arial" panose="020B0604020202020204" pitchFamily="34" charset="0"/>
+              </a:rPr>
+              <a:t>Wendzel</a:t>
+            </a:r>
+            <a:r>
+              <a:rPr lang="en-US" b="0" i="0" dirty="0">
+                <a:solidFill>
+                  <a:srgbClr val="222222"/>
+                </a:solidFill>
+                <a:effectLst/>
+                <a:latin typeface="Arial" panose="020B0604020202020204" pitchFamily="34" charset="0"/>
+              </a:rPr>
+              <a:t>, S. Zander, B. Fechner, C. </a:t>
+            </a:r>
+            <a:r>
+              <a:rPr lang="en-US" b="0" i="0" dirty="0" err="1">
+                <a:solidFill>
+                  <a:srgbClr val="222222"/>
+                </a:solidFill>
+                <a:effectLst/>
+                <a:latin typeface="Arial" panose="020B0604020202020204" pitchFamily="34" charset="0"/>
+              </a:rPr>
+              <a:t>Herdin</a:t>
+            </a:r>
+            <a:r>
+              <a:rPr lang="en-US" b="0" i="0" dirty="0">
+                <a:solidFill>
+                  <a:srgbClr val="222222"/>
+                </a:solidFill>
+                <a:effectLst/>
+                <a:latin typeface="Arial" panose="020B0604020202020204" pitchFamily="34" charset="0"/>
+              </a:rPr>
+              <a:t>: </a:t>
+            </a:r>
+            <a:r>
+              <a:rPr lang="en-US" b="0" i="1" u="none" strike="noStrike" dirty="0">
+                <a:solidFill>
+                  <a:srgbClr val="1177CC"/>
+                </a:solidFill>
+                <a:effectLst/>
+                <a:latin typeface="Arial" panose="020B0604020202020204" pitchFamily="34" charset="0"/>
+                <a:hlinkClick r:id="rId3"/>
+              </a:rPr>
+              <a:t>Pattern-based Survey and Categorization of Network Covert Channel Techniques</a:t>
+            </a:r>
+            <a:r>
+              <a:rPr lang="en-US" b="0" i="0" dirty="0">
+                <a:solidFill>
+                  <a:srgbClr val="222222"/>
+                </a:solidFill>
+                <a:effectLst/>
+                <a:latin typeface="Arial" panose="020B0604020202020204" pitchFamily="34" charset="0"/>
+              </a:rPr>
+              <a:t>, ACM Computing Surveys, Vol. 47, Issue 3, pp. 50:1-26, ACM, 2015.</a:t>
+            </a:r>
+            <a:br>
+              <a:rPr lang="en-US" b="0" i="0" dirty="0">
+                <a:solidFill>
+                  <a:srgbClr val="222222"/>
+                </a:solidFill>
+                <a:effectLst/>
+                <a:latin typeface="Arial" panose="020B0604020202020204" pitchFamily="34" charset="0"/>
+              </a:rPr>
+            </a:br>
+            <a:r>
+              <a:rPr lang="en-US" b="0" i="0" dirty="0">
+                <a:solidFill>
+                  <a:srgbClr val="222222"/>
+                </a:solidFill>
+                <a:effectLst/>
+                <a:latin typeface="Arial" panose="020B0604020202020204" pitchFamily="34" charset="0"/>
+              </a:rPr>
+              <a:t>An early version of the article is available here: </a:t>
+            </a:r>
+            <a:r>
+              <a:rPr lang="en-US" b="0" i="0" u="none" strike="noStrike" dirty="0">
+                <a:solidFill>
+                  <a:srgbClr val="1177CC"/>
+                </a:solidFill>
+                <a:effectLst/>
+                <a:latin typeface="Arial" panose="020B0604020202020204" pitchFamily="34" charset="0"/>
+                <a:hlinkClick r:id="rId4"/>
+              </a:rPr>
+              <a:t>download</a:t>
+            </a:r>
+            <a:r>
+              <a:rPr lang="en-US" b="0" i="0" dirty="0">
+                <a:solidFill>
+                  <a:srgbClr val="222222"/>
+                </a:solidFill>
+                <a:effectLst/>
+                <a:latin typeface="Arial" panose="020B0604020202020204" pitchFamily="34" charset="0"/>
+              </a:rPr>
+              <a:t>.</a:t>
+            </a:r>
+            <a:endParaRPr lang="en-US" dirty="0"/>
+          </a:p>
+        </p:txBody>
+      </p:sp>
+    </p:spTree>
+    <p:extLst>
+      <p:ext uri="{BB962C8B-B14F-4D97-AF65-F5344CB8AC3E}">
+        <p14:creationId xmlns:p14="http://schemas.microsoft.com/office/powerpoint/2010/main" val="311151459"/>
+      </p:ext>
+    </p:extLst>
+  </p:cSld>
+  <p:clrMapOvr>
+    <a:masterClrMapping/>
+  </p:clrMapOvr>
+</p:notes>
+</file>
+
+<file path=ppt/notesSlides/notesSlide5.xml><?xml version="1.0" encoding="utf-8"?>
+<p:notes xmlns:a="http://schemas.openxmlformats.org/drawingml/2006/main" xmlns:r="http://schemas.openxmlformats.org/officeDocument/2006/relationships" xmlns:p="http://schemas.openxmlformats.org/presentationml/2006/main">
+  <p:cSld>
+    <p:spTree>
+      <p:nvGrpSpPr>
+        <p:cNvPr id="1" name=""/>
+        <p:cNvGrpSpPr/>
+        <p:nvPr/>
+      </p:nvGrpSpPr>
+      <p:grpSpPr>
+        <a:xfrm>
+          <a:off x="0" y="0"/>
+          <a:ext cx="0" cy="0"/>
+          <a:chOff x="0" y="0"/>
+          <a:chExt cx="0" cy="0"/>
+        </a:xfrm>
+      </p:grpSpPr>
+      <p:sp>
+        <p:nvSpPr>
+          <p:cNvPr id="2" name="Slide Image Placeholder 1"/>
+          <p:cNvSpPr>
+            <a:spLocks noGrp="1" noRot="1" noChangeAspect="1"/>
+          </p:cNvSpPr>
+          <p:nvPr>
+            <p:ph type="sldImg"/>
+          </p:nvPr>
+        </p:nvSpPr>
+        <p:spPr/>
+      </p:sp>
+      <p:sp>
+        <p:nvSpPr>
+          <p:cNvPr id="3" name="Notes Placeholder 2"/>
+          <p:cNvSpPr>
+            <a:spLocks noGrp="1"/>
+          </p:cNvSpPr>
+          <p:nvPr>
+            <p:ph type="body" idx="1"/>
+          </p:nvPr>
+        </p:nvSpPr>
+        <p:spPr/>
+        <p:txBody>
+          <a:bodyPr/>
+          <a:lstStyle/>
+          <a:p>
             <a:endParaRPr lang="en-US" dirty="0"/>
           </a:p>
         </p:txBody>
@@ -847,6 +4621,271 @@
     <p:extLst>
       <p:ext uri="{BB962C8B-B14F-4D97-AF65-F5344CB8AC3E}">
         <p14:creationId xmlns:p14="http://schemas.microsoft.com/office/powerpoint/2010/main" val="1265699634"/>
+      </p:ext>
+    </p:extLst>
+  </p:cSld>
+  <p:clrMapOvr>
+    <a:masterClrMapping/>
+  </p:clrMapOvr>
+</p:notes>
+</file>
+
+<file path=ppt/notesSlides/notesSlide6.xml><?xml version="1.0" encoding="utf-8"?>
+<p:notes xmlns:a="http://schemas.openxmlformats.org/drawingml/2006/main" xmlns:r="http://schemas.openxmlformats.org/officeDocument/2006/relationships" xmlns:p="http://schemas.openxmlformats.org/presentationml/2006/main">
+  <p:cSld>
+    <p:spTree>
+      <p:nvGrpSpPr>
+        <p:cNvPr id="1" name=""/>
+        <p:cNvGrpSpPr/>
+        <p:nvPr/>
+      </p:nvGrpSpPr>
+      <p:grpSpPr>
+        <a:xfrm>
+          <a:off x="0" y="0"/>
+          <a:ext cx="0" cy="0"/>
+          <a:chOff x="0" y="0"/>
+          <a:chExt cx="0" cy="0"/>
+        </a:xfrm>
+      </p:grpSpPr>
+      <p:sp>
+        <p:nvSpPr>
+          <p:cNvPr id="2" name="Slide Image Placeholder 1"/>
+          <p:cNvSpPr>
+            <a:spLocks noGrp="1" noRot="1" noChangeAspect="1"/>
+          </p:cNvSpPr>
+          <p:nvPr>
+            <p:ph type="sldImg"/>
+          </p:nvPr>
+        </p:nvSpPr>
+        <p:spPr/>
+      </p:sp>
+      <p:sp>
+        <p:nvSpPr>
+          <p:cNvPr id="3" name="Notes Placeholder 2"/>
+          <p:cNvSpPr>
+            <a:spLocks noGrp="1"/>
+          </p:cNvSpPr>
+          <p:nvPr>
+            <p:ph type="body" idx="1"/>
+          </p:nvPr>
+        </p:nvSpPr>
+        <p:spPr/>
+        <p:txBody>
+          <a:bodyPr/>
+          <a:lstStyle/>
+          <a:p>
+            <a:endParaRPr lang="en-US" dirty="0"/>
+          </a:p>
+        </p:txBody>
+      </p:sp>
+    </p:spTree>
+    <p:extLst>
+      <p:ext uri="{BB962C8B-B14F-4D97-AF65-F5344CB8AC3E}">
+        <p14:creationId xmlns:p14="http://schemas.microsoft.com/office/powerpoint/2010/main" val="948326759"/>
+      </p:ext>
+    </p:extLst>
+  </p:cSld>
+  <p:clrMapOvr>
+    <a:masterClrMapping/>
+  </p:clrMapOvr>
+</p:notes>
+</file>
+
+<file path=ppt/notesSlides/notesSlide7.xml><?xml version="1.0" encoding="utf-8"?>
+<p:notes xmlns:a="http://schemas.openxmlformats.org/drawingml/2006/main" xmlns:r="http://schemas.openxmlformats.org/officeDocument/2006/relationships" xmlns:p="http://schemas.openxmlformats.org/presentationml/2006/main">
+  <p:cSld>
+    <p:spTree>
+      <p:nvGrpSpPr>
+        <p:cNvPr id="1" name=""/>
+        <p:cNvGrpSpPr/>
+        <p:nvPr/>
+      </p:nvGrpSpPr>
+      <p:grpSpPr>
+        <a:xfrm>
+          <a:off x="0" y="0"/>
+          <a:ext cx="0" cy="0"/>
+          <a:chOff x="0" y="0"/>
+          <a:chExt cx="0" cy="0"/>
+        </a:xfrm>
+      </p:grpSpPr>
+      <p:sp>
+        <p:nvSpPr>
+          <p:cNvPr id="2" name="Slide Image Placeholder 1"/>
+          <p:cNvSpPr>
+            <a:spLocks noGrp="1" noRot="1" noChangeAspect="1"/>
+          </p:cNvSpPr>
+          <p:nvPr>
+            <p:ph type="sldImg"/>
+          </p:nvPr>
+        </p:nvSpPr>
+        <p:spPr/>
+      </p:sp>
+      <p:sp>
+        <p:nvSpPr>
+          <p:cNvPr id="3" name="Notes Placeholder 2"/>
+          <p:cNvSpPr>
+            <a:spLocks noGrp="1"/>
+          </p:cNvSpPr>
+          <p:nvPr>
+            <p:ph type="body" idx="1"/>
+          </p:nvPr>
+        </p:nvSpPr>
+        <p:spPr/>
+        <p:txBody>
+          <a:bodyPr/>
+          <a:lstStyle/>
+          <a:p>
+            <a:pPr lvl="2"/>
+            <a:r>
+              <a:rPr lang="en-US" sz="1200" dirty="0"/>
+              <a:t>Generate corrupted messages in broadcast erasure channels</a:t>
+            </a:r>
+          </a:p>
+          <a:p>
+            <a:pPr lvl="2"/>
+            <a:r>
+              <a:rPr lang="en-US" sz="1200" dirty="0"/>
+              <a:t>Transfer corrupted frames in 802.11</a:t>
+            </a:r>
+          </a:p>
+          <a:p>
+            <a:pPr lvl="2"/>
+            <a:r>
+              <a:rPr lang="en-US" sz="1200" dirty="0"/>
+              <a:t>MitM adversary between 2 VPN sites drops selected packets exchanged</a:t>
+            </a:r>
+          </a:p>
+          <a:p>
+            <a:endParaRPr lang="en-US" dirty="0"/>
+          </a:p>
+        </p:txBody>
+      </p:sp>
+    </p:spTree>
+    <p:extLst>
+      <p:ext uri="{BB962C8B-B14F-4D97-AF65-F5344CB8AC3E}">
+        <p14:creationId xmlns:p14="http://schemas.microsoft.com/office/powerpoint/2010/main" val="1773288560"/>
+      </p:ext>
+    </p:extLst>
+  </p:cSld>
+  <p:clrMapOvr>
+    <a:masterClrMapping/>
+  </p:clrMapOvr>
+</p:notes>
+</file>
+
+<file path=ppt/notesSlides/notesSlide8.xml><?xml version="1.0" encoding="utf-8"?>
+<p:notes xmlns:a="http://schemas.openxmlformats.org/drawingml/2006/main" xmlns:r="http://schemas.openxmlformats.org/officeDocument/2006/relationships" xmlns:p="http://schemas.openxmlformats.org/presentationml/2006/main">
+  <p:cSld>
+    <p:spTree>
+      <p:nvGrpSpPr>
+        <p:cNvPr id="1" name=""/>
+        <p:cNvGrpSpPr/>
+        <p:nvPr/>
+      </p:nvGrpSpPr>
+      <p:grpSpPr>
+        <a:xfrm>
+          <a:off x="0" y="0"/>
+          <a:ext cx="0" cy="0"/>
+          <a:chOff x="0" y="0"/>
+          <a:chExt cx="0" cy="0"/>
+        </a:xfrm>
+      </p:grpSpPr>
+      <p:sp>
+        <p:nvSpPr>
+          <p:cNvPr id="2" name="Slide Image Placeholder 1"/>
+          <p:cNvSpPr>
+            <a:spLocks noGrp="1" noRot="1" noChangeAspect="1"/>
+          </p:cNvSpPr>
+          <p:nvPr>
+            <p:ph type="sldImg"/>
+          </p:nvPr>
+        </p:nvSpPr>
+        <p:spPr/>
+      </p:sp>
+      <p:sp>
+        <p:nvSpPr>
+          <p:cNvPr id="3" name="Notes Placeholder 2"/>
+          <p:cNvSpPr>
+            <a:spLocks noGrp="1"/>
+          </p:cNvSpPr>
+          <p:nvPr>
+            <p:ph type="body" idx="1"/>
+          </p:nvPr>
+        </p:nvSpPr>
+        <p:spPr/>
+        <p:txBody>
+          <a:bodyPr/>
+          <a:lstStyle/>
+          <a:p>
+            <a:endParaRPr lang="en-US" dirty="0"/>
+          </a:p>
+        </p:txBody>
+      </p:sp>
+    </p:spTree>
+    <p:extLst>
+      <p:ext uri="{BB962C8B-B14F-4D97-AF65-F5344CB8AC3E}">
+        <p14:creationId xmlns:p14="http://schemas.microsoft.com/office/powerpoint/2010/main" val="756149996"/>
+      </p:ext>
+    </p:extLst>
+  </p:cSld>
+  <p:clrMapOvr>
+    <a:masterClrMapping/>
+  </p:clrMapOvr>
+</p:notes>
+</file>
+
+<file path=ppt/notesSlides/notesSlide9.xml><?xml version="1.0" encoding="utf-8"?>
+<p:notes xmlns:a="http://schemas.openxmlformats.org/drawingml/2006/main" xmlns:r="http://schemas.openxmlformats.org/officeDocument/2006/relationships" xmlns:p="http://schemas.openxmlformats.org/presentationml/2006/main">
+  <p:cSld>
+    <p:spTree>
+      <p:nvGrpSpPr>
+        <p:cNvPr id="1" name=""/>
+        <p:cNvGrpSpPr/>
+        <p:nvPr/>
+      </p:nvGrpSpPr>
+      <p:grpSpPr>
+        <a:xfrm>
+          <a:off x="0" y="0"/>
+          <a:ext cx="0" cy="0"/>
+          <a:chOff x="0" y="0"/>
+          <a:chExt cx="0" cy="0"/>
+        </a:xfrm>
+      </p:grpSpPr>
+      <p:sp>
+        <p:nvSpPr>
+          <p:cNvPr id="2" name="Slide Image Placeholder 1"/>
+          <p:cNvSpPr>
+            <a:spLocks noGrp="1" noRot="1" noChangeAspect="1"/>
+          </p:cNvSpPr>
+          <p:nvPr>
+            <p:ph type="sldImg"/>
+          </p:nvPr>
+        </p:nvSpPr>
+        <p:spPr/>
+      </p:sp>
+      <p:sp>
+        <p:nvSpPr>
+          <p:cNvPr id="3" name="Notes Placeholder 2"/>
+          <p:cNvSpPr>
+            <a:spLocks noGrp="1"/>
+          </p:cNvSpPr>
+          <p:nvPr>
+            <p:ph type="body" idx="1"/>
+          </p:nvPr>
+        </p:nvSpPr>
+        <p:spPr/>
+        <p:txBody>
+          <a:bodyPr/>
+          <a:lstStyle/>
+          <a:p>
+            <a:endParaRPr lang="en-US" dirty="0"/>
+          </a:p>
+        </p:txBody>
+      </p:sp>
+    </p:spTree>
+    <p:extLst>
+      <p:ext uri="{BB962C8B-B14F-4D97-AF65-F5344CB8AC3E}">
+        <p14:creationId xmlns:p14="http://schemas.microsoft.com/office/powerpoint/2010/main" val="1702930341"/>
       </p:ext>
     </p:extLst>
   </p:cSld>
@@ -2325,9 +6364,10 @@
           </a:p>
           <a:p>
             <a:r>
-              <a:rPr lang="en-US" dirty="0"/>
-              <a:t>13 JUN 2020</a:t>
-            </a:r>
+              <a:rPr lang="en-US"/>
+              <a:t>19 JUN 2022</a:t>
+            </a:r>
+            <a:endParaRPr lang="en-US" dirty="0"/>
           </a:p>
         </p:txBody>
       </p:sp>
@@ -2384,7 +6424,7 @@
           <a:p>
             <a:r>
               <a:rPr lang="en-US" sz="2400" dirty="0"/>
-              <a:t>P5. Random Value Pattern*</a:t>
+              <a:t>PS10. Random Value Pattern*</a:t>
             </a:r>
           </a:p>
           <a:p>
@@ -2537,7 +6577,7 @@
           <a:p>
             <a:r>
               <a:rPr lang="en-US" sz="2400" dirty="0"/>
-              <a:t>P6. Value Modulation Pattern*</a:t>
+              <a:t>PS11. Value Modulation Pattern*</a:t>
             </a:r>
           </a:p>
           <a:p>
@@ -2700,7 +6740,7 @@
           <a:p>
             <a:r>
               <a:rPr lang="en-US" sz="2400" dirty="0"/>
-              <a:t>P6.a. Case Pattern</a:t>
+              <a:t>PS11.a. Case Pattern</a:t>
             </a:r>
           </a:p>
           <a:p>
@@ -2735,7 +6775,7 @@
           <a:p>
             <a:r>
               <a:rPr lang="en-US" sz="2400" dirty="0"/>
-              <a:t>P6.b. Least Significant Bit (LSB) Pattern</a:t>
+              <a:t>PS11.b. Least Significant Bit (LSB) Pattern</a:t>
             </a:r>
           </a:p>
           <a:p>
@@ -2841,6 +6881,152 @@
           <p:cNvPr id="2" name="Text Placeholder 1">
             <a:extLst>
               <a:ext uri="{FF2B5EF4-FFF2-40B4-BE49-F238E27FC236}">
+                <a16:creationId xmlns:a16="http://schemas.microsoft.com/office/drawing/2014/main" id="{B8914C82-2792-4BF3-AE98-9B2ABA475770}"/>
+              </a:ext>
+            </a:extLst>
+          </p:cNvPr>
+          <p:cNvSpPr>
+            <a:spLocks noGrp="1"/>
+          </p:cNvSpPr>
+          <p:nvPr>
+            <p:ph type="body" sz="quarter" idx="10"/>
+          </p:nvPr>
+        </p:nvSpPr>
+        <p:spPr/>
+        <p:txBody>
+          <a:bodyPr/>
+          <a:lstStyle/>
+          <a:p>
+            <a:r>
+              <a:rPr lang="en-US" sz="2400" dirty="0"/>
+              <a:t>PS11.c. Value Influencing Pattern</a:t>
+            </a:r>
+          </a:p>
+          <a:p>
+            <a:pPr lvl="1"/>
+            <a:r>
+              <a:rPr lang="en-US" sz="1800" dirty="0"/>
+              <a:t>Illustration: Sender (directly or indirectly) influences some (out of n possible) values in a way that a covert channel receiver can determine the value</a:t>
+            </a:r>
+          </a:p>
+          <a:p>
+            <a:pPr lvl="1"/>
+            <a:r>
+              <a:rPr lang="en-US" sz="1800" dirty="0"/>
+              <a:t>Context: Storage-&gt;Non-Payload-&gt;Structure Preserving-&gt;Modification of Attribute-&gt; Value Modulation</a:t>
+            </a:r>
+          </a:p>
+          <a:p>
+            <a:pPr lvl="1"/>
+            <a:r>
+              <a:rPr lang="en-US" sz="1800" dirty="0"/>
+              <a:t>Evidence:</a:t>
+            </a:r>
+          </a:p>
+          <a:p>
+            <a:pPr lvl="2"/>
+            <a:r>
+              <a:rPr lang="en-US" sz="1800" dirty="0"/>
+              <a:t>A. </a:t>
+            </a:r>
+            <a:r>
+              <a:rPr lang="en-US" sz="1800" dirty="0" err="1"/>
+              <a:t>Velinov</a:t>
+            </a:r>
+            <a:r>
+              <a:rPr lang="en-US" sz="1800" dirty="0"/>
+              <a:t>, A. </a:t>
+            </a:r>
+            <a:r>
+              <a:rPr lang="en-US" sz="1800" dirty="0" err="1"/>
+              <a:t>Mileva</a:t>
+            </a:r>
+            <a:r>
+              <a:rPr lang="en-US" sz="1800" dirty="0"/>
+              <a:t>, S. </a:t>
+            </a:r>
+            <a:r>
+              <a:rPr lang="en-US" sz="1800" dirty="0" err="1"/>
+              <a:t>Wendzel</a:t>
+            </a:r>
+            <a:r>
+              <a:rPr lang="en-US" sz="1800" dirty="0"/>
+              <a:t>, W. </a:t>
+            </a:r>
+            <a:r>
+              <a:rPr lang="en-US" sz="1800" dirty="0" err="1"/>
+              <a:t>Mazurczyk</a:t>
+            </a:r>
+            <a:r>
+              <a:rPr lang="en-US" sz="1800" dirty="0"/>
+              <a:t>: Covert Channels in MQTT-based Internet of Things, IEEE ACCESS, Vol. 7, pp. 161899-161915, 2019</a:t>
+            </a:r>
+          </a:p>
+        </p:txBody>
+      </p:sp>
+      <p:sp>
+        <p:nvSpPr>
+          <p:cNvPr id="3" name="Text Placeholder 2">
+            <a:extLst>
+              <a:ext uri="{FF2B5EF4-FFF2-40B4-BE49-F238E27FC236}">
+                <a16:creationId xmlns:a16="http://schemas.microsoft.com/office/drawing/2014/main" id="{2730F1F3-7FAD-405E-8700-8447C36E6273}"/>
+              </a:ext>
+            </a:extLst>
+          </p:cNvPr>
+          <p:cNvSpPr>
+            <a:spLocks noGrp="1"/>
+          </p:cNvSpPr>
+          <p:nvPr>
+            <p:ph type="body" sz="quarter" idx="11"/>
+          </p:nvPr>
+        </p:nvSpPr>
+        <p:spPr/>
+        <p:txBody>
+          <a:bodyPr/>
+          <a:lstStyle/>
+          <a:p>
+            <a:r>
+              <a:rPr lang="en-US" dirty="0"/>
+              <a:t>Evaluating Covert Channels</a:t>
+            </a:r>
+          </a:p>
+        </p:txBody>
+      </p:sp>
+    </p:spTree>
+    <p:extLst>
+      <p:ext uri="{BB962C8B-B14F-4D97-AF65-F5344CB8AC3E}">
+        <p14:creationId xmlns:p14="http://schemas.microsoft.com/office/powerpoint/2010/main" val="3451752976"/>
+      </p:ext>
+    </p:extLst>
+  </p:cSld>
+  <p:clrMapOvr>
+    <a:masterClrMapping/>
+  </p:clrMapOvr>
+</p:sld>
+</file>
+
+<file path=ppt/slides/slide14.xml><?xml version="1.0" encoding="utf-8"?>
+<p:sld xmlns:a="http://schemas.openxmlformats.org/drawingml/2006/main" xmlns:r="http://schemas.openxmlformats.org/officeDocument/2006/relationships" xmlns:p="http://schemas.openxmlformats.org/presentationml/2006/main">
+  <p:cSld>
+    <p:spTree>
+      <p:nvGrpSpPr>
+        <p:cNvPr id="1" name=""/>
+        <p:cNvGrpSpPr/>
+        <p:nvPr/>
+      </p:nvGrpSpPr>
+      <p:grpSpPr>
+        <a:xfrm>
+          <a:off x="0" y="0"/>
+          <a:ext cx="0" cy="0"/>
+          <a:chOff x="0" y="0"/>
+          <a:chExt cx="0" cy="0"/>
+        </a:xfrm>
+      </p:grpSpPr>
+      <p:sp>
+        <p:nvSpPr>
+          <p:cNvPr id="2" name="Text Placeholder 1">
+            <a:extLst>
+              <a:ext uri="{FF2B5EF4-FFF2-40B4-BE49-F238E27FC236}">
                 <a16:creationId xmlns:a16="http://schemas.microsoft.com/office/drawing/2014/main" id="{D740140B-D84E-40A8-AE93-69C365F009DB}"/>
               </a:ext>
             </a:extLst>
@@ -2859,7 +7045,7 @@
           <a:p>
             <a:r>
               <a:rPr lang="en-US" sz="2400" dirty="0"/>
-              <a:t>P7. Reserved/Unused Pattern*</a:t>
+              <a:t>PS12. Reserved/Unused Pattern*</a:t>
             </a:r>
           </a:p>
           <a:p>
@@ -3002,7 +7188,533 @@
 </p:sld>
 </file>
 
-<file path=ppt/slides/slide14.xml><?xml version="1.0" encoding="utf-8"?>
+<file path=ppt/slides/slide15.xml><?xml version="1.0" encoding="utf-8"?>
+<p:sld xmlns:a="http://schemas.openxmlformats.org/drawingml/2006/main" xmlns:r="http://schemas.openxmlformats.org/officeDocument/2006/relationships" xmlns:p="http://schemas.openxmlformats.org/presentationml/2006/main">
+  <p:cSld>
+    <p:spTree>
+      <p:nvGrpSpPr>
+        <p:cNvPr id="1" name=""/>
+        <p:cNvGrpSpPr/>
+        <p:nvPr/>
+      </p:nvGrpSpPr>
+      <p:grpSpPr>
+        <a:xfrm>
+          <a:off x="0" y="0"/>
+          <a:ext cx="0" cy="0"/>
+          <a:chOff x="0" y="0"/>
+          <a:chExt cx="0" cy="0"/>
+        </a:xfrm>
+      </p:grpSpPr>
+      <p:sp>
+        <p:nvSpPr>
+          <p:cNvPr id="2" name="Text Placeholder 1">
+            <a:extLst>
+              <a:ext uri="{FF2B5EF4-FFF2-40B4-BE49-F238E27FC236}">
+                <a16:creationId xmlns:a16="http://schemas.microsoft.com/office/drawing/2014/main" id="{D740140B-D84E-40A8-AE93-69C365F009DB}"/>
+              </a:ext>
+            </a:extLst>
+          </p:cNvPr>
+          <p:cNvSpPr>
+            <a:spLocks noGrp="1"/>
+          </p:cNvSpPr>
+          <p:nvPr>
+            <p:ph type="body" sz="quarter" idx="10"/>
+          </p:nvPr>
+        </p:nvSpPr>
+        <p:spPr/>
+        <p:txBody>
+          <a:bodyPr/>
+          <a:lstStyle/>
+          <a:p>
+            <a:r>
+              <a:rPr lang="en-US" sz="2400" dirty="0"/>
+              <a:t>PS20. Payload Field Size Modulation</a:t>
+            </a:r>
+          </a:p>
+          <a:p>
+            <a:pPr lvl="1"/>
+            <a:r>
+              <a:rPr lang="en-US" sz="1800" dirty="0"/>
+              <a:t>Illustration: Uses a size of the payload field of a flow's PDUs/messages to encode the hidden message. Variant of Size Modulation.</a:t>
+            </a:r>
+          </a:p>
+          <a:p>
+            <a:pPr lvl="1"/>
+            <a:r>
+              <a:rPr lang="en-US" sz="1800" dirty="0"/>
+              <a:t>Context: Storage-&gt;Payload-&gt;User-data Agnostic</a:t>
+            </a:r>
+          </a:p>
+          <a:p>
+            <a:pPr lvl="1"/>
+            <a:r>
+              <a:rPr lang="en-US" sz="1800" dirty="0"/>
+              <a:t>Evidence:</a:t>
+            </a:r>
+          </a:p>
+          <a:p>
+            <a:pPr lvl="2"/>
+            <a:r>
+              <a:rPr lang="en-US" sz="1800" dirty="0"/>
+              <a:t>Modulate size of data block field in Ethernet frames</a:t>
+            </a:r>
+          </a:p>
+          <a:p>
+            <a:pPr lvl="2"/>
+            <a:r>
+              <a:rPr lang="en-US" sz="1800" dirty="0"/>
+              <a:t>Any other method that modulates size of payload field in any network protocol</a:t>
+            </a:r>
+          </a:p>
+          <a:p>
+            <a:endParaRPr lang="en-US" dirty="0"/>
+          </a:p>
+        </p:txBody>
+      </p:sp>
+      <p:sp>
+        <p:nvSpPr>
+          <p:cNvPr id="3" name="Text Placeholder 2">
+            <a:extLst>
+              <a:ext uri="{FF2B5EF4-FFF2-40B4-BE49-F238E27FC236}">
+                <a16:creationId xmlns:a16="http://schemas.microsoft.com/office/drawing/2014/main" id="{E2BFC3F6-6C59-4214-B17C-4A379A9A4DAE}"/>
+              </a:ext>
+            </a:extLst>
+          </p:cNvPr>
+          <p:cNvSpPr>
+            <a:spLocks noGrp="1"/>
+          </p:cNvSpPr>
+          <p:nvPr>
+            <p:ph type="body" sz="quarter" idx="11"/>
+          </p:nvPr>
+        </p:nvSpPr>
+        <p:spPr/>
+        <p:txBody>
+          <a:bodyPr/>
+          <a:lstStyle/>
+          <a:p>
+            <a:r>
+              <a:rPr lang="en-US" dirty="0"/>
+              <a:t>Evaluating Covert Channels</a:t>
+            </a:r>
+          </a:p>
+        </p:txBody>
+      </p:sp>
+    </p:spTree>
+    <p:extLst>
+      <p:ext uri="{BB962C8B-B14F-4D97-AF65-F5344CB8AC3E}">
+        <p14:creationId xmlns:p14="http://schemas.microsoft.com/office/powerpoint/2010/main" val="1131379798"/>
+      </p:ext>
+    </p:extLst>
+  </p:cSld>
+  <p:clrMapOvr>
+    <a:masterClrMapping/>
+  </p:clrMapOvr>
+</p:sld>
+</file>
+
+<file path=ppt/slides/slide16.xml><?xml version="1.0" encoding="utf-8"?>
+<p:sld xmlns:a="http://schemas.openxmlformats.org/drawingml/2006/main" xmlns:r="http://schemas.openxmlformats.org/officeDocument/2006/relationships" xmlns:p="http://schemas.openxmlformats.org/presentationml/2006/main">
+  <p:cSld>
+    <p:spTree>
+      <p:nvGrpSpPr>
+        <p:cNvPr id="1" name=""/>
+        <p:cNvGrpSpPr/>
+        <p:nvPr/>
+      </p:nvGrpSpPr>
+      <p:grpSpPr>
+        <a:xfrm>
+          <a:off x="0" y="0"/>
+          <a:ext cx="0" cy="0"/>
+          <a:chOff x="0" y="0"/>
+          <a:chExt cx="0" cy="0"/>
+        </a:xfrm>
+      </p:grpSpPr>
+      <p:sp>
+        <p:nvSpPr>
+          <p:cNvPr id="2" name="Text Placeholder 1">
+            <a:extLst>
+              <a:ext uri="{FF2B5EF4-FFF2-40B4-BE49-F238E27FC236}">
+                <a16:creationId xmlns:a16="http://schemas.microsoft.com/office/drawing/2014/main" id="{D740140B-D84E-40A8-AE93-69C365F009DB}"/>
+              </a:ext>
+            </a:extLst>
+          </p:cNvPr>
+          <p:cNvSpPr>
+            <a:spLocks noGrp="1"/>
+          </p:cNvSpPr>
+          <p:nvPr>
+            <p:ph type="body" sz="quarter" idx="10"/>
+          </p:nvPr>
+        </p:nvSpPr>
+        <p:spPr/>
+        <p:txBody>
+          <a:bodyPr/>
+          <a:lstStyle/>
+          <a:p>
+            <a:r>
+              <a:rPr lang="en-US" sz="2400" dirty="0"/>
+              <a:t>PS21. User-data Corruption</a:t>
+            </a:r>
+          </a:p>
+          <a:p>
+            <a:pPr lvl="1"/>
+            <a:r>
+              <a:rPr lang="en-US" sz="1800" dirty="0"/>
+              <a:t>Illustration: Related to the cases when steganographic methods do not take into account what kind of user-data is carried within a payload field and/or what its characteristic is (blind modification). It can be applied to single PDUs or to multiple PDUs (a flow). This typically happens if parts of (or the whole) user-data is replaced with secret bits and thus the user-data is corrupted/lost.</a:t>
+            </a:r>
+          </a:p>
+          <a:p>
+            <a:pPr lvl="1"/>
+            <a:r>
+              <a:rPr lang="en-US" sz="1800" dirty="0"/>
+              <a:t>Context: Storage-&gt;Payload-&gt;User-data Agnostic</a:t>
+            </a:r>
+          </a:p>
+          <a:p>
+            <a:pPr lvl="1"/>
+            <a:r>
+              <a:rPr lang="en-US" sz="1800" dirty="0"/>
+              <a:t>Evidence:</a:t>
+            </a:r>
+          </a:p>
+          <a:p>
+            <a:pPr lvl="2"/>
+            <a:r>
+              <a:rPr lang="en-US" sz="1800" dirty="0"/>
+              <a:t>W. </a:t>
+            </a:r>
+            <a:r>
+              <a:rPr lang="en-US" sz="1800" dirty="0" err="1"/>
+              <a:t>Mazurczyk</a:t>
+            </a:r>
+            <a:r>
+              <a:rPr lang="en-US" sz="1800" dirty="0"/>
+              <a:t>, S. </a:t>
+            </a:r>
+            <a:r>
+              <a:rPr lang="en-US" sz="1800" dirty="0" err="1"/>
+              <a:t>Wendzel</a:t>
+            </a:r>
+            <a:r>
+              <a:rPr lang="en-US" sz="1800" dirty="0"/>
+              <a:t>, K. </a:t>
+            </a:r>
+            <a:r>
+              <a:rPr lang="en-US" sz="1800" dirty="0" err="1"/>
+              <a:t>Cabaj</a:t>
+            </a:r>
+            <a:r>
+              <a:rPr lang="en-US" sz="1800" dirty="0"/>
+              <a:t>: Towards Deriving Insights into Data Hiding Methods Using Pattern-based Approach, in Proc. Second International Workshop on Criminal Use of Information Hiding (CUING 2018) at ARES, pp. 10:1-10:10, ACM, 2018. </a:t>
+            </a:r>
+          </a:p>
+        </p:txBody>
+      </p:sp>
+      <p:sp>
+        <p:nvSpPr>
+          <p:cNvPr id="3" name="Text Placeholder 2">
+            <a:extLst>
+              <a:ext uri="{FF2B5EF4-FFF2-40B4-BE49-F238E27FC236}">
+                <a16:creationId xmlns:a16="http://schemas.microsoft.com/office/drawing/2014/main" id="{E2BFC3F6-6C59-4214-B17C-4A379A9A4DAE}"/>
+              </a:ext>
+            </a:extLst>
+          </p:cNvPr>
+          <p:cNvSpPr>
+            <a:spLocks noGrp="1"/>
+          </p:cNvSpPr>
+          <p:nvPr>
+            <p:ph type="body" sz="quarter" idx="11"/>
+          </p:nvPr>
+        </p:nvSpPr>
+        <p:spPr/>
+        <p:txBody>
+          <a:bodyPr/>
+          <a:lstStyle/>
+          <a:p>
+            <a:r>
+              <a:rPr lang="en-US" dirty="0"/>
+              <a:t>Evaluating Covert Channels</a:t>
+            </a:r>
+          </a:p>
+        </p:txBody>
+      </p:sp>
+    </p:spTree>
+    <p:extLst>
+      <p:ext uri="{BB962C8B-B14F-4D97-AF65-F5344CB8AC3E}">
+        <p14:creationId xmlns:p14="http://schemas.microsoft.com/office/powerpoint/2010/main" val="1861550129"/>
+      </p:ext>
+    </p:extLst>
+  </p:cSld>
+  <p:clrMapOvr>
+    <a:masterClrMapping/>
+  </p:clrMapOvr>
+</p:sld>
+</file>
+
+<file path=ppt/slides/slide17.xml><?xml version="1.0" encoding="utf-8"?>
+<p:sld xmlns:a="http://schemas.openxmlformats.org/drawingml/2006/main" xmlns:r="http://schemas.openxmlformats.org/officeDocument/2006/relationships" xmlns:p="http://schemas.openxmlformats.org/presentationml/2006/main">
+  <p:cSld>
+    <p:spTree>
+      <p:nvGrpSpPr>
+        <p:cNvPr id="1" name=""/>
+        <p:cNvGrpSpPr/>
+        <p:nvPr/>
+      </p:nvGrpSpPr>
+      <p:grpSpPr>
+        <a:xfrm>
+          <a:off x="0" y="0"/>
+          <a:ext cx="0" cy="0"/>
+          <a:chOff x="0" y="0"/>
+          <a:chExt cx="0" cy="0"/>
+        </a:xfrm>
+      </p:grpSpPr>
+      <p:sp>
+        <p:nvSpPr>
+          <p:cNvPr id="2" name="Text Placeholder 1">
+            <a:extLst>
+              <a:ext uri="{FF2B5EF4-FFF2-40B4-BE49-F238E27FC236}">
+                <a16:creationId xmlns:a16="http://schemas.microsoft.com/office/drawing/2014/main" id="{D740140B-D84E-40A8-AE93-69C365F009DB}"/>
+              </a:ext>
+            </a:extLst>
+          </p:cNvPr>
+          <p:cNvSpPr>
+            <a:spLocks noGrp="1"/>
+          </p:cNvSpPr>
+          <p:nvPr>
+            <p:ph type="body" sz="quarter" idx="10"/>
+          </p:nvPr>
+        </p:nvSpPr>
+        <p:spPr/>
+        <p:txBody>
+          <a:bodyPr/>
+          <a:lstStyle/>
+          <a:p>
+            <a:r>
+              <a:rPr lang="en-US" sz="2400" dirty="0"/>
+              <a:t>PS30. Modify Redundancy</a:t>
+            </a:r>
+          </a:p>
+          <a:p>
+            <a:pPr lvl="1"/>
+            <a:r>
+              <a:rPr lang="en-US" sz="1800" dirty="0"/>
+              <a:t>Illustration: Used when it is possible to exploit the redundancy of the user-data by means of transforming them in such a way that a free space for secret data is obtained. Similar to Add Redundancy but can also decrease redundancy and is applied to payload instead of meta-data.</a:t>
+            </a:r>
+          </a:p>
+          <a:p>
+            <a:pPr lvl="1"/>
+            <a:r>
+              <a:rPr lang="en-US" sz="1800" dirty="0"/>
+              <a:t>Context: Storage-&gt;Payload-&gt;User-data Aware</a:t>
+            </a:r>
+          </a:p>
+          <a:p>
+            <a:pPr lvl="1"/>
+            <a:r>
+              <a:rPr lang="en-US" sz="1800" dirty="0"/>
+              <a:t>Evidence:</a:t>
+            </a:r>
+          </a:p>
+          <a:p>
+            <a:pPr lvl="2"/>
+            <a:r>
+              <a:rPr lang="en-US" sz="1800" dirty="0"/>
+              <a:t>Compress existing user-data in order to make a space for secret data.</a:t>
+            </a:r>
+          </a:p>
+          <a:p>
+            <a:pPr lvl="2"/>
+            <a:r>
+              <a:rPr lang="en-US" sz="1800" dirty="0"/>
+              <a:t>Transform the VAD-enabled IP telephony voice stream into non-VAD one and fill the gaps using artificially generated RTP packets containing secret data.</a:t>
+            </a:r>
+          </a:p>
+          <a:p>
+            <a:pPr lvl="2"/>
+            <a:r>
+              <a:rPr lang="en-US" sz="1800" dirty="0"/>
+              <a:t>Approximate the F0 parameter of the </a:t>
+            </a:r>
+            <a:r>
+              <a:rPr lang="en-US" sz="1800" dirty="0" err="1"/>
+              <a:t>Speex</a:t>
+            </a:r>
+            <a:r>
+              <a:rPr lang="en-US" sz="1800" dirty="0"/>
+              <a:t> codec which carries information about the pitch of the speech signal and use the ``saved'' space for secret data.</a:t>
+            </a:r>
+          </a:p>
+        </p:txBody>
+      </p:sp>
+      <p:sp>
+        <p:nvSpPr>
+          <p:cNvPr id="3" name="Text Placeholder 2">
+            <a:extLst>
+              <a:ext uri="{FF2B5EF4-FFF2-40B4-BE49-F238E27FC236}">
+                <a16:creationId xmlns:a16="http://schemas.microsoft.com/office/drawing/2014/main" id="{E2BFC3F6-6C59-4214-B17C-4A379A9A4DAE}"/>
+              </a:ext>
+            </a:extLst>
+          </p:cNvPr>
+          <p:cNvSpPr>
+            <a:spLocks noGrp="1"/>
+          </p:cNvSpPr>
+          <p:nvPr>
+            <p:ph type="body" sz="quarter" idx="11"/>
+          </p:nvPr>
+        </p:nvSpPr>
+        <p:spPr/>
+        <p:txBody>
+          <a:bodyPr/>
+          <a:lstStyle/>
+          <a:p>
+            <a:r>
+              <a:rPr lang="en-US" dirty="0"/>
+              <a:t>Evaluating Covert Channels</a:t>
+            </a:r>
+          </a:p>
+        </p:txBody>
+      </p:sp>
+    </p:spTree>
+    <p:extLst>
+      <p:ext uri="{BB962C8B-B14F-4D97-AF65-F5344CB8AC3E}">
+        <p14:creationId xmlns:p14="http://schemas.microsoft.com/office/powerpoint/2010/main" val="2250776891"/>
+      </p:ext>
+    </p:extLst>
+  </p:cSld>
+  <p:clrMapOvr>
+    <a:masterClrMapping/>
+  </p:clrMapOvr>
+</p:sld>
+</file>
+
+<file path=ppt/slides/slide18.xml><?xml version="1.0" encoding="utf-8"?>
+<p:sld xmlns:a="http://schemas.openxmlformats.org/drawingml/2006/main" xmlns:r="http://schemas.openxmlformats.org/officeDocument/2006/relationships" xmlns:p="http://schemas.openxmlformats.org/presentationml/2006/main">
+  <p:cSld>
+    <p:spTree>
+      <p:nvGrpSpPr>
+        <p:cNvPr id="1" name=""/>
+        <p:cNvGrpSpPr/>
+        <p:nvPr/>
+      </p:nvGrpSpPr>
+      <p:grpSpPr>
+        <a:xfrm>
+          <a:off x="0" y="0"/>
+          <a:ext cx="0" cy="0"/>
+          <a:chOff x="0" y="0"/>
+          <a:chExt cx="0" cy="0"/>
+        </a:xfrm>
+      </p:grpSpPr>
+      <p:sp>
+        <p:nvSpPr>
+          <p:cNvPr id="2" name="Text Placeholder 1">
+            <a:extLst>
+              <a:ext uri="{FF2B5EF4-FFF2-40B4-BE49-F238E27FC236}">
+                <a16:creationId xmlns:a16="http://schemas.microsoft.com/office/drawing/2014/main" id="{D740140B-D84E-40A8-AE93-69C365F009DB}"/>
+              </a:ext>
+            </a:extLst>
+          </p:cNvPr>
+          <p:cNvSpPr>
+            <a:spLocks noGrp="1"/>
+          </p:cNvSpPr>
+          <p:nvPr>
+            <p:ph type="body" sz="quarter" idx="10"/>
+          </p:nvPr>
+        </p:nvSpPr>
+        <p:spPr/>
+        <p:txBody>
+          <a:bodyPr/>
+          <a:lstStyle/>
+          <a:p>
+            <a:r>
+              <a:rPr lang="en-US" sz="2400" dirty="0"/>
+              <a:t>PS31. User-data Value Modulation and Reserved/Unused</a:t>
+            </a:r>
+          </a:p>
+          <a:p>
+            <a:pPr lvl="1"/>
+            <a:r>
+              <a:rPr lang="en-US" sz="1800" dirty="0"/>
+              <a:t>Illustration: Characteristic features of user-data can be utilized to store secret information. This includes applying methods like LSB modification to speech samples or digital images carried within the payload field. Compared with previous patterns this is a targeted modification. This pattern is analogous to the combination of the patterns.</a:t>
+            </a:r>
+          </a:p>
+          <a:p>
+            <a:pPr lvl="1"/>
+            <a:r>
+              <a:rPr lang="en-US" sz="1800" dirty="0"/>
+              <a:t>Context: Storage-&gt;Payload-&gt;User-data Aware</a:t>
+            </a:r>
+          </a:p>
+          <a:p>
+            <a:pPr lvl="1"/>
+            <a:r>
+              <a:rPr lang="en-US" sz="1800" dirty="0"/>
+              <a:t>Evidence:</a:t>
+            </a:r>
+          </a:p>
+          <a:p>
+            <a:pPr lvl="2"/>
+            <a:r>
+              <a:rPr lang="en-US" sz="1800" dirty="0"/>
+              <a:t>Encode a stream of information by spreading the encoded data across as much of the frequency spectrum as feasible (e.g. DSSS).</a:t>
+            </a:r>
+          </a:p>
+          <a:p>
+            <a:pPr lvl="2"/>
+            <a:r>
+              <a:rPr lang="en-US" sz="1800" dirty="0"/>
+              <a:t>Embeds secret data into a carrier audio signal by introducing an echo (a.k.a. echo hiding).</a:t>
+            </a:r>
+          </a:p>
+          <a:p>
+            <a:pPr lvl="2"/>
+            <a:r>
+              <a:rPr lang="en-US" sz="1800" dirty="0"/>
+              <a:t>Replacing the least significant bit of e.g. each voice sample with secret data (LSB).</a:t>
+            </a:r>
+          </a:p>
+        </p:txBody>
+      </p:sp>
+      <p:sp>
+        <p:nvSpPr>
+          <p:cNvPr id="3" name="Text Placeholder 2">
+            <a:extLst>
+              <a:ext uri="{FF2B5EF4-FFF2-40B4-BE49-F238E27FC236}">
+                <a16:creationId xmlns:a16="http://schemas.microsoft.com/office/drawing/2014/main" id="{E2BFC3F6-6C59-4214-B17C-4A379A9A4DAE}"/>
+              </a:ext>
+            </a:extLst>
+          </p:cNvPr>
+          <p:cNvSpPr>
+            <a:spLocks noGrp="1"/>
+          </p:cNvSpPr>
+          <p:nvPr>
+            <p:ph type="body" sz="quarter" idx="11"/>
+          </p:nvPr>
+        </p:nvSpPr>
+        <p:spPr/>
+        <p:txBody>
+          <a:bodyPr/>
+          <a:lstStyle/>
+          <a:p>
+            <a:r>
+              <a:rPr lang="en-US" dirty="0"/>
+              <a:t>Evaluating Covert Channels</a:t>
+            </a:r>
+          </a:p>
+        </p:txBody>
+      </p:sp>
+    </p:spTree>
+    <p:extLst>
+      <p:ext uri="{BB962C8B-B14F-4D97-AF65-F5344CB8AC3E}">
+        <p14:creationId xmlns:p14="http://schemas.microsoft.com/office/powerpoint/2010/main" val="1166604412"/>
+      </p:ext>
+    </p:extLst>
+  </p:cSld>
+  <p:clrMapOvr>
+    <a:masterClrMapping/>
+  </p:clrMapOvr>
+</p:sld>
+</file>
+
+<file path=ppt/slides/slide19.xml><?xml version="1.0" encoding="utf-8"?>
 <p:sld xmlns:a="http://schemas.openxmlformats.org/drawingml/2006/main" xmlns:r="http://schemas.openxmlformats.org/officeDocument/2006/relationships" xmlns:p="http://schemas.openxmlformats.org/presentationml/2006/main">
   <p:cSld>
     <p:spTree>
@@ -3042,7 +7754,7 @@
           <a:p>
             <a:r>
               <a:rPr lang="en-US" sz="2400" dirty="0"/>
-              <a:t>P8. Inter-arrival Time Pattern</a:t>
+              <a:t>PT1. Inter-packet Times</a:t>
             </a:r>
           </a:p>
           <a:p>
@@ -3056,7 +7768,7 @@
             <a:pPr lvl="1"/>
             <a:r>
               <a:rPr lang="en-US" sz="1800" dirty="0"/>
-              <a:t>Context: Timing Channels</a:t>
+              <a:t>Context: Timing Channels-&gt;Protocol-agnostic</a:t>
             </a:r>
           </a:p>
           <a:p>
@@ -3138,769 +7850,6 @@
     <p:extLst>
       <p:ext uri="{BB962C8B-B14F-4D97-AF65-F5344CB8AC3E}">
         <p14:creationId xmlns:p14="http://schemas.microsoft.com/office/powerpoint/2010/main" val="4179093166"/>
-      </p:ext>
-    </p:extLst>
-  </p:cSld>
-  <p:clrMapOvr>
-    <a:masterClrMapping/>
-  </p:clrMapOvr>
-</p:sld>
-</file>
-
-<file path=ppt/slides/slide15.xml><?xml version="1.0" encoding="utf-8"?>
-<p:sld xmlns:a="http://schemas.openxmlformats.org/drawingml/2006/main" xmlns:r="http://schemas.openxmlformats.org/officeDocument/2006/relationships" xmlns:p="http://schemas.openxmlformats.org/presentationml/2006/main">
-  <p:cSld>
-    <p:spTree>
-      <p:nvGrpSpPr>
-        <p:cNvPr id="1" name=""/>
-        <p:cNvGrpSpPr/>
-        <p:nvPr/>
-      </p:nvGrpSpPr>
-      <p:grpSpPr>
-        <a:xfrm>
-          <a:off x="0" y="0"/>
-          <a:ext cx="0" cy="0"/>
-          <a:chOff x="0" y="0"/>
-          <a:chExt cx="0" cy="0"/>
-        </a:xfrm>
-      </p:grpSpPr>
-      <p:sp>
-        <p:nvSpPr>
-          <p:cNvPr id="2" name="Text Placeholder 1">
-            <a:extLst>
-              <a:ext uri="{FF2B5EF4-FFF2-40B4-BE49-F238E27FC236}">
-                <a16:creationId xmlns:a16="http://schemas.microsoft.com/office/drawing/2014/main" id="{2745FF4D-0450-441B-B6F1-A641164D2883}"/>
-              </a:ext>
-            </a:extLst>
-          </p:cNvPr>
-          <p:cNvSpPr>
-            <a:spLocks noGrp="1"/>
-          </p:cNvSpPr>
-          <p:nvPr>
-            <p:ph type="body" sz="quarter" idx="10"/>
-          </p:nvPr>
-        </p:nvSpPr>
-        <p:spPr/>
-        <p:txBody>
-          <a:bodyPr/>
-          <a:lstStyle/>
-          <a:p>
-            <a:r>
-              <a:rPr lang="en-US" sz="2400" dirty="0"/>
-              <a:t>P9. Rate Pattern (Throughput Pattern)</a:t>
-            </a:r>
-          </a:p>
-          <a:p>
-            <a:pPr lvl="1"/>
-            <a:r>
-              <a:rPr lang="en-US" sz="1800" dirty="0"/>
-              <a:t>Illustration: Sender alters data rate of traffic flow from self or 3</a:t>
-            </a:r>
-            <a:r>
-              <a:rPr lang="en-US" sz="1800" baseline="30000" dirty="0"/>
-              <a:t>rd</a:t>
-            </a:r>
-            <a:r>
-              <a:rPr lang="en-US" sz="1800" dirty="0"/>
-              <a:t> party</a:t>
-            </a:r>
-          </a:p>
-          <a:p>
-            <a:pPr lvl="1"/>
-            <a:r>
-              <a:rPr lang="en-US" sz="1800" dirty="0"/>
-              <a:t>Context: Timing Channels</a:t>
-            </a:r>
-          </a:p>
-          <a:p>
-            <a:pPr lvl="1"/>
-            <a:r>
-              <a:rPr lang="en-US" sz="1800" dirty="0"/>
-              <a:t>Evidence:</a:t>
-            </a:r>
-          </a:p>
-          <a:p>
-            <a:pPr lvl="2"/>
-            <a:r>
-              <a:rPr lang="en-US" sz="1800" dirty="0"/>
-              <a:t>Exhaust performance of a switch to affect the throughput of 3</a:t>
-            </a:r>
-            <a:r>
-              <a:rPr lang="en-US" sz="1800" baseline="30000" dirty="0"/>
-              <a:t>rd</a:t>
-            </a:r>
-            <a:r>
-              <a:rPr lang="en-US" sz="1800" dirty="0"/>
-              <a:t> party connection</a:t>
-            </a:r>
-          </a:p>
-          <a:p>
-            <a:pPr lvl="2"/>
-            <a:r>
-              <a:rPr lang="en-US" sz="1800" dirty="0"/>
-              <a:t>Manipulate serial communication port’s throughput by delaying Clear to Send/Read to Send commands</a:t>
-            </a:r>
-          </a:p>
-          <a:p>
-            <a:pPr lvl="2"/>
-            <a:r>
-              <a:rPr lang="en-US" sz="1800" dirty="0"/>
-              <a:t>Directly alter data rate of legitimate channel</a:t>
-            </a:r>
-          </a:p>
-          <a:p>
-            <a:endParaRPr lang="en-US" dirty="0"/>
-          </a:p>
-        </p:txBody>
-      </p:sp>
-      <p:sp>
-        <p:nvSpPr>
-          <p:cNvPr id="3" name="Text Placeholder 2">
-            <a:extLst>
-              <a:ext uri="{FF2B5EF4-FFF2-40B4-BE49-F238E27FC236}">
-                <a16:creationId xmlns:a16="http://schemas.microsoft.com/office/drawing/2014/main" id="{72DC1C28-45A1-46FF-AD80-352098B4CE0C}"/>
-              </a:ext>
-            </a:extLst>
-          </p:cNvPr>
-          <p:cNvSpPr>
-            <a:spLocks noGrp="1"/>
-          </p:cNvSpPr>
-          <p:nvPr>
-            <p:ph type="body" sz="quarter" idx="11"/>
-          </p:nvPr>
-        </p:nvSpPr>
-        <p:spPr/>
-        <p:txBody>
-          <a:bodyPr/>
-          <a:lstStyle/>
-          <a:p>
-            <a:r>
-              <a:rPr lang="en-US" dirty="0"/>
-              <a:t>Evaluating Covert Channels</a:t>
-            </a:r>
-          </a:p>
-        </p:txBody>
-      </p:sp>
-    </p:spTree>
-    <p:extLst>
-      <p:ext uri="{BB962C8B-B14F-4D97-AF65-F5344CB8AC3E}">
-        <p14:creationId xmlns:p14="http://schemas.microsoft.com/office/powerpoint/2010/main" val="781436913"/>
-      </p:ext>
-    </p:extLst>
-  </p:cSld>
-  <p:clrMapOvr>
-    <a:masterClrMapping/>
-  </p:clrMapOvr>
-</p:sld>
-</file>
-
-<file path=ppt/slides/slide16.xml><?xml version="1.0" encoding="utf-8"?>
-<p:sld xmlns:a="http://schemas.openxmlformats.org/drawingml/2006/main" xmlns:r="http://schemas.openxmlformats.org/officeDocument/2006/relationships" xmlns:p="http://schemas.openxmlformats.org/presentationml/2006/main">
-  <p:cSld>
-    <p:spTree>
-      <p:nvGrpSpPr>
-        <p:cNvPr id="1" name=""/>
-        <p:cNvGrpSpPr/>
-        <p:nvPr/>
-      </p:nvGrpSpPr>
-      <p:grpSpPr>
-        <a:xfrm>
-          <a:off x="0" y="0"/>
-          <a:ext cx="0" cy="0"/>
-          <a:chOff x="0" y="0"/>
-          <a:chExt cx="0" cy="0"/>
-        </a:xfrm>
-      </p:grpSpPr>
-      <p:sp>
-        <p:nvSpPr>
-          <p:cNvPr id="2" name="Text Placeholder 1">
-            <a:extLst>
-              <a:ext uri="{FF2B5EF4-FFF2-40B4-BE49-F238E27FC236}">
-                <a16:creationId xmlns:a16="http://schemas.microsoft.com/office/drawing/2014/main" id="{5E0C7DDD-8C19-4A21-82CC-BA1E97B91151}"/>
-              </a:ext>
-            </a:extLst>
-          </p:cNvPr>
-          <p:cNvSpPr>
-            <a:spLocks noGrp="1"/>
-          </p:cNvSpPr>
-          <p:nvPr>
-            <p:ph type="body" sz="quarter" idx="10"/>
-          </p:nvPr>
-        </p:nvSpPr>
-        <p:spPr/>
-        <p:txBody>
-          <a:bodyPr/>
-          <a:lstStyle/>
-          <a:p>
-            <a:r>
-              <a:rPr lang="en-US" sz="2400" dirty="0"/>
-              <a:t>P10. PDU Order Pattern</a:t>
-            </a:r>
-          </a:p>
-          <a:p>
-            <a:pPr lvl="1"/>
-            <a:r>
-              <a:rPr lang="en-US" sz="1800" dirty="0"/>
-              <a:t>Illustration: Encode data using synthetic PDU order for given number of PDUs flowing between sender and receiver</a:t>
-            </a:r>
-          </a:p>
-          <a:p>
-            <a:pPr lvl="1"/>
-            <a:r>
-              <a:rPr lang="en-US" sz="1800" dirty="0"/>
-              <a:t>Context: Timing Channels</a:t>
-            </a:r>
-          </a:p>
-          <a:p>
-            <a:pPr lvl="1"/>
-            <a:r>
-              <a:rPr lang="en-US" sz="1800" dirty="0"/>
-              <a:t>Evidence:</a:t>
-            </a:r>
-          </a:p>
-          <a:p>
-            <a:pPr lvl="2"/>
-            <a:r>
-              <a:rPr lang="en-US" sz="1800" dirty="0"/>
-              <a:t>Modify order of </a:t>
-            </a:r>
-            <a:r>
-              <a:rPr lang="en-US" sz="1800" dirty="0" err="1"/>
-              <a:t>IPSec</a:t>
-            </a:r>
-            <a:r>
-              <a:rPr lang="en-US" sz="1800" dirty="0"/>
-              <a:t> Authentication Header (AH) packets</a:t>
-            </a:r>
-          </a:p>
-          <a:p>
-            <a:pPr lvl="2"/>
-            <a:r>
-              <a:rPr lang="en-US" sz="1800" dirty="0"/>
-              <a:t>Modify order of </a:t>
-            </a:r>
-            <a:r>
-              <a:rPr lang="en-US" sz="1800" dirty="0" err="1"/>
-              <a:t>IPSec</a:t>
-            </a:r>
-            <a:r>
-              <a:rPr lang="en-US" sz="1800" dirty="0"/>
-              <a:t> ESP packets</a:t>
-            </a:r>
-          </a:p>
-          <a:p>
-            <a:pPr lvl="2"/>
-            <a:r>
-              <a:rPr lang="en-US" sz="1800" dirty="0"/>
-              <a:t>Modify order of TCP packets</a:t>
-            </a:r>
-          </a:p>
-          <a:p>
-            <a:pPr lvl="2"/>
-            <a:r>
-              <a:rPr lang="en-US" sz="1800" dirty="0"/>
-              <a:t>Modify order of </a:t>
-            </a:r>
-            <a:r>
-              <a:rPr lang="en-US" sz="1800" dirty="0" err="1"/>
-              <a:t>IPSec</a:t>
-            </a:r>
-            <a:r>
-              <a:rPr lang="en-US" sz="1800" dirty="0"/>
-              <a:t> packets for inbound/outbound VPN traffic</a:t>
-            </a:r>
-          </a:p>
-          <a:p>
-            <a:pPr lvl="2"/>
-            <a:r>
-              <a:rPr lang="en-US" sz="1800" dirty="0"/>
-              <a:t>Sender transfers frames in a way they are send before or after a legitimate user’s frames in CSMA/CD networks</a:t>
-            </a:r>
-          </a:p>
-          <a:p>
-            <a:endParaRPr lang="en-US" dirty="0"/>
-          </a:p>
-        </p:txBody>
-      </p:sp>
-      <p:sp>
-        <p:nvSpPr>
-          <p:cNvPr id="3" name="Text Placeholder 2">
-            <a:extLst>
-              <a:ext uri="{FF2B5EF4-FFF2-40B4-BE49-F238E27FC236}">
-                <a16:creationId xmlns:a16="http://schemas.microsoft.com/office/drawing/2014/main" id="{2BF866B9-78BC-4F50-B3E0-9A4A8ABA92E1}"/>
-              </a:ext>
-            </a:extLst>
-          </p:cNvPr>
-          <p:cNvSpPr>
-            <a:spLocks noGrp="1"/>
-          </p:cNvSpPr>
-          <p:nvPr>
-            <p:ph type="body" sz="quarter" idx="11"/>
-          </p:nvPr>
-        </p:nvSpPr>
-        <p:spPr/>
-        <p:txBody>
-          <a:bodyPr/>
-          <a:lstStyle/>
-          <a:p>
-            <a:r>
-              <a:rPr lang="en-US" dirty="0"/>
-              <a:t>Evaluating Covert Channels</a:t>
-            </a:r>
-          </a:p>
-        </p:txBody>
-      </p:sp>
-    </p:spTree>
-    <p:extLst>
-      <p:ext uri="{BB962C8B-B14F-4D97-AF65-F5344CB8AC3E}">
-        <p14:creationId xmlns:p14="http://schemas.microsoft.com/office/powerpoint/2010/main" val="2990723467"/>
-      </p:ext>
-    </p:extLst>
-  </p:cSld>
-  <p:clrMapOvr>
-    <a:masterClrMapping/>
-  </p:clrMapOvr>
-</p:sld>
-</file>
-
-<file path=ppt/slides/slide17.xml><?xml version="1.0" encoding="utf-8"?>
-<p:sld xmlns:a="http://schemas.openxmlformats.org/drawingml/2006/main" xmlns:r="http://schemas.openxmlformats.org/officeDocument/2006/relationships" xmlns:p="http://schemas.openxmlformats.org/presentationml/2006/main">
-  <p:cSld>
-    <p:spTree>
-      <p:nvGrpSpPr>
-        <p:cNvPr id="1" name=""/>
-        <p:cNvGrpSpPr/>
-        <p:nvPr/>
-      </p:nvGrpSpPr>
-      <p:grpSpPr>
-        <a:xfrm>
-          <a:off x="0" y="0"/>
-          <a:ext cx="0" cy="0"/>
-          <a:chOff x="0" y="0"/>
-          <a:chExt cx="0" cy="0"/>
-        </a:xfrm>
-      </p:grpSpPr>
-      <p:sp>
-        <p:nvSpPr>
-          <p:cNvPr id="2" name="Text Placeholder 1">
-            <a:extLst>
-              <a:ext uri="{FF2B5EF4-FFF2-40B4-BE49-F238E27FC236}">
-                <a16:creationId xmlns:a16="http://schemas.microsoft.com/office/drawing/2014/main" id="{0193739E-281D-4B77-B389-8EED4799DB73}"/>
-              </a:ext>
-            </a:extLst>
-          </p:cNvPr>
-          <p:cNvSpPr>
-            <a:spLocks noGrp="1"/>
-          </p:cNvSpPr>
-          <p:nvPr>
-            <p:ph type="body" sz="quarter" idx="10"/>
-          </p:nvPr>
-        </p:nvSpPr>
-        <p:spPr/>
-        <p:txBody>
-          <a:bodyPr/>
-          <a:lstStyle/>
-          <a:p>
-            <a:r>
-              <a:rPr lang="en-US" sz="2400" dirty="0"/>
-              <a:t>P11. Re-Transmission Pattern</a:t>
-            </a:r>
-          </a:p>
-          <a:p>
-            <a:pPr lvl="1"/>
-            <a:r>
-              <a:rPr lang="en-US" sz="1800" dirty="0"/>
-              <a:t>Illustration: Channel re-transmits previously send/received PDUs</a:t>
-            </a:r>
-          </a:p>
-          <a:p>
-            <a:pPr lvl="1"/>
-            <a:r>
-              <a:rPr lang="en-US" sz="1800" dirty="0"/>
-              <a:t>Context: Timing Channels</a:t>
-            </a:r>
-          </a:p>
-          <a:p>
-            <a:pPr lvl="1"/>
-            <a:r>
-              <a:rPr lang="en-US" sz="1800" dirty="0"/>
-              <a:t>Evidence:</a:t>
-            </a:r>
-          </a:p>
-          <a:p>
-            <a:pPr lvl="2"/>
-            <a:r>
-              <a:rPr lang="en-US" sz="1800" dirty="0"/>
-              <a:t>Transfer selected DNS requests once/twice to encode bit per request</a:t>
-            </a:r>
-          </a:p>
-          <a:p>
-            <a:pPr lvl="2"/>
-            <a:r>
-              <a:rPr lang="en-US" sz="1800" dirty="0"/>
-              <a:t>Duplicate 802.11 packets</a:t>
-            </a:r>
-          </a:p>
-          <a:p>
-            <a:pPr lvl="2"/>
-            <a:r>
-              <a:rPr lang="en-US" sz="1800" dirty="0"/>
-              <a:t>Re-transmit selected TCP segments</a:t>
-            </a:r>
-          </a:p>
-          <a:p>
-            <a:pPr lvl="2"/>
-            <a:r>
-              <a:rPr lang="en-US" sz="1800" dirty="0"/>
-              <a:t>Do not ACK received packets in order to force sender to re-transmit</a:t>
-            </a:r>
-          </a:p>
-          <a:p>
-            <a:endParaRPr lang="en-US" dirty="0"/>
-          </a:p>
-        </p:txBody>
-      </p:sp>
-      <p:sp>
-        <p:nvSpPr>
-          <p:cNvPr id="3" name="Text Placeholder 2">
-            <a:extLst>
-              <a:ext uri="{FF2B5EF4-FFF2-40B4-BE49-F238E27FC236}">
-                <a16:creationId xmlns:a16="http://schemas.microsoft.com/office/drawing/2014/main" id="{F1A435EA-5523-4C44-A777-77716EB38A44}"/>
-              </a:ext>
-            </a:extLst>
-          </p:cNvPr>
-          <p:cNvSpPr>
-            <a:spLocks noGrp="1"/>
-          </p:cNvSpPr>
-          <p:nvPr>
-            <p:ph type="body" sz="quarter" idx="11"/>
-          </p:nvPr>
-        </p:nvSpPr>
-        <p:spPr/>
-        <p:txBody>
-          <a:bodyPr/>
-          <a:lstStyle/>
-          <a:p>
-            <a:r>
-              <a:rPr lang="en-US" dirty="0"/>
-              <a:t>Evaluating Covert Channels</a:t>
-            </a:r>
-          </a:p>
-        </p:txBody>
-      </p:sp>
-    </p:spTree>
-    <p:extLst>
-      <p:ext uri="{BB962C8B-B14F-4D97-AF65-F5344CB8AC3E}">
-        <p14:creationId xmlns:p14="http://schemas.microsoft.com/office/powerpoint/2010/main" val="1903267264"/>
-      </p:ext>
-    </p:extLst>
-  </p:cSld>
-  <p:clrMapOvr>
-    <a:masterClrMapping/>
-  </p:clrMapOvr>
-</p:sld>
-</file>
-
-<file path=ppt/slides/slide18.xml><?xml version="1.0" encoding="utf-8"?>
-<p:sld xmlns:a="http://schemas.openxmlformats.org/drawingml/2006/main" xmlns:r="http://schemas.openxmlformats.org/officeDocument/2006/relationships" xmlns:p="http://schemas.openxmlformats.org/presentationml/2006/main">
-  <p:cSld>
-    <p:spTree>
-      <p:nvGrpSpPr>
-        <p:cNvPr id="1" name=""/>
-        <p:cNvGrpSpPr/>
-        <p:nvPr/>
-      </p:nvGrpSpPr>
-      <p:grpSpPr>
-        <a:xfrm>
-          <a:off x="0" y="0"/>
-          <a:ext cx="0" cy="0"/>
-          <a:chOff x="0" y="0"/>
-          <a:chExt cx="0" cy="0"/>
-        </a:xfrm>
-      </p:grpSpPr>
-      <p:sp>
-        <p:nvSpPr>
-          <p:cNvPr id="2" name="Text Placeholder 1">
-            <a:extLst>
-              <a:ext uri="{FF2B5EF4-FFF2-40B4-BE49-F238E27FC236}">
-                <a16:creationId xmlns:a16="http://schemas.microsoft.com/office/drawing/2014/main" id="{0193739E-281D-4B77-B389-8EED4799DB73}"/>
-              </a:ext>
-            </a:extLst>
-          </p:cNvPr>
-          <p:cNvSpPr>
-            <a:spLocks noGrp="1"/>
-          </p:cNvSpPr>
-          <p:nvPr>
-            <p:ph type="body" sz="quarter" idx="10"/>
-          </p:nvPr>
-        </p:nvSpPr>
-        <p:spPr/>
-        <p:txBody>
-          <a:bodyPr/>
-          <a:lstStyle/>
-          <a:p>
-            <a:pPr marL="0" indent="0">
-              <a:buNone/>
-            </a:pPr>
-            <a:endParaRPr lang="en-US" dirty="0"/>
-          </a:p>
-        </p:txBody>
-      </p:sp>
-      <p:sp>
-        <p:nvSpPr>
-          <p:cNvPr id="3" name="Text Placeholder 2">
-            <a:extLst>
-              <a:ext uri="{FF2B5EF4-FFF2-40B4-BE49-F238E27FC236}">
-                <a16:creationId xmlns:a16="http://schemas.microsoft.com/office/drawing/2014/main" id="{F1A435EA-5523-4C44-A777-77716EB38A44}"/>
-              </a:ext>
-            </a:extLst>
-          </p:cNvPr>
-          <p:cNvSpPr>
-            <a:spLocks noGrp="1"/>
-          </p:cNvSpPr>
-          <p:nvPr>
-            <p:ph type="body" sz="quarter" idx="11"/>
-          </p:nvPr>
-        </p:nvSpPr>
-        <p:spPr/>
-        <p:txBody>
-          <a:bodyPr/>
-          <a:lstStyle/>
-          <a:p>
-            <a:r>
-              <a:rPr lang="en-US" dirty="0"/>
-              <a:t>Evaluating Covert Channels</a:t>
-            </a:r>
-          </a:p>
-        </p:txBody>
-      </p:sp>
-      <p:pic>
-        <p:nvPicPr>
-          <p:cNvPr id="5" name="Picture 2" descr="Network covert channel pattern hierarchy, excluding hiding techniques utilizing payloadÂ ">
-            <a:extLst>
-              <a:ext uri="{FF2B5EF4-FFF2-40B4-BE49-F238E27FC236}">
-                <a16:creationId xmlns:a16="http://schemas.microsoft.com/office/drawing/2014/main" id="{654A6F38-C337-431D-8C4B-05182A88F8E4}"/>
-              </a:ext>
-            </a:extLst>
-          </p:cNvPr>
-          <p:cNvPicPr>
-            <a:picLocks noChangeAspect="1" noChangeArrowheads="1"/>
-          </p:cNvPicPr>
-          <p:nvPr/>
-        </p:nvPicPr>
-        <p:blipFill>
-          <a:blip r:embed="rId2">
-            <a:extLst>
-              <a:ext uri="{28A0092B-C50C-407E-A947-70E740481C1C}">
-                <a14:useLocalDpi xmlns:a14="http://schemas.microsoft.com/office/drawing/2010/main" val="0"/>
-              </a:ext>
-            </a:extLst>
-          </a:blip>
-          <a:srcRect/>
-          <a:stretch>
-            <a:fillRect/>
-          </a:stretch>
-        </p:blipFill>
-        <p:spPr bwMode="auto">
-          <a:xfrm>
-            <a:off x="523875" y="1421772"/>
-            <a:ext cx="8096250" cy="4476750"/>
-          </a:xfrm>
-          <a:prstGeom prst="rect">
-            <a:avLst/>
-          </a:prstGeom>
-          <a:noFill/>
-          <a:extLst>
-            <a:ext uri="{909E8E84-426E-40DD-AFC4-6F175D3DCCD1}">
-              <a14:hiddenFill xmlns:a14="http://schemas.microsoft.com/office/drawing/2010/main">
-                <a:solidFill>
-                  <a:srgbClr val="FFFFFF"/>
-                </a:solidFill>
-              </a14:hiddenFill>
-            </a:ext>
-          </a:extLst>
-        </p:spPr>
-      </p:pic>
-      <p:sp>
-        <p:nvSpPr>
-          <p:cNvPr id="7" name="TextBox 6">
-            <a:extLst>
-              <a:ext uri="{FF2B5EF4-FFF2-40B4-BE49-F238E27FC236}">
-                <a16:creationId xmlns:a16="http://schemas.microsoft.com/office/drawing/2014/main" id="{EB59F679-39C2-4AEC-90C5-1C49D9EB63CA}"/>
-              </a:ext>
-            </a:extLst>
-          </p:cNvPr>
-          <p:cNvSpPr txBox="1"/>
-          <p:nvPr/>
-        </p:nvSpPr>
-        <p:spPr>
-          <a:xfrm>
-            <a:off x="3619500" y="5942721"/>
-            <a:ext cx="1905000" cy="369332"/>
-          </a:xfrm>
-          <a:prstGeom prst="rect">
-            <a:avLst/>
-          </a:prstGeom>
-          <a:noFill/>
-        </p:spPr>
-        <p:txBody>
-          <a:bodyPr wrap="square" rtlCol="0">
-            <a:spAutoFit/>
-          </a:bodyPr>
-          <a:lstStyle/>
-          <a:p>
-            <a:pPr algn="ctr"/>
-            <a:r>
-              <a:rPr lang="en-US" dirty="0"/>
-              <a:t>[</a:t>
-            </a:r>
-            <a:r>
-              <a:rPr lang="en-US" dirty="0" err="1"/>
-              <a:t>Wendzel</a:t>
-            </a:r>
-            <a:r>
-              <a:rPr lang="en-US" dirty="0"/>
-              <a:t> 2014]</a:t>
-            </a:r>
-          </a:p>
-        </p:txBody>
-      </p:sp>
-    </p:spTree>
-    <p:extLst>
-      <p:ext uri="{BB962C8B-B14F-4D97-AF65-F5344CB8AC3E}">
-        <p14:creationId xmlns:p14="http://schemas.microsoft.com/office/powerpoint/2010/main" val="1983756930"/>
-      </p:ext>
-    </p:extLst>
-  </p:cSld>
-  <p:clrMapOvr>
-    <a:masterClrMapping/>
-  </p:clrMapOvr>
-</p:sld>
-</file>
-
-<file path=ppt/slides/slide19.xml><?xml version="1.0" encoding="utf-8"?>
-<p:sld xmlns:a="http://schemas.openxmlformats.org/drawingml/2006/main" xmlns:r="http://schemas.openxmlformats.org/officeDocument/2006/relationships" xmlns:p="http://schemas.openxmlformats.org/presentationml/2006/main">
-  <p:cSld>
-    <p:spTree>
-      <p:nvGrpSpPr>
-        <p:cNvPr id="1" name=""/>
-        <p:cNvGrpSpPr/>
-        <p:nvPr/>
-      </p:nvGrpSpPr>
-      <p:grpSpPr>
-        <a:xfrm>
-          <a:off x="0" y="0"/>
-          <a:ext cx="0" cy="0"/>
-          <a:chOff x="0" y="0"/>
-          <a:chExt cx="0" cy="0"/>
-        </a:xfrm>
-      </p:grpSpPr>
-      <p:sp>
-        <p:nvSpPr>
-          <p:cNvPr id="3" name="Text Placeholder 2">
-            <a:extLst>
-              <a:ext uri="{FF2B5EF4-FFF2-40B4-BE49-F238E27FC236}">
-                <a16:creationId xmlns:a16="http://schemas.microsoft.com/office/drawing/2014/main" id="{F1A435EA-5523-4C44-A777-77716EB38A44}"/>
-              </a:ext>
-            </a:extLst>
-          </p:cNvPr>
-          <p:cNvSpPr>
-            <a:spLocks noGrp="1"/>
-          </p:cNvSpPr>
-          <p:nvPr>
-            <p:ph type="body" sz="quarter" idx="11"/>
-          </p:nvPr>
-        </p:nvSpPr>
-        <p:spPr/>
-        <p:txBody>
-          <a:bodyPr/>
-          <a:lstStyle/>
-          <a:p>
-            <a:r>
-              <a:rPr lang="en-US" dirty="0"/>
-              <a:t>Evaluating Covert Channels</a:t>
-            </a:r>
-          </a:p>
-        </p:txBody>
-      </p:sp>
-      <p:pic>
-        <p:nvPicPr>
-          <p:cNvPr id="5" name="Picture 4">
-            <a:extLst>
-              <a:ext uri="{FF2B5EF4-FFF2-40B4-BE49-F238E27FC236}">
-                <a16:creationId xmlns:a16="http://schemas.microsoft.com/office/drawing/2014/main" id="{0FCBE1BE-5284-4A9D-B9E6-F99DA716E277}"/>
-              </a:ext>
-            </a:extLst>
-          </p:cNvPr>
-          <p:cNvPicPr>
-            <a:picLocks noChangeAspect="1"/>
-          </p:cNvPicPr>
-          <p:nvPr/>
-        </p:nvPicPr>
-        <p:blipFill>
-          <a:blip r:embed="rId2"/>
-          <a:stretch>
-            <a:fillRect/>
-          </a:stretch>
-        </p:blipFill>
-        <p:spPr>
-          <a:xfrm>
-            <a:off x="1600200" y="1219200"/>
-            <a:ext cx="5943600" cy="4578868"/>
-          </a:xfrm>
-          <a:prstGeom prst="rect">
-            <a:avLst/>
-          </a:prstGeom>
-        </p:spPr>
-      </p:pic>
-      <p:sp>
-        <p:nvSpPr>
-          <p:cNvPr id="7" name="TextBox 6">
-            <a:extLst>
-              <a:ext uri="{FF2B5EF4-FFF2-40B4-BE49-F238E27FC236}">
-                <a16:creationId xmlns:a16="http://schemas.microsoft.com/office/drawing/2014/main" id="{953E24C3-8A94-49BA-BBC2-77ACAD24B204}"/>
-              </a:ext>
-            </a:extLst>
-          </p:cNvPr>
-          <p:cNvSpPr txBox="1"/>
-          <p:nvPr/>
-        </p:nvSpPr>
-        <p:spPr>
-          <a:xfrm>
-            <a:off x="3619500" y="5788567"/>
-            <a:ext cx="1905000" cy="369332"/>
-          </a:xfrm>
-          <a:prstGeom prst="rect">
-            <a:avLst/>
-          </a:prstGeom>
-          <a:noFill/>
-        </p:spPr>
-        <p:txBody>
-          <a:bodyPr wrap="square" rtlCol="0">
-            <a:spAutoFit/>
-          </a:bodyPr>
-          <a:lstStyle/>
-          <a:p>
-            <a:pPr algn="ctr"/>
-            <a:r>
-              <a:rPr lang="en-US" dirty="0"/>
-              <a:t>[</a:t>
-            </a:r>
-            <a:r>
-              <a:rPr lang="en-US" dirty="0" err="1"/>
-              <a:t>Wendzel</a:t>
-            </a:r>
-            <a:r>
-              <a:rPr lang="en-US" dirty="0"/>
-              <a:t> 2014]</a:t>
-            </a:r>
-          </a:p>
-        </p:txBody>
-      </p:sp>
-    </p:spTree>
-    <p:extLst>
-      <p:ext uri="{BB962C8B-B14F-4D97-AF65-F5344CB8AC3E}">
-        <p14:creationId xmlns:p14="http://schemas.microsoft.com/office/powerpoint/2010/main" val="4215845617"/>
       </p:ext>
     </p:extLst>
   </p:cSld>
@@ -3985,18 +7934,33 @@
           </a:p>
           <a:p>
             <a:r>
-              <a:rPr lang="en-US" sz="2000" dirty="0">
-                <a:hlinkClick r:id="rId2"/>
-              </a:rPr>
-              <a:t>https://arxiv.org/pdf/1406.2901.pdf</a:t>
-            </a:r>
-            <a:endParaRPr lang="en-US" sz="2000" dirty="0"/>
+              <a:rPr lang="en-US" sz="2000" dirty="0"/>
+              <a:t>Whitepaper: https://arxiv.org/pdf/1406.2901.pdf</a:t>
+            </a:r>
+          </a:p>
+          <a:p>
+            <a:r>
+              <a:rPr lang="en-US" dirty="0"/>
+              <a:t>Author’s website: https://www.wendzel.de/</a:t>
+            </a:r>
+          </a:p>
+          <a:p>
+            <a:r>
+              <a:rPr lang="en-US" dirty="0"/>
+              <a:t>Current: https://ih-patterns.blogspot.com/p/test.html</a:t>
+            </a:r>
+          </a:p>
+          <a:p>
+            <a:r>
+              <a:rPr lang="en-US" sz="1800" dirty="0"/>
+              <a:t>History of updates: https://wendzel.de/dr.org/files/Papers/EICC22_poster.pdf</a:t>
+            </a:r>
           </a:p>
           <a:p>
             <a:pPr marL="0" indent="0">
               <a:buNone/>
             </a:pPr>
-            <a:endParaRPr lang="en-US" sz="2000" dirty="0"/>
+            <a:endParaRPr lang="en-US" sz="1200" dirty="0"/>
           </a:p>
           <a:p>
             <a:pPr marL="0" indent="0">
@@ -4070,7 +8034,7 @@
     </p:spTree>
     <p:extLst>
       <p:ext uri="{BB962C8B-B14F-4D97-AF65-F5344CB8AC3E}">
-        <p14:creationId xmlns:p14="http://schemas.microsoft.com/office/powerpoint/2010/main" val="1436979386"/>
+        <p14:creationId xmlns:p14="http://schemas.microsoft.com/office/powerpoint/2010/main" val="1313171241"/>
       </p:ext>
     </p:extLst>
   </p:cSld>
@@ -4081,6 +8045,1811 @@
 </file>
 
 <file path=ppt/slides/slide20.xml><?xml version="1.0" encoding="utf-8"?>
+<p:sld xmlns:a="http://schemas.openxmlformats.org/drawingml/2006/main" xmlns:r="http://schemas.openxmlformats.org/officeDocument/2006/relationships" xmlns:p="http://schemas.openxmlformats.org/presentationml/2006/main">
+  <p:cSld>
+    <p:spTree>
+      <p:nvGrpSpPr>
+        <p:cNvPr id="1" name=""/>
+        <p:cNvGrpSpPr/>
+        <p:nvPr/>
+      </p:nvGrpSpPr>
+      <p:grpSpPr>
+        <a:xfrm>
+          <a:off x="0" y="0"/>
+          <a:ext cx="0" cy="0"/>
+          <a:chOff x="0" y="0"/>
+          <a:chExt cx="0" cy="0"/>
+        </a:xfrm>
+      </p:grpSpPr>
+      <p:sp>
+        <p:nvSpPr>
+          <p:cNvPr id="2" name="Text Placeholder 1">
+            <a:extLst>
+              <a:ext uri="{FF2B5EF4-FFF2-40B4-BE49-F238E27FC236}">
+                <a16:creationId xmlns:a16="http://schemas.microsoft.com/office/drawing/2014/main" id="{882A9D80-A653-4975-B88E-BEAA4B7414F0}"/>
+              </a:ext>
+            </a:extLst>
+          </p:cNvPr>
+          <p:cNvSpPr>
+            <a:spLocks noGrp="1"/>
+          </p:cNvSpPr>
+          <p:nvPr>
+            <p:ph type="body" sz="quarter" idx="10"/>
+          </p:nvPr>
+        </p:nvSpPr>
+        <p:spPr/>
+        <p:txBody>
+          <a:bodyPr/>
+          <a:lstStyle/>
+          <a:p>
+            <a:r>
+              <a:rPr lang="en-US" sz="2400" dirty="0"/>
+              <a:t>PT2. Message Sequence Timing</a:t>
+            </a:r>
+          </a:p>
+          <a:p>
+            <a:pPr lvl="1"/>
+            <a:r>
+              <a:rPr lang="en-US" sz="1800" dirty="0"/>
+              <a:t>Illustration: Hidden data is encoded in the timing of message sequences, e.g. acknowledging every </a:t>
+            </a:r>
+            <a:r>
+              <a:rPr lang="en-US" sz="1800" dirty="0" err="1"/>
+              <a:t>n'th</a:t>
+            </a:r>
+            <a:r>
+              <a:rPr lang="en-US" sz="1800" dirty="0"/>
+              <a:t> received packet or sending commands m times.</a:t>
+            </a:r>
+          </a:p>
+          <a:p>
+            <a:pPr lvl="1"/>
+            <a:r>
+              <a:rPr lang="en-US" sz="1800" dirty="0"/>
+              <a:t>Context: Timing Channels-&gt;Protocol-agnostic</a:t>
+            </a:r>
+          </a:p>
+          <a:p>
+            <a:pPr lvl="1"/>
+            <a:r>
+              <a:rPr lang="en-US" sz="1800" dirty="0"/>
+              <a:t>Evidence:</a:t>
+            </a:r>
+          </a:p>
+          <a:p>
+            <a:pPr lvl="2"/>
+            <a:r>
+              <a:rPr lang="en-US" sz="1800" dirty="0"/>
+              <a:t>W. </a:t>
+            </a:r>
+            <a:r>
+              <a:rPr lang="en-US" sz="1800" dirty="0" err="1"/>
+              <a:t>Mazurczyk</a:t>
+            </a:r>
+            <a:r>
+              <a:rPr lang="en-US" sz="1800" dirty="0"/>
+              <a:t>, S. </a:t>
+            </a:r>
+            <a:r>
+              <a:rPr lang="en-US" sz="1800" dirty="0" err="1"/>
+              <a:t>Wendzel</a:t>
+            </a:r>
+            <a:r>
+              <a:rPr lang="en-US" sz="1800" dirty="0"/>
+              <a:t>, S. Zander, A. </a:t>
+            </a:r>
+            <a:r>
+              <a:rPr lang="en-US" sz="1800" dirty="0" err="1"/>
+              <a:t>Houmansadr</a:t>
+            </a:r>
+            <a:r>
+              <a:rPr lang="en-US" sz="1800" dirty="0"/>
+              <a:t>, K. </a:t>
+            </a:r>
+            <a:r>
+              <a:rPr lang="en-US" sz="1800" dirty="0" err="1"/>
+              <a:t>Szczypiorski</a:t>
+            </a:r>
+            <a:r>
+              <a:rPr lang="en-US" sz="1800" dirty="0"/>
+              <a:t>: Information Hiding in Communication Networks, Wiley, 2016. Chapters 3 and 8 contain discussions on hiding patterns, basically on the basis of [1] but with an extension of timing-based patterns.</a:t>
+            </a:r>
+            <a:endParaRPr lang="en-US" dirty="0"/>
+          </a:p>
+        </p:txBody>
+      </p:sp>
+      <p:sp>
+        <p:nvSpPr>
+          <p:cNvPr id="3" name="Text Placeholder 2">
+            <a:extLst>
+              <a:ext uri="{FF2B5EF4-FFF2-40B4-BE49-F238E27FC236}">
+                <a16:creationId xmlns:a16="http://schemas.microsoft.com/office/drawing/2014/main" id="{BA5069BD-920B-42E9-8EDE-D2F99718E206}"/>
+              </a:ext>
+            </a:extLst>
+          </p:cNvPr>
+          <p:cNvSpPr>
+            <a:spLocks noGrp="1"/>
+          </p:cNvSpPr>
+          <p:nvPr>
+            <p:ph type="body" sz="quarter" idx="11"/>
+          </p:nvPr>
+        </p:nvSpPr>
+        <p:spPr/>
+        <p:txBody>
+          <a:bodyPr/>
+          <a:lstStyle/>
+          <a:p>
+            <a:r>
+              <a:rPr lang="en-US" dirty="0"/>
+              <a:t>Evaluating Covert Channels</a:t>
+            </a:r>
+          </a:p>
+        </p:txBody>
+      </p:sp>
+    </p:spTree>
+    <p:extLst>
+      <p:ext uri="{BB962C8B-B14F-4D97-AF65-F5344CB8AC3E}">
+        <p14:creationId xmlns:p14="http://schemas.microsoft.com/office/powerpoint/2010/main" val="1982728205"/>
+      </p:ext>
+    </p:extLst>
+  </p:cSld>
+  <p:clrMapOvr>
+    <a:masterClrMapping/>
+  </p:clrMapOvr>
+</p:sld>
+</file>
+
+<file path=ppt/slides/slide21.xml><?xml version="1.0" encoding="utf-8"?>
+<p:sld xmlns:a="http://schemas.openxmlformats.org/drawingml/2006/main" xmlns:r="http://schemas.openxmlformats.org/officeDocument/2006/relationships" xmlns:p="http://schemas.openxmlformats.org/presentationml/2006/main">
+  <p:cSld>
+    <p:spTree>
+      <p:nvGrpSpPr>
+        <p:cNvPr id="1" name=""/>
+        <p:cNvGrpSpPr/>
+        <p:nvPr/>
+      </p:nvGrpSpPr>
+      <p:grpSpPr>
+        <a:xfrm>
+          <a:off x="0" y="0"/>
+          <a:ext cx="0" cy="0"/>
+          <a:chOff x="0" y="0"/>
+          <a:chExt cx="0" cy="0"/>
+        </a:xfrm>
+      </p:grpSpPr>
+      <p:sp>
+        <p:nvSpPr>
+          <p:cNvPr id="2" name="Text Placeholder 1">
+            <a:extLst>
+              <a:ext uri="{FF2B5EF4-FFF2-40B4-BE49-F238E27FC236}">
+                <a16:creationId xmlns:a16="http://schemas.microsoft.com/office/drawing/2014/main" id="{2745FF4D-0450-441B-B6F1-A641164D2883}"/>
+              </a:ext>
+            </a:extLst>
+          </p:cNvPr>
+          <p:cNvSpPr>
+            <a:spLocks noGrp="1"/>
+          </p:cNvSpPr>
+          <p:nvPr>
+            <p:ph type="body" sz="quarter" idx="10"/>
+          </p:nvPr>
+        </p:nvSpPr>
+        <p:spPr/>
+        <p:txBody>
+          <a:bodyPr/>
+          <a:lstStyle/>
+          <a:p>
+            <a:r>
+              <a:rPr lang="en-US" sz="2400" dirty="0"/>
+              <a:t>PT3. Rate/Throughput Pattern</a:t>
+            </a:r>
+          </a:p>
+          <a:p>
+            <a:pPr lvl="1"/>
+            <a:r>
+              <a:rPr lang="en-US" sz="1800" dirty="0"/>
+              <a:t>Illustration: Sender alters data rate of traffic flow from self or 3</a:t>
+            </a:r>
+            <a:r>
+              <a:rPr lang="en-US" sz="1800" baseline="30000" dirty="0"/>
+              <a:t>rd</a:t>
+            </a:r>
+            <a:r>
+              <a:rPr lang="en-US" sz="1800" dirty="0"/>
+              <a:t> party</a:t>
+            </a:r>
+          </a:p>
+          <a:p>
+            <a:pPr lvl="1"/>
+            <a:r>
+              <a:rPr lang="en-US" sz="1800" dirty="0"/>
+              <a:t>Context: Timing Channels-&gt;Protocol-agnostic</a:t>
+            </a:r>
+          </a:p>
+          <a:p>
+            <a:pPr lvl="1"/>
+            <a:r>
+              <a:rPr lang="en-US" sz="1800" dirty="0"/>
+              <a:t>Evidence:</a:t>
+            </a:r>
+          </a:p>
+          <a:p>
+            <a:pPr lvl="2"/>
+            <a:r>
+              <a:rPr lang="en-US" sz="1800" dirty="0"/>
+              <a:t>Exhaust performance of a switch to affect the throughput of 3</a:t>
+            </a:r>
+            <a:r>
+              <a:rPr lang="en-US" sz="1800" baseline="30000" dirty="0"/>
+              <a:t>rd</a:t>
+            </a:r>
+            <a:r>
+              <a:rPr lang="en-US" sz="1800" dirty="0"/>
+              <a:t> party connection</a:t>
+            </a:r>
+          </a:p>
+          <a:p>
+            <a:pPr lvl="2"/>
+            <a:r>
+              <a:rPr lang="en-US" sz="1800" dirty="0"/>
+              <a:t>Manipulate serial communication port’s throughput by delaying Clear to Send/Read to Send commands</a:t>
+            </a:r>
+          </a:p>
+          <a:p>
+            <a:pPr lvl="2"/>
+            <a:r>
+              <a:rPr lang="en-US" sz="1800" dirty="0"/>
+              <a:t>Directly alter data rate of legitimate channel</a:t>
+            </a:r>
+          </a:p>
+          <a:p>
+            <a:endParaRPr lang="en-US" dirty="0"/>
+          </a:p>
+        </p:txBody>
+      </p:sp>
+      <p:sp>
+        <p:nvSpPr>
+          <p:cNvPr id="3" name="Text Placeholder 2">
+            <a:extLst>
+              <a:ext uri="{FF2B5EF4-FFF2-40B4-BE49-F238E27FC236}">
+                <a16:creationId xmlns:a16="http://schemas.microsoft.com/office/drawing/2014/main" id="{72DC1C28-45A1-46FF-AD80-352098B4CE0C}"/>
+              </a:ext>
+            </a:extLst>
+          </p:cNvPr>
+          <p:cNvSpPr>
+            <a:spLocks noGrp="1"/>
+          </p:cNvSpPr>
+          <p:nvPr>
+            <p:ph type="body" sz="quarter" idx="11"/>
+          </p:nvPr>
+        </p:nvSpPr>
+        <p:spPr/>
+        <p:txBody>
+          <a:bodyPr/>
+          <a:lstStyle/>
+          <a:p>
+            <a:r>
+              <a:rPr lang="en-US" dirty="0"/>
+              <a:t>Evaluating Covert Channels</a:t>
+            </a:r>
+          </a:p>
+        </p:txBody>
+      </p:sp>
+    </p:spTree>
+    <p:extLst>
+      <p:ext uri="{BB962C8B-B14F-4D97-AF65-F5344CB8AC3E}">
+        <p14:creationId xmlns:p14="http://schemas.microsoft.com/office/powerpoint/2010/main" val="781436913"/>
+      </p:ext>
+    </p:extLst>
+  </p:cSld>
+  <p:clrMapOvr>
+    <a:masterClrMapping/>
+  </p:clrMapOvr>
+</p:sld>
+</file>
+
+<file path=ppt/slides/slide22.xml><?xml version="1.0" encoding="utf-8"?>
+<p:sld xmlns:a="http://schemas.openxmlformats.org/drawingml/2006/main" xmlns:r="http://schemas.openxmlformats.org/officeDocument/2006/relationships" xmlns:p="http://schemas.openxmlformats.org/presentationml/2006/main">
+  <p:cSld>
+    <p:spTree>
+      <p:nvGrpSpPr>
+        <p:cNvPr id="1" name=""/>
+        <p:cNvGrpSpPr/>
+        <p:nvPr/>
+      </p:nvGrpSpPr>
+      <p:grpSpPr>
+        <a:xfrm>
+          <a:off x="0" y="0"/>
+          <a:ext cx="0" cy="0"/>
+          <a:chOff x="0" y="0"/>
+          <a:chExt cx="0" cy="0"/>
+        </a:xfrm>
+      </p:grpSpPr>
+      <p:sp>
+        <p:nvSpPr>
+          <p:cNvPr id="2" name="Text Placeholder 1">
+            <a:extLst>
+              <a:ext uri="{FF2B5EF4-FFF2-40B4-BE49-F238E27FC236}">
+                <a16:creationId xmlns:a16="http://schemas.microsoft.com/office/drawing/2014/main" id="{5E0C7DDD-8C19-4A21-82CC-BA1E97B91151}"/>
+              </a:ext>
+            </a:extLst>
+          </p:cNvPr>
+          <p:cNvSpPr>
+            <a:spLocks noGrp="1"/>
+          </p:cNvSpPr>
+          <p:nvPr>
+            <p:ph type="body" sz="quarter" idx="10"/>
+          </p:nvPr>
+        </p:nvSpPr>
+        <p:spPr/>
+        <p:txBody>
+          <a:bodyPr/>
+          <a:lstStyle/>
+          <a:p>
+            <a:r>
+              <a:rPr lang="en-US" sz="2400" dirty="0"/>
+              <a:t>PT10. Artificial Message/Packet Loss Pattern</a:t>
+            </a:r>
+          </a:p>
+          <a:p>
+            <a:pPr lvl="1"/>
+            <a:r>
+              <a:rPr lang="en-US" sz="1800" dirty="0"/>
+              <a:t>Illustration: Hidden information via artificial loss of transmitted messages (PDUs)</a:t>
+            </a:r>
+          </a:p>
+          <a:p>
+            <a:pPr lvl="1"/>
+            <a:r>
+              <a:rPr lang="en-US" sz="1800" dirty="0"/>
+              <a:t>Context: Timing Channels-&gt;Protocol-aware</a:t>
+            </a:r>
+          </a:p>
+          <a:p>
+            <a:pPr lvl="1"/>
+            <a:r>
+              <a:rPr lang="en-US" sz="1800" dirty="0"/>
+              <a:t>Evidence:</a:t>
+            </a:r>
+          </a:p>
+          <a:p>
+            <a:pPr lvl="2"/>
+            <a:r>
+              <a:rPr lang="en-US" sz="1800" dirty="0"/>
+              <a:t>W. </a:t>
+            </a:r>
+            <a:r>
+              <a:rPr lang="en-US" sz="1800" dirty="0" err="1"/>
+              <a:t>Mazurczyk</a:t>
+            </a:r>
+            <a:r>
+              <a:rPr lang="en-US" sz="1800" dirty="0"/>
+              <a:t>, S. </a:t>
+            </a:r>
+            <a:r>
+              <a:rPr lang="en-US" sz="1800" dirty="0" err="1"/>
+              <a:t>Wendzel</a:t>
+            </a:r>
+            <a:r>
+              <a:rPr lang="en-US" sz="1800" dirty="0"/>
+              <a:t>, S. Zander, A. </a:t>
+            </a:r>
+            <a:r>
+              <a:rPr lang="en-US" sz="1800" dirty="0" err="1"/>
+              <a:t>Houmansadr</a:t>
+            </a:r>
+            <a:r>
+              <a:rPr lang="en-US" sz="1800" dirty="0"/>
+              <a:t>, K. </a:t>
+            </a:r>
+            <a:r>
+              <a:rPr lang="en-US" sz="1800" dirty="0" err="1"/>
+              <a:t>Szczypiorski</a:t>
+            </a:r>
+            <a:r>
+              <a:rPr lang="en-US" sz="1800" dirty="0"/>
+              <a:t>: Information Hiding in Communication Networks, Wiley, 2016. Chapters 3 and 8 contain discussions on hiding patterns, basically on the basis of [1] but with an extension of timing-based patterns.</a:t>
+            </a:r>
+            <a:endParaRPr lang="en-US" dirty="0"/>
+          </a:p>
+        </p:txBody>
+      </p:sp>
+      <p:sp>
+        <p:nvSpPr>
+          <p:cNvPr id="3" name="Text Placeholder 2">
+            <a:extLst>
+              <a:ext uri="{FF2B5EF4-FFF2-40B4-BE49-F238E27FC236}">
+                <a16:creationId xmlns:a16="http://schemas.microsoft.com/office/drawing/2014/main" id="{2BF866B9-78BC-4F50-B3E0-9A4A8ABA92E1}"/>
+              </a:ext>
+            </a:extLst>
+          </p:cNvPr>
+          <p:cNvSpPr>
+            <a:spLocks noGrp="1"/>
+          </p:cNvSpPr>
+          <p:nvPr>
+            <p:ph type="body" sz="quarter" idx="11"/>
+          </p:nvPr>
+        </p:nvSpPr>
+        <p:spPr/>
+        <p:txBody>
+          <a:bodyPr/>
+          <a:lstStyle/>
+          <a:p>
+            <a:r>
+              <a:rPr lang="en-US" dirty="0"/>
+              <a:t>Evaluating Covert Channels</a:t>
+            </a:r>
+          </a:p>
+        </p:txBody>
+      </p:sp>
+    </p:spTree>
+    <p:extLst>
+      <p:ext uri="{BB962C8B-B14F-4D97-AF65-F5344CB8AC3E}">
+        <p14:creationId xmlns:p14="http://schemas.microsoft.com/office/powerpoint/2010/main" val="1933688735"/>
+      </p:ext>
+    </p:extLst>
+  </p:cSld>
+  <p:clrMapOvr>
+    <a:masterClrMapping/>
+  </p:clrMapOvr>
+</p:sld>
+</file>
+
+<file path=ppt/slides/slide23.xml><?xml version="1.0" encoding="utf-8"?>
+<p:sld xmlns:a="http://schemas.openxmlformats.org/drawingml/2006/main" xmlns:r="http://schemas.openxmlformats.org/officeDocument/2006/relationships" xmlns:p="http://schemas.openxmlformats.org/presentationml/2006/main">
+  <p:cSld>
+    <p:spTree>
+      <p:nvGrpSpPr>
+        <p:cNvPr id="1" name=""/>
+        <p:cNvGrpSpPr/>
+        <p:nvPr/>
+      </p:nvGrpSpPr>
+      <p:grpSpPr>
+        <a:xfrm>
+          <a:off x="0" y="0"/>
+          <a:ext cx="0" cy="0"/>
+          <a:chOff x="0" y="0"/>
+          <a:chExt cx="0" cy="0"/>
+        </a:xfrm>
+      </p:grpSpPr>
+      <p:sp>
+        <p:nvSpPr>
+          <p:cNvPr id="2" name="Text Placeholder 1">
+            <a:extLst>
+              <a:ext uri="{FF2B5EF4-FFF2-40B4-BE49-F238E27FC236}">
+                <a16:creationId xmlns:a16="http://schemas.microsoft.com/office/drawing/2014/main" id="{5E0C7DDD-8C19-4A21-82CC-BA1E97B91151}"/>
+              </a:ext>
+            </a:extLst>
+          </p:cNvPr>
+          <p:cNvSpPr>
+            <a:spLocks noGrp="1"/>
+          </p:cNvSpPr>
+          <p:nvPr>
+            <p:ph type="body" sz="quarter" idx="10"/>
+          </p:nvPr>
+        </p:nvSpPr>
+        <p:spPr/>
+        <p:txBody>
+          <a:bodyPr/>
+          <a:lstStyle/>
+          <a:p>
+            <a:r>
+              <a:rPr lang="en-US" sz="2400" dirty="0"/>
+              <a:t>PT11. Message Ordering Pattern</a:t>
+            </a:r>
+          </a:p>
+          <a:p>
+            <a:pPr lvl="1"/>
+            <a:r>
+              <a:rPr lang="en-US" sz="1800" dirty="0"/>
+              <a:t>Illustration: Encode data using synthetic PDU order for given number of PDUs flowing between sender and receiver</a:t>
+            </a:r>
+          </a:p>
+          <a:p>
+            <a:pPr lvl="1"/>
+            <a:r>
+              <a:rPr lang="en-US" sz="1800" dirty="0"/>
+              <a:t>Context: Timing Channels-&gt;Protocol-aware</a:t>
+            </a:r>
+          </a:p>
+          <a:p>
+            <a:pPr lvl="1"/>
+            <a:r>
+              <a:rPr lang="en-US" sz="1800" dirty="0"/>
+              <a:t>Evidence:</a:t>
+            </a:r>
+          </a:p>
+          <a:p>
+            <a:pPr lvl="2"/>
+            <a:r>
+              <a:rPr lang="en-US" sz="1800" dirty="0"/>
+              <a:t>Modify order of </a:t>
+            </a:r>
+            <a:r>
+              <a:rPr lang="en-US" sz="1800" dirty="0" err="1"/>
+              <a:t>IPSec</a:t>
+            </a:r>
+            <a:r>
+              <a:rPr lang="en-US" sz="1800" dirty="0"/>
+              <a:t> Authentication Header (AH) packets</a:t>
+            </a:r>
+          </a:p>
+          <a:p>
+            <a:pPr lvl="2"/>
+            <a:r>
+              <a:rPr lang="en-US" sz="1800" dirty="0"/>
+              <a:t>Modify order of </a:t>
+            </a:r>
+            <a:r>
+              <a:rPr lang="en-US" sz="1800" dirty="0" err="1"/>
+              <a:t>IPSec</a:t>
+            </a:r>
+            <a:r>
+              <a:rPr lang="en-US" sz="1800" dirty="0"/>
+              <a:t> ESP packets</a:t>
+            </a:r>
+          </a:p>
+          <a:p>
+            <a:pPr lvl="2"/>
+            <a:r>
+              <a:rPr lang="en-US" sz="1800" dirty="0"/>
+              <a:t>Modify order of TCP packets</a:t>
+            </a:r>
+          </a:p>
+          <a:p>
+            <a:pPr lvl="2"/>
+            <a:r>
+              <a:rPr lang="en-US" sz="1800" dirty="0"/>
+              <a:t>Modify order of </a:t>
+            </a:r>
+            <a:r>
+              <a:rPr lang="en-US" sz="1800" dirty="0" err="1"/>
+              <a:t>IPSec</a:t>
+            </a:r>
+            <a:r>
+              <a:rPr lang="en-US" sz="1800" dirty="0"/>
+              <a:t> packets for inbound/outbound VPN traffic</a:t>
+            </a:r>
+          </a:p>
+          <a:p>
+            <a:pPr lvl="2"/>
+            <a:r>
+              <a:rPr lang="en-US" sz="1800" dirty="0"/>
+              <a:t>Sender transfers frames in a way they are send before or after a legitimate user’s frames in CSMA/CD networks</a:t>
+            </a:r>
+          </a:p>
+          <a:p>
+            <a:endParaRPr lang="en-US" dirty="0"/>
+          </a:p>
+        </p:txBody>
+      </p:sp>
+      <p:sp>
+        <p:nvSpPr>
+          <p:cNvPr id="3" name="Text Placeholder 2">
+            <a:extLst>
+              <a:ext uri="{FF2B5EF4-FFF2-40B4-BE49-F238E27FC236}">
+                <a16:creationId xmlns:a16="http://schemas.microsoft.com/office/drawing/2014/main" id="{2BF866B9-78BC-4F50-B3E0-9A4A8ABA92E1}"/>
+              </a:ext>
+            </a:extLst>
+          </p:cNvPr>
+          <p:cNvSpPr>
+            <a:spLocks noGrp="1"/>
+          </p:cNvSpPr>
+          <p:nvPr>
+            <p:ph type="body" sz="quarter" idx="11"/>
+          </p:nvPr>
+        </p:nvSpPr>
+        <p:spPr/>
+        <p:txBody>
+          <a:bodyPr/>
+          <a:lstStyle/>
+          <a:p>
+            <a:r>
+              <a:rPr lang="en-US" dirty="0"/>
+              <a:t>Evaluating Covert Channels</a:t>
+            </a:r>
+          </a:p>
+        </p:txBody>
+      </p:sp>
+    </p:spTree>
+    <p:extLst>
+      <p:ext uri="{BB962C8B-B14F-4D97-AF65-F5344CB8AC3E}">
+        <p14:creationId xmlns:p14="http://schemas.microsoft.com/office/powerpoint/2010/main" val="2990723467"/>
+      </p:ext>
+    </p:extLst>
+  </p:cSld>
+  <p:clrMapOvr>
+    <a:masterClrMapping/>
+  </p:clrMapOvr>
+</p:sld>
+</file>
+
+<file path=ppt/slides/slide24.xml><?xml version="1.0" encoding="utf-8"?>
+<p:sld xmlns:a="http://schemas.openxmlformats.org/drawingml/2006/main" xmlns:r="http://schemas.openxmlformats.org/officeDocument/2006/relationships" xmlns:p="http://schemas.openxmlformats.org/presentationml/2006/main">
+  <p:cSld>
+    <p:spTree>
+      <p:nvGrpSpPr>
+        <p:cNvPr id="1" name=""/>
+        <p:cNvGrpSpPr/>
+        <p:nvPr/>
+      </p:nvGrpSpPr>
+      <p:grpSpPr>
+        <a:xfrm>
+          <a:off x="0" y="0"/>
+          <a:ext cx="0" cy="0"/>
+          <a:chOff x="0" y="0"/>
+          <a:chExt cx="0" cy="0"/>
+        </a:xfrm>
+      </p:grpSpPr>
+      <p:sp>
+        <p:nvSpPr>
+          <p:cNvPr id="2" name="Text Placeholder 1">
+            <a:extLst>
+              <a:ext uri="{FF2B5EF4-FFF2-40B4-BE49-F238E27FC236}">
+                <a16:creationId xmlns:a16="http://schemas.microsoft.com/office/drawing/2014/main" id="{0193739E-281D-4B77-B389-8EED4799DB73}"/>
+              </a:ext>
+            </a:extLst>
+          </p:cNvPr>
+          <p:cNvSpPr>
+            <a:spLocks noGrp="1"/>
+          </p:cNvSpPr>
+          <p:nvPr>
+            <p:ph type="body" sz="quarter" idx="10"/>
+          </p:nvPr>
+        </p:nvSpPr>
+        <p:spPr/>
+        <p:txBody>
+          <a:bodyPr/>
+          <a:lstStyle/>
+          <a:p>
+            <a:r>
+              <a:rPr lang="en-US" sz="2400" dirty="0"/>
+              <a:t>PT12. Re-Transmission Pattern</a:t>
+            </a:r>
+          </a:p>
+          <a:p>
+            <a:pPr lvl="1"/>
+            <a:r>
+              <a:rPr lang="en-US" sz="1800" dirty="0"/>
+              <a:t>Illustration: Channel re-transmits previously send/received PDUs</a:t>
+            </a:r>
+          </a:p>
+          <a:p>
+            <a:pPr lvl="1"/>
+            <a:r>
+              <a:rPr lang="en-US" sz="1800" dirty="0"/>
+              <a:t>Context: Timing Channels-&gt;Protocol-aware</a:t>
+            </a:r>
+          </a:p>
+          <a:p>
+            <a:pPr lvl="1"/>
+            <a:r>
+              <a:rPr lang="en-US" sz="1800" dirty="0"/>
+              <a:t>Evidence:</a:t>
+            </a:r>
+          </a:p>
+          <a:p>
+            <a:pPr lvl="2"/>
+            <a:r>
+              <a:rPr lang="en-US" sz="1800" dirty="0"/>
+              <a:t>Transfer selected DNS requests once/twice to encode bit per request</a:t>
+            </a:r>
+          </a:p>
+          <a:p>
+            <a:pPr lvl="2"/>
+            <a:r>
+              <a:rPr lang="en-US" sz="1800" dirty="0"/>
+              <a:t>Duplicate 802.11 packets</a:t>
+            </a:r>
+          </a:p>
+          <a:p>
+            <a:pPr lvl="2"/>
+            <a:r>
+              <a:rPr lang="en-US" sz="1800" dirty="0"/>
+              <a:t>Re-transmit selected TCP segments</a:t>
+            </a:r>
+          </a:p>
+          <a:p>
+            <a:pPr lvl="2"/>
+            <a:r>
+              <a:rPr lang="en-US" sz="1800" dirty="0"/>
+              <a:t>Do not ACK received packets in order to force sender to re-transmit</a:t>
+            </a:r>
+          </a:p>
+          <a:p>
+            <a:endParaRPr lang="en-US" dirty="0"/>
+          </a:p>
+        </p:txBody>
+      </p:sp>
+      <p:sp>
+        <p:nvSpPr>
+          <p:cNvPr id="3" name="Text Placeholder 2">
+            <a:extLst>
+              <a:ext uri="{FF2B5EF4-FFF2-40B4-BE49-F238E27FC236}">
+                <a16:creationId xmlns:a16="http://schemas.microsoft.com/office/drawing/2014/main" id="{F1A435EA-5523-4C44-A777-77716EB38A44}"/>
+              </a:ext>
+            </a:extLst>
+          </p:cNvPr>
+          <p:cNvSpPr>
+            <a:spLocks noGrp="1"/>
+          </p:cNvSpPr>
+          <p:nvPr>
+            <p:ph type="body" sz="quarter" idx="11"/>
+          </p:nvPr>
+        </p:nvSpPr>
+        <p:spPr/>
+        <p:txBody>
+          <a:bodyPr/>
+          <a:lstStyle/>
+          <a:p>
+            <a:r>
+              <a:rPr lang="en-US" dirty="0"/>
+              <a:t>Evaluating Covert Channels</a:t>
+            </a:r>
+          </a:p>
+        </p:txBody>
+      </p:sp>
+    </p:spTree>
+    <p:extLst>
+      <p:ext uri="{BB962C8B-B14F-4D97-AF65-F5344CB8AC3E}">
+        <p14:creationId xmlns:p14="http://schemas.microsoft.com/office/powerpoint/2010/main" val="1903267264"/>
+      </p:ext>
+    </p:extLst>
+  </p:cSld>
+  <p:clrMapOvr>
+    <a:masterClrMapping/>
+  </p:clrMapOvr>
+</p:sld>
+</file>
+
+<file path=ppt/slides/slide25.xml><?xml version="1.0" encoding="utf-8"?>
+<p:sld xmlns:a="http://schemas.openxmlformats.org/drawingml/2006/main" xmlns:r="http://schemas.openxmlformats.org/officeDocument/2006/relationships" xmlns:p="http://schemas.openxmlformats.org/presentationml/2006/main">
+  <p:cSld>
+    <p:spTree>
+      <p:nvGrpSpPr>
+        <p:cNvPr id="1" name=""/>
+        <p:cNvGrpSpPr/>
+        <p:nvPr/>
+      </p:nvGrpSpPr>
+      <p:grpSpPr>
+        <a:xfrm>
+          <a:off x="0" y="0"/>
+          <a:ext cx="0" cy="0"/>
+          <a:chOff x="0" y="0"/>
+          <a:chExt cx="0" cy="0"/>
+        </a:xfrm>
+      </p:grpSpPr>
+      <p:sp>
+        <p:nvSpPr>
+          <p:cNvPr id="2" name="Text Placeholder 1">
+            <a:extLst>
+              <a:ext uri="{FF2B5EF4-FFF2-40B4-BE49-F238E27FC236}">
+                <a16:creationId xmlns:a16="http://schemas.microsoft.com/office/drawing/2014/main" id="{0193739E-281D-4B77-B389-8EED4799DB73}"/>
+              </a:ext>
+            </a:extLst>
+          </p:cNvPr>
+          <p:cNvSpPr>
+            <a:spLocks noGrp="1"/>
+          </p:cNvSpPr>
+          <p:nvPr>
+            <p:ph type="body" sz="quarter" idx="10"/>
+          </p:nvPr>
+        </p:nvSpPr>
+        <p:spPr/>
+        <p:txBody>
+          <a:bodyPr/>
+          <a:lstStyle/>
+          <a:p>
+            <a:r>
+              <a:rPr lang="en-US" sz="2400" dirty="0"/>
+              <a:t>PT13. Frame Collision Pattern</a:t>
+            </a:r>
+          </a:p>
+          <a:p>
+            <a:pPr lvl="1"/>
+            <a:r>
+              <a:rPr lang="en-US" sz="1800" dirty="0"/>
+              <a:t>Illustration: Sender causes artificial frame collisions to signal hidden information.</a:t>
+            </a:r>
+          </a:p>
+          <a:p>
+            <a:pPr lvl="1"/>
+            <a:r>
+              <a:rPr lang="en-US" sz="1800" dirty="0"/>
+              <a:t>Context: Timing Channels-&gt;Protocol-aware</a:t>
+            </a:r>
+          </a:p>
+          <a:p>
+            <a:pPr lvl="1"/>
+            <a:r>
+              <a:rPr lang="en-US" sz="1800" dirty="0"/>
+              <a:t>Evidence:</a:t>
+            </a:r>
+          </a:p>
+          <a:p>
+            <a:pPr lvl="2"/>
+            <a:r>
+              <a:rPr lang="en-US" sz="1800" dirty="0"/>
+              <a:t>W. </a:t>
+            </a:r>
+            <a:r>
+              <a:rPr lang="en-US" sz="1800" dirty="0" err="1"/>
+              <a:t>Mazurczyk</a:t>
+            </a:r>
+            <a:r>
+              <a:rPr lang="en-US" sz="1800" dirty="0"/>
+              <a:t>, S. </a:t>
+            </a:r>
+            <a:r>
+              <a:rPr lang="en-US" sz="1800" dirty="0" err="1"/>
+              <a:t>Wendzel</a:t>
+            </a:r>
+            <a:r>
+              <a:rPr lang="en-US" sz="1800" dirty="0"/>
+              <a:t>, S. Zander, A. </a:t>
+            </a:r>
+            <a:r>
+              <a:rPr lang="en-US" sz="1800" dirty="0" err="1"/>
+              <a:t>Houmansadr</a:t>
+            </a:r>
+            <a:r>
+              <a:rPr lang="en-US" sz="1800" dirty="0"/>
+              <a:t>, K. </a:t>
+            </a:r>
+            <a:r>
+              <a:rPr lang="en-US" sz="1800" dirty="0" err="1"/>
+              <a:t>Szczypiorski</a:t>
+            </a:r>
+            <a:r>
+              <a:rPr lang="en-US" sz="1800" dirty="0"/>
+              <a:t>: Information Hiding in Communication Networks, Wiley, 2016. Chapters 3 and 8 contain discussions on hiding patterns, basically on the basis of [1] but with an extension of timing-based patterns.</a:t>
+            </a:r>
+          </a:p>
+          <a:p>
+            <a:endParaRPr lang="en-US" dirty="0"/>
+          </a:p>
+        </p:txBody>
+      </p:sp>
+      <p:sp>
+        <p:nvSpPr>
+          <p:cNvPr id="3" name="Text Placeholder 2">
+            <a:extLst>
+              <a:ext uri="{FF2B5EF4-FFF2-40B4-BE49-F238E27FC236}">
+                <a16:creationId xmlns:a16="http://schemas.microsoft.com/office/drawing/2014/main" id="{F1A435EA-5523-4C44-A777-77716EB38A44}"/>
+              </a:ext>
+            </a:extLst>
+          </p:cNvPr>
+          <p:cNvSpPr>
+            <a:spLocks noGrp="1"/>
+          </p:cNvSpPr>
+          <p:nvPr>
+            <p:ph type="body" sz="quarter" idx="11"/>
+          </p:nvPr>
+        </p:nvSpPr>
+        <p:spPr/>
+        <p:txBody>
+          <a:bodyPr/>
+          <a:lstStyle/>
+          <a:p>
+            <a:r>
+              <a:rPr lang="en-US" dirty="0"/>
+              <a:t>Evaluating Covert Channels</a:t>
+            </a:r>
+          </a:p>
+        </p:txBody>
+      </p:sp>
+    </p:spTree>
+    <p:extLst>
+      <p:ext uri="{BB962C8B-B14F-4D97-AF65-F5344CB8AC3E}">
+        <p14:creationId xmlns:p14="http://schemas.microsoft.com/office/powerpoint/2010/main" val="229208407"/>
+      </p:ext>
+    </p:extLst>
+  </p:cSld>
+  <p:clrMapOvr>
+    <a:masterClrMapping/>
+  </p:clrMapOvr>
+</p:sld>
+</file>
+
+<file path=ppt/slides/slide26.xml><?xml version="1.0" encoding="utf-8"?>
+<p:sld xmlns:a="http://schemas.openxmlformats.org/drawingml/2006/main" xmlns:r="http://schemas.openxmlformats.org/officeDocument/2006/relationships" xmlns:p="http://schemas.openxmlformats.org/presentationml/2006/main">
+  <p:cSld>
+    <p:spTree>
+      <p:nvGrpSpPr>
+        <p:cNvPr id="1" name=""/>
+        <p:cNvGrpSpPr/>
+        <p:nvPr/>
+      </p:nvGrpSpPr>
+      <p:grpSpPr>
+        <a:xfrm>
+          <a:off x="0" y="0"/>
+          <a:ext cx="0" cy="0"/>
+          <a:chOff x="0" y="0"/>
+          <a:chExt cx="0" cy="0"/>
+        </a:xfrm>
+      </p:grpSpPr>
+      <p:sp>
+        <p:nvSpPr>
+          <p:cNvPr id="2" name="Text Placeholder 1">
+            <a:extLst>
+              <a:ext uri="{FF2B5EF4-FFF2-40B4-BE49-F238E27FC236}">
+                <a16:creationId xmlns:a16="http://schemas.microsoft.com/office/drawing/2014/main" id="{0193739E-281D-4B77-B389-8EED4799DB73}"/>
+              </a:ext>
+            </a:extLst>
+          </p:cNvPr>
+          <p:cNvSpPr>
+            <a:spLocks noGrp="1"/>
+          </p:cNvSpPr>
+          <p:nvPr>
+            <p:ph type="body" sz="quarter" idx="10"/>
+          </p:nvPr>
+        </p:nvSpPr>
+        <p:spPr/>
+        <p:txBody>
+          <a:bodyPr/>
+          <a:lstStyle/>
+          <a:p>
+            <a:r>
+              <a:rPr lang="en-US" sz="2400" dirty="0"/>
+              <a:t>PT14. Temperature Pattern</a:t>
+            </a:r>
+          </a:p>
+          <a:p>
+            <a:pPr lvl="1"/>
+            <a:r>
+              <a:rPr lang="en-US" sz="1800" dirty="0"/>
+              <a:t>Illustration: Sender influences a third-party node's CPU temperature, e.g.\ using burst traffic. This influences the node's clock skew. The clock skew can then be interpreted by the covert receiver by interacting with the node.</a:t>
+            </a:r>
+          </a:p>
+          <a:p>
+            <a:pPr lvl="1"/>
+            <a:r>
+              <a:rPr lang="en-US" sz="1800" dirty="0"/>
+              <a:t>Context: Timing Channels-&gt;Protocol-aware</a:t>
+            </a:r>
+          </a:p>
+          <a:p>
+            <a:pPr lvl="1"/>
+            <a:r>
+              <a:rPr lang="en-US" sz="1800" dirty="0"/>
+              <a:t>Evidence:</a:t>
+            </a:r>
+          </a:p>
+          <a:p>
+            <a:pPr lvl="2"/>
+            <a:r>
+              <a:rPr lang="en-US" sz="1800" dirty="0"/>
+              <a:t>W. </a:t>
+            </a:r>
+            <a:r>
+              <a:rPr lang="en-US" sz="1800" dirty="0" err="1"/>
+              <a:t>Mazurczyk</a:t>
+            </a:r>
+            <a:r>
+              <a:rPr lang="en-US" sz="1800" dirty="0"/>
+              <a:t>, S. </a:t>
+            </a:r>
+            <a:r>
+              <a:rPr lang="en-US" sz="1800" dirty="0" err="1"/>
+              <a:t>Wendzel</a:t>
+            </a:r>
+            <a:r>
+              <a:rPr lang="en-US" sz="1800" dirty="0"/>
+              <a:t>, S. Zander, A. </a:t>
+            </a:r>
+            <a:r>
+              <a:rPr lang="en-US" sz="1800" dirty="0" err="1"/>
+              <a:t>Houmansadr</a:t>
+            </a:r>
+            <a:r>
+              <a:rPr lang="en-US" sz="1800" dirty="0"/>
+              <a:t>, K. </a:t>
+            </a:r>
+            <a:r>
+              <a:rPr lang="en-US" sz="1800" dirty="0" err="1"/>
+              <a:t>Szczypiorski</a:t>
+            </a:r>
+            <a:r>
+              <a:rPr lang="en-US" sz="1800" dirty="0"/>
+              <a:t>: Information Hiding in Communication Networks, Wiley, 2016. Chapters 3 and 8 contain discussions on hiding patterns, basically on the basis of [1] but with an extension of timing-based patterns.</a:t>
+            </a:r>
+          </a:p>
+          <a:p>
+            <a:endParaRPr lang="en-US" dirty="0"/>
+          </a:p>
+        </p:txBody>
+      </p:sp>
+      <p:sp>
+        <p:nvSpPr>
+          <p:cNvPr id="3" name="Text Placeholder 2">
+            <a:extLst>
+              <a:ext uri="{FF2B5EF4-FFF2-40B4-BE49-F238E27FC236}">
+                <a16:creationId xmlns:a16="http://schemas.microsoft.com/office/drawing/2014/main" id="{F1A435EA-5523-4C44-A777-77716EB38A44}"/>
+              </a:ext>
+            </a:extLst>
+          </p:cNvPr>
+          <p:cNvSpPr>
+            <a:spLocks noGrp="1"/>
+          </p:cNvSpPr>
+          <p:nvPr>
+            <p:ph type="body" sz="quarter" idx="11"/>
+          </p:nvPr>
+        </p:nvSpPr>
+        <p:spPr/>
+        <p:txBody>
+          <a:bodyPr/>
+          <a:lstStyle/>
+          <a:p>
+            <a:r>
+              <a:rPr lang="en-US" dirty="0"/>
+              <a:t>Evaluating Covert Channels</a:t>
+            </a:r>
+          </a:p>
+        </p:txBody>
+      </p:sp>
+    </p:spTree>
+    <p:extLst>
+      <p:ext uri="{BB962C8B-B14F-4D97-AF65-F5344CB8AC3E}">
+        <p14:creationId xmlns:p14="http://schemas.microsoft.com/office/powerpoint/2010/main" val="1930440216"/>
+      </p:ext>
+    </p:extLst>
+  </p:cSld>
+  <p:clrMapOvr>
+    <a:masterClrMapping/>
+  </p:clrMapOvr>
+</p:sld>
+</file>
+
+<file path=ppt/slides/slide27.xml><?xml version="1.0" encoding="utf-8"?>
+<p:sld xmlns:a="http://schemas.openxmlformats.org/drawingml/2006/main" xmlns:r="http://schemas.openxmlformats.org/officeDocument/2006/relationships" xmlns:p="http://schemas.openxmlformats.org/presentationml/2006/main">
+  <p:cSld>
+    <p:spTree>
+      <p:nvGrpSpPr>
+        <p:cNvPr id="1" name=""/>
+        <p:cNvGrpSpPr/>
+        <p:nvPr/>
+      </p:nvGrpSpPr>
+      <p:grpSpPr>
+        <a:xfrm>
+          <a:off x="0" y="0"/>
+          <a:ext cx="0" cy="0"/>
+          <a:chOff x="0" y="0"/>
+          <a:chExt cx="0" cy="0"/>
+        </a:xfrm>
+      </p:grpSpPr>
+      <p:sp>
+        <p:nvSpPr>
+          <p:cNvPr id="2" name="Text Placeholder 1">
+            <a:extLst>
+              <a:ext uri="{FF2B5EF4-FFF2-40B4-BE49-F238E27FC236}">
+                <a16:creationId xmlns:a16="http://schemas.microsoft.com/office/drawing/2014/main" id="{0193739E-281D-4B77-B389-8EED4799DB73}"/>
+              </a:ext>
+            </a:extLst>
+          </p:cNvPr>
+          <p:cNvSpPr>
+            <a:spLocks noGrp="1"/>
+          </p:cNvSpPr>
+          <p:nvPr>
+            <p:ph type="body" sz="quarter" idx="10"/>
+          </p:nvPr>
+        </p:nvSpPr>
+        <p:spPr/>
+        <p:txBody>
+          <a:bodyPr/>
+          <a:lstStyle/>
+          <a:p>
+            <a:r>
+              <a:rPr lang="en-US" sz="2400" dirty="0"/>
+              <a:t>PT15. Artificial Reconnections</a:t>
+            </a:r>
+          </a:p>
+          <a:p>
+            <a:pPr lvl="1"/>
+            <a:r>
+              <a:rPr lang="en-US" sz="1800" dirty="0"/>
+              <a:t>Illustration: Employs artificial (forced) reconnections to transfer secret messages. The covert sender influences connection states of third-party nodes in a way that their connections to either a central element or a peer are terminated and then established again (i.e., a reconnect is performed).</a:t>
+            </a:r>
+          </a:p>
+          <a:p>
+            <a:pPr lvl="1"/>
+            <a:r>
+              <a:rPr lang="en-US" sz="1800" dirty="0"/>
+              <a:t>Context: Timing Channels-&gt;Protocol-aware</a:t>
+            </a:r>
+          </a:p>
+          <a:p>
+            <a:pPr lvl="1"/>
+            <a:r>
+              <a:rPr lang="en-US" sz="1800" dirty="0"/>
+              <a:t>Evidence:</a:t>
+            </a:r>
+          </a:p>
+          <a:p>
+            <a:pPr lvl="2"/>
+            <a:r>
+              <a:rPr lang="en-US" sz="1800" dirty="0"/>
+              <a:t>Aleksandra </a:t>
+            </a:r>
+            <a:r>
+              <a:rPr lang="en-US" sz="1800" dirty="0" err="1"/>
+              <a:t>Mileva</a:t>
+            </a:r>
+            <a:r>
+              <a:rPr lang="en-US" sz="1800" dirty="0"/>
+              <a:t>, Aleksandar </a:t>
+            </a:r>
+            <a:r>
+              <a:rPr lang="en-US" sz="1800" dirty="0" err="1"/>
+              <a:t>Velinov</a:t>
+            </a:r>
+            <a:r>
+              <a:rPr lang="en-US" sz="1800" dirty="0"/>
+              <a:t>, Laura Hartmann, Steffen </a:t>
+            </a:r>
+            <a:r>
+              <a:rPr lang="en-US" sz="1800" dirty="0" err="1"/>
+              <a:t>Wendzel</a:t>
+            </a:r>
+            <a:r>
+              <a:rPr lang="en-US" sz="1800" dirty="0"/>
+              <a:t>, Wojciech </a:t>
+            </a:r>
+            <a:r>
+              <a:rPr lang="en-US" sz="1800" dirty="0" err="1"/>
+              <a:t>Mazurczyk</a:t>
+            </a:r>
+            <a:r>
+              <a:rPr lang="en-US" sz="1800" dirty="0"/>
+              <a:t>: Comprehensive Analysis of MQTT 5.0 Susceptibility to Network Covert Channels, Computers &amp; Security, Elsevier, 2021.</a:t>
+            </a:r>
+          </a:p>
+          <a:p>
+            <a:pPr lvl="2"/>
+            <a:r>
+              <a:rPr lang="en-US" sz="1800" dirty="0"/>
+              <a:t>Sebastian </a:t>
+            </a:r>
+            <a:r>
+              <a:rPr lang="en-US" sz="1800" dirty="0" err="1"/>
+              <a:t>Zillien</a:t>
+            </a:r>
+            <a:r>
+              <a:rPr lang="en-US" sz="1800" dirty="0"/>
+              <a:t>, Steffen </a:t>
+            </a:r>
+            <a:r>
+              <a:rPr lang="en-US" sz="1800" dirty="0" err="1"/>
+              <a:t>Wendzel</a:t>
+            </a:r>
+            <a:r>
+              <a:rPr lang="en-US" sz="1800" dirty="0"/>
+              <a:t>: Reconnection-based Covert Channels in Wireless Networks. In: Proc. 36th IFIP TC-11 International Information Security and Privacy Conference (IFIP SEC 2021). Springer, 2021.</a:t>
+            </a:r>
+          </a:p>
+        </p:txBody>
+      </p:sp>
+      <p:sp>
+        <p:nvSpPr>
+          <p:cNvPr id="3" name="Text Placeholder 2">
+            <a:extLst>
+              <a:ext uri="{FF2B5EF4-FFF2-40B4-BE49-F238E27FC236}">
+                <a16:creationId xmlns:a16="http://schemas.microsoft.com/office/drawing/2014/main" id="{F1A435EA-5523-4C44-A777-77716EB38A44}"/>
+              </a:ext>
+            </a:extLst>
+          </p:cNvPr>
+          <p:cNvSpPr>
+            <a:spLocks noGrp="1"/>
+          </p:cNvSpPr>
+          <p:nvPr>
+            <p:ph type="body" sz="quarter" idx="11"/>
+          </p:nvPr>
+        </p:nvSpPr>
+        <p:spPr/>
+        <p:txBody>
+          <a:bodyPr/>
+          <a:lstStyle/>
+          <a:p>
+            <a:r>
+              <a:rPr lang="en-US" dirty="0"/>
+              <a:t>Evaluating Covert Channels</a:t>
+            </a:r>
+          </a:p>
+        </p:txBody>
+      </p:sp>
+    </p:spTree>
+    <p:extLst>
+      <p:ext uri="{BB962C8B-B14F-4D97-AF65-F5344CB8AC3E}">
+        <p14:creationId xmlns:p14="http://schemas.microsoft.com/office/powerpoint/2010/main" val="2647720221"/>
+      </p:ext>
+    </p:extLst>
+  </p:cSld>
+  <p:clrMapOvr>
+    <a:masterClrMapping/>
+  </p:clrMapOvr>
+</p:sld>
+</file>
+
+<file path=ppt/slides/slide28.xml><?xml version="1.0" encoding="utf-8"?>
+<p:sld xmlns:a="http://schemas.openxmlformats.org/drawingml/2006/main" xmlns:r="http://schemas.openxmlformats.org/officeDocument/2006/relationships" xmlns:p="http://schemas.openxmlformats.org/presentationml/2006/main">
+  <p:cSld>
+    <p:spTree>
+      <p:nvGrpSpPr>
+        <p:cNvPr id="1" name=""/>
+        <p:cNvGrpSpPr/>
+        <p:nvPr/>
+      </p:nvGrpSpPr>
+      <p:grpSpPr>
+        <a:xfrm>
+          <a:off x="0" y="0"/>
+          <a:ext cx="0" cy="0"/>
+          <a:chOff x="0" y="0"/>
+          <a:chExt cx="0" cy="0"/>
+        </a:xfrm>
+      </p:grpSpPr>
+      <p:sp>
+        <p:nvSpPr>
+          <p:cNvPr id="2" name="Text Placeholder 1">
+            <a:extLst>
+              <a:ext uri="{FF2B5EF4-FFF2-40B4-BE49-F238E27FC236}">
+                <a16:creationId xmlns:a16="http://schemas.microsoft.com/office/drawing/2014/main" id="{0193739E-281D-4B77-B389-8EED4799DB73}"/>
+              </a:ext>
+            </a:extLst>
+          </p:cNvPr>
+          <p:cNvSpPr>
+            <a:spLocks noGrp="1"/>
+          </p:cNvSpPr>
+          <p:nvPr>
+            <p:ph type="body" sz="quarter" idx="10"/>
+          </p:nvPr>
+        </p:nvSpPr>
+        <p:spPr/>
+        <p:txBody>
+          <a:bodyPr/>
+          <a:lstStyle/>
+          <a:p>
+            <a:r>
+              <a:rPr lang="en-US" sz="2400" dirty="0"/>
+              <a:t>PT16. Artificial Resets</a:t>
+            </a:r>
+          </a:p>
+          <a:p>
+            <a:pPr lvl="1"/>
+            <a:r>
+              <a:rPr lang="en-US" sz="1800" dirty="0"/>
+              <a:t>Illustration: </a:t>
+            </a:r>
+            <a:r>
+              <a:rPr lang="en-US" dirty="0"/>
+              <a:t>Covert sender c</a:t>
+            </a:r>
+            <a:r>
+              <a:rPr lang="en-US" sz="1800" dirty="0"/>
+              <a:t>auses a connection reset of third-party nodes, whose connection states are observed by one or more covert </a:t>
+            </a:r>
+            <a:r>
+              <a:rPr lang="en-US" sz="1800" dirty="0" err="1"/>
+              <a:t>recievers</a:t>
+            </a:r>
+            <a:r>
+              <a:rPr lang="en-US" sz="1800" dirty="0"/>
+              <a:t>.</a:t>
+            </a:r>
+          </a:p>
+          <a:p>
+            <a:pPr lvl="1"/>
+            <a:r>
+              <a:rPr lang="en-US" sz="1800" dirty="0"/>
+              <a:t>Context: Timing Channels-&gt;Protocol-aware</a:t>
+            </a:r>
+          </a:p>
+          <a:p>
+            <a:pPr lvl="1"/>
+            <a:r>
+              <a:rPr lang="en-US" sz="1800" dirty="0"/>
+              <a:t>Evidence:</a:t>
+            </a:r>
+          </a:p>
+          <a:p>
+            <a:pPr lvl="2"/>
+            <a:r>
+              <a:rPr lang="en-US" sz="1800" dirty="0"/>
+              <a:t>Laura Hartmann, Sebastian </a:t>
+            </a:r>
+            <a:r>
+              <a:rPr lang="en-US" sz="1800" dirty="0" err="1"/>
+              <a:t>Zillien</a:t>
+            </a:r>
+            <a:r>
+              <a:rPr lang="en-US" sz="1800" dirty="0"/>
+              <a:t>, Steffen </a:t>
+            </a:r>
+            <a:r>
+              <a:rPr lang="en-US" sz="1800" dirty="0" err="1"/>
+              <a:t>Wendzel</a:t>
+            </a:r>
+            <a:r>
+              <a:rPr lang="en-US" sz="1800" dirty="0"/>
+              <a:t>: Reset- and Reconnection-based Covert Channels in CoAP. In: Proc. European Interdisciplinary Cybersecurity Conference (EICC 2021). ACM, DOI: 10.1145/3487405.3487660</a:t>
+            </a:r>
+          </a:p>
+        </p:txBody>
+      </p:sp>
+      <p:sp>
+        <p:nvSpPr>
+          <p:cNvPr id="3" name="Text Placeholder 2">
+            <a:extLst>
+              <a:ext uri="{FF2B5EF4-FFF2-40B4-BE49-F238E27FC236}">
+                <a16:creationId xmlns:a16="http://schemas.microsoft.com/office/drawing/2014/main" id="{F1A435EA-5523-4C44-A777-77716EB38A44}"/>
+              </a:ext>
+            </a:extLst>
+          </p:cNvPr>
+          <p:cNvSpPr>
+            <a:spLocks noGrp="1"/>
+          </p:cNvSpPr>
+          <p:nvPr>
+            <p:ph type="body" sz="quarter" idx="11"/>
+          </p:nvPr>
+        </p:nvSpPr>
+        <p:spPr/>
+        <p:txBody>
+          <a:bodyPr/>
+          <a:lstStyle/>
+          <a:p>
+            <a:r>
+              <a:rPr lang="en-US" dirty="0"/>
+              <a:t>Evaluating Covert Channels</a:t>
+            </a:r>
+          </a:p>
+        </p:txBody>
+      </p:sp>
+    </p:spTree>
+    <p:extLst>
+      <p:ext uri="{BB962C8B-B14F-4D97-AF65-F5344CB8AC3E}">
+        <p14:creationId xmlns:p14="http://schemas.microsoft.com/office/powerpoint/2010/main" val="1447654991"/>
+      </p:ext>
+    </p:extLst>
+  </p:cSld>
+  <p:clrMapOvr>
+    <a:masterClrMapping/>
+  </p:clrMapOvr>
+</p:sld>
+</file>
+
+<file path=ppt/slides/slide29.xml><?xml version="1.0" encoding="utf-8"?>
+<p:sld xmlns:a="http://schemas.openxmlformats.org/drawingml/2006/main" xmlns:r="http://schemas.openxmlformats.org/officeDocument/2006/relationships" xmlns:p="http://schemas.openxmlformats.org/presentationml/2006/main">
+  <p:cSld>
+    <p:spTree>
+      <p:nvGrpSpPr>
+        <p:cNvPr id="1" name=""/>
+        <p:cNvGrpSpPr/>
+        <p:nvPr/>
+      </p:nvGrpSpPr>
+      <p:grpSpPr>
+        <a:xfrm>
+          <a:off x="0" y="0"/>
+          <a:ext cx="0" cy="0"/>
+          <a:chOff x="0" y="0"/>
+          <a:chExt cx="0" cy="0"/>
+        </a:xfrm>
+      </p:grpSpPr>
+      <p:sp>
+        <p:nvSpPr>
+          <p:cNvPr id="2" name="Text Placeholder 1">
+            <a:extLst>
+              <a:ext uri="{FF2B5EF4-FFF2-40B4-BE49-F238E27FC236}">
+                <a16:creationId xmlns:a16="http://schemas.microsoft.com/office/drawing/2014/main" id="{84D99BD4-8541-431B-83B9-6A520D67B9BB}"/>
+              </a:ext>
+            </a:extLst>
+          </p:cNvPr>
+          <p:cNvSpPr>
+            <a:spLocks noGrp="1"/>
+          </p:cNvSpPr>
+          <p:nvPr>
+            <p:ph type="body" sz="quarter" idx="11"/>
+          </p:nvPr>
+        </p:nvSpPr>
+        <p:spPr/>
+        <p:txBody>
+          <a:bodyPr/>
+          <a:lstStyle/>
+          <a:p>
+            <a:r>
+              <a:rPr lang="en-US" dirty="0"/>
+              <a:t>Updated as of 25 Mar 2022</a:t>
+            </a:r>
+          </a:p>
+        </p:txBody>
+      </p:sp>
+      <p:sp>
+        <p:nvSpPr>
+          <p:cNvPr id="7" name="TextBox 6">
+            <a:extLst>
+              <a:ext uri="{FF2B5EF4-FFF2-40B4-BE49-F238E27FC236}">
+                <a16:creationId xmlns:a16="http://schemas.microsoft.com/office/drawing/2014/main" id="{8CED916A-3144-4EEA-913E-C0FF3CF84FD9}"/>
+              </a:ext>
+            </a:extLst>
+          </p:cNvPr>
+          <p:cNvSpPr txBox="1"/>
+          <p:nvPr/>
+        </p:nvSpPr>
+        <p:spPr>
+          <a:xfrm>
+            <a:off x="1733550" y="6172200"/>
+            <a:ext cx="5676900" cy="369332"/>
+          </a:xfrm>
+          <a:prstGeom prst="rect">
+            <a:avLst/>
+          </a:prstGeom>
+          <a:noFill/>
+        </p:spPr>
+        <p:txBody>
+          <a:bodyPr wrap="square" rtlCol="0">
+            <a:spAutoFit/>
+          </a:bodyPr>
+          <a:lstStyle/>
+          <a:p>
+            <a:pPr algn="ctr"/>
+            <a:r>
+              <a:rPr lang="en-US" dirty="0"/>
+              <a:t>[https://ih-patterns.blogspot.com/p/test.html]</a:t>
+            </a:r>
+          </a:p>
+        </p:txBody>
+      </p:sp>
+      <p:pic>
+        <p:nvPicPr>
+          <p:cNvPr id="6" name="Picture 5">
+            <a:extLst>
+              <a:ext uri="{FF2B5EF4-FFF2-40B4-BE49-F238E27FC236}">
+                <a16:creationId xmlns:a16="http://schemas.microsoft.com/office/drawing/2014/main" id="{153CAA17-DF03-86BC-3331-EDED07F95D78}"/>
+              </a:ext>
+            </a:extLst>
+          </p:cNvPr>
+          <p:cNvPicPr>
+            <a:picLocks noChangeAspect="1"/>
+          </p:cNvPicPr>
+          <p:nvPr/>
+        </p:nvPicPr>
+        <p:blipFill>
+          <a:blip r:embed="rId3"/>
+          <a:stretch>
+            <a:fillRect/>
+          </a:stretch>
+        </p:blipFill>
+        <p:spPr>
+          <a:xfrm>
+            <a:off x="1364364" y="903594"/>
+            <a:ext cx="6415272" cy="5375469"/>
+          </a:xfrm>
+          <a:prstGeom prst="rect">
+            <a:avLst/>
+          </a:prstGeom>
+        </p:spPr>
+      </p:pic>
+    </p:spTree>
+    <p:extLst>
+      <p:ext uri="{BB962C8B-B14F-4D97-AF65-F5344CB8AC3E}">
+        <p14:creationId xmlns:p14="http://schemas.microsoft.com/office/powerpoint/2010/main" val="3491206873"/>
+      </p:ext>
+    </p:extLst>
+  </p:cSld>
+  <p:clrMapOvr>
+    <a:masterClrMapping/>
+  </p:clrMapOvr>
+</p:sld>
+</file>
+
+<file path=ppt/slides/slide3.xml><?xml version="1.0" encoding="utf-8"?>
+<p:sld xmlns:a="http://schemas.openxmlformats.org/drawingml/2006/main" xmlns:r="http://schemas.openxmlformats.org/officeDocument/2006/relationships" xmlns:p="http://schemas.openxmlformats.org/presentationml/2006/main">
+  <p:cSld>
+    <p:spTree>
+      <p:nvGrpSpPr>
+        <p:cNvPr id="1" name=""/>
+        <p:cNvGrpSpPr/>
+        <p:nvPr/>
+      </p:nvGrpSpPr>
+      <p:grpSpPr>
+        <a:xfrm>
+          <a:off x="0" y="0"/>
+          <a:ext cx="0" cy="0"/>
+          <a:chOff x="0" y="0"/>
+          <a:chExt cx="0" cy="0"/>
+        </a:xfrm>
+      </p:grpSpPr>
+      <p:sp>
+        <p:nvSpPr>
+          <p:cNvPr id="3" name="Text Placeholder 2">
+            <a:extLst>
+              <a:ext uri="{FF2B5EF4-FFF2-40B4-BE49-F238E27FC236}">
+                <a16:creationId xmlns:a16="http://schemas.microsoft.com/office/drawing/2014/main" id="{690DC88B-9677-4679-8B03-479B8AF06416}"/>
+              </a:ext>
+            </a:extLst>
+          </p:cNvPr>
+          <p:cNvSpPr>
+            <a:spLocks noGrp="1"/>
+          </p:cNvSpPr>
+          <p:nvPr>
+            <p:ph type="body" sz="quarter" idx="10"/>
+          </p:nvPr>
+        </p:nvSpPr>
+        <p:spPr/>
+        <p:txBody>
+          <a:bodyPr/>
+          <a:lstStyle/>
+          <a:p>
+            <a:r>
+              <a:rPr lang="en-US" dirty="0"/>
+              <a:t>Evaluating Covert Channels</a:t>
+            </a:r>
+          </a:p>
+        </p:txBody>
+      </p:sp>
+      <p:sp>
+        <p:nvSpPr>
+          <p:cNvPr id="2" name="Text Placeholder 1">
+            <a:extLst>
+              <a:ext uri="{FF2B5EF4-FFF2-40B4-BE49-F238E27FC236}">
+                <a16:creationId xmlns:a16="http://schemas.microsoft.com/office/drawing/2014/main" id="{84D99BD4-8541-431B-83B9-6A520D67B9BB}"/>
+              </a:ext>
+            </a:extLst>
+          </p:cNvPr>
+          <p:cNvSpPr>
+            <a:spLocks noGrp="1"/>
+          </p:cNvSpPr>
+          <p:nvPr>
+            <p:ph type="body" sz="quarter" idx="11"/>
+          </p:nvPr>
+        </p:nvSpPr>
+        <p:spPr/>
+        <p:txBody>
+          <a:bodyPr/>
+          <a:lstStyle/>
+          <a:p>
+            <a:r>
+              <a:rPr lang="en-US" dirty="0"/>
+              <a:t>Original as of 2015</a:t>
+            </a:r>
+          </a:p>
+        </p:txBody>
+      </p:sp>
+      <p:pic>
+        <p:nvPicPr>
+          <p:cNvPr id="5" name="Picture 2" descr="Network covert channel pattern hierarchy, excluding hiding techniques utilizing payloadÂ ">
+            <a:extLst>
+              <a:ext uri="{FF2B5EF4-FFF2-40B4-BE49-F238E27FC236}">
+                <a16:creationId xmlns:a16="http://schemas.microsoft.com/office/drawing/2014/main" id="{583F5204-E677-4FE4-9C55-1907742F2B14}"/>
+              </a:ext>
+            </a:extLst>
+          </p:cNvPr>
+          <p:cNvPicPr>
+            <a:picLocks noChangeAspect="1" noChangeArrowheads="1"/>
+          </p:cNvPicPr>
+          <p:nvPr/>
+        </p:nvPicPr>
+        <p:blipFill>
+          <a:blip r:embed="rId3">
+            <a:extLst>
+              <a:ext uri="{28A0092B-C50C-407E-A947-70E740481C1C}">
+                <a14:useLocalDpi xmlns:a14="http://schemas.microsoft.com/office/drawing/2010/main" val="0"/>
+              </a:ext>
+            </a:extLst>
+          </a:blip>
+          <a:srcRect/>
+          <a:stretch>
+            <a:fillRect/>
+          </a:stretch>
+        </p:blipFill>
+        <p:spPr bwMode="auto">
+          <a:xfrm>
+            <a:off x="523875" y="1648618"/>
+            <a:ext cx="8096250" cy="4476750"/>
+          </a:xfrm>
+          <a:prstGeom prst="rect">
+            <a:avLst/>
+          </a:prstGeom>
+          <a:noFill/>
+          <a:extLst>
+            <a:ext uri="{909E8E84-426E-40DD-AFC4-6F175D3DCCD1}">
+              <a14:hiddenFill xmlns:a14="http://schemas.microsoft.com/office/drawing/2010/main">
+                <a:solidFill>
+                  <a:srgbClr val="FFFFFF"/>
+                </a:solidFill>
+              </a14:hiddenFill>
+            </a:ext>
+          </a:extLst>
+        </p:spPr>
+      </p:pic>
+      <p:sp>
+        <p:nvSpPr>
+          <p:cNvPr id="7" name="TextBox 6">
+            <a:extLst>
+              <a:ext uri="{FF2B5EF4-FFF2-40B4-BE49-F238E27FC236}">
+                <a16:creationId xmlns:a16="http://schemas.microsoft.com/office/drawing/2014/main" id="{8CED916A-3144-4EEA-913E-C0FF3CF84FD9}"/>
+              </a:ext>
+            </a:extLst>
+          </p:cNvPr>
+          <p:cNvSpPr txBox="1"/>
+          <p:nvPr/>
+        </p:nvSpPr>
+        <p:spPr>
+          <a:xfrm>
+            <a:off x="3619500" y="6169567"/>
+            <a:ext cx="1905000" cy="369332"/>
+          </a:xfrm>
+          <a:prstGeom prst="rect">
+            <a:avLst/>
+          </a:prstGeom>
+          <a:noFill/>
+        </p:spPr>
+        <p:txBody>
+          <a:bodyPr wrap="square" rtlCol="0">
+            <a:spAutoFit/>
+          </a:bodyPr>
+          <a:lstStyle/>
+          <a:p>
+            <a:pPr algn="ctr"/>
+            <a:r>
+              <a:rPr lang="en-US" dirty="0"/>
+              <a:t>[</a:t>
+            </a:r>
+            <a:r>
+              <a:rPr lang="en-US" dirty="0" err="1"/>
+              <a:t>Wendzel</a:t>
+            </a:r>
+            <a:r>
+              <a:rPr lang="en-US" dirty="0"/>
+              <a:t> 2015]</a:t>
+            </a:r>
+          </a:p>
+        </p:txBody>
+      </p:sp>
+    </p:spTree>
+    <p:extLst>
+      <p:ext uri="{BB962C8B-B14F-4D97-AF65-F5344CB8AC3E}">
+        <p14:creationId xmlns:p14="http://schemas.microsoft.com/office/powerpoint/2010/main" val="539374532"/>
+      </p:ext>
+    </p:extLst>
+  </p:cSld>
+  <p:clrMapOvr>
+    <a:masterClrMapping/>
+  </p:clrMapOvr>
+</p:sld>
+</file>
+
+<file path=ppt/slides/slide30.xml><?xml version="1.0" encoding="utf-8"?>
+<p:sld xmlns:a="http://schemas.openxmlformats.org/drawingml/2006/main" xmlns:r="http://schemas.openxmlformats.org/officeDocument/2006/relationships" xmlns:p="http://schemas.openxmlformats.org/presentationml/2006/main">
+  <p:cSld>
+    <p:spTree>
+      <p:nvGrpSpPr>
+        <p:cNvPr id="1" name=""/>
+        <p:cNvGrpSpPr/>
+        <p:nvPr/>
+      </p:nvGrpSpPr>
+      <p:grpSpPr>
+        <a:xfrm>
+          <a:off x="0" y="0"/>
+          <a:ext cx="0" cy="0"/>
+          <a:chOff x="0" y="0"/>
+          <a:chExt cx="0" cy="0"/>
+        </a:xfrm>
+      </p:grpSpPr>
+      <p:sp>
+        <p:nvSpPr>
+          <p:cNvPr id="2" name="Text Placeholder 1">
+            <a:extLst>
+              <a:ext uri="{FF2B5EF4-FFF2-40B4-BE49-F238E27FC236}">
+                <a16:creationId xmlns:a16="http://schemas.microsoft.com/office/drawing/2014/main" id="{2F679017-079C-4E44-A1C3-550A1A0A5D80}"/>
+              </a:ext>
+            </a:extLst>
+          </p:cNvPr>
+          <p:cNvSpPr>
+            <a:spLocks noGrp="1"/>
+          </p:cNvSpPr>
+          <p:nvPr>
+            <p:ph type="body" sz="quarter" idx="11"/>
+          </p:nvPr>
+        </p:nvSpPr>
+        <p:spPr/>
+        <p:txBody>
+          <a:bodyPr/>
+          <a:lstStyle/>
+          <a:p>
+            <a:r>
+              <a:rPr lang="en-US" dirty="0"/>
+              <a:t>Evaluating Covert Channels</a:t>
+            </a:r>
+          </a:p>
+          <a:p>
+            <a:endParaRPr lang="en-US" dirty="0"/>
+          </a:p>
+        </p:txBody>
+      </p:sp>
+      <p:pic>
+        <p:nvPicPr>
+          <p:cNvPr id="5" name="Picture 4">
+            <a:extLst>
+              <a:ext uri="{FF2B5EF4-FFF2-40B4-BE49-F238E27FC236}">
+                <a16:creationId xmlns:a16="http://schemas.microsoft.com/office/drawing/2014/main" id="{0FCBE1BE-5284-4A9D-B9E6-F99DA716E277}"/>
+              </a:ext>
+            </a:extLst>
+          </p:cNvPr>
+          <p:cNvPicPr>
+            <a:picLocks noChangeAspect="1"/>
+          </p:cNvPicPr>
+          <p:nvPr/>
+        </p:nvPicPr>
+        <p:blipFill>
+          <a:blip r:embed="rId2"/>
+          <a:stretch>
+            <a:fillRect/>
+          </a:stretch>
+        </p:blipFill>
+        <p:spPr>
+          <a:xfrm>
+            <a:off x="1600200" y="1183492"/>
+            <a:ext cx="5943600" cy="4578868"/>
+          </a:xfrm>
+          <a:prstGeom prst="rect">
+            <a:avLst/>
+          </a:prstGeom>
+        </p:spPr>
+      </p:pic>
+      <p:sp>
+        <p:nvSpPr>
+          <p:cNvPr id="7" name="TextBox 6">
+            <a:extLst>
+              <a:ext uri="{FF2B5EF4-FFF2-40B4-BE49-F238E27FC236}">
+                <a16:creationId xmlns:a16="http://schemas.microsoft.com/office/drawing/2014/main" id="{953E24C3-8A94-49BA-BBC2-77ACAD24B204}"/>
+              </a:ext>
+            </a:extLst>
+          </p:cNvPr>
+          <p:cNvSpPr txBox="1"/>
+          <p:nvPr/>
+        </p:nvSpPr>
+        <p:spPr>
+          <a:xfrm>
+            <a:off x="3619500" y="5955268"/>
+            <a:ext cx="1905000" cy="369332"/>
+          </a:xfrm>
+          <a:prstGeom prst="rect">
+            <a:avLst/>
+          </a:prstGeom>
+          <a:noFill/>
+        </p:spPr>
+        <p:txBody>
+          <a:bodyPr wrap="square" rtlCol="0">
+            <a:spAutoFit/>
+          </a:bodyPr>
+          <a:lstStyle/>
+          <a:p>
+            <a:pPr algn="ctr"/>
+            <a:r>
+              <a:rPr lang="en-US" dirty="0"/>
+              <a:t>[</a:t>
+            </a:r>
+            <a:r>
+              <a:rPr lang="en-US" dirty="0" err="1"/>
+              <a:t>Wendzel</a:t>
+            </a:r>
+            <a:r>
+              <a:rPr lang="en-US" dirty="0"/>
+              <a:t> 2014]</a:t>
+            </a:r>
+          </a:p>
+        </p:txBody>
+      </p:sp>
+    </p:spTree>
+    <p:extLst>
+      <p:ext uri="{BB962C8B-B14F-4D97-AF65-F5344CB8AC3E}">
+        <p14:creationId xmlns:p14="http://schemas.microsoft.com/office/powerpoint/2010/main" val="4215845617"/>
+      </p:ext>
+    </p:extLst>
+  </p:cSld>
+  <p:clrMapOvr>
+    <a:masterClrMapping/>
+  </p:clrMapOvr>
+</p:sld>
+</file>
+
+<file path=ppt/slides/slide31.xml><?xml version="1.0" encoding="utf-8"?>
 <p:sld xmlns:a="http://schemas.openxmlformats.org/drawingml/2006/main" xmlns:r="http://schemas.openxmlformats.org/officeDocument/2006/relationships" xmlns:p="http://schemas.openxmlformats.org/presentationml/2006/main">
   <p:cSld>
     <p:spTree>
@@ -4175,7 +9944,7 @@
 </p:sld>
 </file>
 
-<file path=ppt/slides/slide21.xml><?xml version="1.0" encoding="utf-8"?>
+<file path=ppt/slides/slide32.xml><?xml version="1.0" encoding="utf-8"?>
 <p:sld xmlns:a="http://schemas.openxmlformats.org/drawingml/2006/main" xmlns:r="http://schemas.openxmlformats.org/officeDocument/2006/relationships" xmlns:p="http://schemas.openxmlformats.org/presentationml/2006/main">
   <p:cSld>
     <p:spTree>
@@ -4309,7 +10078,7 @@
 </p:sld>
 </file>
 
-<file path=ppt/slides/slide22.xml><?xml version="1.0" encoding="utf-8"?>
+<file path=ppt/slides/slide33.xml><?xml version="1.0" encoding="utf-8"?>
 <p:sld xmlns:a="http://schemas.openxmlformats.org/drawingml/2006/main" xmlns:r="http://schemas.openxmlformats.org/officeDocument/2006/relationships" xmlns:p="http://schemas.openxmlformats.org/presentationml/2006/main">
   <p:cSld>
     <p:spTree>
@@ -4474,7 +10243,7 @@
           <p:nvPr/>
         </p:nvPicPr>
         <p:blipFill>
-          <a:blip r:embed="rId2"/>
+          <a:blip r:embed="rId3"/>
           <a:stretch>
             <a:fillRect/>
           </a:stretch>
@@ -4528,7 +10297,7 @@
             </a:r>
             <a:r>
               <a:rPr lang="en-US" dirty="0"/>
-              <a:t> 2014]</a:t>
+              <a:t> 2015]</a:t>
             </a:r>
           </a:p>
         </p:txBody>
@@ -4546,7 +10315,7 @@
 </p:sld>
 </file>
 
-<file path=ppt/slides/slide23.xml><?xml version="1.0" encoding="utf-8"?>
+<file path=ppt/slides/slide34.xml><?xml version="1.0" encoding="utf-8"?>
 <p:sld xmlns:a="http://schemas.openxmlformats.org/drawingml/2006/main" xmlns:r="http://schemas.openxmlformats.org/officeDocument/2006/relationships" xmlns:p="http://schemas.openxmlformats.org/presentationml/2006/main">
   <p:cSld>
     <p:spTree>
@@ -4653,7 +10422,7 @@
 </p:sld>
 </file>
 
-<file path=ppt/slides/slide24.xml><?xml version="1.0" encoding="utf-8"?>
+<file path=ppt/slides/slide35.xml><?xml version="1.0" encoding="utf-8"?>
 <p:sld xmlns:a="http://schemas.openxmlformats.org/drawingml/2006/main" xmlns:r="http://schemas.openxmlformats.org/officeDocument/2006/relationships" xmlns:p="http://schemas.openxmlformats.org/presentationml/2006/main">
   <p:cSld>
     <p:spTree>
@@ -4796,7 +10565,7 @@
 </p:sld>
 </file>
 
-<file path=ppt/slides/slide25.xml><?xml version="1.0" encoding="utf-8"?>
+<file path=ppt/slides/slide36.xml><?xml version="1.0" encoding="utf-8"?>
 <p:sld xmlns:a="http://schemas.openxmlformats.org/drawingml/2006/main" xmlns:r="http://schemas.openxmlformats.org/officeDocument/2006/relationships" xmlns:p="http://schemas.openxmlformats.org/presentationml/2006/main">
   <p:cSld>
     <p:spTree>
@@ -4818,7 +10587,7 @@
           <p:cNvPr id="2" name="Text Placeholder 1">
             <a:extLst>
               <a:ext uri="{FF2B5EF4-FFF2-40B4-BE49-F238E27FC236}">
-                <a16:creationId xmlns:a16="http://schemas.microsoft.com/office/drawing/2014/main" id="{87C1B1A4-B000-4F89-A9B0-2DF23C96EC8A}"/>
+                <a16:creationId xmlns:a16="http://schemas.microsoft.com/office/drawing/2014/main" id="{614199C1-38DD-4391-BF13-2C9608AD3148}"/>
               </a:ext>
             </a:extLst>
           </p:cNvPr>
@@ -4857,20 +10626,54 @@
             </a:r>
             <a:r>
               <a:rPr lang="en-US" sz="2800" dirty="0"/>
-              <a:t> 2014]</a:t>
+              <a:t> 2015]</a:t>
             </a:r>
           </a:p>
           <a:p>
             <a:pPr lvl="1"/>
             <a:r>
+              <a:rPr lang="en-US" dirty="0">
+                <a:hlinkClick r:id="rId3"/>
+              </a:rPr>
+              <a:t>https://arxiv.org/pdf/1406.2901.pdf</a:t>
+            </a:r>
+            <a:endParaRPr lang="en-US" dirty="0"/>
+          </a:p>
+          <a:p>
+            <a:pPr lvl="1"/>
+            <a:r>
               <a:rPr lang="en-US" dirty="0"/>
-              <a:t>https://arxiv.org/pdf/1406.2901.pdf</a:t>
-            </a:r>
-          </a:p>
-          <a:p>
-            <a:r>
-              <a:rPr lang="en-US" sz="2800"/>
+              <a:t>Updated here: https://ih-patterns.blogspot.com/p/test.html</a:t>
+            </a:r>
+          </a:p>
+          <a:p>
+            <a:r>
+              <a:rPr lang="en-US" sz="2800" dirty="0"/>
+              <a:t>Work by </a:t>
+            </a:r>
+            <a:r>
+              <a:rPr lang="en-US" sz="2800" dirty="0" err="1"/>
+              <a:t>Wendzel</a:t>
+            </a:r>
+            <a:endParaRPr lang="en-US" sz="2800" dirty="0"/>
+          </a:p>
+          <a:p>
+            <a:pPr lvl="1"/>
+            <a:r>
+              <a:rPr lang="en-US" dirty="0"/>
+              <a:t>https://www.wendzel.de/</a:t>
+            </a:r>
+          </a:p>
+          <a:p>
+            <a:r>
+              <a:rPr lang="en-US" sz="2800" dirty="0"/>
               <a:t>Google</a:t>
+            </a:r>
+          </a:p>
+          <a:p>
+            <a:r>
+              <a:rPr lang="en-US" sz="2800" dirty="0"/>
+              <a:t>Creativecommons.org/licenses</a:t>
             </a:r>
           </a:p>
           <a:p>
@@ -4883,7 +10686,7 @@
           <p:cNvPr id="3" name="Text Placeholder 2">
             <a:extLst>
               <a:ext uri="{FF2B5EF4-FFF2-40B4-BE49-F238E27FC236}">
-                <a16:creationId xmlns:a16="http://schemas.microsoft.com/office/drawing/2014/main" id="{360E8FAE-89CE-477C-A0B7-751F74C3EFBB}"/>
+                <a16:creationId xmlns:a16="http://schemas.microsoft.com/office/drawing/2014/main" id="{5C8C057F-96AC-4921-8A79-BB4C4AF63434}"/>
               </a:ext>
             </a:extLst>
           </p:cNvPr>
@@ -4909,156 +10712,7 @@
     </p:spTree>
     <p:extLst>
       <p:ext uri="{BB962C8B-B14F-4D97-AF65-F5344CB8AC3E}">
-        <p14:creationId xmlns:p14="http://schemas.microsoft.com/office/powerpoint/2010/main" val="865006550"/>
-      </p:ext>
-    </p:extLst>
-  </p:cSld>
-  <p:clrMapOvr>
-    <a:masterClrMapping/>
-  </p:clrMapOvr>
-</p:sld>
-</file>
-
-<file path=ppt/slides/slide3.xml><?xml version="1.0" encoding="utf-8"?>
-<p:sld xmlns:a="http://schemas.openxmlformats.org/drawingml/2006/main" xmlns:r="http://schemas.openxmlformats.org/officeDocument/2006/relationships" xmlns:p="http://schemas.openxmlformats.org/presentationml/2006/main">
-  <p:cSld>
-    <p:spTree>
-      <p:nvGrpSpPr>
-        <p:cNvPr id="1" name=""/>
-        <p:cNvGrpSpPr/>
-        <p:nvPr/>
-      </p:nvGrpSpPr>
-      <p:grpSpPr>
-        <a:xfrm>
-          <a:off x="0" y="0"/>
-          <a:ext cx="0" cy="0"/>
-          <a:chOff x="0" y="0"/>
-          <a:chExt cx="0" cy="0"/>
-        </a:xfrm>
-      </p:grpSpPr>
-      <p:sp>
-        <p:nvSpPr>
-          <p:cNvPr id="3" name="Text Placeholder 2">
-            <a:extLst>
-              <a:ext uri="{FF2B5EF4-FFF2-40B4-BE49-F238E27FC236}">
-                <a16:creationId xmlns:a16="http://schemas.microsoft.com/office/drawing/2014/main" id="{690DC88B-9677-4679-8B03-479B8AF06416}"/>
-              </a:ext>
-            </a:extLst>
-          </p:cNvPr>
-          <p:cNvSpPr>
-            <a:spLocks noGrp="1"/>
-          </p:cNvSpPr>
-          <p:nvPr>
-            <p:ph type="body" sz="quarter" idx="11"/>
-          </p:nvPr>
-        </p:nvSpPr>
-        <p:spPr/>
-        <p:txBody>
-          <a:bodyPr/>
-          <a:lstStyle/>
-          <a:p>
-            <a:r>
-              <a:rPr lang="en-US" dirty="0"/>
-              <a:t>Evaluating Covert Channels</a:t>
-            </a:r>
-          </a:p>
-        </p:txBody>
-      </p:sp>
-      <p:pic>
-        <p:nvPicPr>
-          <p:cNvPr id="5" name="Picture 2" descr="Network covert channel pattern hierarchy, excluding hiding techniques utilizing payloadÂ ">
-            <a:extLst>
-              <a:ext uri="{FF2B5EF4-FFF2-40B4-BE49-F238E27FC236}">
-                <a16:creationId xmlns:a16="http://schemas.microsoft.com/office/drawing/2014/main" id="{583F5204-E677-4FE4-9C55-1907742F2B14}"/>
-              </a:ext>
-            </a:extLst>
-          </p:cNvPr>
-          <p:cNvPicPr>
-            <a:picLocks noChangeAspect="1" noChangeArrowheads="1"/>
-          </p:cNvPicPr>
-          <p:nvPr/>
-        </p:nvPicPr>
-        <p:blipFill>
-          <a:blip r:embed="rId2">
-            <a:extLst>
-              <a:ext uri="{28A0092B-C50C-407E-A947-70E740481C1C}">
-                <a14:useLocalDpi xmlns:a14="http://schemas.microsoft.com/office/drawing/2010/main" val="0"/>
-              </a:ext>
-            </a:extLst>
-          </a:blip>
-          <a:srcRect/>
-          <a:stretch>
-            <a:fillRect/>
-          </a:stretch>
-        </p:blipFill>
-        <p:spPr bwMode="auto">
-          <a:xfrm>
-            <a:off x="523875" y="1648618"/>
-            <a:ext cx="8096250" cy="4476750"/>
-          </a:xfrm>
-          <a:prstGeom prst="rect">
-            <a:avLst/>
-          </a:prstGeom>
-          <a:noFill/>
-          <a:extLst>
-            <a:ext uri="{909E8E84-426E-40DD-AFC4-6F175D3DCCD1}">
-              <a14:hiddenFill xmlns:a14="http://schemas.microsoft.com/office/drawing/2010/main">
-                <a:solidFill>
-                  <a:srgbClr val="FFFFFF"/>
-                </a:solidFill>
-              </a14:hiddenFill>
-            </a:ext>
-          </a:extLst>
-        </p:spPr>
-      </p:pic>
-      <p:sp>
-        <p:nvSpPr>
-          <p:cNvPr id="7" name="TextBox 6">
-            <a:extLst>
-              <a:ext uri="{FF2B5EF4-FFF2-40B4-BE49-F238E27FC236}">
-                <a16:creationId xmlns:a16="http://schemas.microsoft.com/office/drawing/2014/main" id="{8CED916A-3144-4EEA-913E-C0FF3CF84FD9}"/>
-              </a:ext>
-            </a:extLst>
-          </p:cNvPr>
-          <p:cNvSpPr txBox="1"/>
-          <p:nvPr/>
-        </p:nvSpPr>
-        <p:spPr>
-          <a:xfrm>
-            <a:off x="3619500" y="6169567"/>
-            <a:ext cx="1905000" cy="369332"/>
-          </a:xfrm>
-          <a:prstGeom prst="rect">
-            <a:avLst/>
-          </a:prstGeom>
-          <a:noFill/>
-        </p:spPr>
-        <p:txBody>
-          <a:bodyPr wrap="square" rtlCol="0">
-            <a:spAutoFit/>
-          </a:bodyPr>
-          <a:lstStyle/>
-          <a:p>
-            <a:pPr algn="ctr"/>
-            <a:r>
-              <a:rPr lang="en-US" dirty="0"/>
-              <a:t>[</a:t>
-            </a:r>
-            <a:r>
-              <a:rPr lang="en-US" dirty="0" err="1"/>
-              <a:t>Wendzel</a:t>
-            </a:r>
-            <a:r>
-              <a:rPr lang="en-US" dirty="0"/>
-              <a:t> 2014]</a:t>
-            </a:r>
-          </a:p>
-        </p:txBody>
-      </p:sp>
-    </p:spTree>
-    <p:extLst>
-      <p:ext uri="{BB962C8B-B14F-4D97-AF65-F5344CB8AC3E}">
-        <p14:creationId xmlns:p14="http://schemas.microsoft.com/office/powerpoint/2010/main" val="539374532"/>
+        <p14:creationId xmlns:p14="http://schemas.microsoft.com/office/powerpoint/2010/main" val="2500948470"/>
       </p:ext>
     </p:extLst>
   </p:cSld>
@@ -5087,10 +10741,134 @@
       </p:grpSpPr>
       <p:sp>
         <p:nvSpPr>
-          <p:cNvPr id="3" name="Text Placeholder 2">
+          <p:cNvPr id="2" name="Text Placeholder 1">
             <a:extLst>
               <a:ext uri="{FF2B5EF4-FFF2-40B4-BE49-F238E27FC236}">
-                <a16:creationId xmlns:a16="http://schemas.microsoft.com/office/drawing/2014/main" id="{4F7BA443-1139-4A15-974A-DF098ECC884D}"/>
+                <a16:creationId xmlns:a16="http://schemas.microsoft.com/office/drawing/2014/main" id="{84D99BD4-8541-431B-83B9-6A520D67B9BB}"/>
+              </a:ext>
+            </a:extLst>
+          </p:cNvPr>
+          <p:cNvSpPr>
+            <a:spLocks noGrp="1"/>
+          </p:cNvSpPr>
+          <p:nvPr>
+            <p:ph type="body" sz="quarter" idx="11"/>
+          </p:nvPr>
+        </p:nvSpPr>
+        <p:spPr/>
+        <p:txBody>
+          <a:bodyPr/>
+          <a:lstStyle/>
+          <a:p>
+            <a:r>
+              <a:rPr lang="en-US" dirty="0"/>
+              <a:t>Updated as of 25 Mar 2022</a:t>
+            </a:r>
+          </a:p>
+        </p:txBody>
+      </p:sp>
+      <p:sp>
+        <p:nvSpPr>
+          <p:cNvPr id="7" name="TextBox 6">
+            <a:extLst>
+              <a:ext uri="{FF2B5EF4-FFF2-40B4-BE49-F238E27FC236}">
+                <a16:creationId xmlns:a16="http://schemas.microsoft.com/office/drawing/2014/main" id="{8CED916A-3144-4EEA-913E-C0FF3CF84FD9}"/>
+              </a:ext>
+            </a:extLst>
+          </p:cNvPr>
+          <p:cNvSpPr txBox="1"/>
+          <p:nvPr/>
+        </p:nvSpPr>
+        <p:spPr>
+          <a:xfrm>
+            <a:off x="1733550" y="6172200"/>
+            <a:ext cx="5676900" cy="369332"/>
+          </a:xfrm>
+          <a:prstGeom prst="rect">
+            <a:avLst/>
+          </a:prstGeom>
+          <a:noFill/>
+        </p:spPr>
+        <p:txBody>
+          <a:bodyPr wrap="square" rtlCol="0">
+            <a:spAutoFit/>
+          </a:bodyPr>
+          <a:lstStyle/>
+          <a:p>
+            <a:pPr algn="ctr"/>
+            <a:r>
+              <a:rPr lang="en-US" dirty="0"/>
+              <a:t>[https://ih-patterns.blogspot.com/p/test.html]</a:t>
+            </a:r>
+          </a:p>
+        </p:txBody>
+      </p:sp>
+      <p:pic>
+        <p:nvPicPr>
+          <p:cNvPr id="6" name="Picture 5">
+            <a:extLst>
+              <a:ext uri="{FF2B5EF4-FFF2-40B4-BE49-F238E27FC236}">
+                <a16:creationId xmlns:a16="http://schemas.microsoft.com/office/drawing/2014/main" id="{153CAA17-DF03-86BC-3331-EDED07F95D78}"/>
+              </a:ext>
+            </a:extLst>
+          </p:cNvPr>
+          <p:cNvPicPr>
+            <a:picLocks noChangeAspect="1"/>
+          </p:cNvPicPr>
+          <p:nvPr/>
+        </p:nvPicPr>
+        <p:blipFill>
+          <a:blip r:embed="rId3"/>
+          <a:stretch>
+            <a:fillRect/>
+          </a:stretch>
+        </p:blipFill>
+        <p:spPr>
+          <a:xfrm>
+            <a:off x="1364364" y="903594"/>
+            <a:ext cx="6415272" cy="5375469"/>
+          </a:xfrm>
+          <a:prstGeom prst="rect">
+            <a:avLst/>
+          </a:prstGeom>
+        </p:spPr>
+      </p:pic>
+    </p:spTree>
+    <p:extLst>
+      <p:ext uri="{BB962C8B-B14F-4D97-AF65-F5344CB8AC3E}">
+        <p14:creationId xmlns:p14="http://schemas.microsoft.com/office/powerpoint/2010/main" val="1446506251"/>
+      </p:ext>
+    </p:extLst>
+  </p:cSld>
+  <p:clrMapOvr>
+    <a:masterClrMapping/>
+  </p:clrMapOvr>
+</p:sld>
+</file>
+
+<file path=ppt/slides/slide5.xml><?xml version="1.0" encoding="utf-8"?>
+<p:sld xmlns:a="http://schemas.openxmlformats.org/drawingml/2006/main" xmlns:r="http://schemas.openxmlformats.org/officeDocument/2006/relationships" xmlns:p="http://schemas.openxmlformats.org/presentationml/2006/main">
+  <p:cSld>
+    <p:spTree>
+      <p:nvGrpSpPr>
+        <p:cNvPr id="1" name=""/>
+        <p:cNvGrpSpPr/>
+        <p:nvPr/>
+      </p:nvGrpSpPr>
+      <p:grpSpPr>
+        <a:xfrm>
+          <a:off x="0" y="0"/>
+          <a:ext cx="0" cy="0"/>
+          <a:chOff x="0" y="0"/>
+          <a:chExt cx="0" cy="0"/>
+        </a:xfrm>
+      </p:grpSpPr>
+      <p:sp>
+        <p:nvSpPr>
+          <p:cNvPr id="2" name="Text Placeholder 1">
+            <a:extLst>
+              <a:ext uri="{FF2B5EF4-FFF2-40B4-BE49-F238E27FC236}">
+                <a16:creationId xmlns:a16="http://schemas.microsoft.com/office/drawing/2014/main" id="{BF7397CE-7104-4F37-ABD7-32E6D5385D0E}"/>
               </a:ext>
             </a:extLst>
           </p:cNvPr>
@@ -5277,18 +11055,18 @@
           </a:lstStyle>
           <a:p>
             <a:r>
-              <a:rPr lang="en-US" sz="2400"/>
+              <a:rPr lang="en-US" sz="2400" dirty="0"/>
               <a:t>109 covert channels analyzed fit into 11 different patterns</a:t>
             </a:r>
           </a:p>
           <a:p>
             <a:r>
-              <a:rPr lang="en-US" sz="2400"/>
+              <a:rPr lang="en-US" sz="2400" dirty="0"/>
               <a:t>69.7% can be categorized into only 4 different patterns</a:t>
             </a:r>
           </a:p>
           <a:p>
-            <a:endParaRPr lang="en-US" sz="2400"/>
+            <a:endParaRPr lang="en-US" sz="2400" dirty="0"/>
           </a:p>
           <a:p>
             <a:pPr lvl="1"/>
@@ -5402,7 +11180,7 @@
 </p:sld>
 </file>
 
-<file path=ppt/slides/slide5.xml><?xml version="1.0" encoding="utf-8"?>
+<file path=ppt/slides/slide6.xml><?xml version="1.0" encoding="utf-8"?>
 <p:sld xmlns:a="http://schemas.openxmlformats.org/drawingml/2006/main" xmlns:r="http://schemas.openxmlformats.org/officeDocument/2006/relationships" xmlns:p="http://schemas.openxmlformats.org/presentationml/2006/main">
   <p:cSld>
     <p:spTree>
@@ -5442,7 +11220,7 @@
           <a:p>
             <a:r>
               <a:rPr lang="en-US" sz="2400" dirty="0"/>
-              <a:t>P1. Size Modulation Pattern</a:t>
+              <a:t>PS1. Size Modulation Pattern</a:t>
             </a:r>
           </a:p>
           <a:p>
@@ -5555,7 +11333,7 @@
 </p:sld>
 </file>
 
-<file path=ppt/slides/slide6.xml><?xml version="1.0" encoding="utf-8"?>
+<file path=ppt/slides/slide7.xml><?xml version="1.0" encoding="utf-8"?>
 <p:sld xmlns:a="http://schemas.openxmlformats.org/drawingml/2006/main" xmlns:r="http://schemas.openxmlformats.org/officeDocument/2006/relationships" xmlns:p="http://schemas.openxmlformats.org/presentationml/2006/main">
   <p:cSld>
     <p:spTree>
@@ -5595,7 +11373,7 @@
           <a:p>
             <a:r>
               <a:rPr lang="en-US" sz="2400" dirty="0"/>
-              <a:t>P2. Sequence Pattern</a:t>
+              <a:t>PS2. Sequence Pattern</a:t>
             </a:r>
           </a:p>
           <a:p>
@@ -5686,7 +11464,7 @@
 </p:sld>
 </file>
 
-<file path=ppt/slides/slide7.xml><?xml version="1.0" encoding="utf-8"?>
+<file path=ppt/slides/slide8.xml><?xml version="1.0" encoding="utf-8"?>
 <p:sld xmlns:a="http://schemas.openxmlformats.org/drawingml/2006/main" xmlns:r="http://schemas.openxmlformats.org/officeDocument/2006/relationships" xmlns:p="http://schemas.openxmlformats.org/presentationml/2006/main">
   <p:cSld>
     <p:spTree>
@@ -5726,7 +11504,7 @@
           <a:p>
             <a:r>
               <a:rPr lang="en-US" sz="2400" dirty="0"/>
-              <a:t>P2.a. Position Pattern</a:t>
+              <a:t>PS2.a. Position Pattern</a:t>
             </a:r>
           </a:p>
           <a:p>
@@ -5768,7 +11546,7 @@
           <a:p>
             <a:r>
               <a:rPr lang="en-US" sz="2400" dirty="0"/>
-              <a:t>P2.b. Number of Elements Pattern</a:t>
+              <a:t>PS2.b. Number of Elements Pattern</a:t>
             </a:r>
           </a:p>
           <a:p>
@@ -5859,7 +11637,7 @@
 </p:sld>
 </file>
 
-<file path=ppt/slides/slide8.xml><?xml version="1.0" encoding="utf-8"?>
+<file path=ppt/slides/slide9.xml><?xml version="1.0" encoding="utf-8"?>
 <p:sld xmlns:a="http://schemas.openxmlformats.org/drawingml/2006/main" xmlns:r="http://schemas.openxmlformats.org/officeDocument/2006/relationships" xmlns:p="http://schemas.openxmlformats.org/presentationml/2006/main">
   <p:cSld>
     <p:spTree>
@@ -5899,7 +11677,7 @@
           <a:p>
             <a:r>
               <a:rPr lang="en-US" sz="2400" dirty="0"/>
-              <a:t>P3. Add Redundancy Pattern*</a:t>
+              <a:t>PS3. Add Redundancy Pattern*</a:t>
             </a:r>
           </a:p>
           <a:p>
@@ -6024,141 +11802,6 @@
     <p:extLst>
       <p:ext uri="{BB962C8B-B14F-4D97-AF65-F5344CB8AC3E}">
         <p14:creationId xmlns:p14="http://schemas.microsoft.com/office/powerpoint/2010/main" val="675347102"/>
-      </p:ext>
-    </p:extLst>
-  </p:cSld>
-  <p:clrMapOvr>
-    <a:masterClrMapping/>
-  </p:clrMapOvr>
-</p:sld>
-</file>
-
-<file path=ppt/slides/slide9.xml><?xml version="1.0" encoding="utf-8"?>
-<p:sld xmlns:a="http://schemas.openxmlformats.org/drawingml/2006/main" xmlns:r="http://schemas.openxmlformats.org/officeDocument/2006/relationships" xmlns:p="http://schemas.openxmlformats.org/presentationml/2006/main">
-  <p:cSld>
-    <p:spTree>
-      <p:nvGrpSpPr>
-        <p:cNvPr id="1" name=""/>
-        <p:cNvGrpSpPr/>
-        <p:nvPr/>
-      </p:nvGrpSpPr>
-      <p:grpSpPr>
-        <a:xfrm>
-          <a:off x="0" y="0"/>
-          <a:ext cx="0" cy="0"/>
-          <a:chOff x="0" y="0"/>
-          <a:chExt cx="0" cy="0"/>
-        </a:xfrm>
-      </p:grpSpPr>
-      <p:sp>
-        <p:nvSpPr>
-          <p:cNvPr id="2" name="Text Placeholder 1">
-            <a:extLst>
-              <a:ext uri="{FF2B5EF4-FFF2-40B4-BE49-F238E27FC236}">
-                <a16:creationId xmlns:a16="http://schemas.microsoft.com/office/drawing/2014/main" id="{E3472E8F-E044-4195-96C9-B2F2E09E5135}"/>
-              </a:ext>
-            </a:extLst>
-          </p:cNvPr>
-          <p:cNvSpPr>
-            <a:spLocks noGrp="1"/>
-          </p:cNvSpPr>
-          <p:nvPr>
-            <p:ph type="body" sz="quarter" idx="10"/>
-          </p:nvPr>
-        </p:nvSpPr>
-        <p:spPr/>
-        <p:txBody>
-          <a:bodyPr/>
-          <a:lstStyle/>
-          <a:p>
-            <a:r>
-              <a:rPr lang="en-US" sz="2400" dirty="0"/>
-              <a:t>P4. PDU Corruption/Loss Pattern</a:t>
-            </a:r>
-          </a:p>
-          <a:p>
-            <a:pPr lvl="1"/>
-            <a:r>
-              <a:rPr lang="en-US" sz="1800" dirty="0"/>
-              <a:t>Illustration: Generates corrupted PDUs or actively utilize packet loss</a:t>
-            </a:r>
-          </a:p>
-          <a:p>
-            <a:pPr lvl="1"/>
-            <a:r>
-              <a:rPr lang="en-US" sz="1800" dirty="0"/>
-              <a:t>Context: Storage -&gt; Non-Payload -&gt; Structure Modifying</a:t>
-            </a:r>
-          </a:p>
-          <a:p>
-            <a:pPr lvl="1"/>
-            <a:r>
-              <a:rPr lang="en-US" sz="1800" dirty="0"/>
-              <a:t>Evidence:</a:t>
-            </a:r>
-          </a:p>
-          <a:p>
-            <a:pPr lvl="2"/>
-            <a:r>
-              <a:rPr lang="en-US" sz="1800" dirty="0"/>
-              <a:t>Generate corrupted messages in broadcast erasure channels</a:t>
-            </a:r>
-          </a:p>
-          <a:p>
-            <a:pPr lvl="2"/>
-            <a:r>
-              <a:rPr lang="en-US" sz="1800" dirty="0"/>
-              <a:t>Transfer corrupted frames in 802.11</a:t>
-            </a:r>
-          </a:p>
-          <a:p>
-            <a:pPr lvl="2"/>
-            <a:r>
-              <a:rPr lang="en-US" sz="1800" dirty="0" err="1"/>
-              <a:t>MitM</a:t>
-            </a:r>
-            <a:r>
-              <a:rPr lang="en-US" sz="1800" dirty="0"/>
-              <a:t> adversary between 2 VPN sites drops selected packets exchanged</a:t>
-            </a:r>
-          </a:p>
-          <a:p>
-            <a:endParaRPr lang="en-US" dirty="0"/>
-          </a:p>
-        </p:txBody>
-      </p:sp>
-      <p:sp>
-        <p:nvSpPr>
-          <p:cNvPr id="3" name="Text Placeholder 2">
-            <a:extLst>
-              <a:ext uri="{FF2B5EF4-FFF2-40B4-BE49-F238E27FC236}">
-                <a16:creationId xmlns:a16="http://schemas.microsoft.com/office/drawing/2014/main" id="{80D1B048-6F9C-488A-A99C-B3B58963A324}"/>
-              </a:ext>
-            </a:extLst>
-          </p:cNvPr>
-          <p:cNvSpPr>
-            <a:spLocks noGrp="1"/>
-          </p:cNvSpPr>
-          <p:nvPr>
-            <p:ph type="body" sz="quarter" idx="11"/>
-          </p:nvPr>
-        </p:nvSpPr>
-        <p:spPr/>
-        <p:txBody>
-          <a:bodyPr/>
-          <a:lstStyle/>
-          <a:p>
-            <a:r>
-              <a:rPr lang="en-US" dirty="0"/>
-              <a:t>Evaluating Covert Channels</a:t>
-            </a:r>
-          </a:p>
-        </p:txBody>
-      </p:sp>
-    </p:spTree>
-    <p:extLst>
-      <p:ext uri="{BB962C8B-B14F-4D97-AF65-F5344CB8AC3E}">
-        <p14:creationId xmlns:p14="http://schemas.microsoft.com/office/powerpoint/2010/main" val="1386780040"/>
       </p:ext>
     </p:extLst>
   </p:cSld>

--- a/Handout/Covert Channel Lecture Whitepaper Slides.pptx
+++ b/Handout/Covert Channel Lecture Whitepaper Slides.pptx
@@ -249,7 +249,7 @@
           <a:p>
             <a:fld id="{24DAFBA8-35F2-4C04-8149-4585D62DFC6D}" type="datetimeFigureOut">
               <a:rPr lang="en-US" smtClean="0"/>
-              <a:t>7/10/2022</a:t>
+              <a:t>7/15/2023</a:t>
             </a:fld>
             <a:endParaRPr lang="en-US"/>
           </a:p>
@@ -416,7 +416,7 @@
             <a:fld id="{2ECEE970-886D-4DEB-A78D-5219D8C79727}" type="datetimeFigureOut">
               <a:rPr lang="en-US" smtClean="0"/>
               <a:pPr/>
-              <a:t>7/10/2022</a:t>
+              <a:t>7/15/2023</a:t>
             </a:fld>
             <a:endParaRPr lang="en-US"/>
           </a:p>
@@ -6364,10 +6364,9 @@
           </a:p>
           <a:p>
             <a:r>
-              <a:rPr lang="en-US"/>
-              <a:t>19 JUN 2022</a:t>
-            </a:r>
-            <a:endParaRPr lang="en-US" dirty="0"/>
+              <a:rPr lang="en-US" dirty="0"/>
+              <a:t>18 JUL 2023</a:t>
+            </a:r>
           </a:p>
         </p:txBody>
       </p:sp>

--- a/Handout/Covert Channel Lecture Whitepaper Slides.pptx
+++ b/Handout/Covert Channel Lecture Whitepaper Slides.pptx
@@ -5,48 +5,49 @@
     <p:sldMasterId id="2147483673" r:id="rId1"/>
   </p:sldMasterIdLst>
   <p:notesMasterIdLst>
-    <p:notesMasterId r:id="rId38"/>
+    <p:notesMasterId r:id="rId39"/>
   </p:notesMasterIdLst>
   <p:handoutMasterIdLst>
-    <p:handoutMasterId r:id="rId39"/>
+    <p:handoutMasterId r:id="rId40"/>
   </p:handoutMasterIdLst>
   <p:sldIdLst>
     <p:sldId id="450" r:id="rId2"/>
     <p:sldId id="532" r:id="rId3"/>
-    <p:sldId id="533" r:id="rId4"/>
-    <p:sldId id="556" r:id="rId5"/>
-    <p:sldId id="534" r:id="rId6"/>
-    <p:sldId id="535" r:id="rId7"/>
-    <p:sldId id="536" r:id="rId8"/>
-    <p:sldId id="537" r:id="rId9"/>
-    <p:sldId id="538" r:id="rId10"/>
-    <p:sldId id="540" r:id="rId11"/>
-    <p:sldId id="541" r:id="rId12"/>
-    <p:sldId id="542" r:id="rId13"/>
-    <p:sldId id="557" r:id="rId14"/>
-    <p:sldId id="543" r:id="rId15"/>
-    <p:sldId id="558" r:id="rId16"/>
-    <p:sldId id="559" r:id="rId17"/>
-    <p:sldId id="560" r:id="rId18"/>
-    <p:sldId id="561" r:id="rId19"/>
-    <p:sldId id="544" r:id="rId20"/>
-    <p:sldId id="562" r:id="rId21"/>
-    <p:sldId id="545" r:id="rId22"/>
-    <p:sldId id="563" r:id="rId23"/>
-    <p:sldId id="546" r:id="rId24"/>
-    <p:sldId id="547" r:id="rId25"/>
-    <p:sldId id="564" r:id="rId26"/>
-    <p:sldId id="565" r:id="rId27"/>
-    <p:sldId id="566" r:id="rId28"/>
-    <p:sldId id="567" r:id="rId29"/>
-    <p:sldId id="568" r:id="rId30"/>
-    <p:sldId id="549" r:id="rId31"/>
-    <p:sldId id="550" r:id="rId32"/>
-    <p:sldId id="551" r:id="rId33"/>
-    <p:sldId id="552" r:id="rId34"/>
-    <p:sldId id="553" r:id="rId35"/>
-    <p:sldId id="473" r:id="rId36"/>
-    <p:sldId id="569" r:id="rId37"/>
+    <p:sldId id="576" r:id="rId4"/>
+    <p:sldId id="533" r:id="rId5"/>
+    <p:sldId id="556" r:id="rId6"/>
+    <p:sldId id="534" r:id="rId7"/>
+    <p:sldId id="535" r:id="rId8"/>
+    <p:sldId id="536" r:id="rId9"/>
+    <p:sldId id="537" r:id="rId10"/>
+    <p:sldId id="538" r:id="rId11"/>
+    <p:sldId id="540" r:id="rId12"/>
+    <p:sldId id="541" r:id="rId13"/>
+    <p:sldId id="542" r:id="rId14"/>
+    <p:sldId id="557" r:id="rId15"/>
+    <p:sldId id="543" r:id="rId16"/>
+    <p:sldId id="558" r:id="rId17"/>
+    <p:sldId id="559" r:id="rId18"/>
+    <p:sldId id="560" r:id="rId19"/>
+    <p:sldId id="561" r:id="rId20"/>
+    <p:sldId id="544" r:id="rId21"/>
+    <p:sldId id="562" r:id="rId22"/>
+    <p:sldId id="545" r:id="rId23"/>
+    <p:sldId id="563" r:id="rId24"/>
+    <p:sldId id="546" r:id="rId25"/>
+    <p:sldId id="547" r:id="rId26"/>
+    <p:sldId id="564" r:id="rId27"/>
+    <p:sldId id="565" r:id="rId28"/>
+    <p:sldId id="566" r:id="rId29"/>
+    <p:sldId id="567" r:id="rId30"/>
+    <p:sldId id="568" r:id="rId31"/>
+    <p:sldId id="549" r:id="rId32"/>
+    <p:sldId id="550" r:id="rId33"/>
+    <p:sldId id="551" r:id="rId34"/>
+    <p:sldId id="552" r:id="rId35"/>
+    <p:sldId id="553" r:id="rId36"/>
+    <p:sldId id="473" r:id="rId37"/>
+    <p:sldId id="569" r:id="rId38"/>
   </p:sldIdLst>
   <p:sldSz cx="9144000" cy="6858000" type="screen4x3"/>
   <p:notesSz cx="6400800" cy="8686800"/>
@@ -249,7 +250,7 @@
           <a:p>
             <a:fld id="{24DAFBA8-35F2-4C04-8149-4585D62DFC6D}" type="datetimeFigureOut">
               <a:rPr lang="en-US" smtClean="0"/>
-              <a:t>7/15/2023</a:t>
+              <a:t>7/21/2024</a:t>
             </a:fld>
             <a:endParaRPr lang="en-US"/>
           </a:p>
@@ -416,7 +417,7 @@
             <a:fld id="{2ECEE970-886D-4DEB-A78D-5219D8C79727}" type="datetimeFigureOut">
               <a:rPr lang="en-US" smtClean="0"/>
               <a:pPr/>
-              <a:t>7/15/2023</a:t>
+              <a:t>7/21/2024</a:t>
             </a:fld>
             <a:endParaRPr lang="en-US"/>
           </a:p>
@@ -1497,27 +1498,6 @@
           <a:bodyPr/>
           <a:lstStyle/>
           <a:p>
-            <a:r>
-              <a:rPr lang="en-US" b="0" i="0" u="none" strike="noStrike" dirty="0">
-                <a:solidFill>
-                  <a:srgbClr val="1177CC"/>
-                </a:solidFill>
-                <a:effectLst/>
-                <a:latin typeface="Arial" panose="020B0604020202020204" pitchFamily="34" charset="0"/>
-                <a:hlinkClick r:id="rId3"/>
-              </a:rPr>
-              <a:t>https://github.com/NIoSaT/CoAP-Covert-Channels</a:t>
-            </a:r>
-            <a:r>
-              <a:rPr lang="en-US" b="0" i="0" dirty="0">
-                <a:solidFill>
-                  <a:srgbClr val="222222"/>
-                </a:solidFill>
-                <a:effectLst/>
-                <a:latin typeface="Arial" panose="020B0604020202020204" pitchFamily="34" charset="0"/>
-              </a:rPr>
-              <a:t> features the first known implementation and is based on the IoT protocol CoAP.</a:t>
-            </a:r>
             <a:endParaRPr lang="en-US" dirty="0"/>
           </a:p>
         </p:txBody>
@@ -1525,7 +1505,7 @@
     </p:spTree>
     <p:extLst>
       <p:ext uri="{BB962C8B-B14F-4D97-AF65-F5344CB8AC3E}">
-        <p14:creationId xmlns:p14="http://schemas.microsoft.com/office/powerpoint/2010/main" val="436372135"/>
+        <p14:creationId xmlns:p14="http://schemas.microsoft.com/office/powerpoint/2010/main" val="1702930341"/>
       </p:ext>
     </p:extLst>
   </p:cSld>
@@ -1576,64 +1556,11 @@
         </p:nvSpPr>
         <p:spPr/>
         <p:txBody>
-          <a:bodyPr>
-            <a:normAutofit fontScale="92500" lnSpcReduction="10000"/>
-          </a:bodyPr>
+          <a:bodyPr/>
           <a:lstStyle/>
           <a:p>
-            <a:pPr algn="l"/>
-            <a:r>
-              <a:rPr lang="en-US" b="0" i="0" dirty="0">
-                <a:solidFill>
-                  <a:srgbClr val="222222"/>
-                </a:solidFill>
-                <a:effectLst/>
-                <a:latin typeface="Arial" panose="020B0604020202020204" pitchFamily="34" charset="0"/>
-              </a:rPr>
-              <a:t>[1] S. </a:t>
-            </a:r>
-            <a:r>
-              <a:rPr lang="en-US" b="0" i="0" dirty="0" err="1">
-                <a:solidFill>
-                  <a:srgbClr val="222222"/>
-                </a:solidFill>
-                <a:effectLst/>
-                <a:latin typeface="Arial" panose="020B0604020202020204" pitchFamily="34" charset="0"/>
-              </a:rPr>
-              <a:t>Wendzel</a:t>
-            </a:r>
-            <a:r>
-              <a:rPr lang="en-US" b="0" i="0" dirty="0">
-                <a:solidFill>
-                  <a:srgbClr val="222222"/>
-                </a:solidFill>
-                <a:effectLst/>
-                <a:latin typeface="Arial" panose="020B0604020202020204" pitchFamily="34" charset="0"/>
-              </a:rPr>
-              <a:t>, S. Zander, B. Fechner, C. </a:t>
-            </a:r>
-            <a:r>
-              <a:rPr lang="en-US" b="0" i="0" dirty="0" err="1">
-                <a:solidFill>
-                  <a:srgbClr val="222222"/>
-                </a:solidFill>
-                <a:effectLst/>
-                <a:latin typeface="Arial" panose="020B0604020202020204" pitchFamily="34" charset="0"/>
-              </a:rPr>
-              <a:t>Herdin</a:t>
-            </a:r>
-            <a:r>
-              <a:rPr lang="en-US" b="0" i="0" dirty="0">
-                <a:solidFill>
-                  <a:srgbClr val="222222"/>
-                </a:solidFill>
-                <a:effectLst/>
-                <a:latin typeface="Arial" panose="020B0604020202020204" pitchFamily="34" charset="0"/>
-              </a:rPr>
-              <a:t>: </a:t>
-            </a:r>
-            <a:r>
-              <a:rPr lang="en-US" b="0" i="1" u="none" strike="noStrike" dirty="0">
+            <a:r>
+              <a:rPr lang="en-US" b="0" i="0" u="none" strike="noStrike" dirty="0">
                 <a:solidFill>
                   <a:srgbClr val="1177CC"/>
                 </a:solidFill>
@@ -1641,634 +1568,18 @@
                 <a:latin typeface="Arial" panose="020B0604020202020204" pitchFamily="34" charset="0"/>
                 <a:hlinkClick r:id="rId3"/>
               </a:rPr>
-              <a:t>Pattern-based Survey and Categorization of Network Covert Channel Techniques</a:t>
-            </a:r>
-            <a:r>
-              <a:rPr lang="en-US" b="0" i="0" dirty="0">
-                <a:solidFill>
-                  <a:srgbClr val="222222"/>
-                </a:solidFill>
-                <a:effectLst/>
-                <a:latin typeface="Arial" panose="020B0604020202020204" pitchFamily="34" charset="0"/>
-              </a:rPr>
-              <a:t>, ACM Computing Surveys, Vol. 47, Issue 3, pp. 50:1-26, ACM, 2015.</a:t>
-            </a:r>
-            <a:br>
-              <a:rPr lang="en-US" b="0" i="0" dirty="0">
-                <a:solidFill>
-                  <a:srgbClr val="222222"/>
-                </a:solidFill>
-                <a:effectLst/>
-                <a:latin typeface="Arial" panose="020B0604020202020204" pitchFamily="34" charset="0"/>
-              </a:rPr>
-            </a:br>
-            <a:r>
-              <a:rPr lang="en-US" b="0" i="0" dirty="0">
-                <a:solidFill>
-                  <a:srgbClr val="222222"/>
-                </a:solidFill>
-                <a:effectLst/>
-                <a:latin typeface="Arial" panose="020B0604020202020204" pitchFamily="34" charset="0"/>
-              </a:rPr>
-              <a:t>An early version of the article is available here: </a:t>
-            </a:r>
-            <a:r>
-              <a:rPr lang="en-US" b="0" i="0" u="none" strike="noStrike" dirty="0">
-                <a:solidFill>
-                  <a:srgbClr val="1177CC"/>
-                </a:solidFill>
-                <a:effectLst/>
-                <a:latin typeface="Arial" panose="020B0604020202020204" pitchFamily="34" charset="0"/>
-                <a:hlinkClick r:id="rId4"/>
-              </a:rPr>
-              <a:t>download</a:t>
-            </a:r>
-            <a:r>
-              <a:rPr lang="en-US" b="0" i="0" dirty="0">
-                <a:solidFill>
-                  <a:srgbClr val="222222"/>
-                </a:solidFill>
-                <a:effectLst/>
-                <a:latin typeface="Arial" panose="020B0604020202020204" pitchFamily="34" charset="0"/>
-              </a:rPr>
-              <a:t>.</a:t>
-            </a:r>
-            <a:br>
-              <a:rPr lang="en-US" b="0" i="0" dirty="0">
-                <a:solidFill>
-                  <a:srgbClr val="222222"/>
-                </a:solidFill>
-                <a:effectLst/>
-                <a:latin typeface="Arial" panose="020B0604020202020204" pitchFamily="34" charset="0"/>
-              </a:rPr>
-            </a:br>
-            <a:br>
-              <a:rPr lang="en-US" b="0" i="0" dirty="0">
-                <a:solidFill>
-                  <a:srgbClr val="222222"/>
-                </a:solidFill>
-                <a:effectLst/>
-                <a:latin typeface="Arial" panose="020B0604020202020204" pitchFamily="34" charset="0"/>
-              </a:rPr>
-            </a:br>
-            <a:r>
-              <a:rPr lang="en-US" b="0" i="0" dirty="0">
-                <a:solidFill>
-                  <a:srgbClr val="222222"/>
-                </a:solidFill>
-                <a:effectLst/>
-                <a:latin typeface="Arial" panose="020B0604020202020204" pitchFamily="34" charset="0"/>
-              </a:rPr>
-              <a:t>[2] W. </a:t>
-            </a:r>
-            <a:r>
-              <a:rPr lang="en-US" b="0" i="0" dirty="0" err="1">
-                <a:solidFill>
-                  <a:srgbClr val="222222"/>
-                </a:solidFill>
-                <a:effectLst/>
-                <a:latin typeface="Arial" panose="020B0604020202020204" pitchFamily="34" charset="0"/>
-              </a:rPr>
-              <a:t>Mazurczyk</a:t>
-            </a:r>
-            <a:r>
-              <a:rPr lang="en-US" b="0" i="0" dirty="0">
-                <a:solidFill>
-                  <a:srgbClr val="222222"/>
-                </a:solidFill>
-                <a:effectLst/>
-                <a:latin typeface="Arial" panose="020B0604020202020204" pitchFamily="34" charset="0"/>
-              </a:rPr>
-              <a:t>, S. </a:t>
-            </a:r>
-            <a:r>
-              <a:rPr lang="en-US" b="0" i="0" dirty="0" err="1">
-                <a:solidFill>
-                  <a:srgbClr val="222222"/>
-                </a:solidFill>
-                <a:effectLst/>
-                <a:latin typeface="Arial" panose="020B0604020202020204" pitchFamily="34" charset="0"/>
-              </a:rPr>
-              <a:t>Wendzel</a:t>
-            </a:r>
-            <a:r>
-              <a:rPr lang="en-US" b="0" i="0" dirty="0">
-                <a:solidFill>
-                  <a:srgbClr val="222222"/>
-                </a:solidFill>
-                <a:effectLst/>
-                <a:latin typeface="Arial" panose="020B0604020202020204" pitchFamily="34" charset="0"/>
-              </a:rPr>
-              <a:t>, S. Zander, A. </a:t>
-            </a:r>
-            <a:r>
-              <a:rPr lang="en-US" b="0" i="0" dirty="0" err="1">
-                <a:solidFill>
-                  <a:srgbClr val="222222"/>
-                </a:solidFill>
-                <a:effectLst/>
-                <a:latin typeface="Arial" panose="020B0604020202020204" pitchFamily="34" charset="0"/>
-              </a:rPr>
-              <a:t>Houmansadr</a:t>
-            </a:r>
-            <a:r>
-              <a:rPr lang="en-US" b="0" i="0" dirty="0">
-                <a:solidFill>
-                  <a:srgbClr val="222222"/>
-                </a:solidFill>
-                <a:effectLst/>
-                <a:latin typeface="Arial" panose="020B0604020202020204" pitchFamily="34" charset="0"/>
-              </a:rPr>
-              <a:t>, K. </a:t>
-            </a:r>
-            <a:r>
-              <a:rPr lang="en-US" b="0" i="0" dirty="0" err="1">
-                <a:solidFill>
-                  <a:srgbClr val="222222"/>
-                </a:solidFill>
-                <a:effectLst/>
-                <a:latin typeface="Arial" panose="020B0604020202020204" pitchFamily="34" charset="0"/>
-              </a:rPr>
-              <a:t>Szczypiorski</a:t>
-            </a:r>
-            <a:r>
-              <a:rPr lang="en-US" b="0" i="0" dirty="0">
-                <a:solidFill>
-                  <a:srgbClr val="222222"/>
-                </a:solidFill>
-                <a:effectLst/>
-                <a:latin typeface="Arial" panose="020B0604020202020204" pitchFamily="34" charset="0"/>
-              </a:rPr>
-              <a:t>: </a:t>
-            </a:r>
-            <a:r>
-              <a:rPr lang="en-US" b="0" i="1" u="none" strike="noStrike" dirty="0">
-                <a:solidFill>
-                  <a:srgbClr val="1177CC"/>
-                </a:solidFill>
-                <a:effectLst/>
-                <a:latin typeface="Arial" panose="020B0604020202020204" pitchFamily="34" charset="0"/>
-                <a:hlinkClick r:id="rId5"/>
-              </a:rPr>
-              <a:t>Information Hiding in Communication Networks</a:t>
-            </a:r>
-            <a:r>
-              <a:rPr lang="en-US" b="0" i="0" dirty="0">
-                <a:solidFill>
-                  <a:srgbClr val="222222"/>
-                </a:solidFill>
-                <a:effectLst/>
-                <a:latin typeface="Arial" panose="020B0604020202020204" pitchFamily="34" charset="0"/>
-              </a:rPr>
-              <a:t>, Wiley, 2016. Chapters 3 and 8 contain discussions on hiding patterns, basically on the basis of [1] but with an extension of timing-based patterns.</a:t>
-            </a:r>
-            <a:br>
-              <a:rPr lang="en-US" b="0" i="0" dirty="0">
-                <a:solidFill>
-                  <a:srgbClr val="222222"/>
-                </a:solidFill>
-                <a:effectLst/>
-                <a:latin typeface="Arial" panose="020B0604020202020204" pitchFamily="34" charset="0"/>
-              </a:rPr>
-            </a:br>
-            <a:br>
-              <a:rPr lang="en-US" b="0" i="0" dirty="0">
-                <a:solidFill>
-                  <a:srgbClr val="222222"/>
-                </a:solidFill>
-                <a:effectLst/>
-                <a:latin typeface="Arial" panose="020B0604020202020204" pitchFamily="34" charset="0"/>
-              </a:rPr>
-            </a:br>
-            <a:r>
-              <a:rPr lang="en-US" b="0" i="0" dirty="0">
-                <a:solidFill>
-                  <a:srgbClr val="222222"/>
-                </a:solidFill>
-                <a:effectLst/>
-                <a:latin typeface="Arial" panose="020B0604020202020204" pitchFamily="34" charset="0"/>
-              </a:rPr>
-              <a:t>[3] W. </a:t>
-            </a:r>
-            <a:r>
-              <a:rPr lang="en-US" b="0" i="0" dirty="0" err="1">
-                <a:solidFill>
-                  <a:srgbClr val="222222"/>
-                </a:solidFill>
-                <a:effectLst/>
-                <a:latin typeface="Arial" panose="020B0604020202020204" pitchFamily="34" charset="0"/>
-              </a:rPr>
-              <a:t>Mazurczyk</a:t>
-            </a:r>
-            <a:r>
-              <a:rPr lang="en-US" b="0" i="0" dirty="0">
-                <a:solidFill>
-                  <a:srgbClr val="222222"/>
-                </a:solidFill>
-                <a:effectLst/>
-                <a:latin typeface="Arial" panose="020B0604020202020204" pitchFamily="34" charset="0"/>
-              </a:rPr>
-              <a:t>, S. </a:t>
-            </a:r>
-            <a:r>
-              <a:rPr lang="en-US" b="0" i="0" dirty="0" err="1">
-                <a:solidFill>
-                  <a:srgbClr val="222222"/>
-                </a:solidFill>
-                <a:effectLst/>
-                <a:latin typeface="Arial" panose="020B0604020202020204" pitchFamily="34" charset="0"/>
-              </a:rPr>
-              <a:t>Wendzel</a:t>
-            </a:r>
-            <a:r>
-              <a:rPr lang="en-US" b="0" i="0" dirty="0">
-                <a:solidFill>
-                  <a:srgbClr val="222222"/>
-                </a:solidFill>
-                <a:effectLst/>
-                <a:latin typeface="Arial" panose="020B0604020202020204" pitchFamily="34" charset="0"/>
-              </a:rPr>
-              <a:t>, K. </a:t>
-            </a:r>
-            <a:r>
-              <a:rPr lang="en-US" b="0" i="0" dirty="0" err="1">
-                <a:solidFill>
-                  <a:srgbClr val="222222"/>
-                </a:solidFill>
-                <a:effectLst/>
-                <a:latin typeface="Arial" panose="020B0604020202020204" pitchFamily="34" charset="0"/>
-              </a:rPr>
-              <a:t>Cabaj</a:t>
-            </a:r>
-            <a:r>
-              <a:rPr lang="en-US" b="0" i="0" dirty="0">
-                <a:solidFill>
-                  <a:srgbClr val="222222"/>
-                </a:solidFill>
-                <a:effectLst/>
-                <a:latin typeface="Arial" panose="020B0604020202020204" pitchFamily="34" charset="0"/>
-              </a:rPr>
-              <a:t>: </a:t>
-            </a:r>
-            <a:r>
-              <a:rPr lang="en-US" b="0" i="1" u="none" strike="noStrike" dirty="0">
-                <a:solidFill>
-                  <a:srgbClr val="1177CC"/>
-                </a:solidFill>
-                <a:effectLst/>
-                <a:latin typeface="Arial" panose="020B0604020202020204" pitchFamily="34" charset="0"/>
-                <a:hlinkClick r:id="rId6"/>
-              </a:rPr>
-              <a:t>Towards Deriving Insights into Data Hiding Methods Using Pattern-based Approach</a:t>
-            </a:r>
-            <a:r>
-              <a:rPr lang="en-US" b="0" i="0" dirty="0">
-                <a:solidFill>
-                  <a:srgbClr val="222222"/>
-                </a:solidFill>
-                <a:effectLst/>
-                <a:latin typeface="Arial" panose="020B0604020202020204" pitchFamily="34" charset="0"/>
-              </a:rPr>
-              <a:t>, in Proc. Second International Workshop on Criminal Use of Information Hiding (CUING 2018) at ARES, pp. 10:1-10:10, ACM, 2018.</a:t>
-            </a:r>
-          </a:p>
-          <a:p>
-            <a:pPr algn="l"/>
-            <a:r>
-              <a:rPr lang="en-US" b="0" i="0" dirty="0">
-                <a:solidFill>
-                  <a:srgbClr val="222222"/>
-                </a:solidFill>
-                <a:effectLst/>
-                <a:latin typeface="Arial" panose="020B0604020202020204" pitchFamily="34" charset="0"/>
-              </a:rPr>
-              <a:t>[4] A. </a:t>
-            </a:r>
-            <a:r>
-              <a:rPr lang="en-US" b="0" i="0" dirty="0" err="1">
-                <a:solidFill>
-                  <a:srgbClr val="222222"/>
-                </a:solidFill>
-                <a:effectLst/>
-                <a:latin typeface="Arial" panose="020B0604020202020204" pitchFamily="34" charset="0"/>
-              </a:rPr>
-              <a:t>Velinov</a:t>
-            </a:r>
-            <a:r>
-              <a:rPr lang="en-US" b="0" i="0" dirty="0">
-                <a:solidFill>
-                  <a:srgbClr val="222222"/>
-                </a:solidFill>
-                <a:effectLst/>
-                <a:latin typeface="Arial" panose="020B0604020202020204" pitchFamily="34" charset="0"/>
-              </a:rPr>
-              <a:t>, A. </a:t>
-            </a:r>
-            <a:r>
-              <a:rPr lang="en-US" b="0" i="0" dirty="0" err="1">
-                <a:solidFill>
-                  <a:srgbClr val="222222"/>
-                </a:solidFill>
-                <a:effectLst/>
-                <a:latin typeface="Arial" panose="020B0604020202020204" pitchFamily="34" charset="0"/>
-              </a:rPr>
-              <a:t>Mileva</a:t>
-            </a:r>
-            <a:r>
-              <a:rPr lang="en-US" b="0" i="0" dirty="0">
-                <a:solidFill>
-                  <a:srgbClr val="222222"/>
-                </a:solidFill>
-                <a:effectLst/>
-                <a:latin typeface="Arial" panose="020B0604020202020204" pitchFamily="34" charset="0"/>
-              </a:rPr>
-              <a:t>, S. </a:t>
-            </a:r>
-            <a:r>
-              <a:rPr lang="en-US" b="0" i="0" dirty="0" err="1">
-                <a:solidFill>
-                  <a:srgbClr val="222222"/>
-                </a:solidFill>
-                <a:effectLst/>
-                <a:latin typeface="Arial" panose="020B0604020202020204" pitchFamily="34" charset="0"/>
-              </a:rPr>
-              <a:t>Wendzel</a:t>
-            </a:r>
-            <a:r>
-              <a:rPr lang="en-US" b="0" i="0" dirty="0">
-                <a:solidFill>
-                  <a:srgbClr val="222222"/>
-                </a:solidFill>
-                <a:effectLst/>
-                <a:latin typeface="Arial" panose="020B0604020202020204" pitchFamily="34" charset="0"/>
-              </a:rPr>
-              <a:t>, W. </a:t>
-            </a:r>
-            <a:r>
-              <a:rPr lang="en-US" b="0" i="0" dirty="0" err="1">
-                <a:solidFill>
-                  <a:srgbClr val="222222"/>
-                </a:solidFill>
-                <a:effectLst/>
-                <a:latin typeface="Arial" panose="020B0604020202020204" pitchFamily="34" charset="0"/>
-              </a:rPr>
-              <a:t>Mazurczyk</a:t>
-            </a:r>
-            <a:r>
-              <a:rPr lang="en-US" b="0" i="0" dirty="0">
-                <a:solidFill>
-                  <a:srgbClr val="222222"/>
-                </a:solidFill>
-                <a:effectLst/>
-                <a:latin typeface="Arial" panose="020B0604020202020204" pitchFamily="34" charset="0"/>
-              </a:rPr>
-              <a:t>: </a:t>
-            </a:r>
-            <a:r>
-              <a:rPr lang="en-US" b="0" i="0" u="none" strike="noStrike" dirty="0">
-                <a:solidFill>
-                  <a:srgbClr val="1177CC"/>
-                </a:solidFill>
-                <a:effectLst/>
-                <a:latin typeface="Arial" panose="020B0604020202020204" pitchFamily="34" charset="0"/>
-                <a:hlinkClick r:id="rId7"/>
-              </a:rPr>
-              <a:t>Covert Channels in MQTT-based Internet of Things</a:t>
-            </a:r>
-            <a:r>
-              <a:rPr lang="en-US" b="0" i="0" dirty="0">
-                <a:solidFill>
-                  <a:srgbClr val="222222"/>
-                </a:solidFill>
-                <a:effectLst/>
-                <a:latin typeface="Arial" panose="020B0604020202020204" pitchFamily="34" charset="0"/>
-              </a:rPr>
-              <a:t>, </a:t>
-            </a:r>
-            <a:r>
-              <a:rPr lang="en-US" b="0" i="1" dirty="0">
-                <a:solidFill>
-                  <a:srgbClr val="222222"/>
-                </a:solidFill>
-                <a:effectLst/>
-                <a:latin typeface="Arial" panose="020B0604020202020204" pitchFamily="34" charset="0"/>
-              </a:rPr>
-              <a:t>IEEE ACCESS</a:t>
-            </a:r>
-            <a:r>
-              <a:rPr lang="en-US" b="0" i="0" dirty="0">
-                <a:solidFill>
-                  <a:srgbClr val="222222"/>
-                </a:solidFill>
-                <a:effectLst/>
-                <a:latin typeface="Arial" panose="020B0604020202020204" pitchFamily="34" charset="0"/>
-              </a:rPr>
-              <a:t>, Vol. 7, pp. 161899-161915, 2019. </a:t>
-            </a:r>
-            <a:br>
-              <a:rPr lang="en-US" b="0" i="0" dirty="0">
-                <a:solidFill>
-                  <a:srgbClr val="222222"/>
-                </a:solidFill>
-                <a:effectLst/>
-                <a:latin typeface="Arial" panose="020B0604020202020204" pitchFamily="34" charset="0"/>
-              </a:rPr>
-            </a:br>
-            <a:endParaRPr lang="en-US" b="0" i="0" dirty="0">
-              <a:solidFill>
-                <a:srgbClr val="222222"/>
-              </a:solidFill>
-              <a:effectLst/>
-              <a:latin typeface="Arial" panose="020B0604020202020204" pitchFamily="34" charset="0"/>
-            </a:endParaRPr>
-          </a:p>
-          <a:p>
-            <a:pPr algn="l"/>
-            <a:r>
-              <a:rPr lang="en-US" b="0" i="0" dirty="0">
-                <a:solidFill>
-                  <a:srgbClr val="222222"/>
-                </a:solidFill>
-                <a:effectLst/>
-                <a:latin typeface="Arial" panose="020B0604020202020204" pitchFamily="34" charset="0"/>
-              </a:rPr>
-              <a:t>[5] A. </a:t>
-            </a:r>
-            <a:r>
-              <a:rPr lang="en-US" b="0" i="0" dirty="0" err="1">
-                <a:solidFill>
-                  <a:srgbClr val="222222"/>
-                </a:solidFill>
-                <a:effectLst/>
-                <a:latin typeface="Arial" panose="020B0604020202020204" pitchFamily="34" charset="0"/>
-              </a:rPr>
-              <a:t>Mileva</a:t>
-            </a:r>
-            <a:r>
-              <a:rPr lang="en-US" b="0" i="0" dirty="0">
-                <a:solidFill>
-                  <a:srgbClr val="222222"/>
-                </a:solidFill>
-                <a:effectLst/>
-                <a:latin typeface="Arial" panose="020B0604020202020204" pitchFamily="34" charset="0"/>
-              </a:rPr>
-              <a:t>, A. </a:t>
-            </a:r>
-            <a:r>
-              <a:rPr lang="en-US" b="0" i="0" dirty="0" err="1">
-                <a:solidFill>
-                  <a:srgbClr val="222222"/>
-                </a:solidFill>
-                <a:effectLst/>
-                <a:latin typeface="Arial" panose="020B0604020202020204" pitchFamily="34" charset="0"/>
-              </a:rPr>
-              <a:t>Velinov</a:t>
-            </a:r>
-            <a:r>
-              <a:rPr lang="en-US" b="0" i="0" dirty="0">
-                <a:solidFill>
-                  <a:srgbClr val="222222"/>
-                </a:solidFill>
-                <a:effectLst/>
-                <a:latin typeface="Arial" panose="020B0604020202020204" pitchFamily="34" charset="0"/>
-              </a:rPr>
-              <a:t>, L. Hartmann, S. </a:t>
-            </a:r>
-            <a:r>
-              <a:rPr lang="en-US" b="0" i="0" dirty="0" err="1">
-                <a:solidFill>
-                  <a:srgbClr val="222222"/>
-                </a:solidFill>
-                <a:effectLst/>
-                <a:latin typeface="Arial" panose="020B0604020202020204" pitchFamily="34" charset="0"/>
-              </a:rPr>
-              <a:t>Wendzel</a:t>
-            </a:r>
-            <a:r>
-              <a:rPr lang="en-US" b="0" i="0" dirty="0">
-                <a:solidFill>
-                  <a:srgbClr val="222222"/>
-                </a:solidFill>
-                <a:effectLst/>
-                <a:latin typeface="Arial" panose="020B0604020202020204" pitchFamily="34" charset="0"/>
-              </a:rPr>
-              <a:t>, W. </a:t>
-            </a:r>
-            <a:r>
-              <a:rPr lang="en-US" b="0" i="0" dirty="0" err="1">
-                <a:solidFill>
-                  <a:srgbClr val="222222"/>
-                </a:solidFill>
-                <a:effectLst/>
-                <a:latin typeface="Arial" panose="020B0604020202020204" pitchFamily="34" charset="0"/>
-              </a:rPr>
-              <a:t>Mazurczyk</a:t>
-            </a:r>
-            <a:r>
-              <a:rPr lang="en-US" b="0" i="0" dirty="0">
-                <a:solidFill>
-                  <a:srgbClr val="222222"/>
-                </a:solidFill>
-                <a:effectLst/>
-                <a:latin typeface="Arial" panose="020B0604020202020204" pitchFamily="34" charset="0"/>
-              </a:rPr>
-              <a:t>: </a:t>
-            </a:r>
-            <a:r>
-              <a:rPr lang="en-US" b="0" i="1" dirty="0">
-                <a:solidFill>
-                  <a:srgbClr val="222222"/>
-                </a:solidFill>
-                <a:effectLst/>
-                <a:latin typeface="Arial" panose="020B0604020202020204" pitchFamily="34" charset="0"/>
-              </a:rPr>
-              <a:t>Comprehensive Analysis of MQTT 5.0 Susceptibility to Network Covert Channels</a:t>
-            </a:r>
-            <a:r>
-              <a:rPr lang="en-US" b="0" i="0" dirty="0">
-                <a:solidFill>
-                  <a:srgbClr val="222222"/>
-                </a:solidFill>
-                <a:effectLst/>
-                <a:latin typeface="Arial" panose="020B0604020202020204" pitchFamily="34" charset="0"/>
-              </a:rPr>
-              <a:t>, Computers &amp; Security, Elsevier, 2021. </a:t>
-            </a:r>
-          </a:p>
-          <a:p>
-            <a:pPr algn="l"/>
-            <a:r>
-              <a:rPr lang="en-US" b="0" i="0" dirty="0">
-                <a:solidFill>
-                  <a:srgbClr val="222222"/>
-                </a:solidFill>
-                <a:effectLst/>
-                <a:latin typeface="Arial" panose="020B0604020202020204" pitchFamily="34" charset="0"/>
-              </a:rPr>
-              <a:t>[6] L. Hartmann, S. </a:t>
-            </a:r>
-            <a:r>
-              <a:rPr lang="en-US" b="0" i="0" dirty="0" err="1">
-                <a:solidFill>
-                  <a:srgbClr val="222222"/>
-                </a:solidFill>
-                <a:effectLst/>
-                <a:latin typeface="Arial" panose="020B0604020202020204" pitchFamily="34" charset="0"/>
-              </a:rPr>
-              <a:t>Zillien</a:t>
-            </a:r>
-            <a:r>
-              <a:rPr lang="en-US" b="0" i="0" dirty="0">
-                <a:solidFill>
-                  <a:srgbClr val="222222"/>
-                </a:solidFill>
-                <a:effectLst/>
-                <a:latin typeface="Arial" panose="020B0604020202020204" pitchFamily="34" charset="0"/>
-              </a:rPr>
-              <a:t>, S. </a:t>
-            </a:r>
-            <a:r>
-              <a:rPr lang="en-US" b="0" i="0" dirty="0" err="1">
-                <a:solidFill>
-                  <a:srgbClr val="222222"/>
-                </a:solidFill>
-                <a:effectLst/>
-                <a:latin typeface="Arial" panose="020B0604020202020204" pitchFamily="34" charset="0"/>
-              </a:rPr>
-              <a:t>Wendzel</a:t>
-            </a:r>
-            <a:r>
-              <a:rPr lang="en-US" b="0" i="0" dirty="0">
-                <a:solidFill>
-                  <a:srgbClr val="222222"/>
-                </a:solidFill>
-                <a:effectLst/>
-                <a:latin typeface="Arial" panose="020B0604020202020204" pitchFamily="34" charset="0"/>
-              </a:rPr>
-              <a:t>: </a:t>
-            </a:r>
-            <a:r>
-              <a:rPr lang="en-US" b="0" i="1" dirty="0">
-                <a:solidFill>
-                  <a:srgbClr val="222222"/>
-                </a:solidFill>
-                <a:effectLst/>
-                <a:latin typeface="Arial" panose="020B0604020202020204" pitchFamily="34" charset="0"/>
-              </a:rPr>
-              <a:t>Reset- and Reconnection-based Covert Channels in CoAP</a:t>
-            </a:r>
-            <a:r>
-              <a:rPr lang="en-US" b="0" i="0" dirty="0">
-                <a:solidFill>
-                  <a:srgbClr val="222222"/>
-                </a:solidFill>
-                <a:effectLst/>
-                <a:latin typeface="Arial" panose="020B0604020202020204" pitchFamily="34" charset="0"/>
-              </a:rPr>
-              <a:t>. In: Proc. European Interdisciplinary Cybersecurity Conference (EICC), 2021.</a:t>
-            </a:r>
-          </a:p>
-          <a:p>
+              <a:t>https://github.com/NIoSaT/CoAP-Covert-Channels</a:t>
+            </a:r>
+            <a:r>
+              <a:rPr lang="en-US" b="0" i="0" dirty="0">
+                <a:solidFill>
+                  <a:srgbClr val="222222"/>
+                </a:solidFill>
+                <a:effectLst/>
+                <a:latin typeface="Arial" panose="020B0604020202020204" pitchFamily="34" charset="0"/>
+              </a:rPr>
+              <a:t> features the first known implementation and is based on the IoT protocol CoAP.</a:t>
+            </a:r>
             <a:endParaRPr lang="en-US" dirty="0"/>
           </a:p>
         </p:txBody>
@@ -2276,7 +1587,7 @@
     </p:spTree>
     <p:extLst>
       <p:ext uri="{BB962C8B-B14F-4D97-AF65-F5344CB8AC3E}">
-        <p14:creationId xmlns:p14="http://schemas.microsoft.com/office/powerpoint/2010/main" val="4087832577"/>
+        <p14:creationId xmlns:p14="http://schemas.microsoft.com/office/powerpoint/2010/main" val="436372135"/>
       </p:ext>
     </p:extLst>
   </p:cSld>
@@ -2327,18 +1638,696 @@
         </p:nvSpPr>
         <p:spPr/>
         <p:txBody>
-          <a:bodyPr/>
+          <a:bodyPr>
+            <a:normAutofit fontScale="92500" lnSpcReduction="10000"/>
+          </a:bodyPr>
           <a:lstStyle/>
           <a:p>
-            <a:r>
-              <a:rPr lang="en-US" dirty="0"/>
-              <a:t>Why is detection extremely difficult? – Everything can be used for good and bad.</a:t>
-            </a:r>
-          </a:p>
-          <a:p>
-            <a:r>
-              <a:rPr lang="en-US" dirty="0"/>
-              <a:t>Only way to determine intent is after the fact.</a:t>
+            <a:pPr algn="l"/>
+            <a:r>
+              <a:rPr lang="en-US" b="0" i="0" dirty="0">
+                <a:solidFill>
+                  <a:srgbClr val="222222"/>
+                </a:solidFill>
+                <a:effectLst/>
+                <a:latin typeface="Arial" panose="020B0604020202020204" pitchFamily="34" charset="0"/>
+              </a:rPr>
+              <a:t>[1] S. </a:t>
+            </a:r>
+            <a:r>
+              <a:rPr lang="en-US" b="0" i="0" dirty="0" err="1">
+                <a:solidFill>
+                  <a:srgbClr val="222222"/>
+                </a:solidFill>
+                <a:effectLst/>
+                <a:latin typeface="Arial" panose="020B0604020202020204" pitchFamily="34" charset="0"/>
+              </a:rPr>
+              <a:t>Wendzel</a:t>
+            </a:r>
+            <a:r>
+              <a:rPr lang="en-US" b="0" i="0" dirty="0">
+                <a:solidFill>
+                  <a:srgbClr val="222222"/>
+                </a:solidFill>
+                <a:effectLst/>
+                <a:latin typeface="Arial" panose="020B0604020202020204" pitchFamily="34" charset="0"/>
+              </a:rPr>
+              <a:t>, S. Zander, B. Fechner, C. </a:t>
+            </a:r>
+            <a:r>
+              <a:rPr lang="en-US" b="0" i="0" dirty="0" err="1">
+                <a:solidFill>
+                  <a:srgbClr val="222222"/>
+                </a:solidFill>
+                <a:effectLst/>
+                <a:latin typeface="Arial" panose="020B0604020202020204" pitchFamily="34" charset="0"/>
+              </a:rPr>
+              <a:t>Herdin</a:t>
+            </a:r>
+            <a:r>
+              <a:rPr lang="en-US" b="0" i="0" dirty="0">
+                <a:solidFill>
+                  <a:srgbClr val="222222"/>
+                </a:solidFill>
+                <a:effectLst/>
+                <a:latin typeface="Arial" panose="020B0604020202020204" pitchFamily="34" charset="0"/>
+              </a:rPr>
+              <a:t>: </a:t>
+            </a:r>
+            <a:r>
+              <a:rPr lang="en-US" b="0" i="1" u="none" strike="noStrike" dirty="0">
+                <a:solidFill>
+                  <a:srgbClr val="1177CC"/>
+                </a:solidFill>
+                <a:effectLst/>
+                <a:latin typeface="Arial" panose="020B0604020202020204" pitchFamily="34" charset="0"/>
+                <a:hlinkClick r:id="rId3"/>
+              </a:rPr>
+              <a:t>Pattern-based Survey and Categorization of Network Covert Channel Techniques</a:t>
+            </a:r>
+            <a:r>
+              <a:rPr lang="en-US" b="0" i="0" dirty="0">
+                <a:solidFill>
+                  <a:srgbClr val="222222"/>
+                </a:solidFill>
+                <a:effectLst/>
+                <a:latin typeface="Arial" panose="020B0604020202020204" pitchFamily="34" charset="0"/>
+              </a:rPr>
+              <a:t>, ACM Computing Surveys, Vol. 47, Issue 3, pp. 50:1-26, ACM, 2015.</a:t>
+            </a:r>
+            <a:br>
+              <a:rPr lang="en-US" b="0" i="0" dirty="0">
+                <a:solidFill>
+                  <a:srgbClr val="222222"/>
+                </a:solidFill>
+                <a:effectLst/>
+                <a:latin typeface="Arial" panose="020B0604020202020204" pitchFamily="34" charset="0"/>
+              </a:rPr>
+            </a:br>
+            <a:r>
+              <a:rPr lang="en-US" b="0" i="0" dirty="0">
+                <a:solidFill>
+                  <a:srgbClr val="222222"/>
+                </a:solidFill>
+                <a:effectLst/>
+                <a:latin typeface="Arial" panose="020B0604020202020204" pitchFamily="34" charset="0"/>
+              </a:rPr>
+              <a:t>An early version of the article is available here: </a:t>
+            </a:r>
+            <a:r>
+              <a:rPr lang="en-US" b="0" i="0" u="none" strike="noStrike" dirty="0">
+                <a:solidFill>
+                  <a:srgbClr val="1177CC"/>
+                </a:solidFill>
+                <a:effectLst/>
+                <a:latin typeface="Arial" panose="020B0604020202020204" pitchFamily="34" charset="0"/>
+                <a:hlinkClick r:id="rId4"/>
+              </a:rPr>
+              <a:t>download</a:t>
+            </a:r>
+            <a:r>
+              <a:rPr lang="en-US" b="0" i="0" dirty="0">
+                <a:solidFill>
+                  <a:srgbClr val="222222"/>
+                </a:solidFill>
+                <a:effectLst/>
+                <a:latin typeface="Arial" panose="020B0604020202020204" pitchFamily="34" charset="0"/>
+              </a:rPr>
+              <a:t>.</a:t>
+            </a:r>
+            <a:br>
+              <a:rPr lang="en-US" b="0" i="0" dirty="0">
+                <a:solidFill>
+                  <a:srgbClr val="222222"/>
+                </a:solidFill>
+                <a:effectLst/>
+                <a:latin typeface="Arial" panose="020B0604020202020204" pitchFamily="34" charset="0"/>
+              </a:rPr>
+            </a:br>
+            <a:br>
+              <a:rPr lang="en-US" b="0" i="0" dirty="0">
+                <a:solidFill>
+                  <a:srgbClr val="222222"/>
+                </a:solidFill>
+                <a:effectLst/>
+                <a:latin typeface="Arial" panose="020B0604020202020204" pitchFamily="34" charset="0"/>
+              </a:rPr>
+            </a:br>
+            <a:r>
+              <a:rPr lang="en-US" b="0" i="0" dirty="0">
+                <a:solidFill>
+                  <a:srgbClr val="222222"/>
+                </a:solidFill>
+                <a:effectLst/>
+                <a:latin typeface="Arial" panose="020B0604020202020204" pitchFamily="34" charset="0"/>
+              </a:rPr>
+              <a:t>[2] W. </a:t>
+            </a:r>
+            <a:r>
+              <a:rPr lang="en-US" b="0" i="0" dirty="0" err="1">
+                <a:solidFill>
+                  <a:srgbClr val="222222"/>
+                </a:solidFill>
+                <a:effectLst/>
+                <a:latin typeface="Arial" panose="020B0604020202020204" pitchFamily="34" charset="0"/>
+              </a:rPr>
+              <a:t>Mazurczyk</a:t>
+            </a:r>
+            <a:r>
+              <a:rPr lang="en-US" b="0" i="0" dirty="0">
+                <a:solidFill>
+                  <a:srgbClr val="222222"/>
+                </a:solidFill>
+                <a:effectLst/>
+                <a:latin typeface="Arial" panose="020B0604020202020204" pitchFamily="34" charset="0"/>
+              </a:rPr>
+              <a:t>, S. </a:t>
+            </a:r>
+            <a:r>
+              <a:rPr lang="en-US" b="0" i="0" dirty="0" err="1">
+                <a:solidFill>
+                  <a:srgbClr val="222222"/>
+                </a:solidFill>
+                <a:effectLst/>
+                <a:latin typeface="Arial" panose="020B0604020202020204" pitchFamily="34" charset="0"/>
+              </a:rPr>
+              <a:t>Wendzel</a:t>
+            </a:r>
+            <a:r>
+              <a:rPr lang="en-US" b="0" i="0" dirty="0">
+                <a:solidFill>
+                  <a:srgbClr val="222222"/>
+                </a:solidFill>
+                <a:effectLst/>
+                <a:latin typeface="Arial" panose="020B0604020202020204" pitchFamily="34" charset="0"/>
+              </a:rPr>
+              <a:t>, S. Zander, A. </a:t>
+            </a:r>
+            <a:r>
+              <a:rPr lang="en-US" b="0" i="0" dirty="0" err="1">
+                <a:solidFill>
+                  <a:srgbClr val="222222"/>
+                </a:solidFill>
+                <a:effectLst/>
+                <a:latin typeface="Arial" panose="020B0604020202020204" pitchFamily="34" charset="0"/>
+              </a:rPr>
+              <a:t>Houmansadr</a:t>
+            </a:r>
+            <a:r>
+              <a:rPr lang="en-US" b="0" i="0" dirty="0">
+                <a:solidFill>
+                  <a:srgbClr val="222222"/>
+                </a:solidFill>
+                <a:effectLst/>
+                <a:latin typeface="Arial" panose="020B0604020202020204" pitchFamily="34" charset="0"/>
+              </a:rPr>
+              <a:t>, K. </a:t>
+            </a:r>
+            <a:r>
+              <a:rPr lang="en-US" b="0" i="0" dirty="0" err="1">
+                <a:solidFill>
+                  <a:srgbClr val="222222"/>
+                </a:solidFill>
+                <a:effectLst/>
+                <a:latin typeface="Arial" panose="020B0604020202020204" pitchFamily="34" charset="0"/>
+              </a:rPr>
+              <a:t>Szczypiorski</a:t>
+            </a:r>
+            <a:r>
+              <a:rPr lang="en-US" b="0" i="0" dirty="0">
+                <a:solidFill>
+                  <a:srgbClr val="222222"/>
+                </a:solidFill>
+                <a:effectLst/>
+                <a:latin typeface="Arial" panose="020B0604020202020204" pitchFamily="34" charset="0"/>
+              </a:rPr>
+              <a:t>: </a:t>
+            </a:r>
+            <a:r>
+              <a:rPr lang="en-US" b="0" i="1" u="none" strike="noStrike" dirty="0">
+                <a:solidFill>
+                  <a:srgbClr val="1177CC"/>
+                </a:solidFill>
+                <a:effectLst/>
+                <a:latin typeface="Arial" panose="020B0604020202020204" pitchFamily="34" charset="0"/>
+                <a:hlinkClick r:id="rId5"/>
+              </a:rPr>
+              <a:t>Information Hiding in Communication Networks</a:t>
+            </a:r>
+            <a:r>
+              <a:rPr lang="en-US" b="0" i="0" dirty="0">
+                <a:solidFill>
+                  <a:srgbClr val="222222"/>
+                </a:solidFill>
+                <a:effectLst/>
+                <a:latin typeface="Arial" panose="020B0604020202020204" pitchFamily="34" charset="0"/>
+              </a:rPr>
+              <a:t>, Wiley, 2016. Chapters 3 and 8 contain discussions on hiding patterns, basically on the basis of [1] but with an extension of timing-based patterns.</a:t>
+            </a:r>
+            <a:br>
+              <a:rPr lang="en-US" b="0" i="0" dirty="0">
+                <a:solidFill>
+                  <a:srgbClr val="222222"/>
+                </a:solidFill>
+                <a:effectLst/>
+                <a:latin typeface="Arial" panose="020B0604020202020204" pitchFamily="34" charset="0"/>
+              </a:rPr>
+            </a:br>
+            <a:br>
+              <a:rPr lang="en-US" b="0" i="0" dirty="0">
+                <a:solidFill>
+                  <a:srgbClr val="222222"/>
+                </a:solidFill>
+                <a:effectLst/>
+                <a:latin typeface="Arial" panose="020B0604020202020204" pitchFamily="34" charset="0"/>
+              </a:rPr>
+            </a:br>
+            <a:r>
+              <a:rPr lang="en-US" b="0" i="0" dirty="0">
+                <a:solidFill>
+                  <a:srgbClr val="222222"/>
+                </a:solidFill>
+                <a:effectLst/>
+                <a:latin typeface="Arial" panose="020B0604020202020204" pitchFamily="34" charset="0"/>
+              </a:rPr>
+              <a:t>[3] W. </a:t>
+            </a:r>
+            <a:r>
+              <a:rPr lang="en-US" b="0" i="0" dirty="0" err="1">
+                <a:solidFill>
+                  <a:srgbClr val="222222"/>
+                </a:solidFill>
+                <a:effectLst/>
+                <a:latin typeface="Arial" panose="020B0604020202020204" pitchFamily="34" charset="0"/>
+              </a:rPr>
+              <a:t>Mazurczyk</a:t>
+            </a:r>
+            <a:r>
+              <a:rPr lang="en-US" b="0" i="0" dirty="0">
+                <a:solidFill>
+                  <a:srgbClr val="222222"/>
+                </a:solidFill>
+                <a:effectLst/>
+                <a:latin typeface="Arial" panose="020B0604020202020204" pitchFamily="34" charset="0"/>
+              </a:rPr>
+              <a:t>, S. </a:t>
+            </a:r>
+            <a:r>
+              <a:rPr lang="en-US" b="0" i="0" dirty="0" err="1">
+                <a:solidFill>
+                  <a:srgbClr val="222222"/>
+                </a:solidFill>
+                <a:effectLst/>
+                <a:latin typeface="Arial" panose="020B0604020202020204" pitchFamily="34" charset="0"/>
+              </a:rPr>
+              <a:t>Wendzel</a:t>
+            </a:r>
+            <a:r>
+              <a:rPr lang="en-US" b="0" i="0" dirty="0">
+                <a:solidFill>
+                  <a:srgbClr val="222222"/>
+                </a:solidFill>
+                <a:effectLst/>
+                <a:latin typeface="Arial" panose="020B0604020202020204" pitchFamily="34" charset="0"/>
+              </a:rPr>
+              <a:t>, K. </a:t>
+            </a:r>
+            <a:r>
+              <a:rPr lang="en-US" b="0" i="0" dirty="0" err="1">
+                <a:solidFill>
+                  <a:srgbClr val="222222"/>
+                </a:solidFill>
+                <a:effectLst/>
+                <a:latin typeface="Arial" panose="020B0604020202020204" pitchFamily="34" charset="0"/>
+              </a:rPr>
+              <a:t>Cabaj</a:t>
+            </a:r>
+            <a:r>
+              <a:rPr lang="en-US" b="0" i="0" dirty="0">
+                <a:solidFill>
+                  <a:srgbClr val="222222"/>
+                </a:solidFill>
+                <a:effectLst/>
+                <a:latin typeface="Arial" panose="020B0604020202020204" pitchFamily="34" charset="0"/>
+              </a:rPr>
+              <a:t>: </a:t>
+            </a:r>
+            <a:r>
+              <a:rPr lang="en-US" b="0" i="1" u="none" strike="noStrike" dirty="0">
+                <a:solidFill>
+                  <a:srgbClr val="1177CC"/>
+                </a:solidFill>
+                <a:effectLst/>
+                <a:latin typeface="Arial" panose="020B0604020202020204" pitchFamily="34" charset="0"/>
+                <a:hlinkClick r:id="rId6"/>
+              </a:rPr>
+              <a:t>Towards Deriving Insights into Data Hiding Methods Using Pattern-based Approach</a:t>
+            </a:r>
+            <a:r>
+              <a:rPr lang="en-US" b="0" i="0" dirty="0">
+                <a:solidFill>
+                  <a:srgbClr val="222222"/>
+                </a:solidFill>
+                <a:effectLst/>
+                <a:latin typeface="Arial" panose="020B0604020202020204" pitchFamily="34" charset="0"/>
+              </a:rPr>
+              <a:t>, in Proc. Second International Workshop on Criminal Use of Information Hiding (CUING 2018) at ARES, pp. 10:1-10:10, ACM, 2018.</a:t>
+            </a:r>
+          </a:p>
+          <a:p>
+            <a:pPr algn="l"/>
+            <a:r>
+              <a:rPr lang="en-US" b="0" i="0" dirty="0">
+                <a:solidFill>
+                  <a:srgbClr val="222222"/>
+                </a:solidFill>
+                <a:effectLst/>
+                <a:latin typeface="Arial" panose="020B0604020202020204" pitchFamily="34" charset="0"/>
+              </a:rPr>
+              <a:t>[4] A. </a:t>
+            </a:r>
+            <a:r>
+              <a:rPr lang="en-US" b="0" i="0" dirty="0" err="1">
+                <a:solidFill>
+                  <a:srgbClr val="222222"/>
+                </a:solidFill>
+                <a:effectLst/>
+                <a:latin typeface="Arial" panose="020B0604020202020204" pitchFamily="34" charset="0"/>
+              </a:rPr>
+              <a:t>Velinov</a:t>
+            </a:r>
+            <a:r>
+              <a:rPr lang="en-US" b="0" i="0" dirty="0">
+                <a:solidFill>
+                  <a:srgbClr val="222222"/>
+                </a:solidFill>
+                <a:effectLst/>
+                <a:latin typeface="Arial" panose="020B0604020202020204" pitchFamily="34" charset="0"/>
+              </a:rPr>
+              <a:t>, A. </a:t>
+            </a:r>
+            <a:r>
+              <a:rPr lang="en-US" b="0" i="0" dirty="0" err="1">
+                <a:solidFill>
+                  <a:srgbClr val="222222"/>
+                </a:solidFill>
+                <a:effectLst/>
+                <a:latin typeface="Arial" panose="020B0604020202020204" pitchFamily="34" charset="0"/>
+              </a:rPr>
+              <a:t>Mileva</a:t>
+            </a:r>
+            <a:r>
+              <a:rPr lang="en-US" b="0" i="0" dirty="0">
+                <a:solidFill>
+                  <a:srgbClr val="222222"/>
+                </a:solidFill>
+                <a:effectLst/>
+                <a:latin typeface="Arial" panose="020B0604020202020204" pitchFamily="34" charset="0"/>
+              </a:rPr>
+              <a:t>, S. </a:t>
+            </a:r>
+            <a:r>
+              <a:rPr lang="en-US" b="0" i="0" dirty="0" err="1">
+                <a:solidFill>
+                  <a:srgbClr val="222222"/>
+                </a:solidFill>
+                <a:effectLst/>
+                <a:latin typeface="Arial" panose="020B0604020202020204" pitchFamily="34" charset="0"/>
+              </a:rPr>
+              <a:t>Wendzel</a:t>
+            </a:r>
+            <a:r>
+              <a:rPr lang="en-US" b="0" i="0" dirty="0">
+                <a:solidFill>
+                  <a:srgbClr val="222222"/>
+                </a:solidFill>
+                <a:effectLst/>
+                <a:latin typeface="Arial" panose="020B0604020202020204" pitchFamily="34" charset="0"/>
+              </a:rPr>
+              <a:t>, W. </a:t>
+            </a:r>
+            <a:r>
+              <a:rPr lang="en-US" b="0" i="0" dirty="0" err="1">
+                <a:solidFill>
+                  <a:srgbClr val="222222"/>
+                </a:solidFill>
+                <a:effectLst/>
+                <a:latin typeface="Arial" panose="020B0604020202020204" pitchFamily="34" charset="0"/>
+              </a:rPr>
+              <a:t>Mazurczyk</a:t>
+            </a:r>
+            <a:r>
+              <a:rPr lang="en-US" b="0" i="0" dirty="0">
+                <a:solidFill>
+                  <a:srgbClr val="222222"/>
+                </a:solidFill>
+                <a:effectLst/>
+                <a:latin typeface="Arial" panose="020B0604020202020204" pitchFamily="34" charset="0"/>
+              </a:rPr>
+              <a:t>: </a:t>
+            </a:r>
+            <a:r>
+              <a:rPr lang="en-US" b="0" i="0" u="none" strike="noStrike" dirty="0">
+                <a:solidFill>
+                  <a:srgbClr val="1177CC"/>
+                </a:solidFill>
+                <a:effectLst/>
+                <a:latin typeface="Arial" panose="020B0604020202020204" pitchFamily="34" charset="0"/>
+                <a:hlinkClick r:id="rId7"/>
+              </a:rPr>
+              <a:t>Covert Channels in MQTT-based Internet of Things</a:t>
+            </a:r>
+            <a:r>
+              <a:rPr lang="en-US" b="0" i="0" dirty="0">
+                <a:solidFill>
+                  <a:srgbClr val="222222"/>
+                </a:solidFill>
+                <a:effectLst/>
+                <a:latin typeface="Arial" panose="020B0604020202020204" pitchFamily="34" charset="0"/>
+              </a:rPr>
+              <a:t>, </a:t>
+            </a:r>
+            <a:r>
+              <a:rPr lang="en-US" b="0" i="1" dirty="0">
+                <a:solidFill>
+                  <a:srgbClr val="222222"/>
+                </a:solidFill>
+                <a:effectLst/>
+                <a:latin typeface="Arial" panose="020B0604020202020204" pitchFamily="34" charset="0"/>
+              </a:rPr>
+              <a:t>IEEE ACCESS</a:t>
+            </a:r>
+            <a:r>
+              <a:rPr lang="en-US" b="0" i="0" dirty="0">
+                <a:solidFill>
+                  <a:srgbClr val="222222"/>
+                </a:solidFill>
+                <a:effectLst/>
+                <a:latin typeface="Arial" panose="020B0604020202020204" pitchFamily="34" charset="0"/>
+              </a:rPr>
+              <a:t>, Vol. 7, pp. 161899-161915, 2019. </a:t>
+            </a:r>
+            <a:br>
+              <a:rPr lang="en-US" b="0" i="0" dirty="0">
+                <a:solidFill>
+                  <a:srgbClr val="222222"/>
+                </a:solidFill>
+                <a:effectLst/>
+                <a:latin typeface="Arial" panose="020B0604020202020204" pitchFamily="34" charset="0"/>
+              </a:rPr>
+            </a:br>
+            <a:endParaRPr lang="en-US" b="0" i="0" dirty="0">
+              <a:solidFill>
+                <a:srgbClr val="222222"/>
+              </a:solidFill>
+              <a:effectLst/>
+              <a:latin typeface="Arial" panose="020B0604020202020204" pitchFamily="34" charset="0"/>
+            </a:endParaRPr>
+          </a:p>
+          <a:p>
+            <a:pPr algn="l"/>
+            <a:r>
+              <a:rPr lang="en-US" b="0" i="0" dirty="0">
+                <a:solidFill>
+                  <a:srgbClr val="222222"/>
+                </a:solidFill>
+                <a:effectLst/>
+                <a:latin typeface="Arial" panose="020B0604020202020204" pitchFamily="34" charset="0"/>
+              </a:rPr>
+              <a:t>[5] A. </a:t>
+            </a:r>
+            <a:r>
+              <a:rPr lang="en-US" b="0" i="0" dirty="0" err="1">
+                <a:solidFill>
+                  <a:srgbClr val="222222"/>
+                </a:solidFill>
+                <a:effectLst/>
+                <a:latin typeface="Arial" panose="020B0604020202020204" pitchFamily="34" charset="0"/>
+              </a:rPr>
+              <a:t>Mileva</a:t>
+            </a:r>
+            <a:r>
+              <a:rPr lang="en-US" b="0" i="0" dirty="0">
+                <a:solidFill>
+                  <a:srgbClr val="222222"/>
+                </a:solidFill>
+                <a:effectLst/>
+                <a:latin typeface="Arial" panose="020B0604020202020204" pitchFamily="34" charset="0"/>
+              </a:rPr>
+              <a:t>, A. </a:t>
+            </a:r>
+            <a:r>
+              <a:rPr lang="en-US" b="0" i="0" dirty="0" err="1">
+                <a:solidFill>
+                  <a:srgbClr val="222222"/>
+                </a:solidFill>
+                <a:effectLst/>
+                <a:latin typeface="Arial" panose="020B0604020202020204" pitchFamily="34" charset="0"/>
+              </a:rPr>
+              <a:t>Velinov</a:t>
+            </a:r>
+            <a:r>
+              <a:rPr lang="en-US" b="0" i="0" dirty="0">
+                <a:solidFill>
+                  <a:srgbClr val="222222"/>
+                </a:solidFill>
+                <a:effectLst/>
+                <a:latin typeface="Arial" panose="020B0604020202020204" pitchFamily="34" charset="0"/>
+              </a:rPr>
+              <a:t>, L. Hartmann, S. </a:t>
+            </a:r>
+            <a:r>
+              <a:rPr lang="en-US" b="0" i="0" dirty="0" err="1">
+                <a:solidFill>
+                  <a:srgbClr val="222222"/>
+                </a:solidFill>
+                <a:effectLst/>
+                <a:latin typeface="Arial" panose="020B0604020202020204" pitchFamily="34" charset="0"/>
+              </a:rPr>
+              <a:t>Wendzel</a:t>
+            </a:r>
+            <a:r>
+              <a:rPr lang="en-US" b="0" i="0" dirty="0">
+                <a:solidFill>
+                  <a:srgbClr val="222222"/>
+                </a:solidFill>
+                <a:effectLst/>
+                <a:latin typeface="Arial" panose="020B0604020202020204" pitchFamily="34" charset="0"/>
+              </a:rPr>
+              <a:t>, W. </a:t>
+            </a:r>
+            <a:r>
+              <a:rPr lang="en-US" b="0" i="0" dirty="0" err="1">
+                <a:solidFill>
+                  <a:srgbClr val="222222"/>
+                </a:solidFill>
+                <a:effectLst/>
+                <a:latin typeface="Arial" panose="020B0604020202020204" pitchFamily="34" charset="0"/>
+              </a:rPr>
+              <a:t>Mazurczyk</a:t>
+            </a:r>
+            <a:r>
+              <a:rPr lang="en-US" b="0" i="0" dirty="0">
+                <a:solidFill>
+                  <a:srgbClr val="222222"/>
+                </a:solidFill>
+                <a:effectLst/>
+                <a:latin typeface="Arial" panose="020B0604020202020204" pitchFamily="34" charset="0"/>
+              </a:rPr>
+              <a:t>: </a:t>
+            </a:r>
+            <a:r>
+              <a:rPr lang="en-US" b="0" i="1" dirty="0">
+                <a:solidFill>
+                  <a:srgbClr val="222222"/>
+                </a:solidFill>
+                <a:effectLst/>
+                <a:latin typeface="Arial" panose="020B0604020202020204" pitchFamily="34" charset="0"/>
+              </a:rPr>
+              <a:t>Comprehensive Analysis of MQTT 5.0 Susceptibility to Network Covert Channels</a:t>
+            </a:r>
+            <a:r>
+              <a:rPr lang="en-US" b="0" i="0" dirty="0">
+                <a:solidFill>
+                  <a:srgbClr val="222222"/>
+                </a:solidFill>
+                <a:effectLst/>
+                <a:latin typeface="Arial" panose="020B0604020202020204" pitchFamily="34" charset="0"/>
+              </a:rPr>
+              <a:t>, Computers &amp; Security, Elsevier, 2021. </a:t>
+            </a:r>
+          </a:p>
+          <a:p>
+            <a:pPr algn="l"/>
+            <a:r>
+              <a:rPr lang="en-US" b="0" i="0" dirty="0">
+                <a:solidFill>
+                  <a:srgbClr val="222222"/>
+                </a:solidFill>
+                <a:effectLst/>
+                <a:latin typeface="Arial" panose="020B0604020202020204" pitchFamily="34" charset="0"/>
+              </a:rPr>
+              <a:t>[6] L. Hartmann, S. </a:t>
+            </a:r>
+            <a:r>
+              <a:rPr lang="en-US" b="0" i="0" dirty="0" err="1">
+                <a:solidFill>
+                  <a:srgbClr val="222222"/>
+                </a:solidFill>
+                <a:effectLst/>
+                <a:latin typeface="Arial" panose="020B0604020202020204" pitchFamily="34" charset="0"/>
+              </a:rPr>
+              <a:t>Zillien</a:t>
+            </a:r>
+            <a:r>
+              <a:rPr lang="en-US" b="0" i="0" dirty="0">
+                <a:solidFill>
+                  <a:srgbClr val="222222"/>
+                </a:solidFill>
+                <a:effectLst/>
+                <a:latin typeface="Arial" panose="020B0604020202020204" pitchFamily="34" charset="0"/>
+              </a:rPr>
+              <a:t>, S. </a:t>
+            </a:r>
+            <a:r>
+              <a:rPr lang="en-US" b="0" i="0" dirty="0" err="1">
+                <a:solidFill>
+                  <a:srgbClr val="222222"/>
+                </a:solidFill>
+                <a:effectLst/>
+                <a:latin typeface="Arial" panose="020B0604020202020204" pitchFamily="34" charset="0"/>
+              </a:rPr>
+              <a:t>Wendzel</a:t>
+            </a:r>
+            <a:r>
+              <a:rPr lang="en-US" b="0" i="0" dirty="0">
+                <a:solidFill>
+                  <a:srgbClr val="222222"/>
+                </a:solidFill>
+                <a:effectLst/>
+                <a:latin typeface="Arial" panose="020B0604020202020204" pitchFamily="34" charset="0"/>
+              </a:rPr>
+              <a:t>: </a:t>
+            </a:r>
+            <a:r>
+              <a:rPr lang="en-US" b="0" i="1" dirty="0">
+                <a:solidFill>
+                  <a:srgbClr val="222222"/>
+                </a:solidFill>
+                <a:effectLst/>
+                <a:latin typeface="Arial" panose="020B0604020202020204" pitchFamily="34" charset="0"/>
+              </a:rPr>
+              <a:t>Reset- and Reconnection-based Covert Channels in CoAP</a:t>
+            </a:r>
+            <a:r>
+              <a:rPr lang="en-US" b="0" i="0" dirty="0">
+                <a:solidFill>
+                  <a:srgbClr val="222222"/>
+                </a:solidFill>
+                <a:effectLst/>
+                <a:latin typeface="Arial" panose="020B0604020202020204" pitchFamily="34" charset="0"/>
+              </a:rPr>
+              <a:t>. In: Proc. European Interdisciplinary Cybersecurity Conference (EICC), 2021.</a:t>
             </a:r>
           </a:p>
           <a:p>
@@ -2349,7 +2338,7 @@
     </p:spTree>
     <p:extLst>
       <p:ext uri="{BB962C8B-B14F-4D97-AF65-F5344CB8AC3E}">
-        <p14:creationId xmlns:p14="http://schemas.microsoft.com/office/powerpoint/2010/main" val="3541831844"/>
+        <p14:creationId xmlns:p14="http://schemas.microsoft.com/office/powerpoint/2010/main" val="4087832577"/>
       </p:ext>
     </p:extLst>
   </p:cSld>
@@ -2400,150 +2389,18 @@
         </p:nvSpPr>
         <p:spPr/>
         <p:txBody>
-          <a:bodyPr>
-            <a:normAutofit fontScale="92500" lnSpcReduction="10000"/>
-          </a:bodyPr>
+          <a:bodyPr/>
           <a:lstStyle/>
           <a:p>
             <a:r>
               <a:rPr lang="en-US" dirty="0"/>
-              <a:t>Dr J – AI wont work, it improves efficiency, it does nothing for effectiveness. Will not improve the effectiveness of failed processes.</a:t>
-            </a:r>
-          </a:p>
-          <a:p>
-            <a:endParaRPr lang="en-US" dirty="0"/>
+              <a:t>Why is detection extremely difficult? – Everything can be used for good and bad.</a:t>
+            </a:r>
           </a:p>
           <a:p>
             <a:r>
               <a:rPr lang="en-US" dirty="0"/>
-              <a:t>Traffic Normalizers – Remove ambiguities and policy breaking elements in network traffic. (i.e. replace TTL field)</a:t>
-            </a:r>
-          </a:p>
-          <a:p>
-            <a:r>
-              <a:rPr lang="en-US" dirty="0"/>
-              <a:t>	- Might also set setting headers to default values</a:t>
-            </a:r>
-          </a:p>
-          <a:p>
-            <a:r>
-              <a:rPr lang="en-US" dirty="0"/>
-              <a:t>	- Limited by buffer size for re-ordering or fixing timing</a:t>
-            </a:r>
-          </a:p>
-          <a:p>
-            <a:r>
-              <a:rPr lang="en-US" dirty="0"/>
-              <a:t>Statistical Approaches – Detection vs inter-arrival time pattern, random value pattern, and maybe others based on statistical value distributions</a:t>
-            </a:r>
-          </a:p>
-          <a:p>
-            <a:r>
-              <a:rPr lang="en-US" dirty="0"/>
-              <a:t>Machine Learning – Covert channels can be detected using supervised ML approaches </a:t>
-            </a:r>
-          </a:p>
-          <a:p>
-            <a:r>
-              <a:rPr lang="en-US" dirty="0"/>
-              <a:t>	-SVM – can detect IP ID or TCP ISN covert channels</a:t>
-            </a:r>
-          </a:p>
-          <a:p>
-            <a:r>
-              <a:rPr lang="en-US" dirty="0"/>
-              <a:t>	-NN – can detect TCP ISN</a:t>
-            </a:r>
-          </a:p>
-          <a:p>
-            <a:r>
-              <a:rPr lang="en-US" dirty="0"/>
-              <a:t>	-C4.5 DT – can detect inter-packet timing channels and simple protocol switching channels</a:t>
-            </a:r>
-          </a:p>
-          <a:p>
-            <a:r>
-              <a:rPr lang="en-US" dirty="0"/>
-              <a:t>Web Tap – measures browsing patters to determine if it is a legit user</a:t>
-            </a:r>
-          </a:p>
-          <a:p>
-            <a:r>
-              <a:rPr lang="en-US" dirty="0"/>
-              <a:t>	-Header format, Delay times, Request sizes, bandwidth usage (out vs in), request regularity/ time</a:t>
-            </a:r>
-          </a:p>
-          <a:p>
-            <a:r>
-              <a:rPr lang="en-US" dirty="0"/>
-              <a:t>Tunnel Hunter – statistical fingerprinting to detect network tunnels</a:t>
-            </a:r>
-          </a:p>
-          <a:p>
-            <a:r>
-              <a:rPr lang="en-US" dirty="0"/>
-              <a:t>	-IP packet size, time between arrival, order of arrival </a:t>
-            </a:r>
-          </a:p>
-          <a:p>
-            <a:endParaRPr lang="en-US" dirty="0"/>
-          </a:p>
-          <a:p>
-            <a:pPr marL="0" marR="0" lvl="0" indent="0" algn="l" defTabSz="914400" rtl="0" eaLnBrk="1" fontAlgn="auto" latinLnBrk="0" hangingPunct="1">
-              <a:lnSpc>
-                <a:spcPct val="100000"/>
-              </a:lnSpc>
-              <a:spcBef>
-                <a:spcPts val="0"/>
-              </a:spcBef>
-              <a:spcAft>
-                <a:spcPts val="0"/>
-              </a:spcAft>
-              <a:buClrTx/>
-              <a:buSzTx/>
-              <a:buFontTx/>
-              <a:buNone/>
-              <a:tabLst/>
-              <a:defRPr/>
-            </a:pPr>
-            <a:r>
-              <a:rPr lang="en-US" dirty="0"/>
-              <a:t>Screenshot from </a:t>
-            </a:r>
-            <a:r>
-              <a:rPr lang="en-US" sz="1200" dirty="0"/>
-              <a:t>A Pattern-based Survey and Categorization of Network Covert Channel Techniques by Steffen </a:t>
-            </a:r>
-            <a:r>
-              <a:rPr lang="en-US" sz="1200" dirty="0" err="1"/>
-              <a:t>Wendzel</a:t>
-            </a:r>
-            <a:r>
-              <a:rPr lang="en-US" dirty="0"/>
-              <a:t> </a:t>
-            </a:r>
-          </a:p>
-          <a:p>
-            <a:pPr marL="0" marR="0" lvl="0" indent="0" algn="l" defTabSz="914400" rtl="0" eaLnBrk="1" fontAlgn="auto" latinLnBrk="0" hangingPunct="1">
-              <a:lnSpc>
-                <a:spcPct val="100000"/>
-              </a:lnSpc>
-              <a:spcBef>
-                <a:spcPts val="0"/>
-              </a:spcBef>
-              <a:spcAft>
-                <a:spcPts val="0"/>
-              </a:spcAft>
-              <a:buClrTx/>
-              <a:buSzTx/>
-              <a:buFontTx/>
-              <a:buNone/>
-              <a:tabLst/>
-              <a:defRPr/>
-            </a:pPr>
-            <a:r>
-              <a:rPr lang="en-US" dirty="0"/>
-              <a:t>https://arxiv.org/pdf/1406.2901.pdf</a:t>
+              <a:t>Only way to determine intent is after the fact.</a:t>
             </a:r>
           </a:p>
           <a:p>
@@ -2554,7 +2411,7 @@
     </p:spTree>
     <p:extLst>
       <p:ext uri="{BB962C8B-B14F-4D97-AF65-F5344CB8AC3E}">
-        <p14:creationId xmlns:p14="http://schemas.microsoft.com/office/powerpoint/2010/main" val="3578883136"/>
+        <p14:creationId xmlns:p14="http://schemas.microsoft.com/office/powerpoint/2010/main" val="3541831844"/>
       </p:ext>
     </p:extLst>
   </p:cSld>
@@ -2605,6 +2462,211 @@
         </p:nvSpPr>
         <p:spPr/>
         <p:txBody>
+          <a:bodyPr>
+            <a:normAutofit fontScale="92500" lnSpcReduction="10000"/>
+          </a:bodyPr>
+          <a:lstStyle/>
+          <a:p>
+            <a:r>
+              <a:rPr lang="en-US" dirty="0"/>
+              <a:t>Dr J – AI wont work, it improves efficiency, it does nothing for effectiveness. Will not improve the effectiveness of failed processes.</a:t>
+            </a:r>
+          </a:p>
+          <a:p>
+            <a:endParaRPr lang="en-US" dirty="0"/>
+          </a:p>
+          <a:p>
+            <a:r>
+              <a:rPr lang="en-US" dirty="0"/>
+              <a:t>Traffic Normalizers – Remove ambiguities and policy breaking elements in network traffic. (i.e. replace TTL field)</a:t>
+            </a:r>
+          </a:p>
+          <a:p>
+            <a:r>
+              <a:rPr lang="en-US" dirty="0"/>
+              <a:t>	- Might also set setting headers to default values</a:t>
+            </a:r>
+          </a:p>
+          <a:p>
+            <a:r>
+              <a:rPr lang="en-US" dirty="0"/>
+              <a:t>	- Limited by buffer size for re-ordering or fixing timing</a:t>
+            </a:r>
+          </a:p>
+          <a:p>
+            <a:r>
+              <a:rPr lang="en-US" dirty="0"/>
+              <a:t>Statistical Approaches – Detection vs inter-arrival time pattern, random value pattern, and maybe others based on statistical value distributions</a:t>
+            </a:r>
+          </a:p>
+          <a:p>
+            <a:r>
+              <a:rPr lang="en-US" dirty="0"/>
+              <a:t>Machine Learning – Covert channels can be detected using supervised ML approaches </a:t>
+            </a:r>
+          </a:p>
+          <a:p>
+            <a:r>
+              <a:rPr lang="en-US" dirty="0"/>
+              <a:t>	-SVM – can detect IP ID or TCP ISN covert channels</a:t>
+            </a:r>
+          </a:p>
+          <a:p>
+            <a:r>
+              <a:rPr lang="en-US" dirty="0"/>
+              <a:t>	-NN – can detect TCP ISN</a:t>
+            </a:r>
+          </a:p>
+          <a:p>
+            <a:r>
+              <a:rPr lang="en-US" dirty="0"/>
+              <a:t>	-C4.5 DT – can detect inter-packet timing channels and simple protocol switching channels</a:t>
+            </a:r>
+          </a:p>
+          <a:p>
+            <a:r>
+              <a:rPr lang="en-US" dirty="0"/>
+              <a:t>Web Tap – measures browsing patters to determine if it is a legit user</a:t>
+            </a:r>
+          </a:p>
+          <a:p>
+            <a:r>
+              <a:rPr lang="en-US" dirty="0"/>
+              <a:t>	-Header format, Delay times, Request sizes, bandwidth usage (out vs in), request regularity/ time</a:t>
+            </a:r>
+          </a:p>
+          <a:p>
+            <a:r>
+              <a:rPr lang="en-US" dirty="0"/>
+              <a:t>Tunnel Hunter – statistical fingerprinting to detect network tunnels</a:t>
+            </a:r>
+          </a:p>
+          <a:p>
+            <a:r>
+              <a:rPr lang="en-US" dirty="0"/>
+              <a:t>	-IP packet size, time between arrival, order of arrival </a:t>
+            </a:r>
+          </a:p>
+          <a:p>
+            <a:endParaRPr lang="en-US" dirty="0"/>
+          </a:p>
+          <a:p>
+            <a:pPr marL="0" marR="0" lvl="0" indent="0" algn="l" defTabSz="914400" rtl="0" eaLnBrk="1" fontAlgn="auto" latinLnBrk="0" hangingPunct="1">
+              <a:lnSpc>
+                <a:spcPct val="100000"/>
+              </a:lnSpc>
+              <a:spcBef>
+                <a:spcPts val="0"/>
+              </a:spcBef>
+              <a:spcAft>
+                <a:spcPts val="0"/>
+              </a:spcAft>
+              <a:buClrTx/>
+              <a:buSzTx/>
+              <a:buFontTx/>
+              <a:buNone/>
+              <a:tabLst/>
+              <a:defRPr/>
+            </a:pPr>
+            <a:r>
+              <a:rPr lang="en-US" dirty="0"/>
+              <a:t>Screenshot from </a:t>
+            </a:r>
+            <a:r>
+              <a:rPr lang="en-US" sz="1200" dirty="0"/>
+              <a:t>A Pattern-based Survey and Categorization of Network Covert Channel Techniques by Steffen </a:t>
+            </a:r>
+            <a:r>
+              <a:rPr lang="en-US" sz="1200" dirty="0" err="1"/>
+              <a:t>Wendzel</a:t>
+            </a:r>
+            <a:r>
+              <a:rPr lang="en-US" dirty="0"/>
+              <a:t> </a:t>
+            </a:r>
+          </a:p>
+          <a:p>
+            <a:pPr marL="0" marR="0" lvl="0" indent="0" algn="l" defTabSz="914400" rtl="0" eaLnBrk="1" fontAlgn="auto" latinLnBrk="0" hangingPunct="1">
+              <a:lnSpc>
+                <a:spcPct val="100000"/>
+              </a:lnSpc>
+              <a:spcBef>
+                <a:spcPts val="0"/>
+              </a:spcBef>
+              <a:spcAft>
+                <a:spcPts val="0"/>
+              </a:spcAft>
+              <a:buClrTx/>
+              <a:buSzTx/>
+              <a:buFontTx/>
+              <a:buNone/>
+              <a:tabLst/>
+              <a:defRPr/>
+            </a:pPr>
+            <a:r>
+              <a:rPr lang="en-US" dirty="0"/>
+              <a:t>https://arxiv.org/pdf/1406.2901.pdf</a:t>
+            </a:r>
+          </a:p>
+          <a:p>
+            <a:endParaRPr lang="en-US" dirty="0"/>
+          </a:p>
+        </p:txBody>
+      </p:sp>
+    </p:spTree>
+    <p:extLst>
+      <p:ext uri="{BB962C8B-B14F-4D97-AF65-F5344CB8AC3E}">
+        <p14:creationId xmlns:p14="http://schemas.microsoft.com/office/powerpoint/2010/main" val="3578883136"/>
+      </p:ext>
+    </p:extLst>
+  </p:cSld>
+  <p:clrMapOvr>
+    <a:masterClrMapping/>
+  </p:clrMapOvr>
+</p:notes>
+</file>
+
+<file path=ppt/notesSlides/notesSlide15.xml><?xml version="1.0" encoding="utf-8"?>
+<p:notes xmlns:a="http://schemas.openxmlformats.org/drawingml/2006/main" xmlns:r="http://schemas.openxmlformats.org/officeDocument/2006/relationships" xmlns:p="http://schemas.openxmlformats.org/presentationml/2006/main">
+  <p:cSld>
+    <p:spTree>
+      <p:nvGrpSpPr>
+        <p:cNvPr id="1" name=""/>
+        <p:cNvGrpSpPr/>
+        <p:nvPr/>
+      </p:nvGrpSpPr>
+      <p:grpSpPr>
+        <a:xfrm>
+          <a:off x="0" y="0"/>
+          <a:ext cx="0" cy="0"/>
+          <a:chOff x="0" y="0"/>
+          <a:chExt cx="0" cy="0"/>
+        </a:xfrm>
+      </p:grpSpPr>
+      <p:sp>
+        <p:nvSpPr>
+          <p:cNvPr id="2" name="Slide Image Placeholder 1"/>
+          <p:cNvSpPr>
+            <a:spLocks noGrp="1" noRot="1" noChangeAspect="1"/>
+          </p:cNvSpPr>
+          <p:nvPr>
+            <p:ph type="sldImg"/>
+          </p:nvPr>
+        </p:nvSpPr>
+        <p:spPr/>
+      </p:sp>
+      <p:sp>
+        <p:nvSpPr>
+          <p:cNvPr id="3" name="Notes Placeholder 2"/>
+          <p:cNvSpPr>
+            <a:spLocks noGrp="1"/>
+          </p:cNvSpPr>
+          <p:nvPr>
+            <p:ph type="body" idx="1"/>
+          </p:nvPr>
+        </p:nvSpPr>
+        <p:spPr/>
+        <p:txBody>
           <a:bodyPr/>
           <a:lstStyle/>
           <a:p>
@@ -2662,7 +2724,7 @@
 </p:notes>
 </file>
 
-<file path=ppt/notesSlides/notesSlide15.xml><?xml version="1.0" encoding="utf-8"?>
+<file path=ppt/notesSlides/notesSlide16.xml><?xml version="1.0" encoding="utf-8"?>
 <p:notes xmlns:a="http://schemas.openxmlformats.org/drawingml/2006/main" xmlns:r="http://schemas.openxmlformats.org/officeDocument/2006/relationships" xmlns:p="http://schemas.openxmlformats.org/presentationml/2006/main">
   <p:cSld>
     <p:spTree>
@@ -3454,10 +3516,28 @@
         </p:nvSpPr>
         <p:spPr/>
         <p:txBody>
-          <a:bodyPr/>
+          <a:bodyPr>
+            <a:normAutofit fontScale="92500" lnSpcReduction="20000"/>
+          </a:bodyPr>
           <a:lstStyle/>
           <a:p>
             <a:r>
+              <a:rPr lang="en-US" dirty="0"/>
+              <a:t>https://www.wendzel.de/</a:t>
+            </a:r>
+          </a:p>
+          <a:p>
+            <a:r>
+              <a:rPr lang="en-US" dirty="0"/>
+              <a:t>https://ih-patterns.blogspot.com/p/test.html</a:t>
+            </a:r>
+          </a:p>
+          <a:p>
+            <a:endParaRPr lang="en-US" dirty="0"/>
+          </a:p>
+          <a:p>
+            <a:pPr algn="l"/>
+            <a:r>
               <a:rPr lang="en-US" b="0" i="0" dirty="0">
                 <a:solidFill>
                   <a:srgbClr val="222222"/>
@@ -3568,6 +3648,582 @@
               </a:rPr>
               <a:t>.</a:t>
             </a:r>
+            <a:br>
+              <a:rPr lang="en-US" b="0" i="0" dirty="0">
+                <a:solidFill>
+                  <a:srgbClr val="222222"/>
+                </a:solidFill>
+                <a:effectLst/>
+                <a:latin typeface="Arial" panose="020B0604020202020204" pitchFamily="34" charset="0"/>
+              </a:rPr>
+            </a:br>
+            <a:br>
+              <a:rPr lang="en-US" b="0" i="0" dirty="0">
+                <a:solidFill>
+                  <a:srgbClr val="222222"/>
+                </a:solidFill>
+                <a:effectLst/>
+                <a:latin typeface="Arial" panose="020B0604020202020204" pitchFamily="34" charset="0"/>
+              </a:rPr>
+            </a:br>
+            <a:r>
+              <a:rPr lang="en-US" b="0" i="0" dirty="0">
+                <a:solidFill>
+                  <a:srgbClr val="222222"/>
+                </a:solidFill>
+                <a:effectLst/>
+                <a:latin typeface="Arial" panose="020B0604020202020204" pitchFamily="34" charset="0"/>
+              </a:rPr>
+              <a:t>[2] W. </a:t>
+            </a:r>
+            <a:r>
+              <a:rPr lang="en-US" b="0" i="0" dirty="0" err="1">
+                <a:solidFill>
+                  <a:srgbClr val="222222"/>
+                </a:solidFill>
+                <a:effectLst/>
+                <a:latin typeface="Arial" panose="020B0604020202020204" pitchFamily="34" charset="0"/>
+              </a:rPr>
+              <a:t>Mazurczyk</a:t>
+            </a:r>
+            <a:r>
+              <a:rPr lang="en-US" b="0" i="0" dirty="0">
+                <a:solidFill>
+                  <a:srgbClr val="222222"/>
+                </a:solidFill>
+                <a:effectLst/>
+                <a:latin typeface="Arial" panose="020B0604020202020204" pitchFamily="34" charset="0"/>
+              </a:rPr>
+              <a:t>, S. </a:t>
+            </a:r>
+            <a:r>
+              <a:rPr lang="en-US" b="0" i="0" dirty="0" err="1">
+                <a:solidFill>
+                  <a:srgbClr val="222222"/>
+                </a:solidFill>
+                <a:effectLst/>
+                <a:latin typeface="Arial" panose="020B0604020202020204" pitchFamily="34" charset="0"/>
+              </a:rPr>
+              <a:t>Wendzel</a:t>
+            </a:r>
+            <a:r>
+              <a:rPr lang="en-US" b="0" i="0" dirty="0">
+                <a:solidFill>
+                  <a:srgbClr val="222222"/>
+                </a:solidFill>
+                <a:effectLst/>
+                <a:latin typeface="Arial" panose="020B0604020202020204" pitchFamily="34" charset="0"/>
+              </a:rPr>
+              <a:t>, S. Zander, A. </a:t>
+            </a:r>
+            <a:r>
+              <a:rPr lang="en-US" b="0" i="0" dirty="0" err="1">
+                <a:solidFill>
+                  <a:srgbClr val="222222"/>
+                </a:solidFill>
+                <a:effectLst/>
+                <a:latin typeface="Arial" panose="020B0604020202020204" pitchFamily="34" charset="0"/>
+              </a:rPr>
+              <a:t>Houmansadr</a:t>
+            </a:r>
+            <a:r>
+              <a:rPr lang="en-US" b="0" i="0" dirty="0">
+                <a:solidFill>
+                  <a:srgbClr val="222222"/>
+                </a:solidFill>
+                <a:effectLst/>
+                <a:latin typeface="Arial" panose="020B0604020202020204" pitchFamily="34" charset="0"/>
+              </a:rPr>
+              <a:t>, K. </a:t>
+            </a:r>
+            <a:r>
+              <a:rPr lang="en-US" b="0" i="0" dirty="0" err="1">
+                <a:solidFill>
+                  <a:srgbClr val="222222"/>
+                </a:solidFill>
+                <a:effectLst/>
+                <a:latin typeface="Arial" panose="020B0604020202020204" pitchFamily="34" charset="0"/>
+              </a:rPr>
+              <a:t>Szczypiorski</a:t>
+            </a:r>
+            <a:r>
+              <a:rPr lang="en-US" b="0" i="0" dirty="0">
+                <a:solidFill>
+                  <a:srgbClr val="222222"/>
+                </a:solidFill>
+                <a:effectLst/>
+                <a:latin typeface="Arial" panose="020B0604020202020204" pitchFamily="34" charset="0"/>
+              </a:rPr>
+              <a:t>: </a:t>
+            </a:r>
+            <a:r>
+              <a:rPr lang="en-US" b="0" i="1" u="none" strike="noStrike" dirty="0">
+                <a:solidFill>
+                  <a:srgbClr val="1177CC"/>
+                </a:solidFill>
+                <a:effectLst/>
+                <a:latin typeface="Arial" panose="020B0604020202020204" pitchFamily="34" charset="0"/>
+                <a:hlinkClick r:id="rId5"/>
+              </a:rPr>
+              <a:t>Information Hiding in Communication Networks</a:t>
+            </a:r>
+            <a:r>
+              <a:rPr lang="en-US" b="0" i="0" dirty="0">
+                <a:solidFill>
+                  <a:srgbClr val="222222"/>
+                </a:solidFill>
+                <a:effectLst/>
+                <a:latin typeface="Arial" panose="020B0604020202020204" pitchFamily="34" charset="0"/>
+              </a:rPr>
+              <a:t>, Wiley, 2016. Chapters 3 and 8 contain discussions on hiding patterns, basically on the basis of [1] but with an extension of timing-based patterns.</a:t>
+            </a:r>
+            <a:br>
+              <a:rPr lang="en-US" b="0" i="0" dirty="0">
+                <a:solidFill>
+                  <a:srgbClr val="222222"/>
+                </a:solidFill>
+                <a:effectLst/>
+                <a:latin typeface="Arial" panose="020B0604020202020204" pitchFamily="34" charset="0"/>
+              </a:rPr>
+            </a:br>
+            <a:br>
+              <a:rPr lang="en-US" b="0" i="0" dirty="0">
+                <a:solidFill>
+                  <a:srgbClr val="222222"/>
+                </a:solidFill>
+                <a:effectLst/>
+                <a:latin typeface="Arial" panose="020B0604020202020204" pitchFamily="34" charset="0"/>
+              </a:rPr>
+            </a:br>
+            <a:r>
+              <a:rPr lang="en-US" b="0" i="0" dirty="0">
+                <a:solidFill>
+                  <a:srgbClr val="222222"/>
+                </a:solidFill>
+                <a:effectLst/>
+                <a:latin typeface="Arial" panose="020B0604020202020204" pitchFamily="34" charset="0"/>
+              </a:rPr>
+              <a:t>[3] W. </a:t>
+            </a:r>
+            <a:r>
+              <a:rPr lang="en-US" b="0" i="0" dirty="0" err="1">
+                <a:solidFill>
+                  <a:srgbClr val="222222"/>
+                </a:solidFill>
+                <a:effectLst/>
+                <a:latin typeface="Arial" panose="020B0604020202020204" pitchFamily="34" charset="0"/>
+              </a:rPr>
+              <a:t>Mazurczyk</a:t>
+            </a:r>
+            <a:r>
+              <a:rPr lang="en-US" b="0" i="0" dirty="0">
+                <a:solidFill>
+                  <a:srgbClr val="222222"/>
+                </a:solidFill>
+                <a:effectLst/>
+                <a:latin typeface="Arial" panose="020B0604020202020204" pitchFamily="34" charset="0"/>
+              </a:rPr>
+              <a:t>, S. </a:t>
+            </a:r>
+            <a:r>
+              <a:rPr lang="en-US" b="0" i="0" dirty="0" err="1">
+                <a:solidFill>
+                  <a:srgbClr val="222222"/>
+                </a:solidFill>
+                <a:effectLst/>
+                <a:latin typeface="Arial" panose="020B0604020202020204" pitchFamily="34" charset="0"/>
+              </a:rPr>
+              <a:t>Wendzel</a:t>
+            </a:r>
+            <a:r>
+              <a:rPr lang="en-US" b="0" i="0" dirty="0">
+                <a:solidFill>
+                  <a:srgbClr val="222222"/>
+                </a:solidFill>
+                <a:effectLst/>
+                <a:latin typeface="Arial" panose="020B0604020202020204" pitchFamily="34" charset="0"/>
+              </a:rPr>
+              <a:t>, K. </a:t>
+            </a:r>
+            <a:r>
+              <a:rPr lang="en-US" b="0" i="0" dirty="0" err="1">
+                <a:solidFill>
+                  <a:srgbClr val="222222"/>
+                </a:solidFill>
+                <a:effectLst/>
+                <a:latin typeface="Arial" panose="020B0604020202020204" pitchFamily="34" charset="0"/>
+              </a:rPr>
+              <a:t>Cabaj</a:t>
+            </a:r>
+            <a:r>
+              <a:rPr lang="en-US" b="0" i="0" dirty="0">
+                <a:solidFill>
+                  <a:srgbClr val="222222"/>
+                </a:solidFill>
+                <a:effectLst/>
+                <a:latin typeface="Arial" panose="020B0604020202020204" pitchFamily="34" charset="0"/>
+              </a:rPr>
+              <a:t>: </a:t>
+            </a:r>
+            <a:r>
+              <a:rPr lang="en-US" b="0" i="1" u="none" strike="noStrike" dirty="0">
+                <a:solidFill>
+                  <a:srgbClr val="1177CC"/>
+                </a:solidFill>
+                <a:effectLst/>
+                <a:latin typeface="Arial" panose="020B0604020202020204" pitchFamily="34" charset="0"/>
+                <a:hlinkClick r:id="rId6"/>
+              </a:rPr>
+              <a:t>Towards Deriving Insights into Data Hiding Methods Using Pattern-based Approach</a:t>
+            </a:r>
+            <a:r>
+              <a:rPr lang="en-US" b="0" i="0" dirty="0">
+                <a:solidFill>
+                  <a:srgbClr val="222222"/>
+                </a:solidFill>
+                <a:effectLst/>
+                <a:latin typeface="Arial" panose="020B0604020202020204" pitchFamily="34" charset="0"/>
+              </a:rPr>
+              <a:t>, in Proc. Second International Workshop on Criminal Use of Information Hiding (CUING 2018) at ARES, pp. 10:1-10:10, ACM, 2018.</a:t>
+            </a:r>
+          </a:p>
+          <a:p>
+            <a:pPr algn="l"/>
+            <a:r>
+              <a:rPr lang="en-US" b="0" i="0" dirty="0">
+                <a:solidFill>
+                  <a:srgbClr val="222222"/>
+                </a:solidFill>
+                <a:effectLst/>
+                <a:latin typeface="Arial" panose="020B0604020202020204" pitchFamily="34" charset="0"/>
+              </a:rPr>
+              <a:t>[4] A. </a:t>
+            </a:r>
+            <a:r>
+              <a:rPr lang="en-US" b="0" i="0" dirty="0" err="1">
+                <a:solidFill>
+                  <a:srgbClr val="222222"/>
+                </a:solidFill>
+                <a:effectLst/>
+                <a:latin typeface="Arial" panose="020B0604020202020204" pitchFamily="34" charset="0"/>
+              </a:rPr>
+              <a:t>Velinov</a:t>
+            </a:r>
+            <a:r>
+              <a:rPr lang="en-US" b="0" i="0" dirty="0">
+                <a:solidFill>
+                  <a:srgbClr val="222222"/>
+                </a:solidFill>
+                <a:effectLst/>
+                <a:latin typeface="Arial" panose="020B0604020202020204" pitchFamily="34" charset="0"/>
+              </a:rPr>
+              <a:t>, A. </a:t>
+            </a:r>
+            <a:r>
+              <a:rPr lang="en-US" b="0" i="0" dirty="0" err="1">
+                <a:solidFill>
+                  <a:srgbClr val="222222"/>
+                </a:solidFill>
+                <a:effectLst/>
+                <a:latin typeface="Arial" panose="020B0604020202020204" pitchFamily="34" charset="0"/>
+              </a:rPr>
+              <a:t>Mileva</a:t>
+            </a:r>
+            <a:r>
+              <a:rPr lang="en-US" b="0" i="0" dirty="0">
+                <a:solidFill>
+                  <a:srgbClr val="222222"/>
+                </a:solidFill>
+                <a:effectLst/>
+                <a:latin typeface="Arial" panose="020B0604020202020204" pitchFamily="34" charset="0"/>
+              </a:rPr>
+              <a:t>, S. </a:t>
+            </a:r>
+            <a:r>
+              <a:rPr lang="en-US" b="0" i="0" dirty="0" err="1">
+                <a:solidFill>
+                  <a:srgbClr val="222222"/>
+                </a:solidFill>
+                <a:effectLst/>
+                <a:latin typeface="Arial" panose="020B0604020202020204" pitchFamily="34" charset="0"/>
+              </a:rPr>
+              <a:t>Wendzel</a:t>
+            </a:r>
+            <a:r>
+              <a:rPr lang="en-US" b="0" i="0" dirty="0">
+                <a:solidFill>
+                  <a:srgbClr val="222222"/>
+                </a:solidFill>
+                <a:effectLst/>
+                <a:latin typeface="Arial" panose="020B0604020202020204" pitchFamily="34" charset="0"/>
+              </a:rPr>
+              <a:t>, W. </a:t>
+            </a:r>
+            <a:r>
+              <a:rPr lang="en-US" b="0" i="0" dirty="0" err="1">
+                <a:solidFill>
+                  <a:srgbClr val="222222"/>
+                </a:solidFill>
+                <a:effectLst/>
+                <a:latin typeface="Arial" panose="020B0604020202020204" pitchFamily="34" charset="0"/>
+              </a:rPr>
+              <a:t>Mazurczyk</a:t>
+            </a:r>
+            <a:r>
+              <a:rPr lang="en-US" b="0" i="0" dirty="0">
+                <a:solidFill>
+                  <a:srgbClr val="222222"/>
+                </a:solidFill>
+                <a:effectLst/>
+                <a:latin typeface="Arial" panose="020B0604020202020204" pitchFamily="34" charset="0"/>
+              </a:rPr>
+              <a:t>: </a:t>
+            </a:r>
+            <a:r>
+              <a:rPr lang="en-US" b="0" i="0" u="none" strike="noStrike" dirty="0">
+                <a:solidFill>
+                  <a:srgbClr val="1177CC"/>
+                </a:solidFill>
+                <a:effectLst/>
+                <a:latin typeface="Arial" panose="020B0604020202020204" pitchFamily="34" charset="0"/>
+                <a:hlinkClick r:id="rId7"/>
+              </a:rPr>
+              <a:t>Covert Channels in MQTT-based Internet of Things</a:t>
+            </a:r>
+            <a:r>
+              <a:rPr lang="en-US" b="0" i="0" dirty="0">
+                <a:solidFill>
+                  <a:srgbClr val="222222"/>
+                </a:solidFill>
+                <a:effectLst/>
+                <a:latin typeface="Arial" panose="020B0604020202020204" pitchFamily="34" charset="0"/>
+              </a:rPr>
+              <a:t>, </a:t>
+            </a:r>
+            <a:r>
+              <a:rPr lang="en-US" b="0" i="1" dirty="0">
+                <a:solidFill>
+                  <a:srgbClr val="222222"/>
+                </a:solidFill>
+                <a:effectLst/>
+                <a:latin typeface="Arial" panose="020B0604020202020204" pitchFamily="34" charset="0"/>
+              </a:rPr>
+              <a:t>IEEE ACCESS</a:t>
+            </a:r>
+            <a:r>
+              <a:rPr lang="en-US" b="0" i="0" dirty="0">
+                <a:solidFill>
+                  <a:srgbClr val="222222"/>
+                </a:solidFill>
+                <a:effectLst/>
+                <a:latin typeface="Arial" panose="020B0604020202020204" pitchFamily="34" charset="0"/>
+              </a:rPr>
+              <a:t>, Vol. 7, pp. 161899-161915, 2019. </a:t>
+            </a:r>
+            <a:br>
+              <a:rPr lang="en-US" b="0" i="0" dirty="0">
+                <a:solidFill>
+                  <a:srgbClr val="222222"/>
+                </a:solidFill>
+                <a:effectLst/>
+                <a:latin typeface="Arial" panose="020B0604020202020204" pitchFamily="34" charset="0"/>
+              </a:rPr>
+            </a:br>
+            <a:endParaRPr lang="en-US" b="0" i="0" dirty="0">
+              <a:solidFill>
+                <a:srgbClr val="222222"/>
+              </a:solidFill>
+              <a:effectLst/>
+              <a:latin typeface="Arial" panose="020B0604020202020204" pitchFamily="34" charset="0"/>
+            </a:endParaRPr>
+          </a:p>
+          <a:p>
+            <a:pPr algn="l"/>
+            <a:r>
+              <a:rPr lang="en-US" b="0" i="0" dirty="0">
+                <a:solidFill>
+                  <a:srgbClr val="222222"/>
+                </a:solidFill>
+                <a:effectLst/>
+                <a:latin typeface="Arial" panose="020B0604020202020204" pitchFamily="34" charset="0"/>
+              </a:rPr>
+              <a:t>[5] A. </a:t>
+            </a:r>
+            <a:r>
+              <a:rPr lang="en-US" b="0" i="0" dirty="0" err="1">
+                <a:solidFill>
+                  <a:srgbClr val="222222"/>
+                </a:solidFill>
+                <a:effectLst/>
+                <a:latin typeface="Arial" panose="020B0604020202020204" pitchFamily="34" charset="0"/>
+              </a:rPr>
+              <a:t>Mileva</a:t>
+            </a:r>
+            <a:r>
+              <a:rPr lang="en-US" b="0" i="0" dirty="0">
+                <a:solidFill>
+                  <a:srgbClr val="222222"/>
+                </a:solidFill>
+                <a:effectLst/>
+                <a:latin typeface="Arial" panose="020B0604020202020204" pitchFamily="34" charset="0"/>
+              </a:rPr>
+              <a:t>, A. </a:t>
+            </a:r>
+            <a:r>
+              <a:rPr lang="en-US" b="0" i="0" dirty="0" err="1">
+                <a:solidFill>
+                  <a:srgbClr val="222222"/>
+                </a:solidFill>
+                <a:effectLst/>
+                <a:latin typeface="Arial" panose="020B0604020202020204" pitchFamily="34" charset="0"/>
+              </a:rPr>
+              <a:t>Velinov</a:t>
+            </a:r>
+            <a:r>
+              <a:rPr lang="en-US" b="0" i="0" dirty="0">
+                <a:solidFill>
+                  <a:srgbClr val="222222"/>
+                </a:solidFill>
+                <a:effectLst/>
+                <a:latin typeface="Arial" panose="020B0604020202020204" pitchFamily="34" charset="0"/>
+              </a:rPr>
+              <a:t>, L. Hartmann, S. </a:t>
+            </a:r>
+            <a:r>
+              <a:rPr lang="en-US" b="0" i="0" dirty="0" err="1">
+                <a:solidFill>
+                  <a:srgbClr val="222222"/>
+                </a:solidFill>
+                <a:effectLst/>
+                <a:latin typeface="Arial" panose="020B0604020202020204" pitchFamily="34" charset="0"/>
+              </a:rPr>
+              <a:t>Wendzel</a:t>
+            </a:r>
+            <a:r>
+              <a:rPr lang="en-US" b="0" i="0" dirty="0">
+                <a:solidFill>
+                  <a:srgbClr val="222222"/>
+                </a:solidFill>
+                <a:effectLst/>
+                <a:latin typeface="Arial" panose="020B0604020202020204" pitchFamily="34" charset="0"/>
+              </a:rPr>
+              <a:t>, W. </a:t>
+            </a:r>
+            <a:r>
+              <a:rPr lang="en-US" b="0" i="0" dirty="0" err="1">
+                <a:solidFill>
+                  <a:srgbClr val="222222"/>
+                </a:solidFill>
+                <a:effectLst/>
+                <a:latin typeface="Arial" panose="020B0604020202020204" pitchFamily="34" charset="0"/>
+              </a:rPr>
+              <a:t>Mazurczyk</a:t>
+            </a:r>
+            <a:r>
+              <a:rPr lang="en-US" b="0" i="0" dirty="0">
+                <a:solidFill>
+                  <a:srgbClr val="222222"/>
+                </a:solidFill>
+                <a:effectLst/>
+                <a:latin typeface="Arial" panose="020B0604020202020204" pitchFamily="34" charset="0"/>
+              </a:rPr>
+              <a:t>: </a:t>
+            </a:r>
+            <a:r>
+              <a:rPr lang="en-US" b="0" i="1" dirty="0">
+                <a:solidFill>
+                  <a:srgbClr val="222222"/>
+                </a:solidFill>
+                <a:effectLst/>
+                <a:latin typeface="Arial" panose="020B0604020202020204" pitchFamily="34" charset="0"/>
+              </a:rPr>
+              <a:t>Comprehensive Analysis of MQTT 5.0 Susceptibility to Network Covert Channels</a:t>
+            </a:r>
+            <a:r>
+              <a:rPr lang="en-US" b="0" i="0" dirty="0">
+                <a:solidFill>
+                  <a:srgbClr val="222222"/>
+                </a:solidFill>
+                <a:effectLst/>
+                <a:latin typeface="Arial" panose="020B0604020202020204" pitchFamily="34" charset="0"/>
+              </a:rPr>
+              <a:t>, Computers &amp; Security, Elsevier, 2021. </a:t>
+            </a:r>
+          </a:p>
+          <a:p>
+            <a:pPr algn="l"/>
+            <a:r>
+              <a:rPr lang="en-US" b="0" i="0" dirty="0">
+                <a:solidFill>
+                  <a:srgbClr val="222222"/>
+                </a:solidFill>
+                <a:effectLst/>
+                <a:latin typeface="Arial" panose="020B0604020202020204" pitchFamily="34" charset="0"/>
+              </a:rPr>
+              <a:t>[6] L. Hartmann, S. </a:t>
+            </a:r>
+            <a:r>
+              <a:rPr lang="en-US" b="0" i="0" dirty="0" err="1">
+                <a:solidFill>
+                  <a:srgbClr val="222222"/>
+                </a:solidFill>
+                <a:effectLst/>
+                <a:latin typeface="Arial" panose="020B0604020202020204" pitchFamily="34" charset="0"/>
+              </a:rPr>
+              <a:t>Zillien</a:t>
+            </a:r>
+            <a:r>
+              <a:rPr lang="en-US" b="0" i="0" dirty="0">
+                <a:solidFill>
+                  <a:srgbClr val="222222"/>
+                </a:solidFill>
+                <a:effectLst/>
+                <a:latin typeface="Arial" panose="020B0604020202020204" pitchFamily="34" charset="0"/>
+              </a:rPr>
+              <a:t>, S. </a:t>
+            </a:r>
+            <a:r>
+              <a:rPr lang="en-US" b="0" i="0" dirty="0" err="1">
+                <a:solidFill>
+                  <a:srgbClr val="222222"/>
+                </a:solidFill>
+                <a:effectLst/>
+                <a:latin typeface="Arial" panose="020B0604020202020204" pitchFamily="34" charset="0"/>
+              </a:rPr>
+              <a:t>Wendzel</a:t>
+            </a:r>
+            <a:r>
+              <a:rPr lang="en-US" b="0" i="0" dirty="0">
+                <a:solidFill>
+                  <a:srgbClr val="222222"/>
+                </a:solidFill>
+                <a:effectLst/>
+                <a:latin typeface="Arial" panose="020B0604020202020204" pitchFamily="34" charset="0"/>
+              </a:rPr>
+              <a:t>: </a:t>
+            </a:r>
+            <a:r>
+              <a:rPr lang="en-US" b="0" i="1" dirty="0">
+                <a:solidFill>
+                  <a:srgbClr val="222222"/>
+                </a:solidFill>
+                <a:effectLst/>
+                <a:latin typeface="Arial" panose="020B0604020202020204" pitchFamily="34" charset="0"/>
+              </a:rPr>
+              <a:t>Reset- and Reconnection-based Covert Channels in CoAP</a:t>
+            </a:r>
+            <a:r>
+              <a:rPr lang="en-US" b="0" i="0" dirty="0">
+                <a:solidFill>
+                  <a:srgbClr val="222222"/>
+                </a:solidFill>
+                <a:effectLst/>
+                <a:latin typeface="Arial" panose="020B0604020202020204" pitchFamily="34" charset="0"/>
+              </a:rPr>
+              <a:t>. In: Proc. European Interdisciplinary Cybersecurity Conference (EICC), 2021.</a:t>
+            </a:r>
+          </a:p>
+          <a:p>
             <a:endParaRPr lang="en-US" dirty="0"/>
           </a:p>
         </p:txBody>
@@ -3575,7 +4231,7 @@
     </p:spTree>
     <p:extLst>
       <p:ext uri="{BB962C8B-B14F-4D97-AF65-F5344CB8AC3E}">
-        <p14:creationId xmlns:p14="http://schemas.microsoft.com/office/powerpoint/2010/main" val="1272206158"/>
+        <p14:creationId xmlns:p14="http://schemas.microsoft.com/office/powerpoint/2010/main" val="4215765189"/>
       </p:ext>
     </p:extLst>
   </p:cSld>
@@ -3626,12 +4282,9 @@
         </p:nvSpPr>
         <p:spPr/>
         <p:txBody>
-          <a:bodyPr>
-            <a:normAutofit fontScale="92500" lnSpcReduction="10000"/>
-          </a:bodyPr>
+          <a:bodyPr/>
           <a:lstStyle/>
           <a:p>
-            <a:pPr algn="l"/>
             <a:r>
               <a:rPr lang="en-US" b="0" i="0" dirty="0">
                 <a:solidFill>
@@ -3743,582 +4396,6 @@
               </a:rPr>
               <a:t>.</a:t>
             </a:r>
-            <a:br>
-              <a:rPr lang="en-US" b="0" i="0" dirty="0">
-                <a:solidFill>
-                  <a:srgbClr val="222222"/>
-                </a:solidFill>
-                <a:effectLst/>
-                <a:latin typeface="Arial" panose="020B0604020202020204" pitchFamily="34" charset="0"/>
-              </a:rPr>
-            </a:br>
-            <a:br>
-              <a:rPr lang="en-US" b="0" i="0" dirty="0">
-                <a:solidFill>
-                  <a:srgbClr val="222222"/>
-                </a:solidFill>
-                <a:effectLst/>
-                <a:latin typeface="Arial" panose="020B0604020202020204" pitchFamily="34" charset="0"/>
-              </a:rPr>
-            </a:br>
-            <a:r>
-              <a:rPr lang="en-US" b="0" i="0" dirty="0">
-                <a:solidFill>
-                  <a:srgbClr val="222222"/>
-                </a:solidFill>
-                <a:effectLst/>
-                <a:latin typeface="Arial" panose="020B0604020202020204" pitchFamily="34" charset="0"/>
-              </a:rPr>
-              <a:t>[2] W. </a:t>
-            </a:r>
-            <a:r>
-              <a:rPr lang="en-US" b="0" i="0" dirty="0" err="1">
-                <a:solidFill>
-                  <a:srgbClr val="222222"/>
-                </a:solidFill>
-                <a:effectLst/>
-                <a:latin typeface="Arial" panose="020B0604020202020204" pitchFamily="34" charset="0"/>
-              </a:rPr>
-              <a:t>Mazurczyk</a:t>
-            </a:r>
-            <a:r>
-              <a:rPr lang="en-US" b="0" i="0" dirty="0">
-                <a:solidFill>
-                  <a:srgbClr val="222222"/>
-                </a:solidFill>
-                <a:effectLst/>
-                <a:latin typeface="Arial" panose="020B0604020202020204" pitchFamily="34" charset="0"/>
-              </a:rPr>
-              <a:t>, S. </a:t>
-            </a:r>
-            <a:r>
-              <a:rPr lang="en-US" b="0" i="0" dirty="0" err="1">
-                <a:solidFill>
-                  <a:srgbClr val="222222"/>
-                </a:solidFill>
-                <a:effectLst/>
-                <a:latin typeface="Arial" panose="020B0604020202020204" pitchFamily="34" charset="0"/>
-              </a:rPr>
-              <a:t>Wendzel</a:t>
-            </a:r>
-            <a:r>
-              <a:rPr lang="en-US" b="0" i="0" dirty="0">
-                <a:solidFill>
-                  <a:srgbClr val="222222"/>
-                </a:solidFill>
-                <a:effectLst/>
-                <a:latin typeface="Arial" panose="020B0604020202020204" pitchFamily="34" charset="0"/>
-              </a:rPr>
-              <a:t>, S. Zander, A. </a:t>
-            </a:r>
-            <a:r>
-              <a:rPr lang="en-US" b="0" i="0" dirty="0" err="1">
-                <a:solidFill>
-                  <a:srgbClr val="222222"/>
-                </a:solidFill>
-                <a:effectLst/>
-                <a:latin typeface="Arial" panose="020B0604020202020204" pitchFamily="34" charset="0"/>
-              </a:rPr>
-              <a:t>Houmansadr</a:t>
-            </a:r>
-            <a:r>
-              <a:rPr lang="en-US" b="0" i="0" dirty="0">
-                <a:solidFill>
-                  <a:srgbClr val="222222"/>
-                </a:solidFill>
-                <a:effectLst/>
-                <a:latin typeface="Arial" panose="020B0604020202020204" pitchFamily="34" charset="0"/>
-              </a:rPr>
-              <a:t>, K. </a:t>
-            </a:r>
-            <a:r>
-              <a:rPr lang="en-US" b="0" i="0" dirty="0" err="1">
-                <a:solidFill>
-                  <a:srgbClr val="222222"/>
-                </a:solidFill>
-                <a:effectLst/>
-                <a:latin typeface="Arial" panose="020B0604020202020204" pitchFamily="34" charset="0"/>
-              </a:rPr>
-              <a:t>Szczypiorski</a:t>
-            </a:r>
-            <a:r>
-              <a:rPr lang="en-US" b="0" i="0" dirty="0">
-                <a:solidFill>
-                  <a:srgbClr val="222222"/>
-                </a:solidFill>
-                <a:effectLst/>
-                <a:latin typeface="Arial" panose="020B0604020202020204" pitchFamily="34" charset="0"/>
-              </a:rPr>
-              <a:t>: </a:t>
-            </a:r>
-            <a:r>
-              <a:rPr lang="en-US" b="0" i="1" u="none" strike="noStrike" dirty="0">
-                <a:solidFill>
-                  <a:srgbClr val="1177CC"/>
-                </a:solidFill>
-                <a:effectLst/>
-                <a:latin typeface="Arial" panose="020B0604020202020204" pitchFamily="34" charset="0"/>
-                <a:hlinkClick r:id="rId5"/>
-              </a:rPr>
-              <a:t>Information Hiding in Communication Networks</a:t>
-            </a:r>
-            <a:r>
-              <a:rPr lang="en-US" b="0" i="0" dirty="0">
-                <a:solidFill>
-                  <a:srgbClr val="222222"/>
-                </a:solidFill>
-                <a:effectLst/>
-                <a:latin typeface="Arial" panose="020B0604020202020204" pitchFamily="34" charset="0"/>
-              </a:rPr>
-              <a:t>, Wiley, 2016. Chapters 3 and 8 contain discussions on hiding patterns, basically on the basis of [1] but with an extension of timing-based patterns.</a:t>
-            </a:r>
-            <a:br>
-              <a:rPr lang="en-US" b="0" i="0" dirty="0">
-                <a:solidFill>
-                  <a:srgbClr val="222222"/>
-                </a:solidFill>
-                <a:effectLst/>
-                <a:latin typeface="Arial" panose="020B0604020202020204" pitchFamily="34" charset="0"/>
-              </a:rPr>
-            </a:br>
-            <a:br>
-              <a:rPr lang="en-US" b="0" i="0" dirty="0">
-                <a:solidFill>
-                  <a:srgbClr val="222222"/>
-                </a:solidFill>
-                <a:effectLst/>
-                <a:latin typeface="Arial" panose="020B0604020202020204" pitchFamily="34" charset="0"/>
-              </a:rPr>
-            </a:br>
-            <a:r>
-              <a:rPr lang="en-US" b="0" i="0" dirty="0">
-                <a:solidFill>
-                  <a:srgbClr val="222222"/>
-                </a:solidFill>
-                <a:effectLst/>
-                <a:latin typeface="Arial" panose="020B0604020202020204" pitchFamily="34" charset="0"/>
-              </a:rPr>
-              <a:t>[3] W. </a:t>
-            </a:r>
-            <a:r>
-              <a:rPr lang="en-US" b="0" i="0" dirty="0" err="1">
-                <a:solidFill>
-                  <a:srgbClr val="222222"/>
-                </a:solidFill>
-                <a:effectLst/>
-                <a:latin typeface="Arial" panose="020B0604020202020204" pitchFamily="34" charset="0"/>
-              </a:rPr>
-              <a:t>Mazurczyk</a:t>
-            </a:r>
-            <a:r>
-              <a:rPr lang="en-US" b="0" i="0" dirty="0">
-                <a:solidFill>
-                  <a:srgbClr val="222222"/>
-                </a:solidFill>
-                <a:effectLst/>
-                <a:latin typeface="Arial" panose="020B0604020202020204" pitchFamily="34" charset="0"/>
-              </a:rPr>
-              <a:t>, S. </a:t>
-            </a:r>
-            <a:r>
-              <a:rPr lang="en-US" b="0" i="0" dirty="0" err="1">
-                <a:solidFill>
-                  <a:srgbClr val="222222"/>
-                </a:solidFill>
-                <a:effectLst/>
-                <a:latin typeface="Arial" panose="020B0604020202020204" pitchFamily="34" charset="0"/>
-              </a:rPr>
-              <a:t>Wendzel</a:t>
-            </a:r>
-            <a:r>
-              <a:rPr lang="en-US" b="0" i="0" dirty="0">
-                <a:solidFill>
-                  <a:srgbClr val="222222"/>
-                </a:solidFill>
-                <a:effectLst/>
-                <a:latin typeface="Arial" panose="020B0604020202020204" pitchFamily="34" charset="0"/>
-              </a:rPr>
-              <a:t>, K. </a:t>
-            </a:r>
-            <a:r>
-              <a:rPr lang="en-US" b="0" i="0" dirty="0" err="1">
-                <a:solidFill>
-                  <a:srgbClr val="222222"/>
-                </a:solidFill>
-                <a:effectLst/>
-                <a:latin typeface="Arial" panose="020B0604020202020204" pitchFamily="34" charset="0"/>
-              </a:rPr>
-              <a:t>Cabaj</a:t>
-            </a:r>
-            <a:r>
-              <a:rPr lang="en-US" b="0" i="0" dirty="0">
-                <a:solidFill>
-                  <a:srgbClr val="222222"/>
-                </a:solidFill>
-                <a:effectLst/>
-                <a:latin typeface="Arial" panose="020B0604020202020204" pitchFamily="34" charset="0"/>
-              </a:rPr>
-              <a:t>: </a:t>
-            </a:r>
-            <a:r>
-              <a:rPr lang="en-US" b="0" i="1" u="none" strike="noStrike" dirty="0">
-                <a:solidFill>
-                  <a:srgbClr val="1177CC"/>
-                </a:solidFill>
-                <a:effectLst/>
-                <a:latin typeface="Arial" panose="020B0604020202020204" pitchFamily="34" charset="0"/>
-                <a:hlinkClick r:id="rId6"/>
-              </a:rPr>
-              <a:t>Towards Deriving Insights into Data Hiding Methods Using Pattern-based Approach</a:t>
-            </a:r>
-            <a:r>
-              <a:rPr lang="en-US" b="0" i="0" dirty="0">
-                <a:solidFill>
-                  <a:srgbClr val="222222"/>
-                </a:solidFill>
-                <a:effectLst/>
-                <a:latin typeface="Arial" panose="020B0604020202020204" pitchFamily="34" charset="0"/>
-              </a:rPr>
-              <a:t>, in Proc. Second International Workshop on Criminal Use of Information Hiding (CUING 2018) at ARES, pp. 10:1-10:10, ACM, 2018.</a:t>
-            </a:r>
-          </a:p>
-          <a:p>
-            <a:pPr algn="l"/>
-            <a:r>
-              <a:rPr lang="en-US" b="0" i="0" dirty="0">
-                <a:solidFill>
-                  <a:srgbClr val="222222"/>
-                </a:solidFill>
-                <a:effectLst/>
-                <a:latin typeface="Arial" panose="020B0604020202020204" pitchFamily="34" charset="0"/>
-              </a:rPr>
-              <a:t>[4] A. </a:t>
-            </a:r>
-            <a:r>
-              <a:rPr lang="en-US" b="0" i="0" dirty="0" err="1">
-                <a:solidFill>
-                  <a:srgbClr val="222222"/>
-                </a:solidFill>
-                <a:effectLst/>
-                <a:latin typeface="Arial" panose="020B0604020202020204" pitchFamily="34" charset="0"/>
-              </a:rPr>
-              <a:t>Velinov</a:t>
-            </a:r>
-            <a:r>
-              <a:rPr lang="en-US" b="0" i="0" dirty="0">
-                <a:solidFill>
-                  <a:srgbClr val="222222"/>
-                </a:solidFill>
-                <a:effectLst/>
-                <a:latin typeface="Arial" panose="020B0604020202020204" pitchFamily="34" charset="0"/>
-              </a:rPr>
-              <a:t>, A. </a:t>
-            </a:r>
-            <a:r>
-              <a:rPr lang="en-US" b="0" i="0" dirty="0" err="1">
-                <a:solidFill>
-                  <a:srgbClr val="222222"/>
-                </a:solidFill>
-                <a:effectLst/>
-                <a:latin typeface="Arial" panose="020B0604020202020204" pitchFamily="34" charset="0"/>
-              </a:rPr>
-              <a:t>Mileva</a:t>
-            </a:r>
-            <a:r>
-              <a:rPr lang="en-US" b="0" i="0" dirty="0">
-                <a:solidFill>
-                  <a:srgbClr val="222222"/>
-                </a:solidFill>
-                <a:effectLst/>
-                <a:latin typeface="Arial" panose="020B0604020202020204" pitchFamily="34" charset="0"/>
-              </a:rPr>
-              <a:t>, S. </a:t>
-            </a:r>
-            <a:r>
-              <a:rPr lang="en-US" b="0" i="0" dirty="0" err="1">
-                <a:solidFill>
-                  <a:srgbClr val="222222"/>
-                </a:solidFill>
-                <a:effectLst/>
-                <a:latin typeface="Arial" panose="020B0604020202020204" pitchFamily="34" charset="0"/>
-              </a:rPr>
-              <a:t>Wendzel</a:t>
-            </a:r>
-            <a:r>
-              <a:rPr lang="en-US" b="0" i="0" dirty="0">
-                <a:solidFill>
-                  <a:srgbClr val="222222"/>
-                </a:solidFill>
-                <a:effectLst/>
-                <a:latin typeface="Arial" panose="020B0604020202020204" pitchFamily="34" charset="0"/>
-              </a:rPr>
-              <a:t>, W. </a:t>
-            </a:r>
-            <a:r>
-              <a:rPr lang="en-US" b="0" i="0" dirty="0" err="1">
-                <a:solidFill>
-                  <a:srgbClr val="222222"/>
-                </a:solidFill>
-                <a:effectLst/>
-                <a:latin typeface="Arial" panose="020B0604020202020204" pitchFamily="34" charset="0"/>
-              </a:rPr>
-              <a:t>Mazurczyk</a:t>
-            </a:r>
-            <a:r>
-              <a:rPr lang="en-US" b="0" i="0" dirty="0">
-                <a:solidFill>
-                  <a:srgbClr val="222222"/>
-                </a:solidFill>
-                <a:effectLst/>
-                <a:latin typeface="Arial" panose="020B0604020202020204" pitchFamily="34" charset="0"/>
-              </a:rPr>
-              <a:t>: </a:t>
-            </a:r>
-            <a:r>
-              <a:rPr lang="en-US" b="0" i="0" u="none" strike="noStrike" dirty="0">
-                <a:solidFill>
-                  <a:srgbClr val="1177CC"/>
-                </a:solidFill>
-                <a:effectLst/>
-                <a:latin typeface="Arial" panose="020B0604020202020204" pitchFamily="34" charset="0"/>
-                <a:hlinkClick r:id="rId7"/>
-              </a:rPr>
-              <a:t>Covert Channels in MQTT-based Internet of Things</a:t>
-            </a:r>
-            <a:r>
-              <a:rPr lang="en-US" b="0" i="0" dirty="0">
-                <a:solidFill>
-                  <a:srgbClr val="222222"/>
-                </a:solidFill>
-                <a:effectLst/>
-                <a:latin typeface="Arial" panose="020B0604020202020204" pitchFamily="34" charset="0"/>
-              </a:rPr>
-              <a:t>, </a:t>
-            </a:r>
-            <a:r>
-              <a:rPr lang="en-US" b="0" i="1" dirty="0">
-                <a:solidFill>
-                  <a:srgbClr val="222222"/>
-                </a:solidFill>
-                <a:effectLst/>
-                <a:latin typeface="Arial" panose="020B0604020202020204" pitchFamily="34" charset="0"/>
-              </a:rPr>
-              <a:t>IEEE ACCESS</a:t>
-            </a:r>
-            <a:r>
-              <a:rPr lang="en-US" b="0" i="0" dirty="0">
-                <a:solidFill>
-                  <a:srgbClr val="222222"/>
-                </a:solidFill>
-                <a:effectLst/>
-                <a:latin typeface="Arial" panose="020B0604020202020204" pitchFamily="34" charset="0"/>
-              </a:rPr>
-              <a:t>, Vol. 7, pp. 161899-161915, 2019. </a:t>
-            </a:r>
-            <a:br>
-              <a:rPr lang="en-US" b="0" i="0" dirty="0">
-                <a:solidFill>
-                  <a:srgbClr val="222222"/>
-                </a:solidFill>
-                <a:effectLst/>
-                <a:latin typeface="Arial" panose="020B0604020202020204" pitchFamily="34" charset="0"/>
-              </a:rPr>
-            </a:br>
-            <a:endParaRPr lang="en-US" b="0" i="0" dirty="0">
-              <a:solidFill>
-                <a:srgbClr val="222222"/>
-              </a:solidFill>
-              <a:effectLst/>
-              <a:latin typeface="Arial" panose="020B0604020202020204" pitchFamily="34" charset="0"/>
-            </a:endParaRPr>
-          </a:p>
-          <a:p>
-            <a:pPr algn="l"/>
-            <a:r>
-              <a:rPr lang="en-US" b="0" i="0" dirty="0">
-                <a:solidFill>
-                  <a:srgbClr val="222222"/>
-                </a:solidFill>
-                <a:effectLst/>
-                <a:latin typeface="Arial" panose="020B0604020202020204" pitchFamily="34" charset="0"/>
-              </a:rPr>
-              <a:t>[5] A. </a:t>
-            </a:r>
-            <a:r>
-              <a:rPr lang="en-US" b="0" i="0" dirty="0" err="1">
-                <a:solidFill>
-                  <a:srgbClr val="222222"/>
-                </a:solidFill>
-                <a:effectLst/>
-                <a:latin typeface="Arial" panose="020B0604020202020204" pitchFamily="34" charset="0"/>
-              </a:rPr>
-              <a:t>Mileva</a:t>
-            </a:r>
-            <a:r>
-              <a:rPr lang="en-US" b="0" i="0" dirty="0">
-                <a:solidFill>
-                  <a:srgbClr val="222222"/>
-                </a:solidFill>
-                <a:effectLst/>
-                <a:latin typeface="Arial" panose="020B0604020202020204" pitchFamily="34" charset="0"/>
-              </a:rPr>
-              <a:t>, A. </a:t>
-            </a:r>
-            <a:r>
-              <a:rPr lang="en-US" b="0" i="0" dirty="0" err="1">
-                <a:solidFill>
-                  <a:srgbClr val="222222"/>
-                </a:solidFill>
-                <a:effectLst/>
-                <a:latin typeface="Arial" panose="020B0604020202020204" pitchFamily="34" charset="0"/>
-              </a:rPr>
-              <a:t>Velinov</a:t>
-            </a:r>
-            <a:r>
-              <a:rPr lang="en-US" b="0" i="0" dirty="0">
-                <a:solidFill>
-                  <a:srgbClr val="222222"/>
-                </a:solidFill>
-                <a:effectLst/>
-                <a:latin typeface="Arial" panose="020B0604020202020204" pitchFamily="34" charset="0"/>
-              </a:rPr>
-              <a:t>, L. Hartmann, S. </a:t>
-            </a:r>
-            <a:r>
-              <a:rPr lang="en-US" b="0" i="0" dirty="0" err="1">
-                <a:solidFill>
-                  <a:srgbClr val="222222"/>
-                </a:solidFill>
-                <a:effectLst/>
-                <a:latin typeface="Arial" panose="020B0604020202020204" pitchFamily="34" charset="0"/>
-              </a:rPr>
-              <a:t>Wendzel</a:t>
-            </a:r>
-            <a:r>
-              <a:rPr lang="en-US" b="0" i="0" dirty="0">
-                <a:solidFill>
-                  <a:srgbClr val="222222"/>
-                </a:solidFill>
-                <a:effectLst/>
-                <a:latin typeface="Arial" panose="020B0604020202020204" pitchFamily="34" charset="0"/>
-              </a:rPr>
-              <a:t>, W. </a:t>
-            </a:r>
-            <a:r>
-              <a:rPr lang="en-US" b="0" i="0" dirty="0" err="1">
-                <a:solidFill>
-                  <a:srgbClr val="222222"/>
-                </a:solidFill>
-                <a:effectLst/>
-                <a:latin typeface="Arial" panose="020B0604020202020204" pitchFamily="34" charset="0"/>
-              </a:rPr>
-              <a:t>Mazurczyk</a:t>
-            </a:r>
-            <a:r>
-              <a:rPr lang="en-US" b="0" i="0" dirty="0">
-                <a:solidFill>
-                  <a:srgbClr val="222222"/>
-                </a:solidFill>
-                <a:effectLst/>
-                <a:latin typeface="Arial" panose="020B0604020202020204" pitchFamily="34" charset="0"/>
-              </a:rPr>
-              <a:t>: </a:t>
-            </a:r>
-            <a:r>
-              <a:rPr lang="en-US" b="0" i="1" dirty="0">
-                <a:solidFill>
-                  <a:srgbClr val="222222"/>
-                </a:solidFill>
-                <a:effectLst/>
-                <a:latin typeface="Arial" panose="020B0604020202020204" pitchFamily="34" charset="0"/>
-              </a:rPr>
-              <a:t>Comprehensive Analysis of MQTT 5.0 Susceptibility to Network Covert Channels</a:t>
-            </a:r>
-            <a:r>
-              <a:rPr lang="en-US" b="0" i="0" dirty="0">
-                <a:solidFill>
-                  <a:srgbClr val="222222"/>
-                </a:solidFill>
-                <a:effectLst/>
-                <a:latin typeface="Arial" panose="020B0604020202020204" pitchFamily="34" charset="0"/>
-              </a:rPr>
-              <a:t>, Computers &amp; Security, Elsevier, 2021. </a:t>
-            </a:r>
-          </a:p>
-          <a:p>
-            <a:pPr algn="l"/>
-            <a:r>
-              <a:rPr lang="en-US" b="0" i="0" dirty="0">
-                <a:solidFill>
-                  <a:srgbClr val="222222"/>
-                </a:solidFill>
-                <a:effectLst/>
-                <a:latin typeface="Arial" panose="020B0604020202020204" pitchFamily="34" charset="0"/>
-              </a:rPr>
-              <a:t>[6] L. Hartmann, S. </a:t>
-            </a:r>
-            <a:r>
-              <a:rPr lang="en-US" b="0" i="0" dirty="0" err="1">
-                <a:solidFill>
-                  <a:srgbClr val="222222"/>
-                </a:solidFill>
-                <a:effectLst/>
-                <a:latin typeface="Arial" panose="020B0604020202020204" pitchFamily="34" charset="0"/>
-              </a:rPr>
-              <a:t>Zillien</a:t>
-            </a:r>
-            <a:r>
-              <a:rPr lang="en-US" b="0" i="0" dirty="0">
-                <a:solidFill>
-                  <a:srgbClr val="222222"/>
-                </a:solidFill>
-                <a:effectLst/>
-                <a:latin typeface="Arial" panose="020B0604020202020204" pitchFamily="34" charset="0"/>
-              </a:rPr>
-              <a:t>, S. </a:t>
-            </a:r>
-            <a:r>
-              <a:rPr lang="en-US" b="0" i="0" dirty="0" err="1">
-                <a:solidFill>
-                  <a:srgbClr val="222222"/>
-                </a:solidFill>
-                <a:effectLst/>
-                <a:latin typeface="Arial" panose="020B0604020202020204" pitchFamily="34" charset="0"/>
-              </a:rPr>
-              <a:t>Wendzel</a:t>
-            </a:r>
-            <a:r>
-              <a:rPr lang="en-US" b="0" i="0" dirty="0">
-                <a:solidFill>
-                  <a:srgbClr val="222222"/>
-                </a:solidFill>
-                <a:effectLst/>
-                <a:latin typeface="Arial" panose="020B0604020202020204" pitchFamily="34" charset="0"/>
-              </a:rPr>
-              <a:t>: </a:t>
-            </a:r>
-            <a:r>
-              <a:rPr lang="en-US" b="0" i="1" dirty="0">
-                <a:solidFill>
-                  <a:srgbClr val="222222"/>
-                </a:solidFill>
-                <a:effectLst/>
-                <a:latin typeface="Arial" panose="020B0604020202020204" pitchFamily="34" charset="0"/>
-              </a:rPr>
-              <a:t>Reset- and Reconnection-based Covert Channels in CoAP</a:t>
-            </a:r>
-            <a:r>
-              <a:rPr lang="en-US" b="0" i="0" dirty="0">
-                <a:solidFill>
-                  <a:srgbClr val="222222"/>
-                </a:solidFill>
-                <a:effectLst/>
-                <a:latin typeface="Arial" panose="020B0604020202020204" pitchFamily="34" charset="0"/>
-              </a:rPr>
-              <a:t>. In: Proc. European Interdisciplinary Cybersecurity Conference (EICC), 2021.</a:t>
-            </a:r>
-          </a:p>
-          <a:p>
             <a:endParaRPr lang="en-US" dirty="0"/>
           </a:p>
         </p:txBody>
@@ -4326,7 +4403,7 @@
     </p:spTree>
     <p:extLst>
       <p:ext uri="{BB962C8B-B14F-4D97-AF65-F5344CB8AC3E}">
-        <p14:creationId xmlns:p14="http://schemas.microsoft.com/office/powerpoint/2010/main" val="224571251"/>
+        <p14:creationId xmlns:p14="http://schemas.microsoft.com/office/powerpoint/2010/main" val="1272206158"/>
       </p:ext>
     </p:extLst>
   </p:cSld>
@@ -4377,79 +4454,41 @@
         </p:nvSpPr>
         <p:spPr/>
         <p:txBody>
-          <a:bodyPr/>
+          <a:bodyPr>
+            <a:normAutofit fontScale="92500" lnSpcReduction="10000"/>
+          </a:bodyPr>
           <a:lstStyle/>
           <a:p>
-            <a:pPr marL="0" marR="0" lvl="0" indent="0" algn="l" defTabSz="914400" rtl="0" eaLnBrk="1" fontAlgn="auto" latinLnBrk="0" hangingPunct="1">
-              <a:lnSpc>
-                <a:spcPct val="100000"/>
-              </a:lnSpc>
-              <a:spcBef>
-                <a:spcPts val="0"/>
-              </a:spcBef>
-              <a:spcAft>
-                <a:spcPts val="0"/>
-              </a:spcAft>
-              <a:buClrTx/>
-              <a:buSzTx/>
-              <a:buFontTx/>
-              <a:buNone/>
-              <a:tabLst/>
-              <a:defRPr/>
-            </a:pPr>
-            <a:r>
-              <a:rPr lang="en-US" dirty="0"/>
-              <a:t>Screenshot from </a:t>
-            </a:r>
-            <a:r>
-              <a:rPr lang="en-US" sz="1200" dirty="0"/>
-              <a:t>A Pattern-based Survey and Categorization of Network Covert Channel Techniques by Steffen </a:t>
-            </a:r>
-            <a:r>
-              <a:rPr lang="en-US" sz="1200" dirty="0" err="1"/>
+            <a:pPr algn="l"/>
+            <a:r>
+              <a:rPr lang="en-US" b="0" i="0" dirty="0">
+                <a:solidFill>
+                  <a:srgbClr val="222222"/>
+                </a:solidFill>
+                <a:effectLst/>
+                <a:latin typeface="Arial" panose="020B0604020202020204" pitchFamily="34" charset="0"/>
+              </a:rPr>
+              <a:t>[1] S. </a:t>
+            </a:r>
+            <a:r>
+              <a:rPr lang="en-US" b="0" i="0" dirty="0" err="1">
+                <a:solidFill>
+                  <a:srgbClr val="222222"/>
+                </a:solidFill>
+                <a:effectLst/>
+                <a:latin typeface="Arial" panose="020B0604020202020204" pitchFamily="34" charset="0"/>
+              </a:rPr>
               <a:t>Wendzel</a:t>
             </a:r>
             <a:r>
-              <a:rPr lang="en-US" dirty="0"/>
-              <a:t> </a:t>
-            </a:r>
-          </a:p>
-          <a:p>
-            <a:pPr marL="0" marR="0" lvl="0" indent="0" algn="l" defTabSz="914400" rtl="0" eaLnBrk="1" fontAlgn="auto" latinLnBrk="0" hangingPunct="1">
-              <a:lnSpc>
-                <a:spcPct val="100000"/>
-              </a:lnSpc>
-              <a:spcBef>
-                <a:spcPts val="0"/>
-              </a:spcBef>
-              <a:spcAft>
-                <a:spcPts val="0"/>
-              </a:spcAft>
-              <a:buClrTx/>
-              <a:buSzTx/>
-              <a:buFontTx/>
-              <a:buNone/>
-              <a:tabLst/>
-              <a:defRPr/>
-            </a:pPr>
-            <a:r>
-              <a:rPr lang="en-US" dirty="0"/>
-              <a:t>https://arxiv.org/pdf/1406.2901.pdf</a:t>
-            </a:r>
-          </a:p>
-          <a:p>
-            <a:endParaRPr lang="en-US" dirty="0"/>
-          </a:p>
-          <a:p>
-            <a:r>
-              <a:rPr lang="en-US" b="0" i="0" dirty="0">
-                <a:solidFill>
-                  <a:srgbClr val="222222"/>
-                </a:solidFill>
-                <a:effectLst/>
-                <a:latin typeface="Arial" panose="020B0604020202020204" pitchFamily="34" charset="0"/>
-              </a:rPr>
-              <a:t>[1] S. </a:t>
+              <a:rPr lang="en-US" b="0" i="0" dirty="0">
+                <a:solidFill>
+                  <a:srgbClr val="222222"/>
+                </a:solidFill>
+                <a:effectLst/>
+                <a:latin typeface="Arial" panose="020B0604020202020204" pitchFamily="34" charset="0"/>
+              </a:rPr>
+              <a:t>, S. Zander, B. Fechner, C. </a:t>
             </a:r>
             <a:r>
               <a:rPr lang="en-US" b="0" i="0" dirty="0" err="1">
@@ -4459,6 +4498,135 @@
                 <a:effectLst/>
                 <a:latin typeface="Arial" panose="020B0604020202020204" pitchFamily="34" charset="0"/>
               </a:rPr>
+              <a:t>Herdin</a:t>
+            </a:r>
+            <a:r>
+              <a:rPr lang="en-US" b="0" i="0" dirty="0">
+                <a:solidFill>
+                  <a:srgbClr val="222222"/>
+                </a:solidFill>
+                <a:effectLst/>
+                <a:latin typeface="Arial" panose="020B0604020202020204" pitchFamily="34" charset="0"/>
+              </a:rPr>
+              <a:t>: </a:t>
+            </a:r>
+            <a:r>
+              <a:rPr lang="en-US" b="0" i="1" u="none" strike="noStrike" dirty="0">
+                <a:solidFill>
+                  <a:srgbClr val="1177CC"/>
+                </a:solidFill>
+                <a:effectLst/>
+                <a:latin typeface="Arial" panose="020B0604020202020204" pitchFamily="34" charset="0"/>
+                <a:hlinkClick r:id="rId3"/>
+              </a:rPr>
+              <a:t>Pattern-based Survey and Categorization of Network Covert Channel Techniques</a:t>
+            </a:r>
+            <a:r>
+              <a:rPr lang="en-US" b="0" i="0" dirty="0">
+                <a:solidFill>
+                  <a:srgbClr val="222222"/>
+                </a:solidFill>
+                <a:effectLst/>
+                <a:latin typeface="Arial" panose="020B0604020202020204" pitchFamily="34" charset="0"/>
+              </a:rPr>
+              <a:t>, ACM Computing Surveys, Vol. 47, Issue 3, pp. 50:1-26, ACM, 2015.</a:t>
+            </a:r>
+            <a:br>
+              <a:rPr lang="en-US" b="0" i="0" dirty="0">
+                <a:solidFill>
+                  <a:srgbClr val="222222"/>
+                </a:solidFill>
+                <a:effectLst/>
+                <a:latin typeface="Arial" panose="020B0604020202020204" pitchFamily="34" charset="0"/>
+              </a:rPr>
+            </a:br>
+            <a:r>
+              <a:rPr lang="en-US" b="0" i="0" dirty="0">
+                <a:solidFill>
+                  <a:srgbClr val="222222"/>
+                </a:solidFill>
+                <a:effectLst/>
+                <a:latin typeface="Arial" panose="020B0604020202020204" pitchFamily="34" charset="0"/>
+              </a:rPr>
+              <a:t>An early version of the article is available here: </a:t>
+            </a:r>
+            <a:r>
+              <a:rPr lang="en-US" b="0" i="0" u="none" strike="noStrike" dirty="0">
+                <a:solidFill>
+                  <a:srgbClr val="1177CC"/>
+                </a:solidFill>
+                <a:effectLst/>
+                <a:latin typeface="Arial" panose="020B0604020202020204" pitchFamily="34" charset="0"/>
+                <a:hlinkClick r:id="rId4"/>
+              </a:rPr>
+              <a:t>download</a:t>
+            </a:r>
+            <a:r>
+              <a:rPr lang="en-US" b="0" i="0" dirty="0">
+                <a:solidFill>
+                  <a:srgbClr val="222222"/>
+                </a:solidFill>
+                <a:effectLst/>
+                <a:latin typeface="Arial" panose="020B0604020202020204" pitchFamily="34" charset="0"/>
+              </a:rPr>
+              <a:t>.</a:t>
+            </a:r>
+            <a:br>
+              <a:rPr lang="en-US" b="0" i="0" dirty="0">
+                <a:solidFill>
+                  <a:srgbClr val="222222"/>
+                </a:solidFill>
+                <a:effectLst/>
+                <a:latin typeface="Arial" panose="020B0604020202020204" pitchFamily="34" charset="0"/>
+              </a:rPr>
+            </a:br>
+            <a:br>
+              <a:rPr lang="en-US" b="0" i="0" dirty="0">
+                <a:solidFill>
+                  <a:srgbClr val="222222"/>
+                </a:solidFill>
+                <a:effectLst/>
+                <a:latin typeface="Arial" panose="020B0604020202020204" pitchFamily="34" charset="0"/>
+              </a:rPr>
+            </a:br>
+            <a:r>
+              <a:rPr lang="en-US" b="0" i="0" dirty="0">
+                <a:solidFill>
+                  <a:srgbClr val="222222"/>
+                </a:solidFill>
+                <a:effectLst/>
+                <a:latin typeface="Arial" panose="020B0604020202020204" pitchFamily="34" charset="0"/>
+              </a:rPr>
+              <a:t>[2] W. </a:t>
+            </a:r>
+            <a:r>
+              <a:rPr lang="en-US" b="0" i="0" dirty="0" err="1">
+                <a:solidFill>
+                  <a:srgbClr val="222222"/>
+                </a:solidFill>
+                <a:effectLst/>
+                <a:latin typeface="Arial" panose="020B0604020202020204" pitchFamily="34" charset="0"/>
+              </a:rPr>
+              <a:t>Mazurczyk</a:t>
+            </a:r>
+            <a:r>
+              <a:rPr lang="en-US" b="0" i="0" dirty="0">
+                <a:solidFill>
+                  <a:srgbClr val="222222"/>
+                </a:solidFill>
+                <a:effectLst/>
+                <a:latin typeface="Arial" panose="020B0604020202020204" pitchFamily="34" charset="0"/>
+              </a:rPr>
+              <a:t>, S. </a:t>
+            </a:r>
+            <a:r>
+              <a:rPr lang="en-US" b="0" i="0" dirty="0" err="1">
+                <a:solidFill>
+                  <a:srgbClr val="222222"/>
+                </a:solidFill>
+                <a:effectLst/>
+                <a:latin typeface="Arial" panose="020B0604020202020204" pitchFamily="34" charset="0"/>
+              </a:rPr>
               <a:t>Wendzel</a:t>
             </a:r>
             <a:r>
@@ -4469,7 +4637,7 @@
                 <a:effectLst/>
                 <a:latin typeface="Arial" panose="020B0604020202020204" pitchFamily="34" charset="0"/>
               </a:rPr>
-              <a:t>, S. Zander, B. Fechner, C. </a:t>
+              <a:t>, S. Zander, A. </a:t>
             </a:r>
             <a:r>
               <a:rPr lang="en-US" b="0" i="0" dirty="0" err="1">
@@ -4479,7 +4647,27 @@
                 <a:effectLst/>
                 <a:latin typeface="Arial" panose="020B0604020202020204" pitchFamily="34" charset="0"/>
               </a:rPr>
-              <a:t>Herdin</a:t>
+              <a:t>Houmansadr</a:t>
+            </a:r>
+            <a:r>
+              <a:rPr lang="en-US" b="0" i="0" dirty="0">
+                <a:solidFill>
+                  <a:srgbClr val="222222"/>
+                </a:solidFill>
+                <a:effectLst/>
+                <a:latin typeface="Arial" panose="020B0604020202020204" pitchFamily="34" charset="0"/>
+              </a:rPr>
+              <a:t>, K. </a:t>
+            </a:r>
+            <a:r>
+              <a:rPr lang="en-US" b="0" i="0" dirty="0" err="1">
+                <a:solidFill>
+                  <a:srgbClr val="222222"/>
+                </a:solidFill>
+                <a:effectLst/>
+                <a:latin typeface="Arial" panose="020B0604020202020204" pitchFamily="34" charset="0"/>
+              </a:rPr>
+              <a:t>Szczypiorski</a:t>
             </a:r>
             <a:r>
               <a:rPr lang="en-US" b="0" i="0" dirty="0">
@@ -4498,19 +4686,19 @@
                 </a:solidFill>
                 <a:effectLst/>
                 <a:latin typeface="Arial" panose="020B0604020202020204" pitchFamily="34" charset="0"/>
-                <a:hlinkClick r:id="rId3"/>
-              </a:rPr>
-              <a:t>Pattern-based Survey and Categorization of Network Covert Channel Techniques</a:t>
-            </a:r>
-            <a:r>
-              <a:rPr lang="en-US" b="0" i="0" dirty="0">
-                <a:solidFill>
-                  <a:srgbClr val="222222"/>
-                </a:solidFill>
-                <a:effectLst/>
-                <a:latin typeface="Arial" panose="020B0604020202020204" pitchFamily="34" charset="0"/>
-              </a:rPr>
-              <a:t>, ACM Computing Surveys, Vol. 47, Issue 3, pp. 50:1-26, ACM, 2015.</a:t>
+                <a:hlinkClick r:id="rId5"/>
+              </a:rPr>
+              <a:t>Information Hiding in Communication Networks</a:t>
+            </a:r>
+            <a:r>
+              <a:rPr lang="en-US" b="0" i="0" dirty="0">
+                <a:solidFill>
+                  <a:srgbClr val="222222"/>
+                </a:solidFill>
+                <a:effectLst/>
+                <a:latin typeface="Arial" panose="020B0604020202020204" pitchFamily="34" charset="0"/>
+              </a:rPr>
+              <a:t>, Wiley, 2016. Chapters 3 and 8 contain discussions on hiding patterns, basically on the basis of [1] but with an extension of timing-based patterns.</a:t>
             </a:r>
             <a:br>
               <a:rPr lang="en-US" b="0" i="0" dirty="0">
@@ -4521,15 +4709,198 @@
                 <a:latin typeface="Arial" panose="020B0604020202020204" pitchFamily="34" charset="0"/>
               </a:rPr>
             </a:br>
-            <a:r>
-              <a:rPr lang="en-US" b="0" i="0" dirty="0">
-                <a:solidFill>
-                  <a:srgbClr val="222222"/>
-                </a:solidFill>
-                <a:effectLst/>
-                <a:latin typeface="Arial" panose="020B0604020202020204" pitchFamily="34" charset="0"/>
-              </a:rPr>
-              <a:t>An early version of the article is available here: </a:t>
+            <a:br>
+              <a:rPr lang="en-US" b="0" i="0" dirty="0">
+                <a:solidFill>
+                  <a:srgbClr val="222222"/>
+                </a:solidFill>
+                <a:effectLst/>
+                <a:latin typeface="Arial" panose="020B0604020202020204" pitchFamily="34" charset="0"/>
+              </a:rPr>
+            </a:br>
+            <a:r>
+              <a:rPr lang="en-US" b="0" i="0" dirty="0">
+                <a:solidFill>
+                  <a:srgbClr val="222222"/>
+                </a:solidFill>
+                <a:effectLst/>
+                <a:latin typeface="Arial" panose="020B0604020202020204" pitchFamily="34" charset="0"/>
+              </a:rPr>
+              <a:t>[3] W. </a:t>
+            </a:r>
+            <a:r>
+              <a:rPr lang="en-US" b="0" i="0" dirty="0" err="1">
+                <a:solidFill>
+                  <a:srgbClr val="222222"/>
+                </a:solidFill>
+                <a:effectLst/>
+                <a:latin typeface="Arial" panose="020B0604020202020204" pitchFamily="34" charset="0"/>
+              </a:rPr>
+              <a:t>Mazurczyk</a:t>
+            </a:r>
+            <a:r>
+              <a:rPr lang="en-US" b="0" i="0" dirty="0">
+                <a:solidFill>
+                  <a:srgbClr val="222222"/>
+                </a:solidFill>
+                <a:effectLst/>
+                <a:latin typeface="Arial" panose="020B0604020202020204" pitchFamily="34" charset="0"/>
+              </a:rPr>
+              <a:t>, S. </a:t>
+            </a:r>
+            <a:r>
+              <a:rPr lang="en-US" b="0" i="0" dirty="0" err="1">
+                <a:solidFill>
+                  <a:srgbClr val="222222"/>
+                </a:solidFill>
+                <a:effectLst/>
+                <a:latin typeface="Arial" panose="020B0604020202020204" pitchFamily="34" charset="0"/>
+              </a:rPr>
+              <a:t>Wendzel</a:t>
+            </a:r>
+            <a:r>
+              <a:rPr lang="en-US" b="0" i="0" dirty="0">
+                <a:solidFill>
+                  <a:srgbClr val="222222"/>
+                </a:solidFill>
+                <a:effectLst/>
+                <a:latin typeface="Arial" panose="020B0604020202020204" pitchFamily="34" charset="0"/>
+              </a:rPr>
+              <a:t>, K. </a:t>
+            </a:r>
+            <a:r>
+              <a:rPr lang="en-US" b="0" i="0" dirty="0" err="1">
+                <a:solidFill>
+                  <a:srgbClr val="222222"/>
+                </a:solidFill>
+                <a:effectLst/>
+                <a:latin typeface="Arial" panose="020B0604020202020204" pitchFamily="34" charset="0"/>
+              </a:rPr>
+              <a:t>Cabaj</a:t>
+            </a:r>
+            <a:r>
+              <a:rPr lang="en-US" b="0" i="0" dirty="0">
+                <a:solidFill>
+                  <a:srgbClr val="222222"/>
+                </a:solidFill>
+                <a:effectLst/>
+                <a:latin typeface="Arial" panose="020B0604020202020204" pitchFamily="34" charset="0"/>
+              </a:rPr>
+              <a:t>: </a:t>
+            </a:r>
+            <a:r>
+              <a:rPr lang="en-US" b="0" i="1" u="none" strike="noStrike" dirty="0">
+                <a:solidFill>
+                  <a:srgbClr val="1177CC"/>
+                </a:solidFill>
+                <a:effectLst/>
+                <a:latin typeface="Arial" panose="020B0604020202020204" pitchFamily="34" charset="0"/>
+                <a:hlinkClick r:id="rId6"/>
+              </a:rPr>
+              <a:t>Towards Deriving Insights into Data Hiding Methods Using Pattern-based Approach</a:t>
+            </a:r>
+            <a:r>
+              <a:rPr lang="en-US" b="0" i="0" dirty="0">
+                <a:solidFill>
+                  <a:srgbClr val="222222"/>
+                </a:solidFill>
+                <a:effectLst/>
+                <a:latin typeface="Arial" panose="020B0604020202020204" pitchFamily="34" charset="0"/>
+              </a:rPr>
+              <a:t>, in Proc. Second International Workshop on Criminal Use of Information Hiding (CUING 2018) at ARES, pp. 10:1-10:10, ACM, 2018.</a:t>
+            </a:r>
+          </a:p>
+          <a:p>
+            <a:pPr algn="l"/>
+            <a:r>
+              <a:rPr lang="en-US" b="0" i="0" dirty="0">
+                <a:solidFill>
+                  <a:srgbClr val="222222"/>
+                </a:solidFill>
+                <a:effectLst/>
+                <a:latin typeface="Arial" panose="020B0604020202020204" pitchFamily="34" charset="0"/>
+              </a:rPr>
+              <a:t>[4] A. </a:t>
+            </a:r>
+            <a:r>
+              <a:rPr lang="en-US" b="0" i="0" dirty="0" err="1">
+                <a:solidFill>
+                  <a:srgbClr val="222222"/>
+                </a:solidFill>
+                <a:effectLst/>
+                <a:latin typeface="Arial" panose="020B0604020202020204" pitchFamily="34" charset="0"/>
+              </a:rPr>
+              <a:t>Velinov</a:t>
+            </a:r>
+            <a:r>
+              <a:rPr lang="en-US" b="0" i="0" dirty="0">
+                <a:solidFill>
+                  <a:srgbClr val="222222"/>
+                </a:solidFill>
+                <a:effectLst/>
+                <a:latin typeface="Arial" panose="020B0604020202020204" pitchFamily="34" charset="0"/>
+              </a:rPr>
+              <a:t>, A. </a:t>
+            </a:r>
+            <a:r>
+              <a:rPr lang="en-US" b="0" i="0" dirty="0" err="1">
+                <a:solidFill>
+                  <a:srgbClr val="222222"/>
+                </a:solidFill>
+                <a:effectLst/>
+                <a:latin typeface="Arial" panose="020B0604020202020204" pitchFamily="34" charset="0"/>
+              </a:rPr>
+              <a:t>Mileva</a:t>
+            </a:r>
+            <a:r>
+              <a:rPr lang="en-US" b="0" i="0" dirty="0">
+                <a:solidFill>
+                  <a:srgbClr val="222222"/>
+                </a:solidFill>
+                <a:effectLst/>
+                <a:latin typeface="Arial" panose="020B0604020202020204" pitchFamily="34" charset="0"/>
+              </a:rPr>
+              <a:t>, S. </a:t>
+            </a:r>
+            <a:r>
+              <a:rPr lang="en-US" b="0" i="0" dirty="0" err="1">
+                <a:solidFill>
+                  <a:srgbClr val="222222"/>
+                </a:solidFill>
+                <a:effectLst/>
+                <a:latin typeface="Arial" panose="020B0604020202020204" pitchFamily="34" charset="0"/>
+              </a:rPr>
+              <a:t>Wendzel</a:t>
+            </a:r>
+            <a:r>
+              <a:rPr lang="en-US" b="0" i="0" dirty="0">
+                <a:solidFill>
+                  <a:srgbClr val="222222"/>
+                </a:solidFill>
+                <a:effectLst/>
+                <a:latin typeface="Arial" panose="020B0604020202020204" pitchFamily="34" charset="0"/>
+              </a:rPr>
+              <a:t>, W. </a:t>
+            </a:r>
+            <a:r>
+              <a:rPr lang="en-US" b="0" i="0" dirty="0" err="1">
+                <a:solidFill>
+                  <a:srgbClr val="222222"/>
+                </a:solidFill>
+                <a:effectLst/>
+                <a:latin typeface="Arial" panose="020B0604020202020204" pitchFamily="34" charset="0"/>
+              </a:rPr>
+              <a:t>Mazurczyk</a:t>
+            </a:r>
+            <a:r>
+              <a:rPr lang="en-US" b="0" i="0" dirty="0">
+                <a:solidFill>
+                  <a:srgbClr val="222222"/>
+                </a:solidFill>
+                <a:effectLst/>
+                <a:latin typeface="Arial" panose="020B0604020202020204" pitchFamily="34" charset="0"/>
+              </a:rPr>
+              <a:t>: </a:t>
             </a:r>
             <a:r>
               <a:rPr lang="en-US" b="0" i="0" u="none" strike="noStrike" dirty="0">
@@ -4538,20 +4909,244 @@
                 </a:solidFill>
                 <a:effectLst/>
                 <a:latin typeface="Arial" panose="020B0604020202020204" pitchFamily="34" charset="0"/>
-                <a:hlinkClick r:id="rId4"/>
-              </a:rPr>
-              <a:t>download</a:t>
-            </a:r>
-            <a:r>
-              <a:rPr lang="en-US" b="0" i="0" dirty="0">
-                <a:solidFill>
-                  <a:srgbClr val="222222"/>
-                </a:solidFill>
-                <a:effectLst/>
-                <a:latin typeface="Arial" panose="020B0604020202020204" pitchFamily="34" charset="0"/>
-              </a:rPr>
-              <a:t>.</a:t>
-            </a:r>
+                <a:hlinkClick r:id="rId7"/>
+              </a:rPr>
+              <a:t>Covert Channels in MQTT-based Internet of Things</a:t>
+            </a:r>
+            <a:r>
+              <a:rPr lang="en-US" b="0" i="0" dirty="0">
+                <a:solidFill>
+                  <a:srgbClr val="222222"/>
+                </a:solidFill>
+                <a:effectLst/>
+                <a:latin typeface="Arial" panose="020B0604020202020204" pitchFamily="34" charset="0"/>
+              </a:rPr>
+              <a:t>, </a:t>
+            </a:r>
+            <a:r>
+              <a:rPr lang="en-US" b="0" i="1" dirty="0">
+                <a:solidFill>
+                  <a:srgbClr val="222222"/>
+                </a:solidFill>
+                <a:effectLst/>
+                <a:latin typeface="Arial" panose="020B0604020202020204" pitchFamily="34" charset="0"/>
+              </a:rPr>
+              <a:t>IEEE ACCESS</a:t>
+            </a:r>
+            <a:r>
+              <a:rPr lang="en-US" b="0" i="0" dirty="0">
+                <a:solidFill>
+                  <a:srgbClr val="222222"/>
+                </a:solidFill>
+                <a:effectLst/>
+                <a:latin typeface="Arial" panose="020B0604020202020204" pitchFamily="34" charset="0"/>
+              </a:rPr>
+              <a:t>, Vol. 7, pp. 161899-161915, 2019. </a:t>
+            </a:r>
+            <a:br>
+              <a:rPr lang="en-US" b="0" i="0" dirty="0">
+                <a:solidFill>
+                  <a:srgbClr val="222222"/>
+                </a:solidFill>
+                <a:effectLst/>
+                <a:latin typeface="Arial" panose="020B0604020202020204" pitchFamily="34" charset="0"/>
+              </a:rPr>
+            </a:br>
+            <a:endParaRPr lang="en-US" b="0" i="0" dirty="0">
+              <a:solidFill>
+                <a:srgbClr val="222222"/>
+              </a:solidFill>
+              <a:effectLst/>
+              <a:latin typeface="Arial" panose="020B0604020202020204" pitchFamily="34" charset="0"/>
+            </a:endParaRPr>
+          </a:p>
+          <a:p>
+            <a:pPr algn="l"/>
+            <a:r>
+              <a:rPr lang="en-US" b="0" i="0" dirty="0">
+                <a:solidFill>
+                  <a:srgbClr val="222222"/>
+                </a:solidFill>
+                <a:effectLst/>
+                <a:latin typeface="Arial" panose="020B0604020202020204" pitchFamily="34" charset="0"/>
+              </a:rPr>
+              <a:t>[5] A. </a:t>
+            </a:r>
+            <a:r>
+              <a:rPr lang="en-US" b="0" i="0" dirty="0" err="1">
+                <a:solidFill>
+                  <a:srgbClr val="222222"/>
+                </a:solidFill>
+                <a:effectLst/>
+                <a:latin typeface="Arial" panose="020B0604020202020204" pitchFamily="34" charset="0"/>
+              </a:rPr>
+              <a:t>Mileva</a:t>
+            </a:r>
+            <a:r>
+              <a:rPr lang="en-US" b="0" i="0" dirty="0">
+                <a:solidFill>
+                  <a:srgbClr val="222222"/>
+                </a:solidFill>
+                <a:effectLst/>
+                <a:latin typeface="Arial" panose="020B0604020202020204" pitchFamily="34" charset="0"/>
+              </a:rPr>
+              <a:t>, A. </a:t>
+            </a:r>
+            <a:r>
+              <a:rPr lang="en-US" b="0" i="0" dirty="0" err="1">
+                <a:solidFill>
+                  <a:srgbClr val="222222"/>
+                </a:solidFill>
+                <a:effectLst/>
+                <a:latin typeface="Arial" panose="020B0604020202020204" pitchFamily="34" charset="0"/>
+              </a:rPr>
+              <a:t>Velinov</a:t>
+            </a:r>
+            <a:r>
+              <a:rPr lang="en-US" b="0" i="0" dirty="0">
+                <a:solidFill>
+                  <a:srgbClr val="222222"/>
+                </a:solidFill>
+                <a:effectLst/>
+                <a:latin typeface="Arial" panose="020B0604020202020204" pitchFamily="34" charset="0"/>
+              </a:rPr>
+              <a:t>, L. Hartmann, S. </a:t>
+            </a:r>
+            <a:r>
+              <a:rPr lang="en-US" b="0" i="0" dirty="0" err="1">
+                <a:solidFill>
+                  <a:srgbClr val="222222"/>
+                </a:solidFill>
+                <a:effectLst/>
+                <a:latin typeface="Arial" panose="020B0604020202020204" pitchFamily="34" charset="0"/>
+              </a:rPr>
+              <a:t>Wendzel</a:t>
+            </a:r>
+            <a:r>
+              <a:rPr lang="en-US" b="0" i="0" dirty="0">
+                <a:solidFill>
+                  <a:srgbClr val="222222"/>
+                </a:solidFill>
+                <a:effectLst/>
+                <a:latin typeface="Arial" panose="020B0604020202020204" pitchFamily="34" charset="0"/>
+              </a:rPr>
+              <a:t>, W. </a:t>
+            </a:r>
+            <a:r>
+              <a:rPr lang="en-US" b="0" i="0" dirty="0" err="1">
+                <a:solidFill>
+                  <a:srgbClr val="222222"/>
+                </a:solidFill>
+                <a:effectLst/>
+                <a:latin typeface="Arial" panose="020B0604020202020204" pitchFamily="34" charset="0"/>
+              </a:rPr>
+              <a:t>Mazurczyk</a:t>
+            </a:r>
+            <a:r>
+              <a:rPr lang="en-US" b="0" i="0" dirty="0">
+                <a:solidFill>
+                  <a:srgbClr val="222222"/>
+                </a:solidFill>
+                <a:effectLst/>
+                <a:latin typeface="Arial" panose="020B0604020202020204" pitchFamily="34" charset="0"/>
+              </a:rPr>
+              <a:t>: </a:t>
+            </a:r>
+            <a:r>
+              <a:rPr lang="en-US" b="0" i="1" dirty="0">
+                <a:solidFill>
+                  <a:srgbClr val="222222"/>
+                </a:solidFill>
+                <a:effectLst/>
+                <a:latin typeface="Arial" panose="020B0604020202020204" pitchFamily="34" charset="0"/>
+              </a:rPr>
+              <a:t>Comprehensive Analysis of MQTT 5.0 Susceptibility to Network Covert Channels</a:t>
+            </a:r>
+            <a:r>
+              <a:rPr lang="en-US" b="0" i="0" dirty="0">
+                <a:solidFill>
+                  <a:srgbClr val="222222"/>
+                </a:solidFill>
+                <a:effectLst/>
+                <a:latin typeface="Arial" panose="020B0604020202020204" pitchFamily="34" charset="0"/>
+              </a:rPr>
+              <a:t>, Computers &amp; Security, Elsevier, 2021. </a:t>
+            </a:r>
+          </a:p>
+          <a:p>
+            <a:pPr algn="l"/>
+            <a:r>
+              <a:rPr lang="en-US" b="0" i="0" dirty="0">
+                <a:solidFill>
+                  <a:srgbClr val="222222"/>
+                </a:solidFill>
+                <a:effectLst/>
+                <a:latin typeface="Arial" panose="020B0604020202020204" pitchFamily="34" charset="0"/>
+              </a:rPr>
+              <a:t>[6] L. Hartmann, S. </a:t>
+            </a:r>
+            <a:r>
+              <a:rPr lang="en-US" b="0" i="0" dirty="0" err="1">
+                <a:solidFill>
+                  <a:srgbClr val="222222"/>
+                </a:solidFill>
+                <a:effectLst/>
+                <a:latin typeface="Arial" panose="020B0604020202020204" pitchFamily="34" charset="0"/>
+              </a:rPr>
+              <a:t>Zillien</a:t>
+            </a:r>
+            <a:r>
+              <a:rPr lang="en-US" b="0" i="0" dirty="0">
+                <a:solidFill>
+                  <a:srgbClr val="222222"/>
+                </a:solidFill>
+                <a:effectLst/>
+                <a:latin typeface="Arial" panose="020B0604020202020204" pitchFamily="34" charset="0"/>
+              </a:rPr>
+              <a:t>, S. </a:t>
+            </a:r>
+            <a:r>
+              <a:rPr lang="en-US" b="0" i="0" dirty="0" err="1">
+                <a:solidFill>
+                  <a:srgbClr val="222222"/>
+                </a:solidFill>
+                <a:effectLst/>
+                <a:latin typeface="Arial" panose="020B0604020202020204" pitchFamily="34" charset="0"/>
+              </a:rPr>
+              <a:t>Wendzel</a:t>
+            </a:r>
+            <a:r>
+              <a:rPr lang="en-US" b="0" i="0" dirty="0">
+                <a:solidFill>
+                  <a:srgbClr val="222222"/>
+                </a:solidFill>
+                <a:effectLst/>
+                <a:latin typeface="Arial" panose="020B0604020202020204" pitchFamily="34" charset="0"/>
+              </a:rPr>
+              <a:t>: </a:t>
+            </a:r>
+            <a:r>
+              <a:rPr lang="en-US" b="0" i="1" dirty="0">
+                <a:solidFill>
+                  <a:srgbClr val="222222"/>
+                </a:solidFill>
+                <a:effectLst/>
+                <a:latin typeface="Arial" panose="020B0604020202020204" pitchFamily="34" charset="0"/>
+              </a:rPr>
+              <a:t>Reset- and Reconnection-based Covert Channels in CoAP</a:t>
+            </a:r>
+            <a:r>
+              <a:rPr lang="en-US" b="0" i="0" dirty="0">
+                <a:solidFill>
+                  <a:srgbClr val="222222"/>
+                </a:solidFill>
+                <a:effectLst/>
+                <a:latin typeface="Arial" panose="020B0604020202020204" pitchFamily="34" charset="0"/>
+              </a:rPr>
+              <a:t>. In: Proc. European Interdisciplinary Cybersecurity Conference (EICC), 2021.</a:t>
+            </a:r>
+          </a:p>
+          <a:p>
             <a:endParaRPr lang="en-US" dirty="0"/>
           </a:p>
         </p:txBody>
@@ -4559,7 +5154,7 @@
     </p:spTree>
     <p:extLst>
       <p:ext uri="{BB962C8B-B14F-4D97-AF65-F5344CB8AC3E}">
-        <p14:creationId xmlns:p14="http://schemas.microsoft.com/office/powerpoint/2010/main" val="311151459"/>
+        <p14:creationId xmlns:p14="http://schemas.microsoft.com/office/powerpoint/2010/main" val="224571251"/>
       </p:ext>
     </p:extLst>
   </p:cSld>
@@ -4613,6 +5208,178 @@
           <a:bodyPr/>
           <a:lstStyle/>
           <a:p>
+            <a:pPr marL="0" marR="0" lvl="0" indent="0" algn="l" defTabSz="914400" rtl="0" eaLnBrk="1" fontAlgn="auto" latinLnBrk="0" hangingPunct="1">
+              <a:lnSpc>
+                <a:spcPct val="100000"/>
+              </a:lnSpc>
+              <a:spcBef>
+                <a:spcPts val="0"/>
+              </a:spcBef>
+              <a:spcAft>
+                <a:spcPts val="0"/>
+              </a:spcAft>
+              <a:buClrTx/>
+              <a:buSzTx/>
+              <a:buFontTx/>
+              <a:buNone/>
+              <a:tabLst/>
+              <a:defRPr/>
+            </a:pPr>
+            <a:r>
+              <a:rPr lang="en-US" dirty="0"/>
+              <a:t>Screenshot from </a:t>
+            </a:r>
+            <a:r>
+              <a:rPr lang="en-US" sz="1200" dirty="0"/>
+              <a:t>A Pattern-based Survey and Categorization of Network Covert Channel Techniques by Steffen </a:t>
+            </a:r>
+            <a:r>
+              <a:rPr lang="en-US" sz="1200" dirty="0" err="1"/>
+              <a:t>Wendzel</a:t>
+            </a:r>
+            <a:r>
+              <a:rPr lang="en-US" dirty="0"/>
+              <a:t> </a:t>
+            </a:r>
+          </a:p>
+          <a:p>
+            <a:pPr marL="0" marR="0" lvl="0" indent="0" algn="l" defTabSz="914400" rtl="0" eaLnBrk="1" fontAlgn="auto" latinLnBrk="0" hangingPunct="1">
+              <a:lnSpc>
+                <a:spcPct val="100000"/>
+              </a:lnSpc>
+              <a:spcBef>
+                <a:spcPts val="0"/>
+              </a:spcBef>
+              <a:spcAft>
+                <a:spcPts val="0"/>
+              </a:spcAft>
+              <a:buClrTx/>
+              <a:buSzTx/>
+              <a:buFontTx/>
+              <a:buNone/>
+              <a:tabLst/>
+              <a:defRPr/>
+            </a:pPr>
+            <a:r>
+              <a:rPr lang="en-US" dirty="0"/>
+              <a:t>https://arxiv.org/pdf/1406.2901.pdf</a:t>
+            </a:r>
+          </a:p>
+          <a:p>
+            <a:endParaRPr lang="en-US" dirty="0"/>
+          </a:p>
+          <a:p>
+            <a:r>
+              <a:rPr lang="en-US" b="0" i="0" dirty="0">
+                <a:solidFill>
+                  <a:srgbClr val="222222"/>
+                </a:solidFill>
+                <a:effectLst/>
+                <a:latin typeface="Arial" panose="020B0604020202020204" pitchFamily="34" charset="0"/>
+              </a:rPr>
+              <a:t>[1] S. </a:t>
+            </a:r>
+            <a:r>
+              <a:rPr lang="en-US" b="0" i="0" dirty="0" err="1">
+                <a:solidFill>
+                  <a:srgbClr val="222222"/>
+                </a:solidFill>
+                <a:effectLst/>
+                <a:latin typeface="Arial" panose="020B0604020202020204" pitchFamily="34" charset="0"/>
+              </a:rPr>
+              <a:t>Wendzel</a:t>
+            </a:r>
+            <a:r>
+              <a:rPr lang="en-US" b="0" i="0" dirty="0">
+                <a:solidFill>
+                  <a:srgbClr val="222222"/>
+                </a:solidFill>
+                <a:effectLst/>
+                <a:latin typeface="Arial" panose="020B0604020202020204" pitchFamily="34" charset="0"/>
+              </a:rPr>
+              <a:t>, S. Zander, B. Fechner, C. </a:t>
+            </a:r>
+            <a:r>
+              <a:rPr lang="en-US" b="0" i="0" dirty="0" err="1">
+                <a:solidFill>
+                  <a:srgbClr val="222222"/>
+                </a:solidFill>
+                <a:effectLst/>
+                <a:latin typeface="Arial" panose="020B0604020202020204" pitchFamily="34" charset="0"/>
+              </a:rPr>
+              <a:t>Herdin</a:t>
+            </a:r>
+            <a:r>
+              <a:rPr lang="en-US" b="0" i="0" dirty="0">
+                <a:solidFill>
+                  <a:srgbClr val="222222"/>
+                </a:solidFill>
+                <a:effectLst/>
+                <a:latin typeface="Arial" panose="020B0604020202020204" pitchFamily="34" charset="0"/>
+              </a:rPr>
+              <a:t>: </a:t>
+            </a:r>
+            <a:r>
+              <a:rPr lang="en-US" b="0" i="1" u="none" strike="noStrike" dirty="0">
+                <a:solidFill>
+                  <a:srgbClr val="1177CC"/>
+                </a:solidFill>
+                <a:effectLst/>
+                <a:latin typeface="Arial" panose="020B0604020202020204" pitchFamily="34" charset="0"/>
+                <a:hlinkClick r:id="rId3"/>
+              </a:rPr>
+              <a:t>Pattern-based Survey and Categorization of Network Covert Channel Techniques</a:t>
+            </a:r>
+            <a:r>
+              <a:rPr lang="en-US" b="0" i="0" dirty="0">
+                <a:solidFill>
+                  <a:srgbClr val="222222"/>
+                </a:solidFill>
+                <a:effectLst/>
+                <a:latin typeface="Arial" panose="020B0604020202020204" pitchFamily="34" charset="0"/>
+              </a:rPr>
+              <a:t>, ACM Computing Surveys, Vol. 47, Issue 3, pp. 50:1-26, ACM, 2015.</a:t>
+            </a:r>
+            <a:br>
+              <a:rPr lang="en-US" b="0" i="0" dirty="0">
+                <a:solidFill>
+                  <a:srgbClr val="222222"/>
+                </a:solidFill>
+                <a:effectLst/>
+                <a:latin typeface="Arial" panose="020B0604020202020204" pitchFamily="34" charset="0"/>
+              </a:rPr>
+            </a:br>
+            <a:r>
+              <a:rPr lang="en-US" b="0" i="0" dirty="0">
+                <a:solidFill>
+                  <a:srgbClr val="222222"/>
+                </a:solidFill>
+                <a:effectLst/>
+                <a:latin typeface="Arial" panose="020B0604020202020204" pitchFamily="34" charset="0"/>
+              </a:rPr>
+              <a:t>An early version of the article is available here: </a:t>
+            </a:r>
+            <a:r>
+              <a:rPr lang="en-US" b="0" i="0" u="none" strike="noStrike" dirty="0">
+                <a:solidFill>
+                  <a:srgbClr val="1177CC"/>
+                </a:solidFill>
+                <a:effectLst/>
+                <a:latin typeface="Arial" panose="020B0604020202020204" pitchFamily="34" charset="0"/>
+                <a:hlinkClick r:id="rId4"/>
+              </a:rPr>
+              <a:t>download</a:t>
+            </a:r>
+            <a:r>
+              <a:rPr lang="en-US" b="0" i="0" dirty="0">
+                <a:solidFill>
+                  <a:srgbClr val="222222"/>
+                </a:solidFill>
+                <a:effectLst/>
+                <a:latin typeface="Arial" panose="020B0604020202020204" pitchFamily="34" charset="0"/>
+              </a:rPr>
+              <a:t>.</a:t>
+            </a:r>
             <a:endParaRPr lang="en-US" dirty="0"/>
           </a:p>
         </p:txBody>
@@ -4620,7 +5387,7 @@
     </p:spTree>
     <p:extLst>
       <p:ext uri="{BB962C8B-B14F-4D97-AF65-F5344CB8AC3E}">
-        <p14:creationId xmlns:p14="http://schemas.microsoft.com/office/powerpoint/2010/main" val="1265699634"/>
+        <p14:creationId xmlns:p14="http://schemas.microsoft.com/office/powerpoint/2010/main" val="311151459"/>
       </p:ext>
     </p:extLst>
   </p:cSld>
@@ -4681,7 +5448,7 @@
     </p:spTree>
     <p:extLst>
       <p:ext uri="{BB962C8B-B14F-4D97-AF65-F5344CB8AC3E}">
-        <p14:creationId xmlns:p14="http://schemas.microsoft.com/office/powerpoint/2010/main" val="948326759"/>
+        <p14:creationId xmlns:p14="http://schemas.microsoft.com/office/powerpoint/2010/main" val="1265699634"/>
       </p:ext>
     </p:extLst>
   </p:cSld>
@@ -4735,27 +5502,6 @@
           <a:bodyPr/>
           <a:lstStyle/>
           <a:p>
-            <a:pPr lvl="2"/>
-            <a:r>
-              <a:rPr lang="en-US" sz="1200" dirty="0"/>
-              <a:t>Generate corrupted messages in broadcast erasure channels</a:t>
-            </a:r>
-          </a:p>
-          <a:p>
-            <a:pPr lvl="2"/>
-            <a:r>
-              <a:rPr lang="en-US" sz="1200" dirty="0"/>
-              <a:t>Transfer corrupted frames in 802.11</a:t>
-            </a:r>
-          </a:p>
-          <a:p>
-            <a:pPr lvl="2"/>
-            <a:r>
-              <a:rPr lang="en-US" sz="1200" dirty="0"/>
-              <a:t>MitM adversary between 2 VPN sites drops selected packets exchanged</a:t>
-            </a:r>
-          </a:p>
-          <a:p>
             <a:endParaRPr lang="en-US" dirty="0"/>
           </a:p>
         </p:txBody>
@@ -4763,7 +5509,7 @@
     </p:spTree>
     <p:extLst>
       <p:ext uri="{BB962C8B-B14F-4D97-AF65-F5344CB8AC3E}">
-        <p14:creationId xmlns:p14="http://schemas.microsoft.com/office/powerpoint/2010/main" val="1773288560"/>
+        <p14:creationId xmlns:p14="http://schemas.microsoft.com/office/powerpoint/2010/main" val="948326759"/>
       </p:ext>
     </p:extLst>
   </p:cSld>
@@ -4817,6 +5563,27 @@
           <a:bodyPr/>
           <a:lstStyle/>
           <a:p>
+            <a:pPr lvl="2"/>
+            <a:r>
+              <a:rPr lang="en-US" sz="1200" dirty="0"/>
+              <a:t>Generate corrupted messages in broadcast erasure channels</a:t>
+            </a:r>
+          </a:p>
+          <a:p>
+            <a:pPr lvl="2"/>
+            <a:r>
+              <a:rPr lang="en-US" sz="1200" dirty="0"/>
+              <a:t>Transfer corrupted frames in 802.11</a:t>
+            </a:r>
+          </a:p>
+          <a:p>
+            <a:pPr lvl="2"/>
+            <a:r>
+              <a:rPr lang="en-US" sz="1200" dirty="0"/>
+              <a:t>MitM adversary between 2 VPN sites drops selected packets exchanged</a:t>
+            </a:r>
+          </a:p>
+          <a:p>
             <a:endParaRPr lang="en-US" dirty="0"/>
           </a:p>
         </p:txBody>
@@ -4824,7 +5591,7 @@
     </p:spTree>
     <p:extLst>
       <p:ext uri="{BB962C8B-B14F-4D97-AF65-F5344CB8AC3E}">
-        <p14:creationId xmlns:p14="http://schemas.microsoft.com/office/powerpoint/2010/main" val="756149996"/>
+        <p14:creationId xmlns:p14="http://schemas.microsoft.com/office/powerpoint/2010/main" val="1773288560"/>
       </p:ext>
     </p:extLst>
   </p:cSld>
@@ -4885,7 +5652,7 @@
     </p:spTree>
     <p:extLst>
       <p:ext uri="{BB962C8B-B14F-4D97-AF65-F5344CB8AC3E}">
-        <p14:creationId xmlns:p14="http://schemas.microsoft.com/office/powerpoint/2010/main" val="1702930341"/>
+        <p14:creationId xmlns:p14="http://schemas.microsoft.com/office/powerpoint/2010/main" val="756149996"/>
       </p:ext>
     </p:extLst>
   </p:cSld>
@@ -6365,7 +7132,7 @@
           <a:p>
             <a:r>
               <a:rPr lang="en-US" dirty="0"/>
-              <a:t>18 JUL 2023</a:t>
+              <a:t>23 JUL 2024</a:t>
             </a:r>
           </a:p>
         </p:txBody>
@@ -6405,6 +7172,180 @@
           <p:cNvPr id="2" name="Text Placeholder 1">
             <a:extLst>
               <a:ext uri="{FF2B5EF4-FFF2-40B4-BE49-F238E27FC236}">
+                <a16:creationId xmlns:a16="http://schemas.microsoft.com/office/drawing/2014/main" id="{B897E15D-5160-4456-BB49-9C90E68583BB}"/>
+              </a:ext>
+            </a:extLst>
+          </p:cNvPr>
+          <p:cNvSpPr>
+            <a:spLocks noGrp="1"/>
+          </p:cNvSpPr>
+          <p:nvPr>
+            <p:ph type="body" sz="quarter" idx="10"/>
+          </p:nvPr>
+        </p:nvSpPr>
+        <p:spPr/>
+        <p:txBody>
+          <a:bodyPr/>
+          <a:lstStyle/>
+          <a:p>
+            <a:r>
+              <a:rPr lang="en-US" sz="2400" dirty="0"/>
+              <a:t>PS3. Add Redundancy Pattern*</a:t>
+            </a:r>
+          </a:p>
+          <a:p>
+            <a:pPr lvl="1"/>
+            <a:r>
+              <a:rPr lang="en-US" sz="1800" dirty="0"/>
+              <a:t>Illustration: Creates new space within a given header element/PDU</a:t>
+            </a:r>
+          </a:p>
+          <a:p>
+            <a:pPr lvl="1"/>
+            <a:r>
+              <a:rPr lang="en-US" sz="1800" dirty="0"/>
+              <a:t>Context: Storage -&gt; Non-Payload -&gt; Structure Modifying</a:t>
+            </a:r>
+          </a:p>
+          <a:p>
+            <a:pPr lvl="1"/>
+            <a:r>
+              <a:rPr lang="en-US" sz="1800" dirty="0"/>
+              <a:t>Evidence:</a:t>
+            </a:r>
+          </a:p>
+          <a:p>
+            <a:pPr lvl="2"/>
+            <a:r>
+              <a:rPr lang="en-US" sz="1800" dirty="0"/>
+              <a:t>Generate packets with IPv4 options</a:t>
+            </a:r>
+          </a:p>
+          <a:p>
+            <a:pPr lvl="2"/>
+            <a:r>
+              <a:rPr lang="en-US" sz="1800" dirty="0"/>
+              <a:t>Create new IPv6 destination option</a:t>
+            </a:r>
+          </a:p>
+          <a:p>
+            <a:pPr lvl="2"/>
+            <a:r>
+              <a:rPr lang="en-US" sz="1800" dirty="0"/>
+              <a:t>Extend HTTP headers with additional fields</a:t>
+            </a:r>
+          </a:p>
+          <a:p>
+            <a:pPr lvl="2"/>
+            <a:r>
+              <a:rPr lang="en-US" sz="1800" dirty="0"/>
+              <a:t>Manipulate pointer and length values for IPv4 record route option</a:t>
+            </a:r>
+          </a:p>
+          <a:p>
+            <a:pPr lvl="2"/>
+            <a:r>
+              <a:rPr lang="en-US" sz="1800" dirty="0"/>
+              <a:t>Add random bytes to an encrypted SSH message</a:t>
+            </a:r>
+          </a:p>
+          <a:p>
+            <a:pPr lvl="2"/>
+            <a:r>
+              <a:rPr lang="en-US" sz="1800" dirty="0"/>
+              <a:t>Extend SMTP packet headers with additional fields</a:t>
+            </a:r>
+          </a:p>
+          <a:p>
+            <a:pPr lvl="2"/>
+            <a:r>
+              <a:rPr lang="en-US" sz="1800" dirty="0"/>
+              <a:t>Hide data in unused bits of the DHCP </a:t>
+            </a:r>
+            <a:r>
+              <a:rPr lang="en-US" sz="1800" dirty="0" err="1"/>
+              <a:t>chaddr</a:t>
+            </a:r>
+            <a:r>
+              <a:rPr lang="en-US" sz="1800" dirty="0"/>
+              <a:t> field</a:t>
+            </a:r>
+          </a:p>
+          <a:p>
+            <a:pPr lvl="2"/>
+            <a:r>
+              <a:rPr lang="en-US" sz="1800" dirty="0"/>
+              <a:t>Encapsulate IP packet with smaller size than specified in Ethernet frame</a:t>
+            </a:r>
+          </a:p>
+          <a:p>
+            <a:endParaRPr lang="en-US" dirty="0"/>
+          </a:p>
+        </p:txBody>
+      </p:sp>
+      <p:sp>
+        <p:nvSpPr>
+          <p:cNvPr id="3" name="Text Placeholder 2">
+            <a:extLst>
+              <a:ext uri="{FF2B5EF4-FFF2-40B4-BE49-F238E27FC236}">
+                <a16:creationId xmlns:a16="http://schemas.microsoft.com/office/drawing/2014/main" id="{BFA4C775-2D92-449F-BC38-E35E81F8E1E3}"/>
+              </a:ext>
+            </a:extLst>
+          </p:cNvPr>
+          <p:cNvSpPr>
+            <a:spLocks noGrp="1"/>
+          </p:cNvSpPr>
+          <p:nvPr>
+            <p:ph type="body" sz="quarter" idx="11"/>
+          </p:nvPr>
+        </p:nvSpPr>
+        <p:spPr/>
+        <p:txBody>
+          <a:bodyPr/>
+          <a:lstStyle/>
+          <a:p>
+            <a:r>
+              <a:rPr lang="en-US" dirty="0"/>
+              <a:t>Evaluating Covert Channels</a:t>
+            </a:r>
+          </a:p>
+        </p:txBody>
+      </p:sp>
+    </p:spTree>
+    <p:extLst>
+      <p:ext uri="{BB962C8B-B14F-4D97-AF65-F5344CB8AC3E}">
+        <p14:creationId xmlns:p14="http://schemas.microsoft.com/office/powerpoint/2010/main" val="675347102"/>
+      </p:ext>
+    </p:extLst>
+  </p:cSld>
+  <p:clrMapOvr>
+    <a:masterClrMapping/>
+  </p:clrMapOvr>
+</p:sld>
+</file>
+
+<file path=ppt/slides/slide11.xml><?xml version="1.0" encoding="utf-8"?>
+<p:sld xmlns:a="http://schemas.openxmlformats.org/drawingml/2006/main" xmlns:r="http://schemas.openxmlformats.org/officeDocument/2006/relationships" xmlns:p="http://schemas.openxmlformats.org/presentationml/2006/main">
+  <p:cSld>
+    <p:spTree>
+      <p:nvGrpSpPr>
+        <p:cNvPr id="1" name=""/>
+        <p:cNvGrpSpPr/>
+        <p:nvPr/>
+      </p:nvGrpSpPr>
+      <p:grpSpPr>
+        <a:xfrm>
+          <a:off x="0" y="0"/>
+          <a:ext cx="0" cy="0"/>
+          <a:chOff x="0" y="0"/>
+          <a:chExt cx="0" cy="0"/>
+        </a:xfrm>
+      </p:grpSpPr>
+      <p:sp>
+        <p:nvSpPr>
+          <p:cNvPr id="2" name="Text Placeholder 1">
+            <a:extLst>
+              <a:ext uri="{FF2B5EF4-FFF2-40B4-BE49-F238E27FC236}">
                 <a16:creationId xmlns:a16="http://schemas.microsoft.com/office/drawing/2014/main" id="{8E733A0B-841C-47CA-850A-0231D6E9DDFF}"/>
               </a:ext>
             </a:extLst>
@@ -6536,7 +7477,7 @@
 </p:sld>
 </file>
 
-<file path=ppt/slides/slide11.xml><?xml version="1.0" encoding="utf-8"?>
+<file path=ppt/slides/slide12.xml><?xml version="1.0" encoding="utf-8"?>
 <p:sld xmlns:a="http://schemas.openxmlformats.org/drawingml/2006/main" xmlns:r="http://schemas.openxmlformats.org/officeDocument/2006/relationships" xmlns:p="http://schemas.openxmlformats.org/presentationml/2006/main">
   <p:cSld>
     <p:spTree>
@@ -6690,165 +7631,6 @@
     <p:extLst>
       <p:ext uri="{BB962C8B-B14F-4D97-AF65-F5344CB8AC3E}">
         <p14:creationId xmlns:p14="http://schemas.microsoft.com/office/powerpoint/2010/main" val="3749124553"/>
-      </p:ext>
-    </p:extLst>
-  </p:cSld>
-  <p:clrMapOvr>
-    <a:masterClrMapping/>
-  </p:clrMapOvr>
-</p:sld>
-</file>
-
-<file path=ppt/slides/slide12.xml><?xml version="1.0" encoding="utf-8"?>
-<p:sld xmlns:a="http://schemas.openxmlformats.org/drawingml/2006/main" xmlns:r="http://schemas.openxmlformats.org/officeDocument/2006/relationships" xmlns:p="http://schemas.openxmlformats.org/presentationml/2006/main">
-  <p:cSld>
-    <p:spTree>
-      <p:nvGrpSpPr>
-        <p:cNvPr id="1" name=""/>
-        <p:cNvGrpSpPr/>
-        <p:nvPr/>
-      </p:nvGrpSpPr>
-      <p:grpSpPr>
-        <a:xfrm>
-          <a:off x="0" y="0"/>
-          <a:ext cx="0" cy="0"/>
-          <a:chOff x="0" y="0"/>
-          <a:chExt cx="0" cy="0"/>
-        </a:xfrm>
-      </p:grpSpPr>
-      <p:sp>
-        <p:nvSpPr>
-          <p:cNvPr id="2" name="Text Placeholder 1">
-            <a:extLst>
-              <a:ext uri="{FF2B5EF4-FFF2-40B4-BE49-F238E27FC236}">
-                <a16:creationId xmlns:a16="http://schemas.microsoft.com/office/drawing/2014/main" id="{B8914C82-2792-4BF3-AE98-9B2ABA475770}"/>
-              </a:ext>
-            </a:extLst>
-          </p:cNvPr>
-          <p:cNvSpPr>
-            <a:spLocks noGrp="1"/>
-          </p:cNvSpPr>
-          <p:nvPr>
-            <p:ph type="body" sz="quarter" idx="10"/>
-          </p:nvPr>
-        </p:nvSpPr>
-        <p:spPr/>
-        <p:txBody>
-          <a:bodyPr/>
-          <a:lstStyle/>
-          <a:p>
-            <a:r>
-              <a:rPr lang="en-US" sz="2400" dirty="0"/>
-              <a:t>PS11.a. Case Pattern</a:t>
-            </a:r>
-          </a:p>
-          <a:p>
-            <a:pPr lvl="1"/>
-            <a:r>
-              <a:rPr lang="en-US" sz="1800" dirty="0"/>
-              <a:t>Illustration: Case-modification of letters in header elements</a:t>
-            </a:r>
-          </a:p>
-          <a:p>
-            <a:pPr lvl="1"/>
-            <a:r>
-              <a:rPr lang="en-US" sz="1800" dirty="0"/>
-              <a:t>Context: Storage-&gt;Non-Payload-&gt;Structure Preserving-&gt;Modification of Attribute-&gt; Value Modulation</a:t>
-            </a:r>
-          </a:p>
-          <a:p>
-            <a:pPr lvl="1"/>
-            <a:r>
-              <a:rPr lang="en-US" sz="1800" dirty="0"/>
-              <a:t>Evidence:</a:t>
-            </a:r>
-          </a:p>
-          <a:p>
-            <a:pPr lvl="2"/>
-            <a:r>
-              <a:rPr lang="en-US" sz="1600" dirty="0"/>
-              <a:t>Case modification in HTTP headers or SMTP/POP3/etc. commands and headers</a:t>
-            </a:r>
-            <a:endParaRPr lang="en-US" sz="2400" dirty="0"/>
-          </a:p>
-          <a:p>
-            <a:r>
-              <a:rPr lang="en-US" sz="2400" dirty="0"/>
-              <a:t>PS11.b. Least Significant Bit (LSB) Pattern</a:t>
-            </a:r>
-          </a:p>
-          <a:p>
-            <a:pPr lvl="1"/>
-            <a:r>
-              <a:rPr lang="en-US" sz="1800" dirty="0"/>
-              <a:t>Illustration: Uses LSB of header elements</a:t>
-            </a:r>
-          </a:p>
-          <a:p>
-            <a:pPr lvl="1"/>
-            <a:r>
-              <a:rPr lang="en-US" sz="1800" dirty="0"/>
-              <a:t>Context: Storage-&gt;Non-Payload-&gt;Structure Preserving-&gt;Modification of Attribute-&gt; Value Modulation</a:t>
-            </a:r>
-          </a:p>
-          <a:p>
-            <a:pPr lvl="1"/>
-            <a:r>
-              <a:rPr lang="en-US" sz="1800" dirty="0"/>
-              <a:t>Evidence:</a:t>
-            </a:r>
-          </a:p>
-          <a:p>
-            <a:pPr lvl="2"/>
-            <a:r>
-              <a:rPr lang="en-US" sz="1600" dirty="0"/>
-              <a:t>IPv4 timestamp option by sending at even/odd times</a:t>
-            </a:r>
-          </a:p>
-          <a:p>
-            <a:pPr lvl="2"/>
-            <a:r>
-              <a:rPr lang="en-US" sz="1600" dirty="0"/>
-              <a:t>Use LSB of IPv4 TTL or IPv6 Hop Limit or Hop Count field of BACnet protocol</a:t>
-            </a:r>
-          </a:p>
-          <a:p>
-            <a:endParaRPr lang="en-US" dirty="0"/>
-          </a:p>
-        </p:txBody>
-      </p:sp>
-      <p:sp>
-        <p:nvSpPr>
-          <p:cNvPr id="3" name="Text Placeholder 2">
-            <a:extLst>
-              <a:ext uri="{FF2B5EF4-FFF2-40B4-BE49-F238E27FC236}">
-                <a16:creationId xmlns:a16="http://schemas.microsoft.com/office/drawing/2014/main" id="{2730F1F3-7FAD-405E-8700-8447C36E6273}"/>
-              </a:ext>
-            </a:extLst>
-          </p:cNvPr>
-          <p:cNvSpPr>
-            <a:spLocks noGrp="1"/>
-          </p:cNvSpPr>
-          <p:nvPr>
-            <p:ph type="body" sz="quarter" idx="11"/>
-          </p:nvPr>
-        </p:nvSpPr>
-        <p:spPr/>
-        <p:txBody>
-          <a:bodyPr/>
-          <a:lstStyle/>
-          <a:p>
-            <a:r>
-              <a:rPr lang="en-US" dirty="0"/>
-              <a:t>Evaluating Covert Channels</a:t>
-            </a:r>
-          </a:p>
-        </p:txBody>
-      </p:sp>
-    </p:spTree>
-    <p:extLst>
-      <p:ext uri="{BB962C8B-B14F-4D97-AF65-F5344CB8AC3E}">
-        <p14:creationId xmlns:p14="http://schemas.microsoft.com/office/powerpoint/2010/main" val="2263829072"/>
       </p:ext>
     </p:extLst>
   </p:cSld>
@@ -6898,14 +7680,14 @@
           <a:p>
             <a:r>
               <a:rPr lang="en-US" sz="2400" dirty="0"/>
-              <a:t>PS11.c. Value Influencing Pattern</a:t>
+              <a:t>PS11.a. Case Pattern</a:t>
             </a:r>
           </a:p>
           <a:p>
             <a:pPr lvl="1"/>
             <a:r>
               <a:rPr lang="en-US" sz="1800" dirty="0"/>
-              <a:t>Illustration: Sender (directly or indirectly) influences some (out of n possible) values in a way that a covert channel receiver can determine the value</a:t>
+              <a:t>Illustration: Case-modification of letters in header elements</a:t>
             </a:r>
           </a:p>
           <a:p>
@@ -6925,41 +7707,54 @@
           <a:p>
             <a:pPr lvl="2"/>
             <a:r>
-              <a:rPr lang="en-US" sz="1800" dirty="0"/>
-              <a:t>A. </a:t>
-            </a:r>
-            <a:r>
-              <a:rPr lang="en-US" sz="1800" dirty="0" err="1"/>
-              <a:t>Velinov</a:t>
-            </a:r>
-            <a:r>
-              <a:rPr lang="en-US" sz="1800" dirty="0"/>
-              <a:t>, A. </a:t>
-            </a:r>
-            <a:r>
-              <a:rPr lang="en-US" sz="1800" dirty="0" err="1"/>
-              <a:t>Mileva</a:t>
-            </a:r>
-            <a:r>
-              <a:rPr lang="en-US" sz="1800" dirty="0"/>
-              <a:t>, S. </a:t>
-            </a:r>
-            <a:r>
-              <a:rPr lang="en-US" sz="1800" dirty="0" err="1"/>
-              <a:t>Wendzel</a:t>
-            </a:r>
-            <a:r>
-              <a:rPr lang="en-US" sz="1800" dirty="0"/>
-              <a:t>, W. </a:t>
-            </a:r>
-            <a:r>
-              <a:rPr lang="en-US" sz="1800" dirty="0" err="1"/>
-              <a:t>Mazurczyk</a:t>
-            </a:r>
-            <a:r>
-              <a:rPr lang="en-US" sz="1800" dirty="0"/>
-              <a:t>: Covert Channels in MQTT-based Internet of Things, IEEE ACCESS, Vol. 7, pp. 161899-161915, 2019</a:t>
-            </a:r>
+              <a:rPr lang="en-US" sz="1600" dirty="0"/>
+              <a:t>Case modification in HTTP headers or SMTP/POP3/etc. commands and headers</a:t>
+            </a:r>
+            <a:endParaRPr lang="en-US" sz="2400" dirty="0"/>
+          </a:p>
+          <a:p>
+            <a:r>
+              <a:rPr lang="en-US" sz="2400" dirty="0"/>
+              <a:t>PS11.b. Least Significant Bit (LSB) Pattern</a:t>
+            </a:r>
+          </a:p>
+          <a:p>
+            <a:pPr lvl="1"/>
+            <a:r>
+              <a:rPr lang="en-US" sz="1800" dirty="0"/>
+              <a:t>Illustration: Uses LSB of header elements</a:t>
+            </a:r>
+          </a:p>
+          <a:p>
+            <a:pPr lvl="1"/>
+            <a:r>
+              <a:rPr lang="en-US" sz="1800" dirty="0"/>
+              <a:t>Context: Storage-&gt;Non-Payload-&gt;Structure Preserving-&gt;Modification of Attribute-&gt; Value Modulation</a:t>
+            </a:r>
+          </a:p>
+          <a:p>
+            <a:pPr lvl="1"/>
+            <a:r>
+              <a:rPr lang="en-US" sz="1800" dirty="0"/>
+              <a:t>Evidence:</a:t>
+            </a:r>
+          </a:p>
+          <a:p>
+            <a:pPr lvl="2"/>
+            <a:r>
+              <a:rPr lang="en-US" sz="1600" dirty="0"/>
+              <a:t>IPv4 timestamp option by sending at even/odd times</a:t>
+            </a:r>
+          </a:p>
+          <a:p>
+            <a:pPr lvl="2"/>
+            <a:r>
+              <a:rPr lang="en-US" sz="1600" dirty="0"/>
+              <a:t>Use LSB of IPv4 TTL or IPv6 Hop Limit or Hop Count field of BACnet protocol</a:t>
+            </a:r>
+          </a:p>
+          <a:p>
+            <a:endParaRPr lang="en-US" dirty="0"/>
           </a:p>
         </p:txBody>
       </p:sp>
@@ -6994,7 +7789,7 @@
     </p:spTree>
     <p:extLst>
       <p:ext uri="{BB962C8B-B14F-4D97-AF65-F5344CB8AC3E}">
-        <p14:creationId xmlns:p14="http://schemas.microsoft.com/office/powerpoint/2010/main" val="3451752976"/>
+        <p14:creationId xmlns:p14="http://schemas.microsoft.com/office/powerpoint/2010/main" val="2263829072"/>
       </p:ext>
     </p:extLst>
   </p:cSld>
@@ -7026,7 +7821,7 @@
           <p:cNvPr id="2" name="Text Placeholder 1">
             <a:extLst>
               <a:ext uri="{FF2B5EF4-FFF2-40B4-BE49-F238E27FC236}">
-                <a16:creationId xmlns:a16="http://schemas.microsoft.com/office/drawing/2014/main" id="{D740140B-D84E-40A8-AE93-69C365F009DB}"/>
+                <a16:creationId xmlns:a16="http://schemas.microsoft.com/office/drawing/2014/main" id="{B8914C82-2792-4BF3-AE98-9B2ABA475770}"/>
               </a:ext>
             </a:extLst>
           </p:cNvPr>
@@ -7044,21 +7839,21 @@
           <a:p>
             <a:r>
               <a:rPr lang="en-US" sz="2400" dirty="0"/>
-              <a:t>PS12. Reserved/Unused Pattern*</a:t>
+              <a:t>PS11.c. Value Influencing Pattern</a:t>
             </a:r>
           </a:p>
           <a:p>
             <a:pPr lvl="1"/>
             <a:r>
               <a:rPr lang="en-US" sz="1800" dirty="0"/>
-              <a:t>Illustration: Encode data into reserved or unused header/PDU element</a:t>
+              <a:t>Illustration: Sender (directly or indirectly) influences some (out of n possible) values in a way that a covert channel receiver can determine the value</a:t>
             </a:r>
           </a:p>
           <a:p>
             <a:pPr lvl="1"/>
             <a:r>
               <a:rPr lang="en-US" sz="1800" dirty="0"/>
-              <a:t>Context: Storage-&gt;Non-Payload-&gt;Structure Preserving-&gt;Modification of an Attribute</a:t>
+              <a:t>Context: Storage-&gt;Non-Payload-&gt;Structure Preserving-&gt;Modification of Attribute-&gt; Value Modulation</a:t>
             </a:r>
           </a:p>
           <a:p>
@@ -7072,77 +7867,40 @@
             <a:pPr lvl="2"/>
             <a:r>
               <a:rPr lang="en-US" sz="1800" dirty="0"/>
-              <a:t>Unused fields in IPv4, e.g. ID field, DF flag, Reserved flag</a:t>
-            </a:r>
-          </a:p>
-          <a:p>
-            <a:pPr lvl="2"/>
-            <a:r>
-              <a:rPr lang="en-US" sz="1800" dirty="0"/>
-              <a:t>Unused fields in IPv6 header or extension headers</a:t>
-            </a:r>
-          </a:p>
-          <a:p>
-            <a:pPr lvl="2"/>
-            <a:r>
-              <a:rPr lang="en-US" sz="1800" dirty="0"/>
-              <a:t>ICMP echo payload</a:t>
-            </a:r>
-          </a:p>
-          <a:p>
-            <a:pPr lvl="2"/>
-            <a:r>
-              <a:rPr lang="en-US" sz="1800" dirty="0"/>
-              <a:t>Unused fields in BACnet header</a:t>
-            </a:r>
-          </a:p>
-          <a:p>
-            <a:pPr lvl="2"/>
-            <a:r>
-              <a:rPr lang="en-US" sz="1800" dirty="0"/>
-              <a:t>Place data behind string termination symbol of </a:t>
+              <a:t>A. </a:t>
             </a:r>
             <a:r>
               <a:rPr lang="en-US" sz="1800" dirty="0" err="1"/>
-              <a:t>sname</a:t>
-            </a:r>
-            <a:r>
-              <a:rPr lang="en-US" sz="1800" dirty="0"/>
-              <a:t>/file DHCP fields</a:t>
-            </a:r>
-          </a:p>
-          <a:p>
-            <a:pPr lvl="2"/>
-            <a:r>
-              <a:rPr lang="en-US" sz="1800" dirty="0"/>
-              <a:t>DS field of outbound </a:t>
+              <a:t>Velinov</a:t>
+            </a:r>
+            <a:r>
+              <a:rPr lang="en-US" sz="1800" dirty="0"/>
+              <a:t>, A. </a:t>
             </a:r>
             <a:r>
               <a:rPr lang="en-US" sz="1800" dirty="0" err="1"/>
-              <a:t>IPSec</a:t>
-            </a:r>
-            <a:r>
-              <a:rPr lang="en-US" sz="1800" dirty="0"/>
-              <a:t> connections</a:t>
-            </a:r>
-          </a:p>
-          <a:p>
-            <a:pPr lvl="2"/>
-            <a:r>
-              <a:rPr lang="en-US" sz="1800" dirty="0"/>
-              <a:t>ECN field in </a:t>
+              <a:t>Mileva</a:t>
+            </a:r>
+            <a:r>
+              <a:rPr lang="en-US" sz="1800" dirty="0"/>
+              <a:t>, S. </a:t>
             </a:r>
             <a:r>
               <a:rPr lang="en-US" sz="1800" dirty="0" err="1"/>
-              <a:t>IPSec</a:t>
-            </a:r>
-            <a:r>
-              <a:rPr lang="en-US" sz="1800" dirty="0"/>
-              <a:t> connections</a:t>
-            </a:r>
-          </a:p>
-          <a:p>
-            <a:endParaRPr lang="en-US" dirty="0"/>
+              <a:t>Wendzel</a:t>
+            </a:r>
+            <a:r>
+              <a:rPr lang="en-US" sz="1800" dirty="0"/>
+              <a:t>, W. </a:t>
+            </a:r>
+            <a:r>
+              <a:rPr lang="en-US" sz="1800" dirty="0" err="1"/>
+              <a:t>Mazurczyk</a:t>
+            </a:r>
+            <a:r>
+              <a:rPr lang="en-US" sz="1800" dirty="0"/>
+              <a:t>: Covert Channels in MQTT-based Internet of Things, IEEE ACCESS, Vol. 7, pp. 161899-161915, 2019</a:t>
+            </a:r>
           </a:p>
         </p:txBody>
       </p:sp>
@@ -7151,7 +7909,7 @@
           <p:cNvPr id="3" name="Text Placeholder 2">
             <a:extLst>
               <a:ext uri="{FF2B5EF4-FFF2-40B4-BE49-F238E27FC236}">
-                <a16:creationId xmlns:a16="http://schemas.microsoft.com/office/drawing/2014/main" id="{E2BFC3F6-6C59-4214-B17C-4A379A9A4DAE}"/>
+                <a16:creationId xmlns:a16="http://schemas.microsoft.com/office/drawing/2014/main" id="{2730F1F3-7FAD-405E-8700-8447C36E6273}"/>
               </a:ext>
             </a:extLst>
           </p:cNvPr>
@@ -7177,7 +7935,7 @@
     </p:spTree>
     <p:extLst>
       <p:ext uri="{BB962C8B-B14F-4D97-AF65-F5344CB8AC3E}">
-        <p14:creationId xmlns:p14="http://schemas.microsoft.com/office/powerpoint/2010/main" val="999967461"/>
+        <p14:creationId xmlns:p14="http://schemas.microsoft.com/office/powerpoint/2010/main" val="3451752976"/>
       </p:ext>
     </p:extLst>
   </p:cSld>
@@ -7227,21 +7985,21 @@
           <a:p>
             <a:r>
               <a:rPr lang="en-US" sz="2400" dirty="0"/>
-              <a:t>PS20. Payload Field Size Modulation</a:t>
+              <a:t>PS12. Reserved/Unused Pattern*</a:t>
             </a:r>
           </a:p>
           <a:p>
             <a:pPr lvl="1"/>
             <a:r>
               <a:rPr lang="en-US" sz="1800" dirty="0"/>
-              <a:t>Illustration: Uses a size of the payload field of a flow's PDUs/messages to encode the hidden message. Variant of Size Modulation.</a:t>
+              <a:t>Illustration: Encode data into reserved or unused header/PDU element</a:t>
             </a:r>
           </a:p>
           <a:p>
             <a:pPr lvl="1"/>
             <a:r>
               <a:rPr lang="en-US" sz="1800" dirty="0"/>
-              <a:t>Context: Storage-&gt;Payload-&gt;User-data Agnostic</a:t>
+              <a:t>Context: Storage-&gt;Non-Payload-&gt;Structure Preserving-&gt;Modification of an Attribute</a:t>
             </a:r>
           </a:p>
           <a:p>
@@ -7255,14 +8013,73 @@
             <a:pPr lvl="2"/>
             <a:r>
               <a:rPr lang="en-US" sz="1800" dirty="0"/>
-              <a:t>Modulate size of data block field in Ethernet frames</a:t>
+              <a:t>Unused fields in IPv4, e.g. ID field, DF flag, Reserved flag</a:t>
             </a:r>
           </a:p>
           <a:p>
             <a:pPr lvl="2"/>
             <a:r>
               <a:rPr lang="en-US" sz="1800" dirty="0"/>
-              <a:t>Any other method that modulates size of payload field in any network protocol</a:t>
+              <a:t>Unused fields in IPv6 header or extension headers</a:t>
+            </a:r>
+          </a:p>
+          <a:p>
+            <a:pPr lvl="2"/>
+            <a:r>
+              <a:rPr lang="en-US" sz="1800" dirty="0"/>
+              <a:t>ICMP echo payload</a:t>
+            </a:r>
+          </a:p>
+          <a:p>
+            <a:pPr lvl="2"/>
+            <a:r>
+              <a:rPr lang="en-US" sz="1800" dirty="0"/>
+              <a:t>Unused fields in BACnet header</a:t>
+            </a:r>
+          </a:p>
+          <a:p>
+            <a:pPr lvl="2"/>
+            <a:r>
+              <a:rPr lang="en-US" sz="1800" dirty="0"/>
+              <a:t>Place data behind string termination symbol of </a:t>
+            </a:r>
+            <a:r>
+              <a:rPr lang="en-US" sz="1800" dirty="0" err="1"/>
+              <a:t>sname</a:t>
+            </a:r>
+            <a:r>
+              <a:rPr lang="en-US" sz="1800" dirty="0"/>
+              <a:t>/file DHCP fields</a:t>
+            </a:r>
+          </a:p>
+          <a:p>
+            <a:pPr lvl="2"/>
+            <a:r>
+              <a:rPr lang="en-US" sz="1800" dirty="0"/>
+              <a:t>DS field of outbound </a:t>
+            </a:r>
+            <a:r>
+              <a:rPr lang="en-US" sz="1800" dirty="0" err="1"/>
+              <a:t>IPSec</a:t>
+            </a:r>
+            <a:r>
+              <a:rPr lang="en-US" sz="1800" dirty="0"/>
+              <a:t> connections</a:t>
+            </a:r>
+          </a:p>
+          <a:p>
+            <a:pPr lvl="2"/>
+            <a:r>
+              <a:rPr lang="en-US" sz="1800" dirty="0"/>
+              <a:t>ECN field in </a:t>
+            </a:r>
+            <a:r>
+              <a:rPr lang="en-US" sz="1800" dirty="0" err="1"/>
+              <a:t>IPSec</a:t>
+            </a:r>
+            <a:r>
+              <a:rPr lang="en-US" sz="1800" dirty="0"/>
+              <a:t> connections</a:t>
             </a:r>
           </a:p>
           <a:p>
@@ -7301,7 +8118,7 @@
     </p:spTree>
     <p:extLst>
       <p:ext uri="{BB962C8B-B14F-4D97-AF65-F5344CB8AC3E}">
-        <p14:creationId xmlns:p14="http://schemas.microsoft.com/office/powerpoint/2010/main" val="1131379798"/>
+        <p14:creationId xmlns:p14="http://schemas.microsoft.com/office/powerpoint/2010/main" val="999967461"/>
       </p:ext>
     </p:extLst>
   </p:cSld>
@@ -7351,14 +8168,14 @@
           <a:p>
             <a:r>
               <a:rPr lang="en-US" sz="2400" dirty="0"/>
-              <a:t>PS21. User-data Corruption</a:t>
+              <a:t>PS20. Payload Field Size Modulation</a:t>
             </a:r>
           </a:p>
           <a:p>
             <a:pPr lvl="1"/>
             <a:r>
               <a:rPr lang="en-US" sz="1800" dirty="0"/>
-              <a:t>Illustration: Related to the cases when steganographic methods do not take into account what kind of user-data is carried within a payload field and/or what its characteristic is (blind modification). It can be applied to single PDUs or to multiple PDUs (a flow). This typically happens if parts of (or the whole) user-data is replaced with secret bits and thus the user-data is corrupted/lost.</a:t>
+              <a:t>Illustration: Uses a size of the payload field of a flow's PDUs/messages to encode the hidden message. Variant of Size Modulation.</a:t>
             </a:r>
           </a:p>
           <a:p>
@@ -7379,32 +8196,18 @@
             <a:pPr lvl="2"/>
             <a:r>
               <a:rPr lang="en-US" sz="1800" dirty="0"/>
-              <a:t>W. </a:t>
-            </a:r>
-            <a:r>
-              <a:rPr lang="en-US" sz="1800" dirty="0" err="1"/>
-              <a:t>Mazurczyk</a:t>
-            </a:r>
-            <a:r>
-              <a:rPr lang="en-US" sz="1800" dirty="0"/>
-              <a:t>, S. </a:t>
-            </a:r>
-            <a:r>
-              <a:rPr lang="en-US" sz="1800" dirty="0" err="1"/>
-              <a:t>Wendzel</a:t>
-            </a:r>
-            <a:r>
-              <a:rPr lang="en-US" sz="1800" dirty="0"/>
-              <a:t>, K. </a:t>
-            </a:r>
-            <a:r>
-              <a:rPr lang="en-US" sz="1800" dirty="0" err="1"/>
-              <a:t>Cabaj</a:t>
-            </a:r>
-            <a:r>
-              <a:rPr lang="en-US" sz="1800" dirty="0"/>
-              <a:t>: Towards Deriving Insights into Data Hiding Methods Using Pattern-based Approach, in Proc. Second International Workshop on Criminal Use of Information Hiding (CUING 2018) at ARES, pp. 10:1-10:10, ACM, 2018. </a:t>
-            </a:r>
+              <a:t>Modulate size of data block field in Ethernet frames</a:t>
+            </a:r>
+          </a:p>
+          <a:p>
+            <a:pPr lvl="2"/>
+            <a:r>
+              <a:rPr lang="en-US" sz="1800" dirty="0"/>
+              <a:t>Any other method that modulates size of payload field in any network protocol</a:t>
+            </a:r>
+          </a:p>
+          <a:p>
+            <a:endParaRPr lang="en-US" dirty="0"/>
           </a:p>
         </p:txBody>
       </p:sp>
@@ -7439,7 +8242,7 @@
     </p:spTree>
     <p:extLst>
       <p:ext uri="{BB962C8B-B14F-4D97-AF65-F5344CB8AC3E}">
-        <p14:creationId xmlns:p14="http://schemas.microsoft.com/office/powerpoint/2010/main" val="1861550129"/>
+        <p14:creationId xmlns:p14="http://schemas.microsoft.com/office/powerpoint/2010/main" val="1131379798"/>
       </p:ext>
     </p:extLst>
   </p:cSld>
@@ -7489,21 +8292,21 @@
           <a:p>
             <a:r>
               <a:rPr lang="en-US" sz="2400" dirty="0"/>
-              <a:t>PS30. Modify Redundancy</a:t>
+              <a:t>PS21. User-data Corruption</a:t>
             </a:r>
           </a:p>
           <a:p>
             <a:pPr lvl="1"/>
             <a:r>
               <a:rPr lang="en-US" sz="1800" dirty="0"/>
-              <a:t>Illustration: Used when it is possible to exploit the redundancy of the user-data by means of transforming them in such a way that a free space for secret data is obtained. Similar to Add Redundancy but can also decrease redundancy and is applied to payload instead of meta-data.</a:t>
+              <a:t>Illustration: Related to the cases when steganographic methods do not take into account what kind of user-data is carried within a payload field and/or what its characteristic is (blind modification). It can be applied to single PDUs or to multiple PDUs (a flow). This typically happens if parts of (or the whole) user-data is replaced with secret bits and thus the user-data is corrupted/lost.</a:t>
             </a:r>
           </a:p>
           <a:p>
             <a:pPr lvl="1"/>
             <a:r>
               <a:rPr lang="en-US" sz="1800" dirty="0"/>
-              <a:t>Context: Storage-&gt;Payload-&gt;User-data Aware</a:t>
+              <a:t>Context: Storage-&gt;Payload-&gt;User-data Agnostic</a:t>
             </a:r>
           </a:p>
           <a:p>
@@ -7517,29 +8320,31 @@
             <a:pPr lvl="2"/>
             <a:r>
               <a:rPr lang="en-US" sz="1800" dirty="0"/>
-              <a:t>Compress existing user-data in order to make a space for secret data.</a:t>
-            </a:r>
-          </a:p>
-          <a:p>
-            <a:pPr lvl="2"/>
-            <a:r>
-              <a:rPr lang="en-US" sz="1800" dirty="0"/>
-              <a:t>Transform the VAD-enabled IP telephony voice stream into non-VAD one and fill the gaps using artificially generated RTP packets containing secret data.</a:t>
-            </a:r>
-          </a:p>
-          <a:p>
-            <a:pPr lvl="2"/>
-            <a:r>
-              <a:rPr lang="en-US" sz="1800" dirty="0"/>
-              <a:t>Approximate the F0 parameter of the </a:t>
+              <a:t>W. </a:t>
             </a:r>
             <a:r>
               <a:rPr lang="en-US" sz="1800" dirty="0" err="1"/>
-              <a:t>Speex</a:t>
-            </a:r>
-            <a:r>
-              <a:rPr lang="en-US" sz="1800" dirty="0"/>
-              <a:t> codec which carries information about the pitch of the speech signal and use the ``saved'' space for secret data.</a:t>
+              <a:t>Mazurczyk</a:t>
+            </a:r>
+            <a:r>
+              <a:rPr lang="en-US" sz="1800" dirty="0"/>
+              <a:t>, S. </a:t>
+            </a:r>
+            <a:r>
+              <a:rPr lang="en-US" sz="1800" dirty="0" err="1"/>
+              <a:t>Wendzel</a:t>
+            </a:r>
+            <a:r>
+              <a:rPr lang="en-US" sz="1800" dirty="0"/>
+              <a:t>, K. </a:t>
+            </a:r>
+            <a:r>
+              <a:rPr lang="en-US" sz="1800" dirty="0" err="1"/>
+              <a:t>Cabaj</a:t>
+            </a:r>
+            <a:r>
+              <a:rPr lang="en-US" sz="1800" dirty="0"/>
+              <a:t>: Towards Deriving Insights into Data Hiding Methods Using Pattern-based Approach, in Proc. Second International Workshop on Criminal Use of Information Hiding (CUING 2018) at ARES, pp. 10:1-10:10, ACM, 2018. </a:t>
             </a:r>
           </a:p>
         </p:txBody>
@@ -7575,7 +8380,7 @@
     </p:spTree>
     <p:extLst>
       <p:ext uri="{BB962C8B-B14F-4D97-AF65-F5344CB8AC3E}">
-        <p14:creationId xmlns:p14="http://schemas.microsoft.com/office/powerpoint/2010/main" val="2250776891"/>
+        <p14:creationId xmlns:p14="http://schemas.microsoft.com/office/powerpoint/2010/main" val="1861550129"/>
       </p:ext>
     </p:extLst>
   </p:cSld>
@@ -7625,14 +8430,14 @@
           <a:p>
             <a:r>
               <a:rPr lang="en-US" sz="2400" dirty="0"/>
-              <a:t>PS31. User-data Value Modulation and Reserved/Unused</a:t>
+              <a:t>PS30. Modify Redundancy</a:t>
             </a:r>
           </a:p>
           <a:p>
             <a:pPr lvl="1"/>
             <a:r>
               <a:rPr lang="en-US" sz="1800" dirty="0"/>
-              <a:t>Illustration: Characteristic features of user-data can be utilized to store secret information. This includes applying methods like LSB modification to speech samples or digital images carried within the payload field. Compared with previous patterns this is a targeted modification. This pattern is analogous to the combination of the patterns.</a:t>
+              <a:t>Illustration: Used when it is possible to exploit the redundancy of the user-data by means of transforming them in such a way that a free space for secret data is obtained. Similar to Add Redundancy but can also decrease redundancy and is applied to payload instead of meta-data.</a:t>
             </a:r>
           </a:p>
           <a:p>
@@ -7653,21 +8458,29 @@
             <a:pPr lvl="2"/>
             <a:r>
               <a:rPr lang="en-US" sz="1800" dirty="0"/>
-              <a:t>Encode a stream of information by spreading the encoded data across as much of the frequency spectrum as feasible (e.g. DSSS).</a:t>
+              <a:t>Compress existing user-data in order to make a space for secret data.</a:t>
             </a:r>
           </a:p>
           <a:p>
             <a:pPr lvl="2"/>
             <a:r>
               <a:rPr lang="en-US" sz="1800" dirty="0"/>
-              <a:t>Embeds secret data into a carrier audio signal by introducing an echo (a.k.a. echo hiding).</a:t>
+              <a:t>Transform the VAD-enabled IP telephony voice stream into non-VAD one and fill the gaps using artificially generated RTP packets containing secret data.</a:t>
             </a:r>
           </a:p>
           <a:p>
             <a:pPr lvl="2"/>
             <a:r>
               <a:rPr lang="en-US" sz="1800" dirty="0"/>
-              <a:t>Replacing the least significant bit of e.g. each voice sample with secret data (LSB).</a:t>
+              <a:t>Approximate the F0 parameter of the </a:t>
+            </a:r>
+            <a:r>
+              <a:rPr lang="en-US" sz="1800" dirty="0" err="1"/>
+              <a:t>Speex</a:t>
+            </a:r>
+            <a:r>
+              <a:rPr lang="en-US" sz="1800" dirty="0"/>
+              <a:t> codec which carries information about the pitch of the speech signal and use the ``saved'' space for secret data.</a:t>
             </a:r>
           </a:p>
         </p:txBody>
@@ -7703,7 +8516,7 @@
     </p:spTree>
     <p:extLst>
       <p:ext uri="{BB962C8B-B14F-4D97-AF65-F5344CB8AC3E}">
-        <p14:creationId xmlns:p14="http://schemas.microsoft.com/office/powerpoint/2010/main" val="1166604412"/>
+        <p14:creationId xmlns:p14="http://schemas.microsoft.com/office/powerpoint/2010/main" val="2250776891"/>
       </p:ext>
     </p:extLst>
   </p:cSld>
@@ -7735,7 +8548,7 @@
           <p:cNvPr id="2" name="Text Placeholder 1">
             <a:extLst>
               <a:ext uri="{FF2B5EF4-FFF2-40B4-BE49-F238E27FC236}">
-                <a16:creationId xmlns:a16="http://schemas.microsoft.com/office/drawing/2014/main" id="{882A9D80-A653-4975-B88E-BEAA4B7414F0}"/>
+                <a16:creationId xmlns:a16="http://schemas.microsoft.com/office/drawing/2014/main" id="{D740140B-D84E-40A8-AE93-69C365F009DB}"/>
               </a:ext>
             </a:extLst>
           </p:cNvPr>
@@ -7753,21 +8566,21 @@
           <a:p>
             <a:r>
               <a:rPr lang="en-US" sz="2400" dirty="0"/>
-              <a:t>PT1. Inter-packet Times</a:t>
+              <a:t>PS31. User-data Value Modulation and Reserved/Unused</a:t>
             </a:r>
           </a:p>
           <a:p>
             <a:pPr lvl="1"/>
             <a:r>
               <a:rPr lang="en-US" sz="1800" dirty="0"/>
-              <a:t>Illustration: Alters timing intervals between network PDUs (inter-arrival times)</a:t>
+              <a:t>Illustration: Characteristic features of user-data can be utilized to store secret information. This includes applying methods like LSB modification to speech samples or digital images carried within the payload field. Compared with previous patterns this is a targeted modification. This pattern is analogous to the combination of the patterns.</a:t>
             </a:r>
           </a:p>
           <a:p>
             <a:pPr lvl="1"/>
             <a:r>
               <a:rPr lang="en-US" sz="1800" dirty="0"/>
-              <a:t>Context: Timing Channels-&gt;Protocol-agnostic</a:t>
+              <a:t>Context: Storage-&gt;Payload-&gt;User-data Aware</a:t>
             </a:r>
           </a:p>
           <a:p>
@@ -7781,39 +8594,22 @@
             <a:pPr lvl="2"/>
             <a:r>
               <a:rPr lang="en-US" sz="1800" dirty="0"/>
-              <a:t>Timings between LAN frames sent</a:t>
+              <a:t>Encode a stream of information by spreading the encoded data across as much of the frequency spectrum as feasible (e.g. DSSS).</a:t>
             </a:r>
           </a:p>
           <a:p>
             <a:pPr lvl="2"/>
             <a:r>
               <a:rPr lang="en-US" sz="1800" dirty="0"/>
-              <a:t>Response time of HTTP server</a:t>
+              <a:t>Embeds secret data into a carrier audio signal by introducing an echo (a.k.a. echo hiding).</a:t>
             </a:r>
           </a:p>
           <a:p>
             <a:pPr lvl="2"/>
             <a:r>
               <a:rPr lang="en-US" sz="1800" dirty="0"/>
-              <a:t>Timings between BACnet/IP packets</a:t>
-            </a:r>
-          </a:p>
-          <a:p>
-            <a:pPr lvl="2"/>
-            <a:r>
-              <a:rPr lang="en-US" sz="1800" dirty="0"/>
-              <a:t>Introduce artificial delays into inter-arrival times of SSH packets</a:t>
-            </a:r>
-          </a:p>
-          <a:p>
-            <a:pPr lvl="2"/>
-            <a:r>
-              <a:rPr lang="en-US" sz="1800" dirty="0"/>
-              <a:t>Record legitimate traffic sequence, partition sequence and replay the inter-arrival times of a particular partition</a:t>
-            </a:r>
-          </a:p>
-          <a:p>
-            <a:endParaRPr lang="en-US" dirty="0"/>
+              <a:t>Replacing the least significant bit of e.g. each voice sample with secret data (LSB).</a:t>
+            </a:r>
           </a:p>
         </p:txBody>
       </p:sp>
@@ -7822,7 +8618,7 @@
           <p:cNvPr id="3" name="Text Placeholder 2">
             <a:extLst>
               <a:ext uri="{FF2B5EF4-FFF2-40B4-BE49-F238E27FC236}">
-                <a16:creationId xmlns:a16="http://schemas.microsoft.com/office/drawing/2014/main" id="{BA5069BD-920B-42E9-8EDE-D2F99718E206}"/>
+                <a16:creationId xmlns:a16="http://schemas.microsoft.com/office/drawing/2014/main" id="{E2BFC3F6-6C59-4214-B17C-4A379A9A4DAE}"/>
               </a:ext>
             </a:extLst>
           </p:cNvPr>
@@ -7848,7 +8644,7 @@
     </p:spTree>
     <p:extLst>
       <p:ext uri="{BB962C8B-B14F-4D97-AF65-F5344CB8AC3E}">
-        <p14:creationId xmlns:p14="http://schemas.microsoft.com/office/powerpoint/2010/main" val="4179093166"/>
+        <p14:creationId xmlns:p14="http://schemas.microsoft.com/office/powerpoint/2010/main" val="1166604412"/>
       </p:ext>
     </p:extLst>
   </p:cSld>
@@ -8083,22 +8879,14 @@
           <a:p>
             <a:r>
               <a:rPr lang="en-US" sz="2400" dirty="0"/>
-              <a:t>PT2. Message Sequence Timing</a:t>
+              <a:t>PT1. Inter-packet Times</a:t>
             </a:r>
           </a:p>
           <a:p>
             <a:pPr lvl="1"/>
             <a:r>
               <a:rPr lang="en-US" sz="1800" dirty="0"/>
-              <a:t>Illustration: Hidden data is encoded in the timing of message sequences, e.g. acknowledging every </a:t>
-            </a:r>
-            <a:r>
-              <a:rPr lang="en-US" sz="1800" dirty="0" err="1"/>
-              <a:t>n'th</a:t>
-            </a:r>
-            <a:r>
-              <a:rPr lang="en-US" sz="1800" dirty="0"/>
-              <a:t> received packet or sending commands m times.</a:t>
+              <a:t>Illustration: Alters timing intervals between network PDUs (inter-arrival times)</a:t>
             </a:r>
           </a:p>
           <a:p>
@@ -8119,40 +8907,38 @@
             <a:pPr lvl="2"/>
             <a:r>
               <a:rPr lang="en-US" sz="1800" dirty="0"/>
-              <a:t>W. </a:t>
-            </a:r>
-            <a:r>
-              <a:rPr lang="en-US" sz="1800" dirty="0" err="1"/>
-              <a:t>Mazurczyk</a:t>
-            </a:r>
-            <a:r>
-              <a:rPr lang="en-US" sz="1800" dirty="0"/>
-              <a:t>, S. </a:t>
-            </a:r>
-            <a:r>
-              <a:rPr lang="en-US" sz="1800" dirty="0" err="1"/>
-              <a:t>Wendzel</a:t>
-            </a:r>
-            <a:r>
-              <a:rPr lang="en-US" sz="1800" dirty="0"/>
-              <a:t>, S. Zander, A. </a:t>
-            </a:r>
-            <a:r>
-              <a:rPr lang="en-US" sz="1800" dirty="0" err="1"/>
-              <a:t>Houmansadr</a:t>
-            </a:r>
-            <a:r>
-              <a:rPr lang="en-US" sz="1800" dirty="0"/>
-              <a:t>, K. </a:t>
-            </a:r>
-            <a:r>
-              <a:rPr lang="en-US" sz="1800" dirty="0" err="1"/>
-              <a:t>Szczypiorski</a:t>
-            </a:r>
-            <a:r>
-              <a:rPr lang="en-US" sz="1800" dirty="0"/>
-              <a:t>: Information Hiding in Communication Networks, Wiley, 2016. Chapters 3 and 8 contain discussions on hiding patterns, basically on the basis of [1] but with an extension of timing-based patterns.</a:t>
-            </a:r>
+              <a:t>Timings between LAN frames sent</a:t>
+            </a:r>
+          </a:p>
+          <a:p>
+            <a:pPr lvl="2"/>
+            <a:r>
+              <a:rPr lang="en-US" sz="1800" dirty="0"/>
+              <a:t>Response time of HTTP server</a:t>
+            </a:r>
+          </a:p>
+          <a:p>
+            <a:pPr lvl="2"/>
+            <a:r>
+              <a:rPr lang="en-US" sz="1800" dirty="0"/>
+              <a:t>Timings between BACnet/IP packets</a:t>
+            </a:r>
+          </a:p>
+          <a:p>
+            <a:pPr lvl="2"/>
+            <a:r>
+              <a:rPr lang="en-US" sz="1800" dirty="0"/>
+              <a:t>Introduce artificial delays into inter-arrival times of SSH packets</a:t>
+            </a:r>
+          </a:p>
+          <a:p>
+            <a:pPr lvl="2"/>
+            <a:r>
+              <a:rPr lang="en-US" sz="1800" dirty="0"/>
+              <a:t>Record legitimate traffic sequence, partition sequence and replay the inter-arrival times of a particular partition</a:t>
+            </a:r>
+          </a:p>
+          <a:p>
             <a:endParaRPr lang="en-US" dirty="0"/>
           </a:p>
         </p:txBody>
@@ -8188,6 +8974,161 @@
     </p:spTree>
     <p:extLst>
       <p:ext uri="{BB962C8B-B14F-4D97-AF65-F5344CB8AC3E}">
+        <p14:creationId xmlns:p14="http://schemas.microsoft.com/office/powerpoint/2010/main" val="4179093166"/>
+      </p:ext>
+    </p:extLst>
+  </p:cSld>
+  <p:clrMapOvr>
+    <a:masterClrMapping/>
+  </p:clrMapOvr>
+</p:sld>
+</file>
+
+<file path=ppt/slides/slide21.xml><?xml version="1.0" encoding="utf-8"?>
+<p:sld xmlns:a="http://schemas.openxmlformats.org/drawingml/2006/main" xmlns:r="http://schemas.openxmlformats.org/officeDocument/2006/relationships" xmlns:p="http://schemas.openxmlformats.org/presentationml/2006/main">
+  <p:cSld>
+    <p:spTree>
+      <p:nvGrpSpPr>
+        <p:cNvPr id="1" name=""/>
+        <p:cNvGrpSpPr/>
+        <p:nvPr/>
+      </p:nvGrpSpPr>
+      <p:grpSpPr>
+        <a:xfrm>
+          <a:off x="0" y="0"/>
+          <a:ext cx="0" cy="0"/>
+          <a:chOff x="0" y="0"/>
+          <a:chExt cx="0" cy="0"/>
+        </a:xfrm>
+      </p:grpSpPr>
+      <p:sp>
+        <p:nvSpPr>
+          <p:cNvPr id="2" name="Text Placeholder 1">
+            <a:extLst>
+              <a:ext uri="{FF2B5EF4-FFF2-40B4-BE49-F238E27FC236}">
+                <a16:creationId xmlns:a16="http://schemas.microsoft.com/office/drawing/2014/main" id="{882A9D80-A653-4975-B88E-BEAA4B7414F0}"/>
+              </a:ext>
+            </a:extLst>
+          </p:cNvPr>
+          <p:cNvSpPr>
+            <a:spLocks noGrp="1"/>
+          </p:cNvSpPr>
+          <p:nvPr>
+            <p:ph type="body" sz="quarter" idx="10"/>
+          </p:nvPr>
+        </p:nvSpPr>
+        <p:spPr/>
+        <p:txBody>
+          <a:bodyPr/>
+          <a:lstStyle/>
+          <a:p>
+            <a:r>
+              <a:rPr lang="en-US" sz="2400" dirty="0"/>
+              <a:t>PT2. Message Sequence Timing</a:t>
+            </a:r>
+          </a:p>
+          <a:p>
+            <a:pPr lvl="1"/>
+            <a:r>
+              <a:rPr lang="en-US" sz="1800" dirty="0"/>
+              <a:t>Illustration: Hidden data is encoded in the timing of message sequences, e.g. acknowledging every </a:t>
+            </a:r>
+            <a:r>
+              <a:rPr lang="en-US" sz="1800" dirty="0" err="1"/>
+              <a:t>n'th</a:t>
+            </a:r>
+            <a:r>
+              <a:rPr lang="en-US" sz="1800" dirty="0"/>
+              <a:t> received packet or sending commands m times.</a:t>
+            </a:r>
+          </a:p>
+          <a:p>
+            <a:pPr lvl="1"/>
+            <a:r>
+              <a:rPr lang="en-US" sz="1800" dirty="0"/>
+              <a:t>Context: Timing Channels-&gt;Protocol-agnostic</a:t>
+            </a:r>
+          </a:p>
+          <a:p>
+            <a:pPr lvl="1"/>
+            <a:r>
+              <a:rPr lang="en-US" sz="1800" dirty="0"/>
+              <a:t>Evidence:</a:t>
+            </a:r>
+          </a:p>
+          <a:p>
+            <a:pPr lvl="2"/>
+            <a:r>
+              <a:rPr lang="en-US" sz="1800" dirty="0"/>
+              <a:t>W. </a:t>
+            </a:r>
+            <a:r>
+              <a:rPr lang="en-US" sz="1800" dirty="0" err="1"/>
+              <a:t>Mazurczyk</a:t>
+            </a:r>
+            <a:r>
+              <a:rPr lang="en-US" sz="1800" dirty="0"/>
+              <a:t>, S. </a:t>
+            </a:r>
+            <a:r>
+              <a:rPr lang="en-US" sz="1800" dirty="0" err="1"/>
+              <a:t>Wendzel</a:t>
+            </a:r>
+            <a:r>
+              <a:rPr lang="en-US" sz="1800" dirty="0"/>
+              <a:t>, S. Zander, A. </a:t>
+            </a:r>
+            <a:r>
+              <a:rPr lang="en-US" sz="1800" dirty="0" err="1"/>
+              <a:t>Houmansadr</a:t>
+            </a:r>
+            <a:r>
+              <a:rPr lang="en-US" sz="1800" dirty="0"/>
+              <a:t>, K. </a:t>
+            </a:r>
+            <a:r>
+              <a:rPr lang="en-US" sz="1800" dirty="0" err="1"/>
+              <a:t>Szczypiorski</a:t>
+            </a:r>
+            <a:r>
+              <a:rPr lang="en-US" sz="1800" dirty="0"/>
+              <a:t>: Information Hiding in Communication Networks, Wiley, 2016. Chapters 3 and 8 contain discussions on hiding patterns, basically on the basis of [1] but with an extension of timing-based patterns.</a:t>
+            </a:r>
+            <a:endParaRPr lang="en-US" dirty="0"/>
+          </a:p>
+        </p:txBody>
+      </p:sp>
+      <p:sp>
+        <p:nvSpPr>
+          <p:cNvPr id="3" name="Text Placeholder 2">
+            <a:extLst>
+              <a:ext uri="{FF2B5EF4-FFF2-40B4-BE49-F238E27FC236}">
+                <a16:creationId xmlns:a16="http://schemas.microsoft.com/office/drawing/2014/main" id="{BA5069BD-920B-42E9-8EDE-D2F99718E206}"/>
+              </a:ext>
+            </a:extLst>
+          </p:cNvPr>
+          <p:cNvSpPr>
+            <a:spLocks noGrp="1"/>
+          </p:cNvSpPr>
+          <p:nvPr>
+            <p:ph type="body" sz="quarter" idx="11"/>
+          </p:nvPr>
+        </p:nvSpPr>
+        <p:spPr/>
+        <p:txBody>
+          <a:bodyPr/>
+          <a:lstStyle/>
+          <a:p>
+            <a:r>
+              <a:rPr lang="en-US" dirty="0"/>
+              <a:t>Evaluating Covert Channels</a:t>
+            </a:r>
+          </a:p>
+        </p:txBody>
+      </p:sp>
+    </p:spTree>
+    <p:extLst>
+      <p:ext uri="{BB962C8B-B14F-4D97-AF65-F5344CB8AC3E}">
         <p14:creationId xmlns:p14="http://schemas.microsoft.com/office/powerpoint/2010/main" val="1982728205"/>
       </p:ext>
     </p:extLst>
@@ -8198,7 +9139,7 @@
 </p:sld>
 </file>
 
-<file path=ppt/slides/slide21.xml><?xml version="1.0" encoding="utf-8"?>
+<file path=ppt/slides/slide22.xml><?xml version="1.0" encoding="utf-8"?>
 <p:sld xmlns:a="http://schemas.openxmlformats.org/drawingml/2006/main" xmlns:r="http://schemas.openxmlformats.org/officeDocument/2006/relationships" xmlns:p="http://schemas.openxmlformats.org/presentationml/2006/main">
   <p:cSld>
     <p:spTree>
@@ -8336,153 +9277,6 @@
     <p:extLst>
       <p:ext uri="{BB962C8B-B14F-4D97-AF65-F5344CB8AC3E}">
         <p14:creationId xmlns:p14="http://schemas.microsoft.com/office/powerpoint/2010/main" val="781436913"/>
-      </p:ext>
-    </p:extLst>
-  </p:cSld>
-  <p:clrMapOvr>
-    <a:masterClrMapping/>
-  </p:clrMapOvr>
-</p:sld>
-</file>
-
-<file path=ppt/slides/slide22.xml><?xml version="1.0" encoding="utf-8"?>
-<p:sld xmlns:a="http://schemas.openxmlformats.org/drawingml/2006/main" xmlns:r="http://schemas.openxmlformats.org/officeDocument/2006/relationships" xmlns:p="http://schemas.openxmlformats.org/presentationml/2006/main">
-  <p:cSld>
-    <p:spTree>
-      <p:nvGrpSpPr>
-        <p:cNvPr id="1" name=""/>
-        <p:cNvGrpSpPr/>
-        <p:nvPr/>
-      </p:nvGrpSpPr>
-      <p:grpSpPr>
-        <a:xfrm>
-          <a:off x="0" y="0"/>
-          <a:ext cx="0" cy="0"/>
-          <a:chOff x="0" y="0"/>
-          <a:chExt cx="0" cy="0"/>
-        </a:xfrm>
-      </p:grpSpPr>
-      <p:sp>
-        <p:nvSpPr>
-          <p:cNvPr id="2" name="Text Placeholder 1">
-            <a:extLst>
-              <a:ext uri="{FF2B5EF4-FFF2-40B4-BE49-F238E27FC236}">
-                <a16:creationId xmlns:a16="http://schemas.microsoft.com/office/drawing/2014/main" id="{5E0C7DDD-8C19-4A21-82CC-BA1E97B91151}"/>
-              </a:ext>
-            </a:extLst>
-          </p:cNvPr>
-          <p:cNvSpPr>
-            <a:spLocks noGrp="1"/>
-          </p:cNvSpPr>
-          <p:nvPr>
-            <p:ph type="body" sz="quarter" idx="10"/>
-          </p:nvPr>
-        </p:nvSpPr>
-        <p:spPr/>
-        <p:txBody>
-          <a:bodyPr/>
-          <a:lstStyle/>
-          <a:p>
-            <a:r>
-              <a:rPr lang="en-US" sz="2400" dirty="0"/>
-              <a:t>PT10. Artificial Message/Packet Loss Pattern</a:t>
-            </a:r>
-          </a:p>
-          <a:p>
-            <a:pPr lvl="1"/>
-            <a:r>
-              <a:rPr lang="en-US" sz="1800" dirty="0"/>
-              <a:t>Illustration: Hidden information via artificial loss of transmitted messages (PDUs)</a:t>
-            </a:r>
-          </a:p>
-          <a:p>
-            <a:pPr lvl="1"/>
-            <a:r>
-              <a:rPr lang="en-US" sz="1800" dirty="0"/>
-              <a:t>Context: Timing Channels-&gt;Protocol-aware</a:t>
-            </a:r>
-          </a:p>
-          <a:p>
-            <a:pPr lvl="1"/>
-            <a:r>
-              <a:rPr lang="en-US" sz="1800" dirty="0"/>
-              <a:t>Evidence:</a:t>
-            </a:r>
-          </a:p>
-          <a:p>
-            <a:pPr lvl="2"/>
-            <a:r>
-              <a:rPr lang="en-US" sz="1800" dirty="0"/>
-              <a:t>W. </a:t>
-            </a:r>
-            <a:r>
-              <a:rPr lang="en-US" sz="1800" dirty="0" err="1"/>
-              <a:t>Mazurczyk</a:t>
-            </a:r>
-            <a:r>
-              <a:rPr lang="en-US" sz="1800" dirty="0"/>
-              <a:t>, S. </a:t>
-            </a:r>
-            <a:r>
-              <a:rPr lang="en-US" sz="1800" dirty="0" err="1"/>
-              <a:t>Wendzel</a:t>
-            </a:r>
-            <a:r>
-              <a:rPr lang="en-US" sz="1800" dirty="0"/>
-              <a:t>, S. Zander, A. </a:t>
-            </a:r>
-            <a:r>
-              <a:rPr lang="en-US" sz="1800" dirty="0" err="1"/>
-              <a:t>Houmansadr</a:t>
-            </a:r>
-            <a:r>
-              <a:rPr lang="en-US" sz="1800" dirty="0"/>
-              <a:t>, K. </a:t>
-            </a:r>
-            <a:r>
-              <a:rPr lang="en-US" sz="1800" dirty="0" err="1"/>
-              <a:t>Szczypiorski</a:t>
-            </a:r>
-            <a:r>
-              <a:rPr lang="en-US" sz="1800" dirty="0"/>
-              <a:t>: Information Hiding in Communication Networks, Wiley, 2016. Chapters 3 and 8 contain discussions on hiding patterns, basically on the basis of [1] but with an extension of timing-based patterns.</a:t>
-            </a:r>
-            <a:endParaRPr lang="en-US" dirty="0"/>
-          </a:p>
-        </p:txBody>
-      </p:sp>
-      <p:sp>
-        <p:nvSpPr>
-          <p:cNvPr id="3" name="Text Placeholder 2">
-            <a:extLst>
-              <a:ext uri="{FF2B5EF4-FFF2-40B4-BE49-F238E27FC236}">
-                <a16:creationId xmlns:a16="http://schemas.microsoft.com/office/drawing/2014/main" id="{2BF866B9-78BC-4F50-B3E0-9A4A8ABA92E1}"/>
-              </a:ext>
-            </a:extLst>
-          </p:cNvPr>
-          <p:cNvSpPr>
-            <a:spLocks noGrp="1"/>
-          </p:cNvSpPr>
-          <p:nvPr>
-            <p:ph type="body" sz="quarter" idx="11"/>
-          </p:nvPr>
-        </p:nvSpPr>
-        <p:spPr/>
-        <p:txBody>
-          <a:bodyPr/>
-          <a:lstStyle/>
-          <a:p>
-            <a:r>
-              <a:rPr lang="en-US" dirty="0"/>
-              <a:t>Evaluating Covert Channels</a:t>
-            </a:r>
-          </a:p>
-        </p:txBody>
-      </p:sp>
-    </p:spTree>
-    <p:extLst>
-      <p:ext uri="{BB962C8B-B14F-4D97-AF65-F5344CB8AC3E}">
-        <p14:creationId xmlns:p14="http://schemas.microsoft.com/office/powerpoint/2010/main" val="1933688735"/>
       </p:ext>
     </p:extLst>
   </p:cSld>
@@ -8532,14 +9326,14 @@
           <a:p>
             <a:r>
               <a:rPr lang="en-US" sz="2400" dirty="0"/>
-              <a:t>PT11. Message Ordering Pattern</a:t>
+              <a:t>PT10. Artificial Message/Packet Loss Pattern</a:t>
             </a:r>
           </a:p>
           <a:p>
             <a:pPr lvl="1"/>
             <a:r>
               <a:rPr lang="en-US" sz="1800" dirty="0"/>
-              <a:t>Illustration: Encode data using synthetic PDU order for given number of PDUs flowing between sender and receiver</a:t>
+              <a:t>Illustration: Hidden information via artificial loss of transmitted messages (PDUs)</a:t>
             </a:r>
           </a:p>
           <a:p>
@@ -8560,62 +9354,40 @@
             <a:pPr lvl="2"/>
             <a:r>
               <a:rPr lang="en-US" sz="1800" dirty="0"/>
-              <a:t>Modify order of </a:t>
+              <a:t>W. </a:t>
             </a:r>
             <a:r>
               <a:rPr lang="en-US" sz="1800" dirty="0" err="1"/>
-              <a:t>IPSec</a:t>
-            </a:r>
-            <a:r>
-              <a:rPr lang="en-US" sz="1800" dirty="0"/>
-              <a:t> Authentication Header (AH) packets</a:t>
-            </a:r>
-          </a:p>
-          <a:p>
-            <a:pPr lvl="2"/>
-            <a:r>
-              <a:rPr lang="en-US" sz="1800" dirty="0"/>
-              <a:t>Modify order of </a:t>
+              <a:t>Mazurczyk</a:t>
+            </a:r>
+            <a:r>
+              <a:rPr lang="en-US" sz="1800" dirty="0"/>
+              <a:t>, S. </a:t>
             </a:r>
             <a:r>
               <a:rPr lang="en-US" sz="1800" dirty="0" err="1"/>
-              <a:t>IPSec</a:t>
-            </a:r>
-            <a:r>
-              <a:rPr lang="en-US" sz="1800" dirty="0"/>
-              <a:t> ESP packets</a:t>
-            </a:r>
-          </a:p>
-          <a:p>
-            <a:pPr lvl="2"/>
-            <a:r>
-              <a:rPr lang="en-US" sz="1800" dirty="0"/>
-              <a:t>Modify order of TCP packets</a:t>
-            </a:r>
-          </a:p>
-          <a:p>
-            <a:pPr lvl="2"/>
-            <a:r>
-              <a:rPr lang="en-US" sz="1800" dirty="0"/>
-              <a:t>Modify order of </a:t>
+              <a:t>Wendzel</a:t>
+            </a:r>
+            <a:r>
+              <a:rPr lang="en-US" sz="1800" dirty="0"/>
+              <a:t>, S. Zander, A. </a:t>
             </a:r>
             <a:r>
               <a:rPr lang="en-US" sz="1800" dirty="0" err="1"/>
-              <a:t>IPSec</a:t>
-            </a:r>
-            <a:r>
-              <a:rPr lang="en-US" sz="1800" dirty="0"/>
-              <a:t> packets for inbound/outbound VPN traffic</a:t>
-            </a:r>
-          </a:p>
-          <a:p>
-            <a:pPr lvl="2"/>
-            <a:r>
-              <a:rPr lang="en-US" sz="1800" dirty="0"/>
-              <a:t>Sender transfers frames in a way they are send before or after a legitimate user’s frames in CSMA/CD networks</a:t>
-            </a:r>
-          </a:p>
-          <a:p>
+              <a:t>Houmansadr</a:t>
+            </a:r>
+            <a:r>
+              <a:rPr lang="en-US" sz="1800" dirty="0"/>
+              <a:t>, K. </a:t>
+            </a:r>
+            <a:r>
+              <a:rPr lang="en-US" sz="1800" dirty="0" err="1"/>
+              <a:t>Szczypiorski</a:t>
+            </a:r>
+            <a:r>
+              <a:rPr lang="en-US" sz="1800" dirty="0"/>
+              <a:t>: Information Hiding in Communication Networks, Wiley, 2016. Chapters 3 and 8 contain discussions on hiding patterns, basically on the basis of [1] but with an extension of timing-based patterns.</a:t>
+            </a:r>
             <a:endParaRPr lang="en-US" dirty="0"/>
           </a:p>
         </p:txBody>
@@ -8651,7 +9423,7 @@
     </p:spTree>
     <p:extLst>
       <p:ext uri="{BB962C8B-B14F-4D97-AF65-F5344CB8AC3E}">
-        <p14:creationId xmlns:p14="http://schemas.microsoft.com/office/powerpoint/2010/main" val="2990723467"/>
+        <p14:creationId xmlns:p14="http://schemas.microsoft.com/office/powerpoint/2010/main" val="1933688735"/>
       </p:ext>
     </p:extLst>
   </p:cSld>
@@ -8683,7 +9455,7 @@
           <p:cNvPr id="2" name="Text Placeholder 1">
             <a:extLst>
               <a:ext uri="{FF2B5EF4-FFF2-40B4-BE49-F238E27FC236}">
-                <a16:creationId xmlns:a16="http://schemas.microsoft.com/office/drawing/2014/main" id="{0193739E-281D-4B77-B389-8EED4799DB73}"/>
+                <a16:creationId xmlns:a16="http://schemas.microsoft.com/office/drawing/2014/main" id="{5E0C7DDD-8C19-4A21-82CC-BA1E97B91151}"/>
               </a:ext>
             </a:extLst>
           </p:cNvPr>
@@ -8701,14 +9473,14 @@
           <a:p>
             <a:r>
               <a:rPr lang="en-US" sz="2400" dirty="0"/>
-              <a:t>PT12. Re-Transmission Pattern</a:t>
+              <a:t>PT11. Message Ordering Pattern</a:t>
             </a:r>
           </a:p>
           <a:p>
             <a:pPr lvl="1"/>
             <a:r>
               <a:rPr lang="en-US" sz="1800" dirty="0"/>
-              <a:t>Illustration: Channel re-transmits previously send/received PDUs</a:t>
+              <a:t>Illustration: Encode data using synthetic PDU order for given number of PDUs flowing between sender and receiver</a:t>
             </a:r>
           </a:p>
           <a:p>
@@ -8729,28 +9501,59 @@
             <a:pPr lvl="2"/>
             <a:r>
               <a:rPr lang="en-US" sz="1800" dirty="0"/>
-              <a:t>Transfer selected DNS requests once/twice to encode bit per request</a:t>
+              <a:t>Modify order of </a:t>
+            </a:r>
+            <a:r>
+              <a:rPr lang="en-US" sz="1800" dirty="0" err="1"/>
+              <a:t>IPSec</a:t>
+            </a:r>
+            <a:r>
+              <a:rPr lang="en-US" sz="1800" dirty="0"/>
+              <a:t> Authentication Header (AH) packets</a:t>
             </a:r>
           </a:p>
           <a:p>
             <a:pPr lvl="2"/>
             <a:r>
               <a:rPr lang="en-US" sz="1800" dirty="0"/>
-              <a:t>Duplicate 802.11 packets</a:t>
+              <a:t>Modify order of </a:t>
+            </a:r>
+            <a:r>
+              <a:rPr lang="en-US" sz="1800" dirty="0" err="1"/>
+              <a:t>IPSec</a:t>
+            </a:r>
+            <a:r>
+              <a:rPr lang="en-US" sz="1800" dirty="0"/>
+              <a:t> ESP packets</a:t>
             </a:r>
           </a:p>
           <a:p>
             <a:pPr lvl="2"/>
             <a:r>
               <a:rPr lang="en-US" sz="1800" dirty="0"/>
-              <a:t>Re-transmit selected TCP segments</a:t>
+              <a:t>Modify order of TCP packets</a:t>
             </a:r>
           </a:p>
           <a:p>
             <a:pPr lvl="2"/>
             <a:r>
               <a:rPr lang="en-US" sz="1800" dirty="0"/>
-              <a:t>Do not ACK received packets in order to force sender to re-transmit</a:t>
+              <a:t>Modify order of </a:t>
+            </a:r>
+            <a:r>
+              <a:rPr lang="en-US" sz="1800" dirty="0" err="1"/>
+              <a:t>IPSec</a:t>
+            </a:r>
+            <a:r>
+              <a:rPr lang="en-US" sz="1800" dirty="0"/>
+              <a:t> packets for inbound/outbound VPN traffic</a:t>
+            </a:r>
+          </a:p>
+          <a:p>
+            <a:pPr lvl="2"/>
+            <a:r>
+              <a:rPr lang="en-US" sz="1800" dirty="0"/>
+              <a:t>Sender transfers frames in a way they are send before or after a legitimate user’s frames in CSMA/CD networks</a:t>
             </a:r>
           </a:p>
           <a:p>
@@ -8763,7 +9566,7 @@
           <p:cNvPr id="3" name="Text Placeholder 2">
             <a:extLst>
               <a:ext uri="{FF2B5EF4-FFF2-40B4-BE49-F238E27FC236}">
-                <a16:creationId xmlns:a16="http://schemas.microsoft.com/office/drawing/2014/main" id="{F1A435EA-5523-4C44-A777-77716EB38A44}"/>
+                <a16:creationId xmlns:a16="http://schemas.microsoft.com/office/drawing/2014/main" id="{2BF866B9-78BC-4F50-B3E0-9A4A8ABA92E1}"/>
               </a:ext>
             </a:extLst>
           </p:cNvPr>
@@ -8789,7 +9592,7 @@
     </p:spTree>
     <p:extLst>
       <p:ext uri="{BB962C8B-B14F-4D97-AF65-F5344CB8AC3E}">
-        <p14:creationId xmlns:p14="http://schemas.microsoft.com/office/powerpoint/2010/main" val="1903267264"/>
+        <p14:creationId xmlns:p14="http://schemas.microsoft.com/office/powerpoint/2010/main" val="2990723467"/>
       </p:ext>
     </p:extLst>
   </p:cSld>
@@ -8839,14 +9642,14 @@
           <a:p>
             <a:r>
               <a:rPr lang="en-US" sz="2400" dirty="0"/>
-              <a:t>PT13. Frame Collision Pattern</a:t>
+              <a:t>PT12. Re-Transmission Pattern</a:t>
             </a:r>
           </a:p>
           <a:p>
             <a:pPr lvl="1"/>
             <a:r>
               <a:rPr lang="en-US" sz="1800" dirty="0"/>
-              <a:t>Illustration: Sender causes artificial frame collisions to signal hidden information.</a:t>
+              <a:t>Illustration: Channel re-transmits previously send/received PDUs</a:t>
             </a:r>
           </a:p>
           <a:p>
@@ -8867,39 +9670,28 @@
             <a:pPr lvl="2"/>
             <a:r>
               <a:rPr lang="en-US" sz="1800" dirty="0"/>
-              <a:t>W. </a:t>
-            </a:r>
-            <a:r>
-              <a:rPr lang="en-US" sz="1800" dirty="0" err="1"/>
-              <a:t>Mazurczyk</a:t>
-            </a:r>
-            <a:r>
-              <a:rPr lang="en-US" sz="1800" dirty="0"/>
-              <a:t>, S. </a:t>
-            </a:r>
-            <a:r>
-              <a:rPr lang="en-US" sz="1800" dirty="0" err="1"/>
-              <a:t>Wendzel</a:t>
-            </a:r>
-            <a:r>
-              <a:rPr lang="en-US" sz="1800" dirty="0"/>
-              <a:t>, S. Zander, A. </a:t>
-            </a:r>
-            <a:r>
-              <a:rPr lang="en-US" sz="1800" dirty="0" err="1"/>
-              <a:t>Houmansadr</a:t>
-            </a:r>
-            <a:r>
-              <a:rPr lang="en-US" sz="1800" dirty="0"/>
-              <a:t>, K. </a:t>
-            </a:r>
-            <a:r>
-              <a:rPr lang="en-US" sz="1800" dirty="0" err="1"/>
-              <a:t>Szczypiorski</a:t>
-            </a:r>
-            <a:r>
-              <a:rPr lang="en-US" sz="1800" dirty="0"/>
-              <a:t>: Information Hiding in Communication Networks, Wiley, 2016. Chapters 3 and 8 contain discussions on hiding patterns, basically on the basis of [1] but with an extension of timing-based patterns.</a:t>
+              <a:t>Transfer selected DNS requests once/twice to encode bit per request</a:t>
+            </a:r>
+          </a:p>
+          <a:p>
+            <a:pPr lvl="2"/>
+            <a:r>
+              <a:rPr lang="en-US" sz="1800" dirty="0"/>
+              <a:t>Duplicate 802.11 packets</a:t>
+            </a:r>
+          </a:p>
+          <a:p>
+            <a:pPr lvl="2"/>
+            <a:r>
+              <a:rPr lang="en-US" sz="1800" dirty="0"/>
+              <a:t>Re-transmit selected TCP segments</a:t>
+            </a:r>
+          </a:p>
+          <a:p>
+            <a:pPr lvl="2"/>
+            <a:r>
+              <a:rPr lang="en-US" sz="1800" dirty="0"/>
+              <a:t>Do not ACK received packets in order to force sender to re-transmit</a:t>
             </a:r>
           </a:p>
           <a:p>
@@ -8938,7 +9730,7 @@
     </p:spTree>
     <p:extLst>
       <p:ext uri="{BB962C8B-B14F-4D97-AF65-F5344CB8AC3E}">
-        <p14:creationId xmlns:p14="http://schemas.microsoft.com/office/powerpoint/2010/main" val="229208407"/>
+        <p14:creationId xmlns:p14="http://schemas.microsoft.com/office/powerpoint/2010/main" val="1903267264"/>
       </p:ext>
     </p:extLst>
   </p:cSld>
@@ -8988,14 +9780,14 @@
           <a:p>
             <a:r>
               <a:rPr lang="en-US" sz="2400" dirty="0"/>
-              <a:t>PT14. Temperature Pattern</a:t>
+              <a:t>PT13. Frame Collision Pattern</a:t>
             </a:r>
           </a:p>
           <a:p>
             <a:pPr lvl="1"/>
             <a:r>
               <a:rPr lang="en-US" sz="1800" dirty="0"/>
-              <a:t>Illustration: Sender influences a third-party node's CPU temperature, e.g.\ using burst traffic. This influences the node's clock skew. The clock skew can then be interpreted by the covert receiver by interacting with the node.</a:t>
+              <a:t>Illustration: Sender causes artificial frame collisions to signal hidden information.</a:t>
             </a:r>
           </a:p>
           <a:p>
@@ -9087,7 +9879,7 @@
     </p:spTree>
     <p:extLst>
       <p:ext uri="{BB962C8B-B14F-4D97-AF65-F5344CB8AC3E}">
-        <p14:creationId xmlns:p14="http://schemas.microsoft.com/office/powerpoint/2010/main" val="1930440216"/>
+        <p14:creationId xmlns:p14="http://schemas.microsoft.com/office/powerpoint/2010/main" val="229208407"/>
       </p:ext>
     </p:extLst>
   </p:cSld>
@@ -9137,14 +9929,14 @@
           <a:p>
             <a:r>
               <a:rPr lang="en-US" sz="2400" dirty="0"/>
-              <a:t>PT15. Artificial Reconnections</a:t>
+              <a:t>PT14. Temperature Pattern</a:t>
             </a:r>
           </a:p>
           <a:p>
             <a:pPr lvl="1"/>
             <a:r>
               <a:rPr lang="en-US" sz="1800" dirty="0"/>
-              <a:t>Illustration: Employs artificial (forced) reconnections to transfer secret messages. The covert sender influences connection states of third-party nodes in a way that their connections to either a central element or a peer are terminated and then established again (i.e., a reconnect is performed).</a:t>
+              <a:t>Illustration: Sender influences a third-party node's CPU temperature, e.g.\ using burst traffic. This influences the node's clock skew. The clock skew can then be interpreted by the covert receiver by interacting with the node.</a:t>
             </a:r>
           </a:p>
           <a:p>
@@ -9165,23 +9957,15 @@
             <a:pPr lvl="2"/>
             <a:r>
               <a:rPr lang="en-US" sz="1800" dirty="0"/>
-              <a:t>Aleksandra </a:t>
+              <a:t>W. </a:t>
             </a:r>
             <a:r>
               <a:rPr lang="en-US" sz="1800" dirty="0" err="1"/>
-              <a:t>Mileva</a:t>
-            </a:r>
-            <a:r>
-              <a:rPr lang="en-US" sz="1800" dirty="0"/>
-              <a:t>, Aleksandar </a:t>
-            </a:r>
-            <a:r>
-              <a:rPr lang="en-US" sz="1800" dirty="0" err="1"/>
-              <a:t>Velinov</a:t>
-            </a:r>
-            <a:r>
-              <a:rPr lang="en-US" sz="1800" dirty="0"/>
-              <a:t>, Laura Hartmann, Steffen </a:t>
+              <a:t>Mazurczyk</a:t>
+            </a:r>
+            <a:r>
+              <a:rPr lang="en-US" sz="1800" dirty="0"/>
+              <a:t>, S. </a:t>
             </a:r>
             <a:r>
               <a:rPr lang="en-US" sz="1800" dirty="0" err="1"/>
@@ -9189,39 +9973,27 @@
             </a:r>
             <a:r>
               <a:rPr lang="en-US" sz="1800" dirty="0"/>
-              <a:t>, Wojciech </a:t>
+              <a:t>, S. Zander, A. </a:t>
             </a:r>
             <a:r>
               <a:rPr lang="en-US" sz="1800" dirty="0" err="1"/>
-              <a:t>Mazurczyk</a:t>
-            </a:r>
-            <a:r>
-              <a:rPr lang="en-US" sz="1800" dirty="0"/>
-              <a:t>: Comprehensive Analysis of MQTT 5.0 Susceptibility to Network Covert Channels, Computers &amp; Security, Elsevier, 2021.</a:t>
-            </a:r>
-          </a:p>
-          <a:p>
-            <a:pPr lvl="2"/>
-            <a:r>
-              <a:rPr lang="en-US" sz="1800" dirty="0"/>
-              <a:t>Sebastian </a:t>
+              <a:t>Houmansadr</a:t>
+            </a:r>
+            <a:r>
+              <a:rPr lang="en-US" sz="1800" dirty="0"/>
+              <a:t>, K. </a:t>
             </a:r>
             <a:r>
               <a:rPr lang="en-US" sz="1800" dirty="0" err="1"/>
-              <a:t>Zillien</a:t>
-            </a:r>
-            <a:r>
-              <a:rPr lang="en-US" sz="1800" dirty="0"/>
-              <a:t>, Steffen </a:t>
-            </a:r>
-            <a:r>
-              <a:rPr lang="en-US" sz="1800" dirty="0" err="1"/>
-              <a:t>Wendzel</a:t>
-            </a:r>
-            <a:r>
-              <a:rPr lang="en-US" sz="1800" dirty="0"/>
-              <a:t>: Reconnection-based Covert Channels in Wireless Networks. In: Proc. 36th IFIP TC-11 International Information Security and Privacy Conference (IFIP SEC 2021). Springer, 2021.</a:t>
-            </a:r>
+              <a:t>Szczypiorski</a:t>
+            </a:r>
+            <a:r>
+              <a:rPr lang="en-US" sz="1800" dirty="0"/>
+              <a:t>: Information Hiding in Communication Networks, Wiley, 2016. Chapters 3 and 8 contain discussions on hiding patterns, basically on the basis of [1] but with an extension of timing-based patterns.</a:t>
+            </a:r>
+          </a:p>
+          <a:p>
+            <a:endParaRPr lang="en-US" dirty="0"/>
           </a:p>
         </p:txBody>
       </p:sp>
@@ -9256,7 +10028,7 @@
     </p:spTree>
     <p:extLst>
       <p:ext uri="{BB962C8B-B14F-4D97-AF65-F5344CB8AC3E}">
-        <p14:creationId xmlns:p14="http://schemas.microsoft.com/office/powerpoint/2010/main" val="2647720221"/>
+        <p14:creationId xmlns:p14="http://schemas.microsoft.com/office/powerpoint/2010/main" val="1930440216"/>
       </p:ext>
     </p:extLst>
   </p:cSld>
@@ -9306,51 +10078,74 @@
           <a:p>
             <a:r>
               <a:rPr lang="en-US" sz="2400" dirty="0"/>
-              <a:t>PT16. Artificial Resets</a:t>
+              <a:t>PT15. Artificial Reconnections</a:t>
             </a:r>
           </a:p>
           <a:p>
             <a:pPr lvl="1"/>
             <a:r>
               <a:rPr lang="en-US" sz="1800" dirty="0"/>
-              <a:t>Illustration: </a:t>
-            </a:r>
-            <a:r>
-              <a:rPr lang="en-US" dirty="0"/>
-              <a:t>Covert sender c</a:t>
-            </a:r>
-            <a:r>
-              <a:rPr lang="en-US" sz="1800" dirty="0"/>
-              <a:t>auses a connection reset of third-party nodes, whose connection states are observed by one or more covert </a:t>
+              <a:t>Illustration: Employs artificial (forced) reconnections to transfer secret messages. The covert sender influences connection states of third-party nodes in a way that their connections to either a central element or a peer are terminated and then established again (i.e., a reconnect is performed).</a:t>
+            </a:r>
+          </a:p>
+          <a:p>
+            <a:pPr lvl="1"/>
+            <a:r>
+              <a:rPr lang="en-US" sz="1800" dirty="0"/>
+              <a:t>Context: Timing Channels-&gt;Protocol-aware</a:t>
+            </a:r>
+          </a:p>
+          <a:p>
+            <a:pPr lvl="1"/>
+            <a:r>
+              <a:rPr lang="en-US" sz="1800" dirty="0"/>
+              <a:t>Evidence:</a:t>
+            </a:r>
+          </a:p>
+          <a:p>
+            <a:pPr lvl="2"/>
+            <a:r>
+              <a:rPr lang="en-US" sz="1800" dirty="0"/>
+              <a:t>Aleksandra </a:t>
             </a:r>
             <a:r>
               <a:rPr lang="en-US" sz="1800" dirty="0" err="1"/>
-              <a:t>recievers</a:t>
-            </a:r>
-            <a:r>
-              <a:rPr lang="en-US" sz="1800" dirty="0"/>
-              <a:t>.</a:t>
-            </a:r>
-          </a:p>
-          <a:p>
-            <a:pPr lvl="1"/>
-            <a:r>
-              <a:rPr lang="en-US" sz="1800" dirty="0"/>
-              <a:t>Context: Timing Channels-&gt;Protocol-aware</a:t>
-            </a:r>
-          </a:p>
-          <a:p>
-            <a:pPr lvl="1"/>
-            <a:r>
-              <a:rPr lang="en-US" sz="1800" dirty="0"/>
-              <a:t>Evidence:</a:t>
+              <a:t>Mileva</a:t>
+            </a:r>
+            <a:r>
+              <a:rPr lang="en-US" sz="1800" dirty="0"/>
+              <a:t>, Aleksandar </a:t>
+            </a:r>
+            <a:r>
+              <a:rPr lang="en-US" sz="1800" dirty="0" err="1"/>
+              <a:t>Velinov</a:t>
+            </a:r>
+            <a:r>
+              <a:rPr lang="en-US" sz="1800" dirty="0"/>
+              <a:t>, Laura Hartmann, Steffen </a:t>
+            </a:r>
+            <a:r>
+              <a:rPr lang="en-US" sz="1800" dirty="0" err="1"/>
+              <a:t>Wendzel</a:t>
+            </a:r>
+            <a:r>
+              <a:rPr lang="en-US" sz="1800" dirty="0"/>
+              <a:t>, Wojciech </a:t>
+            </a:r>
+            <a:r>
+              <a:rPr lang="en-US" sz="1800" dirty="0" err="1"/>
+              <a:t>Mazurczyk</a:t>
+            </a:r>
+            <a:r>
+              <a:rPr lang="en-US" sz="1800" dirty="0"/>
+              <a:t>: Comprehensive Analysis of MQTT 5.0 Susceptibility to Network Covert Channels, Computers &amp; Security, Elsevier, 2021.</a:t>
             </a:r>
           </a:p>
           <a:p>
             <a:pPr lvl="2"/>
             <a:r>
               <a:rPr lang="en-US" sz="1800" dirty="0"/>
-              <a:t>Laura Hartmann, Sebastian </a:t>
+              <a:t>Sebastian </a:t>
             </a:r>
             <a:r>
               <a:rPr lang="en-US" sz="1800" dirty="0" err="1"/>
@@ -9366,7 +10161,7 @@
             </a:r>
             <a:r>
               <a:rPr lang="en-US" sz="1800" dirty="0"/>
-              <a:t>: Reset- and Reconnection-based Covert Channels in CoAP. In: Proc. European Interdisciplinary Cybersecurity Conference (EICC 2021). ACM, DOI: 10.1145/3487405.3487660</a:t>
+              <a:t>: Reconnection-based Covert Channels in Wireless Networks. In: Proc. 36th IFIP TC-11 International Information Security and Privacy Conference (IFIP SEC 2021). Springer, 2021.</a:t>
             </a:r>
           </a:p>
         </p:txBody>
@@ -9402,6 +10197,152 @@
     </p:spTree>
     <p:extLst>
       <p:ext uri="{BB962C8B-B14F-4D97-AF65-F5344CB8AC3E}">
+        <p14:creationId xmlns:p14="http://schemas.microsoft.com/office/powerpoint/2010/main" val="2647720221"/>
+      </p:ext>
+    </p:extLst>
+  </p:cSld>
+  <p:clrMapOvr>
+    <a:masterClrMapping/>
+  </p:clrMapOvr>
+</p:sld>
+</file>
+
+<file path=ppt/slides/slide29.xml><?xml version="1.0" encoding="utf-8"?>
+<p:sld xmlns:a="http://schemas.openxmlformats.org/drawingml/2006/main" xmlns:r="http://schemas.openxmlformats.org/officeDocument/2006/relationships" xmlns:p="http://schemas.openxmlformats.org/presentationml/2006/main">
+  <p:cSld>
+    <p:spTree>
+      <p:nvGrpSpPr>
+        <p:cNvPr id="1" name=""/>
+        <p:cNvGrpSpPr/>
+        <p:nvPr/>
+      </p:nvGrpSpPr>
+      <p:grpSpPr>
+        <a:xfrm>
+          <a:off x="0" y="0"/>
+          <a:ext cx="0" cy="0"/>
+          <a:chOff x="0" y="0"/>
+          <a:chExt cx="0" cy="0"/>
+        </a:xfrm>
+      </p:grpSpPr>
+      <p:sp>
+        <p:nvSpPr>
+          <p:cNvPr id="2" name="Text Placeholder 1">
+            <a:extLst>
+              <a:ext uri="{FF2B5EF4-FFF2-40B4-BE49-F238E27FC236}">
+                <a16:creationId xmlns:a16="http://schemas.microsoft.com/office/drawing/2014/main" id="{0193739E-281D-4B77-B389-8EED4799DB73}"/>
+              </a:ext>
+            </a:extLst>
+          </p:cNvPr>
+          <p:cNvSpPr>
+            <a:spLocks noGrp="1"/>
+          </p:cNvSpPr>
+          <p:nvPr>
+            <p:ph type="body" sz="quarter" idx="10"/>
+          </p:nvPr>
+        </p:nvSpPr>
+        <p:spPr/>
+        <p:txBody>
+          <a:bodyPr/>
+          <a:lstStyle/>
+          <a:p>
+            <a:r>
+              <a:rPr lang="en-US" sz="2400" dirty="0"/>
+              <a:t>PT16. Artificial Resets</a:t>
+            </a:r>
+          </a:p>
+          <a:p>
+            <a:pPr lvl="1"/>
+            <a:r>
+              <a:rPr lang="en-US" sz="1800" dirty="0"/>
+              <a:t>Illustration: </a:t>
+            </a:r>
+            <a:r>
+              <a:rPr lang="en-US" dirty="0"/>
+              <a:t>Covert sender c</a:t>
+            </a:r>
+            <a:r>
+              <a:rPr lang="en-US" sz="1800" dirty="0"/>
+              <a:t>auses a connection reset of third-party nodes, whose connection states are observed by one or more covert </a:t>
+            </a:r>
+            <a:r>
+              <a:rPr lang="en-US" sz="1800" dirty="0" err="1"/>
+              <a:t>recievers</a:t>
+            </a:r>
+            <a:r>
+              <a:rPr lang="en-US" sz="1800" dirty="0"/>
+              <a:t>.</a:t>
+            </a:r>
+          </a:p>
+          <a:p>
+            <a:pPr lvl="1"/>
+            <a:r>
+              <a:rPr lang="en-US" sz="1800" dirty="0"/>
+              <a:t>Context: Timing Channels-&gt;Protocol-aware</a:t>
+            </a:r>
+          </a:p>
+          <a:p>
+            <a:pPr lvl="1"/>
+            <a:r>
+              <a:rPr lang="en-US" sz="1800" dirty="0"/>
+              <a:t>Evidence:</a:t>
+            </a:r>
+          </a:p>
+          <a:p>
+            <a:pPr lvl="2"/>
+            <a:r>
+              <a:rPr lang="en-US" sz="1800" dirty="0"/>
+              <a:t>Laura Hartmann, Sebastian </a:t>
+            </a:r>
+            <a:r>
+              <a:rPr lang="en-US" sz="1800" dirty="0" err="1"/>
+              <a:t>Zillien</a:t>
+            </a:r>
+            <a:r>
+              <a:rPr lang="en-US" sz="1800" dirty="0"/>
+              <a:t>, Steffen </a:t>
+            </a:r>
+            <a:r>
+              <a:rPr lang="en-US" sz="1800" dirty="0" err="1"/>
+              <a:t>Wendzel</a:t>
+            </a:r>
+            <a:r>
+              <a:rPr lang="en-US" sz="1800" dirty="0"/>
+              <a:t>: Reset- and Reconnection-based Covert Channels in CoAP. In: Proc. European Interdisciplinary Cybersecurity Conference (EICC 2021). ACM, DOI: 10.1145/3487405.3487660</a:t>
+            </a:r>
+          </a:p>
+        </p:txBody>
+      </p:sp>
+      <p:sp>
+        <p:nvSpPr>
+          <p:cNvPr id="3" name="Text Placeholder 2">
+            <a:extLst>
+              <a:ext uri="{FF2B5EF4-FFF2-40B4-BE49-F238E27FC236}">
+                <a16:creationId xmlns:a16="http://schemas.microsoft.com/office/drawing/2014/main" id="{F1A435EA-5523-4C44-A777-77716EB38A44}"/>
+              </a:ext>
+            </a:extLst>
+          </p:cNvPr>
+          <p:cNvSpPr>
+            <a:spLocks noGrp="1"/>
+          </p:cNvSpPr>
+          <p:nvPr>
+            <p:ph type="body" sz="quarter" idx="11"/>
+          </p:nvPr>
+        </p:nvSpPr>
+        <p:spPr/>
+        <p:txBody>
+          <a:bodyPr/>
+          <a:lstStyle/>
+          <a:p>
+            <a:r>
+              <a:rPr lang="en-US" dirty="0"/>
+              <a:t>Evaluating Covert Channels</a:t>
+            </a:r>
+          </a:p>
+        </p:txBody>
+      </p:sp>
+    </p:spTree>
+    <p:extLst>
+      <p:ext uri="{BB962C8B-B14F-4D97-AF65-F5344CB8AC3E}">
         <p14:creationId xmlns:p14="http://schemas.microsoft.com/office/powerpoint/2010/main" val="1447654991"/>
       </p:ext>
     </p:extLst>
@@ -9412,7 +10353,120 @@
 </p:sld>
 </file>
 
-<file path=ppt/slides/slide29.xml><?xml version="1.0" encoding="utf-8"?>
+<file path=ppt/slides/slide3.xml><?xml version="1.0" encoding="utf-8"?>
+<p:sld xmlns:a="http://schemas.openxmlformats.org/drawingml/2006/main" xmlns:r="http://schemas.openxmlformats.org/officeDocument/2006/relationships" xmlns:p="http://schemas.openxmlformats.org/presentationml/2006/main">
+  <p:cSld>
+    <p:spTree>
+      <p:nvGrpSpPr>
+        <p:cNvPr id="1" name=""/>
+        <p:cNvGrpSpPr/>
+        <p:nvPr/>
+      </p:nvGrpSpPr>
+      <p:grpSpPr>
+        <a:xfrm>
+          <a:off x="0" y="0"/>
+          <a:ext cx="0" cy="0"/>
+          <a:chOff x="0" y="0"/>
+          <a:chExt cx="0" cy="0"/>
+        </a:xfrm>
+      </p:grpSpPr>
+      <p:sp>
+        <p:nvSpPr>
+          <p:cNvPr id="2" name="Text Placeholder 1">
+            <a:extLst>
+              <a:ext uri="{FF2B5EF4-FFF2-40B4-BE49-F238E27FC236}">
+                <a16:creationId xmlns:a16="http://schemas.microsoft.com/office/drawing/2014/main" id="{7555D9C7-2BB0-4BCE-A11A-8418B05E2256}"/>
+              </a:ext>
+            </a:extLst>
+          </p:cNvPr>
+          <p:cNvSpPr>
+            <a:spLocks noGrp="1"/>
+          </p:cNvSpPr>
+          <p:nvPr>
+            <p:ph type="body" sz="quarter" idx="10"/>
+          </p:nvPr>
+        </p:nvSpPr>
+        <p:spPr/>
+        <p:txBody>
+          <a:bodyPr/>
+          <a:lstStyle/>
+          <a:p>
+            <a:pPr marL="0" indent="0">
+              <a:buNone/>
+            </a:pPr>
+            <a:r>
+              <a:rPr lang="en-US" b="1" i="0" dirty="0">
+                <a:solidFill>
+                  <a:srgbClr val="222222"/>
+                </a:solidFill>
+                <a:effectLst/>
+                <a:highlight>
+                  <a:srgbClr val="FFFFFF"/>
+                </a:highlight>
+                <a:latin typeface="Arial" panose="020B0604020202020204" pitchFamily="34" charset="0"/>
+              </a:rPr>
+              <a:t>Video Introduction to Patterns: </a:t>
+            </a:r>
+            <a:r>
+              <a:rPr lang="en-US" b="1" i="0" u="none" strike="noStrike" dirty="0">
+                <a:solidFill>
+                  <a:srgbClr val="1177CC"/>
+                </a:solidFill>
+                <a:effectLst/>
+                <a:highlight>
+                  <a:srgbClr val="FFFFFF"/>
+                </a:highlight>
+                <a:latin typeface="Arial" panose="020B0604020202020204" pitchFamily="34" charset="0"/>
+                <a:hlinkClick r:id="rId3"/>
+              </a:rPr>
+              <a:t>https://www.youtube.com/watch?v=0ztPHur0LUY</a:t>
+            </a:r>
+            <a:endParaRPr lang="en-US" dirty="0"/>
+          </a:p>
+        </p:txBody>
+      </p:sp>
+      <p:sp>
+        <p:nvSpPr>
+          <p:cNvPr id="3" name="Text Placeholder 2">
+            <a:extLst>
+              <a:ext uri="{FF2B5EF4-FFF2-40B4-BE49-F238E27FC236}">
+                <a16:creationId xmlns:a16="http://schemas.microsoft.com/office/drawing/2014/main" id="{12C6CB51-E1B4-4BC5-BC5A-CEAA8486A51D}"/>
+              </a:ext>
+            </a:extLst>
+          </p:cNvPr>
+          <p:cNvSpPr>
+            <a:spLocks noGrp="1"/>
+          </p:cNvSpPr>
+          <p:nvPr>
+            <p:ph type="body" sz="quarter" idx="11"/>
+          </p:nvPr>
+        </p:nvSpPr>
+        <p:spPr/>
+        <p:txBody>
+          <a:bodyPr/>
+          <a:lstStyle/>
+          <a:p>
+            <a:r>
+              <a:rPr lang="en-US" dirty="0"/>
+              <a:t>Evaluating Covert Channels</a:t>
+            </a:r>
+          </a:p>
+        </p:txBody>
+      </p:sp>
+    </p:spTree>
+    <p:extLst>
+      <p:ext uri="{BB962C8B-B14F-4D97-AF65-F5344CB8AC3E}">
+        <p14:creationId xmlns:p14="http://schemas.microsoft.com/office/powerpoint/2010/main" val="1797052001"/>
+      </p:ext>
+    </p:extLst>
+  </p:cSld>
+  <p:clrMapOvr>
+    <a:masterClrMapping/>
+  </p:clrMapOvr>
+</p:sld>
+</file>
+
+<file path=ppt/slides/slide30.xml><?xml version="1.0" encoding="utf-8"?>
 <p:sld xmlns:a="http://schemas.openxmlformats.org/drawingml/2006/main" xmlns:r="http://schemas.openxmlformats.org/officeDocument/2006/relationships" xmlns:p="http://schemas.openxmlformats.org/presentationml/2006/main">
   <p:cSld>
     <p:spTree>
@@ -9536,184 +10590,7 @@
 </p:sld>
 </file>
 
-<file path=ppt/slides/slide3.xml><?xml version="1.0" encoding="utf-8"?>
-<p:sld xmlns:a="http://schemas.openxmlformats.org/drawingml/2006/main" xmlns:r="http://schemas.openxmlformats.org/officeDocument/2006/relationships" xmlns:p="http://schemas.openxmlformats.org/presentationml/2006/main">
-  <p:cSld>
-    <p:spTree>
-      <p:nvGrpSpPr>
-        <p:cNvPr id="1" name=""/>
-        <p:cNvGrpSpPr/>
-        <p:nvPr/>
-      </p:nvGrpSpPr>
-      <p:grpSpPr>
-        <a:xfrm>
-          <a:off x="0" y="0"/>
-          <a:ext cx="0" cy="0"/>
-          <a:chOff x="0" y="0"/>
-          <a:chExt cx="0" cy="0"/>
-        </a:xfrm>
-      </p:grpSpPr>
-      <p:sp>
-        <p:nvSpPr>
-          <p:cNvPr id="3" name="Text Placeholder 2">
-            <a:extLst>
-              <a:ext uri="{FF2B5EF4-FFF2-40B4-BE49-F238E27FC236}">
-                <a16:creationId xmlns:a16="http://schemas.microsoft.com/office/drawing/2014/main" id="{690DC88B-9677-4679-8B03-479B8AF06416}"/>
-              </a:ext>
-            </a:extLst>
-          </p:cNvPr>
-          <p:cNvSpPr>
-            <a:spLocks noGrp="1"/>
-          </p:cNvSpPr>
-          <p:nvPr>
-            <p:ph type="body" sz="quarter" idx="10"/>
-          </p:nvPr>
-        </p:nvSpPr>
-        <p:spPr/>
-        <p:txBody>
-          <a:bodyPr/>
-          <a:lstStyle/>
-          <a:p>
-            <a:r>
-              <a:rPr lang="en-US" dirty="0"/>
-              <a:t>Evaluating Covert Channels</a:t>
-            </a:r>
-          </a:p>
-        </p:txBody>
-      </p:sp>
-      <p:sp>
-        <p:nvSpPr>
-          <p:cNvPr id="2" name="Text Placeholder 1">
-            <a:extLst>
-              <a:ext uri="{FF2B5EF4-FFF2-40B4-BE49-F238E27FC236}">
-                <a16:creationId xmlns:a16="http://schemas.microsoft.com/office/drawing/2014/main" id="{84D99BD4-8541-431B-83B9-6A520D67B9BB}"/>
-              </a:ext>
-            </a:extLst>
-          </p:cNvPr>
-          <p:cNvSpPr>
-            <a:spLocks noGrp="1"/>
-          </p:cNvSpPr>
-          <p:nvPr>
-            <p:ph type="body" sz="quarter" idx="11"/>
-          </p:nvPr>
-        </p:nvSpPr>
-        <p:spPr/>
-        <p:txBody>
-          <a:bodyPr/>
-          <a:lstStyle/>
-          <a:p>
-            <a:r>
-              <a:rPr lang="en-US" dirty="0"/>
-              <a:t>Original as of 2015</a:t>
-            </a:r>
-          </a:p>
-        </p:txBody>
-      </p:sp>
-      <p:pic>
-        <p:nvPicPr>
-          <p:cNvPr id="5" name="Picture 2" descr="Network covert channel pattern hierarchy, excluding hiding techniques utilizing payloadÂ ">
-            <a:extLst>
-              <a:ext uri="{FF2B5EF4-FFF2-40B4-BE49-F238E27FC236}">
-                <a16:creationId xmlns:a16="http://schemas.microsoft.com/office/drawing/2014/main" id="{583F5204-E677-4FE4-9C55-1907742F2B14}"/>
-              </a:ext>
-            </a:extLst>
-          </p:cNvPr>
-          <p:cNvPicPr>
-            <a:picLocks noChangeAspect="1" noChangeArrowheads="1"/>
-          </p:cNvPicPr>
-          <p:nvPr/>
-        </p:nvPicPr>
-        <p:blipFill>
-          <a:blip r:embed="rId3">
-            <a:extLst>
-              <a:ext uri="{28A0092B-C50C-407E-A947-70E740481C1C}">
-                <a14:useLocalDpi xmlns:a14="http://schemas.microsoft.com/office/drawing/2010/main" val="0"/>
-              </a:ext>
-            </a:extLst>
-          </a:blip>
-          <a:srcRect/>
-          <a:stretch>
-            <a:fillRect/>
-          </a:stretch>
-        </p:blipFill>
-        <p:spPr bwMode="auto">
-          <a:xfrm>
-            <a:off x="523875" y="1648618"/>
-            <a:ext cx="8096250" cy="4476750"/>
-          </a:xfrm>
-          <a:prstGeom prst="rect">
-            <a:avLst/>
-          </a:prstGeom>
-          <a:noFill/>
-          <a:extLst>
-            <a:ext uri="{909E8E84-426E-40DD-AFC4-6F175D3DCCD1}">
-              <a14:hiddenFill xmlns:a14="http://schemas.microsoft.com/office/drawing/2010/main">
-                <a:solidFill>
-                  <a:srgbClr val="FFFFFF"/>
-                </a:solidFill>
-              </a14:hiddenFill>
-            </a:ext>
-          </a:extLst>
-        </p:spPr>
-      </p:pic>
-      <p:sp>
-        <p:nvSpPr>
-          <p:cNvPr id="7" name="TextBox 6">
-            <a:extLst>
-              <a:ext uri="{FF2B5EF4-FFF2-40B4-BE49-F238E27FC236}">
-                <a16:creationId xmlns:a16="http://schemas.microsoft.com/office/drawing/2014/main" id="{8CED916A-3144-4EEA-913E-C0FF3CF84FD9}"/>
-              </a:ext>
-            </a:extLst>
-          </p:cNvPr>
-          <p:cNvSpPr txBox="1"/>
-          <p:nvPr/>
-        </p:nvSpPr>
-        <p:spPr>
-          <a:xfrm>
-            <a:off x="3619500" y="6169567"/>
-            <a:ext cx="1905000" cy="369332"/>
-          </a:xfrm>
-          <a:prstGeom prst="rect">
-            <a:avLst/>
-          </a:prstGeom>
-          <a:noFill/>
-        </p:spPr>
-        <p:txBody>
-          <a:bodyPr wrap="square" rtlCol="0">
-            <a:spAutoFit/>
-          </a:bodyPr>
-          <a:lstStyle/>
-          <a:p>
-            <a:pPr algn="ctr"/>
-            <a:r>
-              <a:rPr lang="en-US" dirty="0"/>
-              <a:t>[</a:t>
-            </a:r>
-            <a:r>
-              <a:rPr lang="en-US" dirty="0" err="1"/>
-              <a:t>Wendzel</a:t>
-            </a:r>
-            <a:r>
-              <a:rPr lang="en-US" dirty="0"/>
-              <a:t> 2015]</a:t>
-            </a:r>
-          </a:p>
-        </p:txBody>
-      </p:sp>
-    </p:spTree>
-    <p:extLst>
-      <p:ext uri="{BB962C8B-B14F-4D97-AF65-F5344CB8AC3E}">
-        <p14:creationId xmlns:p14="http://schemas.microsoft.com/office/powerpoint/2010/main" val="539374532"/>
-      </p:ext>
-    </p:extLst>
-  </p:cSld>
-  <p:clrMapOvr>
-    <a:masterClrMapping/>
-  </p:clrMapOvr>
-</p:sld>
-</file>
-
-<file path=ppt/slides/slide30.xml><?xml version="1.0" encoding="utf-8"?>
+<file path=ppt/slides/slide31.xml><?xml version="1.0" encoding="utf-8"?>
 <p:sld xmlns:a="http://schemas.openxmlformats.org/drawingml/2006/main" xmlns:r="http://schemas.openxmlformats.org/officeDocument/2006/relationships" xmlns:p="http://schemas.openxmlformats.org/presentationml/2006/main">
   <p:cSld>
     <p:spTree>
@@ -9848,7 +10725,7 @@
 </p:sld>
 </file>
 
-<file path=ppt/slides/slide31.xml><?xml version="1.0" encoding="utf-8"?>
+<file path=ppt/slides/slide32.xml><?xml version="1.0" encoding="utf-8"?>
 <p:sld xmlns:a="http://schemas.openxmlformats.org/drawingml/2006/main" xmlns:r="http://schemas.openxmlformats.org/officeDocument/2006/relationships" xmlns:p="http://schemas.openxmlformats.org/presentationml/2006/main">
   <p:cSld>
     <p:spTree>
@@ -9943,7 +10820,7 @@
 </p:sld>
 </file>
 
-<file path=ppt/slides/slide32.xml><?xml version="1.0" encoding="utf-8"?>
+<file path=ppt/slides/slide33.xml><?xml version="1.0" encoding="utf-8"?>
 <p:sld xmlns:a="http://schemas.openxmlformats.org/drawingml/2006/main" xmlns:r="http://schemas.openxmlformats.org/officeDocument/2006/relationships" xmlns:p="http://schemas.openxmlformats.org/presentationml/2006/main">
   <p:cSld>
     <p:spTree>
@@ -10077,7 +10954,7 @@
 </p:sld>
 </file>
 
-<file path=ppt/slides/slide33.xml><?xml version="1.0" encoding="utf-8"?>
+<file path=ppt/slides/slide34.xml><?xml version="1.0" encoding="utf-8"?>
 <p:sld xmlns:a="http://schemas.openxmlformats.org/drawingml/2006/main" xmlns:r="http://schemas.openxmlformats.org/officeDocument/2006/relationships" xmlns:p="http://schemas.openxmlformats.org/presentationml/2006/main">
   <p:cSld>
     <p:spTree>
@@ -10314,7 +11191,7 @@
 </p:sld>
 </file>
 
-<file path=ppt/slides/slide34.xml><?xml version="1.0" encoding="utf-8"?>
+<file path=ppt/slides/slide35.xml><?xml version="1.0" encoding="utf-8"?>
 <p:sld xmlns:a="http://schemas.openxmlformats.org/drawingml/2006/main" xmlns:r="http://schemas.openxmlformats.org/officeDocument/2006/relationships" xmlns:p="http://schemas.openxmlformats.org/presentationml/2006/main">
   <p:cSld>
     <p:spTree>
@@ -10421,7 +11298,7 @@
 </p:sld>
 </file>
 
-<file path=ppt/slides/slide35.xml><?xml version="1.0" encoding="utf-8"?>
+<file path=ppt/slides/slide36.xml><?xml version="1.0" encoding="utf-8"?>
 <p:sld xmlns:a="http://schemas.openxmlformats.org/drawingml/2006/main" xmlns:r="http://schemas.openxmlformats.org/officeDocument/2006/relationships" xmlns:p="http://schemas.openxmlformats.org/presentationml/2006/main">
   <p:cSld>
     <p:spTree>
@@ -10564,7 +11441,7 @@
 </p:sld>
 </file>
 
-<file path=ppt/slides/slide36.xml><?xml version="1.0" encoding="utf-8"?>
+<file path=ppt/slides/slide37.xml><?xml version="1.0" encoding="utf-8"?>
 <p:sld xmlns:a="http://schemas.openxmlformats.org/drawingml/2006/main" xmlns:r="http://schemas.openxmlformats.org/officeDocument/2006/relationships" xmlns:p="http://schemas.openxmlformats.org/presentationml/2006/main">
   <p:cSld>
     <p:spTree>
@@ -10722,6 +11599,183 @@
 </file>
 
 <file path=ppt/slides/slide4.xml><?xml version="1.0" encoding="utf-8"?>
+<p:sld xmlns:a="http://schemas.openxmlformats.org/drawingml/2006/main" xmlns:r="http://schemas.openxmlformats.org/officeDocument/2006/relationships" xmlns:p="http://schemas.openxmlformats.org/presentationml/2006/main">
+  <p:cSld>
+    <p:spTree>
+      <p:nvGrpSpPr>
+        <p:cNvPr id="1" name=""/>
+        <p:cNvGrpSpPr/>
+        <p:nvPr/>
+      </p:nvGrpSpPr>
+      <p:grpSpPr>
+        <a:xfrm>
+          <a:off x="0" y="0"/>
+          <a:ext cx="0" cy="0"/>
+          <a:chOff x="0" y="0"/>
+          <a:chExt cx="0" cy="0"/>
+        </a:xfrm>
+      </p:grpSpPr>
+      <p:sp>
+        <p:nvSpPr>
+          <p:cNvPr id="3" name="Text Placeholder 2">
+            <a:extLst>
+              <a:ext uri="{FF2B5EF4-FFF2-40B4-BE49-F238E27FC236}">
+                <a16:creationId xmlns:a16="http://schemas.microsoft.com/office/drawing/2014/main" id="{690DC88B-9677-4679-8B03-479B8AF06416}"/>
+              </a:ext>
+            </a:extLst>
+          </p:cNvPr>
+          <p:cNvSpPr>
+            <a:spLocks noGrp="1"/>
+          </p:cNvSpPr>
+          <p:nvPr>
+            <p:ph type="body" sz="quarter" idx="10"/>
+          </p:nvPr>
+        </p:nvSpPr>
+        <p:spPr/>
+        <p:txBody>
+          <a:bodyPr/>
+          <a:lstStyle/>
+          <a:p>
+            <a:r>
+              <a:rPr lang="en-US" dirty="0"/>
+              <a:t>Evaluating Covert Channels</a:t>
+            </a:r>
+          </a:p>
+        </p:txBody>
+      </p:sp>
+      <p:sp>
+        <p:nvSpPr>
+          <p:cNvPr id="2" name="Text Placeholder 1">
+            <a:extLst>
+              <a:ext uri="{FF2B5EF4-FFF2-40B4-BE49-F238E27FC236}">
+                <a16:creationId xmlns:a16="http://schemas.microsoft.com/office/drawing/2014/main" id="{84D99BD4-8541-431B-83B9-6A520D67B9BB}"/>
+              </a:ext>
+            </a:extLst>
+          </p:cNvPr>
+          <p:cNvSpPr>
+            <a:spLocks noGrp="1"/>
+          </p:cNvSpPr>
+          <p:nvPr>
+            <p:ph type="body" sz="quarter" idx="11"/>
+          </p:nvPr>
+        </p:nvSpPr>
+        <p:spPr/>
+        <p:txBody>
+          <a:bodyPr/>
+          <a:lstStyle/>
+          <a:p>
+            <a:r>
+              <a:rPr lang="en-US" dirty="0"/>
+              <a:t>Original as of 2015</a:t>
+            </a:r>
+          </a:p>
+        </p:txBody>
+      </p:sp>
+      <p:pic>
+        <p:nvPicPr>
+          <p:cNvPr id="5" name="Picture 2" descr="Network covert channel pattern hierarchy, excluding hiding techniques utilizing payloadÂ ">
+            <a:extLst>
+              <a:ext uri="{FF2B5EF4-FFF2-40B4-BE49-F238E27FC236}">
+                <a16:creationId xmlns:a16="http://schemas.microsoft.com/office/drawing/2014/main" id="{583F5204-E677-4FE4-9C55-1907742F2B14}"/>
+              </a:ext>
+            </a:extLst>
+          </p:cNvPr>
+          <p:cNvPicPr>
+            <a:picLocks noChangeAspect="1" noChangeArrowheads="1"/>
+          </p:cNvPicPr>
+          <p:nvPr/>
+        </p:nvPicPr>
+        <p:blipFill>
+          <a:blip r:embed="rId3">
+            <a:extLst>
+              <a:ext uri="{28A0092B-C50C-407E-A947-70E740481C1C}">
+                <a14:useLocalDpi xmlns:a14="http://schemas.microsoft.com/office/drawing/2010/main" val="0"/>
+              </a:ext>
+            </a:extLst>
+          </a:blip>
+          <a:srcRect/>
+          <a:stretch>
+            <a:fillRect/>
+          </a:stretch>
+        </p:blipFill>
+        <p:spPr bwMode="auto">
+          <a:xfrm>
+            <a:off x="523875" y="1648618"/>
+            <a:ext cx="8096250" cy="4476750"/>
+          </a:xfrm>
+          <a:prstGeom prst="rect">
+            <a:avLst/>
+          </a:prstGeom>
+          <a:noFill/>
+          <a:extLst>
+            <a:ext uri="{909E8E84-426E-40DD-AFC4-6F175D3DCCD1}">
+              <a14:hiddenFill xmlns:a14="http://schemas.microsoft.com/office/drawing/2010/main">
+                <a:solidFill>
+                  <a:srgbClr val="FFFFFF"/>
+                </a:solidFill>
+              </a14:hiddenFill>
+            </a:ext>
+          </a:extLst>
+        </p:spPr>
+      </p:pic>
+      <p:sp>
+        <p:nvSpPr>
+          <p:cNvPr id="7" name="TextBox 6">
+            <a:extLst>
+              <a:ext uri="{FF2B5EF4-FFF2-40B4-BE49-F238E27FC236}">
+                <a16:creationId xmlns:a16="http://schemas.microsoft.com/office/drawing/2014/main" id="{8CED916A-3144-4EEA-913E-C0FF3CF84FD9}"/>
+              </a:ext>
+            </a:extLst>
+          </p:cNvPr>
+          <p:cNvSpPr txBox="1"/>
+          <p:nvPr/>
+        </p:nvSpPr>
+        <p:spPr>
+          <a:xfrm>
+            <a:off x="3619500" y="6169567"/>
+            <a:ext cx="1905000" cy="369332"/>
+          </a:xfrm>
+          <a:prstGeom prst="rect">
+            <a:avLst/>
+          </a:prstGeom>
+          <a:noFill/>
+        </p:spPr>
+        <p:txBody>
+          <a:bodyPr wrap="square" rtlCol="0">
+            <a:spAutoFit/>
+          </a:bodyPr>
+          <a:lstStyle/>
+          <a:p>
+            <a:pPr algn="ctr"/>
+            <a:r>
+              <a:rPr lang="en-US" dirty="0"/>
+              <a:t>[</a:t>
+            </a:r>
+            <a:r>
+              <a:rPr lang="en-US" dirty="0" err="1"/>
+              <a:t>Wendzel</a:t>
+            </a:r>
+            <a:r>
+              <a:rPr lang="en-US" dirty="0"/>
+              <a:t> 2015]</a:t>
+            </a:r>
+          </a:p>
+        </p:txBody>
+      </p:sp>
+    </p:spTree>
+    <p:extLst>
+      <p:ext uri="{BB962C8B-B14F-4D97-AF65-F5344CB8AC3E}">
+        <p14:creationId xmlns:p14="http://schemas.microsoft.com/office/powerpoint/2010/main" val="539374532"/>
+      </p:ext>
+    </p:extLst>
+  </p:cSld>
+  <p:clrMapOvr>
+    <a:masterClrMapping/>
+  </p:clrMapOvr>
+</p:sld>
+</file>
+
+<file path=ppt/slides/slide5.xml><?xml version="1.0" encoding="utf-8"?>
 <p:sld xmlns:a="http://schemas.openxmlformats.org/drawingml/2006/main" xmlns:r="http://schemas.openxmlformats.org/officeDocument/2006/relationships" xmlns:p="http://schemas.openxmlformats.org/presentationml/2006/main">
   <p:cSld>
     <p:spTree>
@@ -10845,7 +11899,7 @@
 </p:sld>
 </file>
 
-<file path=ppt/slides/slide5.xml><?xml version="1.0" encoding="utf-8"?>
+<file path=ppt/slides/slide6.xml><?xml version="1.0" encoding="utf-8"?>
 <p:sld xmlns:a="http://schemas.openxmlformats.org/drawingml/2006/main" xmlns:r="http://schemas.openxmlformats.org/officeDocument/2006/relationships" xmlns:p="http://schemas.openxmlformats.org/presentationml/2006/main">
   <p:cSld>
     <p:spTree>
@@ -11179,7 +12233,7 @@
 </p:sld>
 </file>
 
-<file path=ppt/slides/slide6.xml><?xml version="1.0" encoding="utf-8"?>
+<file path=ppt/slides/slide7.xml><?xml version="1.0" encoding="utf-8"?>
 <p:sld xmlns:a="http://schemas.openxmlformats.org/drawingml/2006/main" xmlns:r="http://schemas.openxmlformats.org/officeDocument/2006/relationships" xmlns:p="http://schemas.openxmlformats.org/presentationml/2006/main">
   <p:cSld>
     <p:spTree>
@@ -11332,7 +12386,7 @@
 </p:sld>
 </file>
 
-<file path=ppt/slides/slide7.xml><?xml version="1.0" encoding="utf-8"?>
+<file path=ppt/slides/slide8.xml><?xml version="1.0" encoding="utf-8"?>
 <p:sld xmlns:a="http://schemas.openxmlformats.org/drawingml/2006/main" xmlns:r="http://schemas.openxmlformats.org/officeDocument/2006/relationships" xmlns:p="http://schemas.openxmlformats.org/presentationml/2006/main">
   <p:cSld>
     <p:spTree>
@@ -11463,7 +12517,7 @@
 </p:sld>
 </file>
 
-<file path=ppt/slides/slide8.xml><?xml version="1.0" encoding="utf-8"?>
+<file path=ppt/slides/slide9.xml><?xml version="1.0" encoding="utf-8"?>
 <p:sld xmlns:a="http://schemas.openxmlformats.org/drawingml/2006/main" xmlns:r="http://schemas.openxmlformats.org/officeDocument/2006/relationships" xmlns:p="http://schemas.openxmlformats.org/presentationml/2006/main">
   <p:cSld>
     <p:spTree>
@@ -11627,180 +12681,6 @@
     <p:extLst>
       <p:ext uri="{BB962C8B-B14F-4D97-AF65-F5344CB8AC3E}">
         <p14:creationId xmlns:p14="http://schemas.microsoft.com/office/powerpoint/2010/main" val="4197162757"/>
-      </p:ext>
-    </p:extLst>
-  </p:cSld>
-  <p:clrMapOvr>
-    <a:masterClrMapping/>
-  </p:clrMapOvr>
-</p:sld>
-</file>
-
-<file path=ppt/slides/slide9.xml><?xml version="1.0" encoding="utf-8"?>
-<p:sld xmlns:a="http://schemas.openxmlformats.org/drawingml/2006/main" xmlns:r="http://schemas.openxmlformats.org/officeDocument/2006/relationships" xmlns:p="http://schemas.openxmlformats.org/presentationml/2006/main">
-  <p:cSld>
-    <p:spTree>
-      <p:nvGrpSpPr>
-        <p:cNvPr id="1" name=""/>
-        <p:cNvGrpSpPr/>
-        <p:nvPr/>
-      </p:nvGrpSpPr>
-      <p:grpSpPr>
-        <a:xfrm>
-          <a:off x="0" y="0"/>
-          <a:ext cx="0" cy="0"/>
-          <a:chOff x="0" y="0"/>
-          <a:chExt cx="0" cy="0"/>
-        </a:xfrm>
-      </p:grpSpPr>
-      <p:sp>
-        <p:nvSpPr>
-          <p:cNvPr id="2" name="Text Placeholder 1">
-            <a:extLst>
-              <a:ext uri="{FF2B5EF4-FFF2-40B4-BE49-F238E27FC236}">
-                <a16:creationId xmlns:a16="http://schemas.microsoft.com/office/drawing/2014/main" id="{B897E15D-5160-4456-BB49-9C90E68583BB}"/>
-              </a:ext>
-            </a:extLst>
-          </p:cNvPr>
-          <p:cNvSpPr>
-            <a:spLocks noGrp="1"/>
-          </p:cNvSpPr>
-          <p:nvPr>
-            <p:ph type="body" sz="quarter" idx="10"/>
-          </p:nvPr>
-        </p:nvSpPr>
-        <p:spPr/>
-        <p:txBody>
-          <a:bodyPr/>
-          <a:lstStyle/>
-          <a:p>
-            <a:r>
-              <a:rPr lang="en-US" sz="2400" dirty="0"/>
-              <a:t>PS3. Add Redundancy Pattern*</a:t>
-            </a:r>
-          </a:p>
-          <a:p>
-            <a:pPr lvl="1"/>
-            <a:r>
-              <a:rPr lang="en-US" sz="1800" dirty="0"/>
-              <a:t>Illustration: Creates new space within a given header element/PDU</a:t>
-            </a:r>
-          </a:p>
-          <a:p>
-            <a:pPr lvl="1"/>
-            <a:r>
-              <a:rPr lang="en-US" sz="1800" dirty="0"/>
-              <a:t>Context: Storage -&gt; Non-Payload -&gt; Structure Modifying</a:t>
-            </a:r>
-          </a:p>
-          <a:p>
-            <a:pPr lvl="1"/>
-            <a:r>
-              <a:rPr lang="en-US" sz="1800" dirty="0"/>
-              <a:t>Evidence:</a:t>
-            </a:r>
-          </a:p>
-          <a:p>
-            <a:pPr lvl="2"/>
-            <a:r>
-              <a:rPr lang="en-US" sz="1800" dirty="0"/>
-              <a:t>Generate packets with IPv4 options</a:t>
-            </a:r>
-          </a:p>
-          <a:p>
-            <a:pPr lvl="2"/>
-            <a:r>
-              <a:rPr lang="en-US" sz="1800" dirty="0"/>
-              <a:t>Create new IPv6 destination option</a:t>
-            </a:r>
-          </a:p>
-          <a:p>
-            <a:pPr lvl="2"/>
-            <a:r>
-              <a:rPr lang="en-US" sz="1800" dirty="0"/>
-              <a:t>Extend HTTP headers with additional fields</a:t>
-            </a:r>
-          </a:p>
-          <a:p>
-            <a:pPr lvl="2"/>
-            <a:r>
-              <a:rPr lang="en-US" sz="1800" dirty="0"/>
-              <a:t>Manipulate pointer and length values for IPv4 record route option</a:t>
-            </a:r>
-          </a:p>
-          <a:p>
-            <a:pPr lvl="2"/>
-            <a:r>
-              <a:rPr lang="en-US" sz="1800" dirty="0"/>
-              <a:t>Add random bytes to an encrypted SSH message</a:t>
-            </a:r>
-          </a:p>
-          <a:p>
-            <a:pPr lvl="2"/>
-            <a:r>
-              <a:rPr lang="en-US" sz="1800" dirty="0"/>
-              <a:t>Extend SMTP packet headers with additional fields</a:t>
-            </a:r>
-          </a:p>
-          <a:p>
-            <a:pPr lvl="2"/>
-            <a:r>
-              <a:rPr lang="en-US" sz="1800" dirty="0"/>
-              <a:t>Hide data in unused bits of the DHCP </a:t>
-            </a:r>
-            <a:r>
-              <a:rPr lang="en-US" sz="1800" dirty="0" err="1"/>
-              <a:t>chaddr</a:t>
-            </a:r>
-            <a:r>
-              <a:rPr lang="en-US" sz="1800" dirty="0"/>
-              <a:t> field</a:t>
-            </a:r>
-          </a:p>
-          <a:p>
-            <a:pPr lvl="2"/>
-            <a:r>
-              <a:rPr lang="en-US" sz="1800" dirty="0"/>
-              <a:t>Encapsulate IP packet with smaller size than specified in Ethernet frame</a:t>
-            </a:r>
-          </a:p>
-          <a:p>
-            <a:endParaRPr lang="en-US" dirty="0"/>
-          </a:p>
-        </p:txBody>
-      </p:sp>
-      <p:sp>
-        <p:nvSpPr>
-          <p:cNvPr id="3" name="Text Placeholder 2">
-            <a:extLst>
-              <a:ext uri="{FF2B5EF4-FFF2-40B4-BE49-F238E27FC236}">
-                <a16:creationId xmlns:a16="http://schemas.microsoft.com/office/drawing/2014/main" id="{BFA4C775-2D92-449F-BC38-E35E81F8E1E3}"/>
-              </a:ext>
-            </a:extLst>
-          </p:cNvPr>
-          <p:cNvSpPr>
-            <a:spLocks noGrp="1"/>
-          </p:cNvSpPr>
-          <p:nvPr>
-            <p:ph type="body" sz="quarter" idx="11"/>
-          </p:nvPr>
-        </p:nvSpPr>
-        <p:spPr/>
-        <p:txBody>
-          <a:bodyPr/>
-          <a:lstStyle/>
-          <a:p>
-            <a:r>
-              <a:rPr lang="en-US" dirty="0"/>
-              <a:t>Evaluating Covert Channels</a:t>
-            </a:r>
-          </a:p>
-        </p:txBody>
-      </p:sp>
-    </p:spTree>
-    <p:extLst>
-      <p:ext uri="{BB962C8B-B14F-4D97-AF65-F5344CB8AC3E}">
-        <p14:creationId xmlns:p14="http://schemas.microsoft.com/office/powerpoint/2010/main" val="675347102"/>
       </p:ext>
     </p:extLst>
   </p:cSld>

--- a/Handout/Covert Channel Lecture Whitepaper Slides.pptx
+++ b/Handout/Covert Channel Lecture Whitepaper Slides.pptx
@@ -43,11 +43,11 @@
     <p:sldId id="568" r:id="rId31"/>
     <p:sldId id="549" r:id="rId32"/>
     <p:sldId id="550" r:id="rId33"/>
-    <p:sldId id="551" r:id="rId34"/>
-    <p:sldId id="552" r:id="rId35"/>
-    <p:sldId id="553" r:id="rId36"/>
-    <p:sldId id="473" r:id="rId37"/>
-    <p:sldId id="569" r:id="rId38"/>
+    <p:sldId id="473" r:id="rId34"/>
+    <p:sldId id="569" r:id="rId35"/>
+    <p:sldId id="551" r:id="rId36"/>
+    <p:sldId id="552" r:id="rId37"/>
+    <p:sldId id="553" r:id="rId38"/>
   </p:sldIdLst>
   <p:sldSz cx="9144000" cy="6858000" type="screen4x3"/>
   <p:notesSz cx="6400800" cy="8686800"/>
@@ -250,7 +250,7 @@
           <a:p>
             <a:fld id="{24DAFBA8-35F2-4C04-8149-4585D62DFC6D}" type="datetimeFigureOut">
               <a:rPr lang="en-US" smtClean="0"/>
-              <a:t>7/21/2024</a:t>
+              <a:t>7/20/2025</a:t>
             </a:fld>
             <a:endParaRPr lang="en-US"/>
           </a:p>
@@ -417,7 +417,7 @@
             <a:fld id="{2ECEE970-886D-4DEB-A78D-5219D8C79727}" type="datetimeFigureOut">
               <a:rPr lang="en-US" smtClean="0"/>
               <a:pPr/>
-              <a:t>7/21/2024</a:t>
+              <a:t>7/20/2025</a:t>
             </a:fld>
             <a:endParaRPr lang="en-US"/>
           </a:p>
@@ -2389,18 +2389,696 @@
         </p:nvSpPr>
         <p:spPr/>
         <p:txBody>
-          <a:bodyPr/>
+          <a:bodyPr>
+            <a:normAutofit fontScale="92500" lnSpcReduction="10000"/>
+          </a:bodyPr>
           <a:lstStyle/>
           <a:p>
-            <a:r>
-              <a:rPr lang="en-US" dirty="0"/>
-              <a:t>Why is detection extremely difficult? – Everything can be used for good and bad.</a:t>
-            </a:r>
-          </a:p>
-          <a:p>
-            <a:r>
-              <a:rPr lang="en-US" dirty="0"/>
-              <a:t>Only way to determine intent is after the fact.</a:t>
+            <a:pPr algn="l"/>
+            <a:r>
+              <a:rPr lang="en-US" b="0" i="0" dirty="0">
+                <a:solidFill>
+                  <a:srgbClr val="222222"/>
+                </a:solidFill>
+                <a:effectLst/>
+                <a:latin typeface="Arial" panose="020B0604020202020204" pitchFamily="34" charset="0"/>
+              </a:rPr>
+              <a:t>[1] S. </a:t>
+            </a:r>
+            <a:r>
+              <a:rPr lang="en-US" b="0" i="0" dirty="0" err="1">
+                <a:solidFill>
+                  <a:srgbClr val="222222"/>
+                </a:solidFill>
+                <a:effectLst/>
+                <a:latin typeface="Arial" panose="020B0604020202020204" pitchFamily="34" charset="0"/>
+              </a:rPr>
+              <a:t>Wendzel</a:t>
+            </a:r>
+            <a:r>
+              <a:rPr lang="en-US" b="0" i="0" dirty="0">
+                <a:solidFill>
+                  <a:srgbClr val="222222"/>
+                </a:solidFill>
+                <a:effectLst/>
+                <a:latin typeface="Arial" panose="020B0604020202020204" pitchFamily="34" charset="0"/>
+              </a:rPr>
+              <a:t>, S. Zander, B. Fechner, C. </a:t>
+            </a:r>
+            <a:r>
+              <a:rPr lang="en-US" b="0" i="0" dirty="0" err="1">
+                <a:solidFill>
+                  <a:srgbClr val="222222"/>
+                </a:solidFill>
+                <a:effectLst/>
+                <a:latin typeface="Arial" panose="020B0604020202020204" pitchFamily="34" charset="0"/>
+              </a:rPr>
+              <a:t>Herdin</a:t>
+            </a:r>
+            <a:r>
+              <a:rPr lang="en-US" b="0" i="0" dirty="0">
+                <a:solidFill>
+                  <a:srgbClr val="222222"/>
+                </a:solidFill>
+                <a:effectLst/>
+                <a:latin typeface="Arial" panose="020B0604020202020204" pitchFamily="34" charset="0"/>
+              </a:rPr>
+              <a:t>: </a:t>
+            </a:r>
+            <a:r>
+              <a:rPr lang="en-US" b="0" i="1" u="none" strike="noStrike" dirty="0">
+                <a:solidFill>
+                  <a:srgbClr val="1177CC"/>
+                </a:solidFill>
+                <a:effectLst/>
+                <a:latin typeface="Arial" panose="020B0604020202020204" pitchFamily="34" charset="0"/>
+                <a:hlinkClick r:id="rId3"/>
+              </a:rPr>
+              <a:t>Pattern-based Survey and Categorization of Network Covert Channel Techniques</a:t>
+            </a:r>
+            <a:r>
+              <a:rPr lang="en-US" b="0" i="0" dirty="0">
+                <a:solidFill>
+                  <a:srgbClr val="222222"/>
+                </a:solidFill>
+                <a:effectLst/>
+                <a:latin typeface="Arial" panose="020B0604020202020204" pitchFamily="34" charset="0"/>
+              </a:rPr>
+              <a:t>, ACM Computing Surveys, Vol. 47, Issue 3, pp. 50:1-26, ACM, 2015.</a:t>
+            </a:r>
+            <a:br>
+              <a:rPr lang="en-US" b="0" i="0" dirty="0">
+                <a:solidFill>
+                  <a:srgbClr val="222222"/>
+                </a:solidFill>
+                <a:effectLst/>
+                <a:latin typeface="Arial" panose="020B0604020202020204" pitchFamily="34" charset="0"/>
+              </a:rPr>
+            </a:br>
+            <a:r>
+              <a:rPr lang="en-US" b="0" i="0" dirty="0">
+                <a:solidFill>
+                  <a:srgbClr val="222222"/>
+                </a:solidFill>
+                <a:effectLst/>
+                <a:latin typeface="Arial" panose="020B0604020202020204" pitchFamily="34" charset="0"/>
+              </a:rPr>
+              <a:t>An early version of the article is available here: </a:t>
+            </a:r>
+            <a:r>
+              <a:rPr lang="en-US" b="0" i="0" u="none" strike="noStrike" dirty="0">
+                <a:solidFill>
+                  <a:srgbClr val="1177CC"/>
+                </a:solidFill>
+                <a:effectLst/>
+                <a:latin typeface="Arial" panose="020B0604020202020204" pitchFamily="34" charset="0"/>
+                <a:hlinkClick r:id="rId4"/>
+              </a:rPr>
+              <a:t>download</a:t>
+            </a:r>
+            <a:r>
+              <a:rPr lang="en-US" b="0" i="0" dirty="0">
+                <a:solidFill>
+                  <a:srgbClr val="222222"/>
+                </a:solidFill>
+                <a:effectLst/>
+                <a:latin typeface="Arial" panose="020B0604020202020204" pitchFamily="34" charset="0"/>
+              </a:rPr>
+              <a:t>.</a:t>
+            </a:r>
+            <a:br>
+              <a:rPr lang="en-US" b="0" i="0" dirty="0">
+                <a:solidFill>
+                  <a:srgbClr val="222222"/>
+                </a:solidFill>
+                <a:effectLst/>
+                <a:latin typeface="Arial" panose="020B0604020202020204" pitchFamily="34" charset="0"/>
+              </a:rPr>
+            </a:br>
+            <a:br>
+              <a:rPr lang="en-US" b="0" i="0" dirty="0">
+                <a:solidFill>
+                  <a:srgbClr val="222222"/>
+                </a:solidFill>
+                <a:effectLst/>
+                <a:latin typeface="Arial" panose="020B0604020202020204" pitchFamily="34" charset="0"/>
+              </a:rPr>
+            </a:br>
+            <a:r>
+              <a:rPr lang="en-US" b="0" i="0" dirty="0">
+                <a:solidFill>
+                  <a:srgbClr val="222222"/>
+                </a:solidFill>
+                <a:effectLst/>
+                <a:latin typeface="Arial" panose="020B0604020202020204" pitchFamily="34" charset="0"/>
+              </a:rPr>
+              <a:t>[2] W. </a:t>
+            </a:r>
+            <a:r>
+              <a:rPr lang="en-US" b="0" i="0" dirty="0" err="1">
+                <a:solidFill>
+                  <a:srgbClr val="222222"/>
+                </a:solidFill>
+                <a:effectLst/>
+                <a:latin typeface="Arial" panose="020B0604020202020204" pitchFamily="34" charset="0"/>
+              </a:rPr>
+              <a:t>Mazurczyk</a:t>
+            </a:r>
+            <a:r>
+              <a:rPr lang="en-US" b="0" i="0" dirty="0">
+                <a:solidFill>
+                  <a:srgbClr val="222222"/>
+                </a:solidFill>
+                <a:effectLst/>
+                <a:latin typeface="Arial" panose="020B0604020202020204" pitchFamily="34" charset="0"/>
+              </a:rPr>
+              <a:t>, S. </a:t>
+            </a:r>
+            <a:r>
+              <a:rPr lang="en-US" b="0" i="0" dirty="0" err="1">
+                <a:solidFill>
+                  <a:srgbClr val="222222"/>
+                </a:solidFill>
+                <a:effectLst/>
+                <a:latin typeface="Arial" panose="020B0604020202020204" pitchFamily="34" charset="0"/>
+              </a:rPr>
+              <a:t>Wendzel</a:t>
+            </a:r>
+            <a:r>
+              <a:rPr lang="en-US" b="0" i="0" dirty="0">
+                <a:solidFill>
+                  <a:srgbClr val="222222"/>
+                </a:solidFill>
+                <a:effectLst/>
+                <a:latin typeface="Arial" panose="020B0604020202020204" pitchFamily="34" charset="0"/>
+              </a:rPr>
+              <a:t>, S. Zander, A. </a:t>
+            </a:r>
+            <a:r>
+              <a:rPr lang="en-US" b="0" i="0" dirty="0" err="1">
+                <a:solidFill>
+                  <a:srgbClr val="222222"/>
+                </a:solidFill>
+                <a:effectLst/>
+                <a:latin typeface="Arial" panose="020B0604020202020204" pitchFamily="34" charset="0"/>
+              </a:rPr>
+              <a:t>Houmansadr</a:t>
+            </a:r>
+            <a:r>
+              <a:rPr lang="en-US" b="0" i="0" dirty="0">
+                <a:solidFill>
+                  <a:srgbClr val="222222"/>
+                </a:solidFill>
+                <a:effectLst/>
+                <a:latin typeface="Arial" panose="020B0604020202020204" pitchFamily="34" charset="0"/>
+              </a:rPr>
+              <a:t>, K. </a:t>
+            </a:r>
+            <a:r>
+              <a:rPr lang="en-US" b="0" i="0" dirty="0" err="1">
+                <a:solidFill>
+                  <a:srgbClr val="222222"/>
+                </a:solidFill>
+                <a:effectLst/>
+                <a:latin typeface="Arial" panose="020B0604020202020204" pitchFamily="34" charset="0"/>
+              </a:rPr>
+              <a:t>Szczypiorski</a:t>
+            </a:r>
+            <a:r>
+              <a:rPr lang="en-US" b="0" i="0" dirty="0">
+                <a:solidFill>
+                  <a:srgbClr val="222222"/>
+                </a:solidFill>
+                <a:effectLst/>
+                <a:latin typeface="Arial" panose="020B0604020202020204" pitchFamily="34" charset="0"/>
+              </a:rPr>
+              <a:t>: </a:t>
+            </a:r>
+            <a:r>
+              <a:rPr lang="en-US" b="0" i="1" u="none" strike="noStrike" dirty="0">
+                <a:solidFill>
+                  <a:srgbClr val="1177CC"/>
+                </a:solidFill>
+                <a:effectLst/>
+                <a:latin typeface="Arial" panose="020B0604020202020204" pitchFamily="34" charset="0"/>
+                <a:hlinkClick r:id="rId5"/>
+              </a:rPr>
+              <a:t>Information Hiding in Communication Networks</a:t>
+            </a:r>
+            <a:r>
+              <a:rPr lang="en-US" b="0" i="0" dirty="0">
+                <a:solidFill>
+                  <a:srgbClr val="222222"/>
+                </a:solidFill>
+                <a:effectLst/>
+                <a:latin typeface="Arial" panose="020B0604020202020204" pitchFamily="34" charset="0"/>
+              </a:rPr>
+              <a:t>, Wiley, 2016. Chapters 3 and 8 contain discussions on hiding patterns, basically on the basis of [1] but with an extension of timing-based patterns.</a:t>
+            </a:r>
+            <a:br>
+              <a:rPr lang="en-US" b="0" i="0" dirty="0">
+                <a:solidFill>
+                  <a:srgbClr val="222222"/>
+                </a:solidFill>
+                <a:effectLst/>
+                <a:latin typeface="Arial" panose="020B0604020202020204" pitchFamily="34" charset="0"/>
+              </a:rPr>
+            </a:br>
+            <a:br>
+              <a:rPr lang="en-US" b="0" i="0" dirty="0">
+                <a:solidFill>
+                  <a:srgbClr val="222222"/>
+                </a:solidFill>
+                <a:effectLst/>
+                <a:latin typeface="Arial" panose="020B0604020202020204" pitchFamily="34" charset="0"/>
+              </a:rPr>
+            </a:br>
+            <a:r>
+              <a:rPr lang="en-US" b="0" i="0" dirty="0">
+                <a:solidFill>
+                  <a:srgbClr val="222222"/>
+                </a:solidFill>
+                <a:effectLst/>
+                <a:latin typeface="Arial" panose="020B0604020202020204" pitchFamily="34" charset="0"/>
+              </a:rPr>
+              <a:t>[3] W. </a:t>
+            </a:r>
+            <a:r>
+              <a:rPr lang="en-US" b="0" i="0" dirty="0" err="1">
+                <a:solidFill>
+                  <a:srgbClr val="222222"/>
+                </a:solidFill>
+                <a:effectLst/>
+                <a:latin typeface="Arial" panose="020B0604020202020204" pitchFamily="34" charset="0"/>
+              </a:rPr>
+              <a:t>Mazurczyk</a:t>
+            </a:r>
+            <a:r>
+              <a:rPr lang="en-US" b="0" i="0" dirty="0">
+                <a:solidFill>
+                  <a:srgbClr val="222222"/>
+                </a:solidFill>
+                <a:effectLst/>
+                <a:latin typeface="Arial" panose="020B0604020202020204" pitchFamily="34" charset="0"/>
+              </a:rPr>
+              <a:t>, S. </a:t>
+            </a:r>
+            <a:r>
+              <a:rPr lang="en-US" b="0" i="0" dirty="0" err="1">
+                <a:solidFill>
+                  <a:srgbClr val="222222"/>
+                </a:solidFill>
+                <a:effectLst/>
+                <a:latin typeface="Arial" panose="020B0604020202020204" pitchFamily="34" charset="0"/>
+              </a:rPr>
+              <a:t>Wendzel</a:t>
+            </a:r>
+            <a:r>
+              <a:rPr lang="en-US" b="0" i="0" dirty="0">
+                <a:solidFill>
+                  <a:srgbClr val="222222"/>
+                </a:solidFill>
+                <a:effectLst/>
+                <a:latin typeface="Arial" panose="020B0604020202020204" pitchFamily="34" charset="0"/>
+              </a:rPr>
+              <a:t>, K. </a:t>
+            </a:r>
+            <a:r>
+              <a:rPr lang="en-US" b="0" i="0" dirty="0" err="1">
+                <a:solidFill>
+                  <a:srgbClr val="222222"/>
+                </a:solidFill>
+                <a:effectLst/>
+                <a:latin typeface="Arial" panose="020B0604020202020204" pitchFamily="34" charset="0"/>
+              </a:rPr>
+              <a:t>Cabaj</a:t>
+            </a:r>
+            <a:r>
+              <a:rPr lang="en-US" b="0" i="0" dirty="0">
+                <a:solidFill>
+                  <a:srgbClr val="222222"/>
+                </a:solidFill>
+                <a:effectLst/>
+                <a:latin typeface="Arial" panose="020B0604020202020204" pitchFamily="34" charset="0"/>
+              </a:rPr>
+              <a:t>: </a:t>
+            </a:r>
+            <a:r>
+              <a:rPr lang="en-US" b="0" i="1" u="none" strike="noStrike" dirty="0">
+                <a:solidFill>
+                  <a:srgbClr val="1177CC"/>
+                </a:solidFill>
+                <a:effectLst/>
+                <a:latin typeface="Arial" panose="020B0604020202020204" pitchFamily="34" charset="0"/>
+                <a:hlinkClick r:id="rId6"/>
+              </a:rPr>
+              <a:t>Towards Deriving Insights into Data Hiding Methods Using Pattern-based Approach</a:t>
+            </a:r>
+            <a:r>
+              <a:rPr lang="en-US" b="0" i="0" dirty="0">
+                <a:solidFill>
+                  <a:srgbClr val="222222"/>
+                </a:solidFill>
+                <a:effectLst/>
+                <a:latin typeface="Arial" panose="020B0604020202020204" pitchFamily="34" charset="0"/>
+              </a:rPr>
+              <a:t>, in Proc. Second International Workshop on Criminal Use of Information Hiding (CUING 2018) at ARES, pp. 10:1-10:10, ACM, 2018.</a:t>
+            </a:r>
+          </a:p>
+          <a:p>
+            <a:pPr algn="l"/>
+            <a:r>
+              <a:rPr lang="en-US" b="0" i="0" dirty="0">
+                <a:solidFill>
+                  <a:srgbClr val="222222"/>
+                </a:solidFill>
+                <a:effectLst/>
+                <a:latin typeface="Arial" panose="020B0604020202020204" pitchFamily="34" charset="0"/>
+              </a:rPr>
+              <a:t>[4] A. </a:t>
+            </a:r>
+            <a:r>
+              <a:rPr lang="en-US" b="0" i="0" dirty="0" err="1">
+                <a:solidFill>
+                  <a:srgbClr val="222222"/>
+                </a:solidFill>
+                <a:effectLst/>
+                <a:latin typeface="Arial" panose="020B0604020202020204" pitchFamily="34" charset="0"/>
+              </a:rPr>
+              <a:t>Velinov</a:t>
+            </a:r>
+            <a:r>
+              <a:rPr lang="en-US" b="0" i="0" dirty="0">
+                <a:solidFill>
+                  <a:srgbClr val="222222"/>
+                </a:solidFill>
+                <a:effectLst/>
+                <a:latin typeface="Arial" panose="020B0604020202020204" pitchFamily="34" charset="0"/>
+              </a:rPr>
+              <a:t>, A. </a:t>
+            </a:r>
+            <a:r>
+              <a:rPr lang="en-US" b="0" i="0" dirty="0" err="1">
+                <a:solidFill>
+                  <a:srgbClr val="222222"/>
+                </a:solidFill>
+                <a:effectLst/>
+                <a:latin typeface="Arial" panose="020B0604020202020204" pitchFamily="34" charset="0"/>
+              </a:rPr>
+              <a:t>Mileva</a:t>
+            </a:r>
+            <a:r>
+              <a:rPr lang="en-US" b="0" i="0" dirty="0">
+                <a:solidFill>
+                  <a:srgbClr val="222222"/>
+                </a:solidFill>
+                <a:effectLst/>
+                <a:latin typeface="Arial" panose="020B0604020202020204" pitchFamily="34" charset="0"/>
+              </a:rPr>
+              <a:t>, S. </a:t>
+            </a:r>
+            <a:r>
+              <a:rPr lang="en-US" b="0" i="0" dirty="0" err="1">
+                <a:solidFill>
+                  <a:srgbClr val="222222"/>
+                </a:solidFill>
+                <a:effectLst/>
+                <a:latin typeface="Arial" panose="020B0604020202020204" pitchFamily="34" charset="0"/>
+              </a:rPr>
+              <a:t>Wendzel</a:t>
+            </a:r>
+            <a:r>
+              <a:rPr lang="en-US" b="0" i="0" dirty="0">
+                <a:solidFill>
+                  <a:srgbClr val="222222"/>
+                </a:solidFill>
+                <a:effectLst/>
+                <a:latin typeface="Arial" panose="020B0604020202020204" pitchFamily="34" charset="0"/>
+              </a:rPr>
+              <a:t>, W. </a:t>
+            </a:r>
+            <a:r>
+              <a:rPr lang="en-US" b="0" i="0" dirty="0" err="1">
+                <a:solidFill>
+                  <a:srgbClr val="222222"/>
+                </a:solidFill>
+                <a:effectLst/>
+                <a:latin typeface="Arial" panose="020B0604020202020204" pitchFamily="34" charset="0"/>
+              </a:rPr>
+              <a:t>Mazurczyk</a:t>
+            </a:r>
+            <a:r>
+              <a:rPr lang="en-US" b="0" i="0" dirty="0">
+                <a:solidFill>
+                  <a:srgbClr val="222222"/>
+                </a:solidFill>
+                <a:effectLst/>
+                <a:latin typeface="Arial" panose="020B0604020202020204" pitchFamily="34" charset="0"/>
+              </a:rPr>
+              <a:t>: </a:t>
+            </a:r>
+            <a:r>
+              <a:rPr lang="en-US" b="0" i="0" u="none" strike="noStrike" dirty="0">
+                <a:solidFill>
+                  <a:srgbClr val="1177CC"/>
+                </a:solidFill>
+                <a:effectLst/>
+                <a:latin typeface="Arial" panose="020B0604020202020204" pitchFamily="34" charset="0"/>
+                <a:hlinkClick r:id="rId7"/>
+              </a:rPr>
+              <a:t>Covert Channels in MQTT-based Internet of Things</a:t>
+            </a:r>
+            <a:r>
+              <a:rPr lang="en-US" b="0" i="0" dirty="0">
+                <a:solidFill>
+                  <a:srgbClr val="222222"/>
+                </a:solidFill>
+                <a:effectLst/>
+                <a:latin typeface="Arial" panose="020B0604020202020204" pitchFamily="34" charset="0"/>
+              </a:rPr>
+              <a:t>, </a:t>
+            </a:r>
+            <a:r>
+              <a:rPr lang="en-US" b="0" i="1" dirty="0">
+                <a:solidFill>
+                  <a:srgbClr val="222222"/>
+                </a:solidFill>
+                <a:effectLst/>
+                <a:latin typeface="Arial" panose="020B0604020202020204" pitchFamily="34" charset="0"/>
+              </a:rPr>
+              <a:t>IEEE ACCESS</a:t>
+            </a:r>
+            <a:r>
+              <a:rPr lang="en-US" b="0" i="0" dirty="0">
+                <a:solidFill>
+                  <a:srgbClr val="222222"/>
+                </a:solidFill>
+                <a:effectLst/>
+                <a:latin typeface="Arial" panose="020B0604020202020204" pitchFamily="34" charset="0"/>
+              </a:rPr>
+              <a:t>, Vol. 7, pp. 161899-161915, 2019. </a:t>
+            </a:r>
+            <a:br>
+              <a:rPr lang="en-US" b="0" i="0" dirty="0">
+                <a:solidFill>
+                  <a:srgbClr val="222222"/>
+                </a:solidFill>
+                <a:effectLst/>
+                <a:latin typeface="Arial" panose="020B0604020202020204" pitchFamily="34" charset="0"/>
+              </a:rPr>
+            </a:br>
+            <a:endParaRPr lang="en-US" b="0" i="0" dirty="0">
+              <a:solidFill>
+                <a:srgbClr val="222222"/>
+              </a:solidFill>
+              <a:effectLst/>
+              <a:latin typeface="Arial" panose="020B0604020202020204" pitchFamily="34" charset="0"/>
+            </a:endParaRPr>
+          </a:p>
+          <a:p>
+            <a:pPr algn="l"/>
+            <a:r>
+              <a:rPr lang="en-US" b="0" i="0" dirty="0">
+                <a:solidFill>
+                  <a:srgbClr val="222222"/>
+                </a:solidFill>
+                <a:effectLst/>
+                <a:latin typeface="Arial" panose="020B0604020202020204" pitchFamily="34" charset="0"/>
+              </a:rPr>
+              <a:t>[5] A. </a:t>
+            </a:r>
+            <a:r>
+              <a:rPr lang="en-US" b="0" i="0" dirty="0" err="1">
+                <a:solidFill>
+                  <a:srgbClr val="222222"/>
+                </a:solidFill>
+                <a:effectLst/>
+                <a:latin typeface="Arial" panose="020B0604020202020204" pitchFamily="34" charset="0"/>
+              </a:rPr>
+              <a:t>Mileva</a:t>
+            </a:r>
+            <a:r>
+              <a:rPr lang="en-US" b="0" i="0" dirty="0">
+                <a:solidFill>
+                  <a:srgbClr val="222222"/>
+                </a:solidFill>
+                <a:effectLst/>
+                <a:latin typeface="Arial" panose="020B0604020202020204" pitchFamily="34" charset="0"/>
+              </a:rPr>
+              <a:t>, A. </a:t>
+            </a:r>
+            <a:r>
+              <a:rPr lang="en-US" b="0" i="0" dirty="0" err="1">
+                <a:solidFill>
+                  <a:srgbClr val="222222"/>
+                </a:solidFill>
+                <a:effectLst/>
+                <a:latin typeface="Arial" panose="020B0604020202020204" pitchFamily="34" charset="0"/>
+              </a:rPr>
+              <a:t>Velinov</a:t>
+            </a:r>
+            <a:r>
+              <a:rPr lang="en-US" b="0" i="0" dirty="0">
+                <a:solidFill>
+                  <a:srgbClr val="222222"/>
+                </a:solidFill>
+                <a:effectLst/>
+                <a:latin typeface="Arial" panose="020B0604020202020204" pitchFamily="34" charset="0"/>
+              </a:rPr>
+              <a:t>, L. Hartmann, S. </a:t>
+            </a:r>
+            <a:r>
+              <a:rPr lang="en-US" b="0" i="0" dirty="0" err="1">
+                <a:solidFill>
+                  <a:srgbClr val="222222"/>
+                </a:solidFill>
+                <a:effectLst/>
+                <a:latin typeface="Arial" panose="020B0604020202020204" pitchFamily="34" charset="0"/>
+              </a:rPr>
+              <a:t>Wendzel</a:t>
+            </a:r>
+            <a:r>
+              <a:rPr lang="en-US" b="0" i="0" dirty="0">
+                <a:solidFill>
+                  <a:srgbClr val="222222"/>
+                </a:solidFill>
+                <a:effectLst/>
+                <a:latin typeface="Arial" panose="020B0604020202020204" pitchFamily="34" charset="0"/>
+              </a:rPr>
+              <a:t>, W. </a:t>
+            </a:r>
+            <a:r>
+              <a:rPr lang="en-US" b="0" i="0" dirty="0" err="1">
+                <a:solidFill>
+                  <a:srgbClr val="222222"/>
+                </a:solidFill>
+                <a:effectLst/>
+                <a:latin typeface="Arial" panose="020B0604020202020204" pitchFamily="34" charset="0"/>
+              </a:rPr>
+              <a:t>Mazurczyk</a:t>
+            </a:r>
+            <a:r>
+              <a:rPr lang="en-US" b="0" i="0" dirty="0">
+                <a:solidFill>
+                  <a:srgbClr val="222222"/>
+                </a:solidFill>
+                <a:effectLst/>
+                <a:latin typeface="Arial" panose="020B0604020202020204" pitchFamily="34" charset="0"/>
+              </a:rPr>
+              <a:t>: </a:t>
+            </a:r>
+            <a:r>
+              <a:rPr lang="en-US" b="0" i="1" dirty="0">
+                <a:solidFill>
+                  <a:srgbClr val="222222"/>
+                </a:solidFill>
+                <a:effectLst/>
+                <a:latin typeface="Arial" panose="020B0604020202020204" pitchFamily="34" charset="0"/>
+              </a:rPr>
+              <a:t>Comprehensive Analysis of MQTT 5.0 Susceptibility to Network Covert Channels</a:t>
+            </a:r>
+            <a:r>
+              <a:rPr lang="en-US" b="0" i="0" dirty="0">
+                <a:solidFill>
+                  <a:srgbClr val="222222"/>
+                </a:solidFill>
+                <a:effectLst/>
+                <a:latin typeface="Arial" panose="020B0604020202020204" pitchFamily="34" charset="0"/>
+              </a:rPr>
+              <a:t>, Computers &amp; Security, Elsevier, 2021. </a:t>
+            </a:r>
+          </a:p>
+          <a:p>
+            <a:pPr algn="l"/>
+            <a:r>
+              <a:rPr lang="en-US" b="0" i="0" dirty="0">
+                <a:solidFill>
+                  <a:srgbClr val="222222"/>
+                </a:solidFill>
+                <a:effectLst/>
+                <a:latin typeface="Arial" panose="020B0604020202020204" pitchFamily="34" charset="0"/>
+              </a:rPr>
+              <a:t>[6] L. Hartmann, S. </a:t>
+            </a:r>
+            <a:r>
+              <a:rPr lang="en-US" b="0" i="0" dirty="0" err="1">
+                <a:solidFill>
+                  <a:srgbClr val="222222"/>
+                </a:solidFill>
+                <a:effectLst/>
+                <a:latin typeface="Arial" panose="020B0604020202020204" pitchFamily="34" charset="0"/>
+              </a:rPr>
+              <a:t>Zillien</a:t>
+            </a:r>
+            <a:r>
+              <a:rPr lang="en-US" b="0" i="0" dirty="0">
+                <a:solidFill>
+                  <a:srgbClr val="222222"/>
+                </a:solidFill>
+                <a:effectLst/>
+                <a:latin typeface="Arial" panose="020B0604020202020204" pitchFamily="34" charset="0"/>
+              </a:rPr>
+              <a:t>, S. </a:t>
+            </a:r>
+            <a:r>
+              <a:rPr lang="en-US" b="0" i="0" dirty="0" err="1">
+                <a:solidFill>
+                  <a:srgbClr val="222222"/>
+                </a:solidFill>
+                <a:effectLst/>
+                <a:latin typeface="Arial" panose="020B0604020202020204" pitchFamily="34" charset="0"/>
+              </a:rPr>
+              <a:t>Wendzel</a:t>
+            </a:r>
+            <a:r>
+              <a:rPr lang="en-US" b="0" i="0" dirty="0">
+                <a:solidFill>
+                  <a:srgbClr val="222222"/>
+                </a:solidFill>
+                <a:effectLst/>
+                <a:latin typeface="Arial" panose="020B0604020202020204" pitchFamily="34" charset="0"/>
+              </a:rPr>
+              <a:t>: </a:t>
+            </a:r>
+            <a:r>
+              <a:rPr lang="en-US" b="0" i="1" dirty="0">
+                <a:solidFill>
+                  <a:srgbClr val="222222"/>
+                </a:solidFill>
+                <a:effectLst/>
+                <a:latin typeface="Arial" panose="020B0604020202020204" pitchFamily="34" charset="0"/>
+              </a:rPr>
+              <a:t>Reset- and Reconnection-based Covert Channels in CoAP</a:t>
+            </a:r>
+            <a:r>
+              <a:rPr lang="en-US" b="0" i="0" dirty="0">
+                <a:solidFill>
+                  <a:srgbClr val="222222"/>
+                </a:solidFill>
+                <a:effectLst/>
+                <a:latin typeface="Arial" panose="020B0604020202020204" pitchFamily="34" charset="0"/>
+              </a:rPr>
+              <a:t>. In: Proc. European Interdisciplinary Cybersecurity Conference (EICC), 2021.</a:t>
             </a:r>
           </a:p>
           <a:p>
@@ -2411,7 +3089,7 @@
     </p:spTree>
     <p:extLst>
       <p:ext uri="{BB962C8B-B14F-4D97-AF65-F5344CB8AC3E}">
-        <p14:creationId xmlns:p14="http://schemas.microsoft.com/office/powerpoint/2010/main" val="3541831844"/>
+        <p14:creationId xmlns:p14="http://schemas.microsoft.com/office/powerpoint/2010/main" val="2652681500"/>
       </p:ext>
     </p:extLst>
   </p:cSld>
@@ -2462,150 +3140,18 @@
         </p:nvSpPr>
         <p:spPr/>
         <p:txBody>
-          <a:bodyPr>
-            <a:normAutofit fontScale="92500" lnSpcReduction="10000"/>
-          </a:bodyPr>
+          <a:bodyPr/>
           <a:lstStyle/>
           <a:p>
             <a:r>
               <a:rPr lang="en-US" dirty="0"/>
-              <a:t>Dr J – AI wont work, it improves efficiency, it does nothing for effectiveness. Will not improve the effectiveness of failed processes.</a:t>
-            </a:r>
-          </a:p>
-          <a:p>
-            <a:endParaRPr lang="en-US" dirty="0"/>
+              <a:t>Why is detection extremely difficult? – Everything can be used for good and bad.</a:t>
+            </a:r>
           </a:p>
           <a:p>
             <a:r>
               <a:rPr lang="en-US" dirty="0"/>
-              <a:t>Traffic Normalizers – Remove ambiguities and policy breaking elements in network traffic. (i.e. replace TTL field)</a:t>
-            </a:r>
-          </a:p>
-          <a:p>
-            <a:r>
-              <a:rPr lang="en-US" dirty="0"/>
-              <a:t>	- Might also set setting headers to default values</a:t>
-            </a:r>
-          </a:p>
-          <a:p>
-            <a:r>
-              <a:rPr lang="en-US" dirty="0"/>
-              <a:t>	- Limited by buffer size for re-ordering or fixing timing</a:t>
-            </a:r>
-          </a:p>
-          <a:p>
-            <a:r>
-              <a:rPr lang="en-US" dirty="0"/>
-              <a:t>Statistical Approaches – Detection vs inter-arrival time pattern, random value pattern, and maybe others based on statistical value distributions</a:t>
-            </a:r>
-          </a:p>
-          <a:p>
-            <a:r>
-              <a:rPr lang="en-US" dirty="0"/>
-              <a:t>Machine Learning – Covert channels can be detected using supervised ML approaches </a:t>
-            </a:r>
-          </a:p>
-          <a:p>
-            <a:r>
-              <a:rPr lang="en-US" dirty="0"/>
-              <a:t>	-SVM – can detect IP ID or TCP ISN covert channels</a:t>
-            </a:r>
-          </a:p>
-          <a:p>
-            <a:r>
-              <a:rPr lang="en-US" dirty="0"/>
-              <a:t>	-NN – can detect TCP ISN</a:t>
-            </a:r>
-          </a:p>
-          <a:p>
-            <a:r>
-              <a:rPr lang="en-US" dirty="0"/>
-              <a:t>	-C4.5 DT – can detect inter-packet timing channels and simple protocol switching channels</a:t>
-            </a:r>
-          </a:p>
-          <a:p>
-            <a:r>
-              <a:rPr lang="en-US" dirty="0"/>
-              <a:t>Web Tap – measures browsing patters to determine if it is a legit user</a:t>
-            </a:r>
-          </a:p>
-          <a:p>
-            <a:r>
-              <a:rPr lang="en-US" dirty="0"/>
-              <a:t>	-Header format, Delay times, Request sizes, bandwidth usage (out vs in), request regularity/ time</a:t>
-            </a:r>
-          </a:p>
-          <a:p>
-            <a:r>
-              <a:rPr lang="en-US" dirty="0"/>
-              <a:t>Tunnel Hunter – statistical fingerprinting to detect network tunnels</a:t>
-            </a:r>
-          </a:p>
-          <a:p>
-            <a:r>
-              <a:rPr lang="en-US" dirty="0"/>
-              <a:t>	-IP packet size, time between arrival, order of arrival </a:t>
-            </a:r>
-          </a:p>
-          <a:p>
-            <a:endParaRPr lang="en-US" dirty="0"/>
-          </a:p>
-          <a:p>
-            <a:pPr marL="0" marR="0" lvl="0" indent="0" algn="l" defTabSz="914400" rtl="0" eaLnBrk="1" fontAlgn="auto" latinLnBrk="0" hangingPunct="1">
-              <a:lnSpc>
-                <a:spcPct val="100000"/>
-              </a:lnSpc>
-              <a:spcBef>
-                <a:spcPts val="0"/>
-              </a:spcBef>
-              <a:spcAft>
-                <a:spcPts val="0"/>
-              </a:spcAft>
-              <a:buClrTx/>
-              <a:buSzTx/>
-              <a:buFontTx/>
-              <a:buNone/>
-              <a:tabLst/>
-              <a:defRPr/>
-            </a:pPr>
-            <a:r>
-              <a:rPr lang="en-US" dirty="0"/>
-              <a:t>Screenshot from </a:t>
-            </a:r>
-            <a:r>
-              <a:rPr lang="en-US" sz="1200" dirty="0"/>
-              <a:t>A Pattern-based Survey and Categorization of Network Covert Channel Techniques by Steffen </a:t>
-            </a:r>
-            <a:r>
-              <a:rPr lang="en-US" sz="1200" dirty="0" err="1"/>
-              <a:t>Wendzel</a:t>
-            </a:r>
-            <a:r>
-              <a:rPr lang="en-US" dirty="0"/>
-              <a:t> </a:t>
-            </a:r>
-          </a:p>
-          <a:p>
-            <a:pPr marL="0" marR="0" lvl="0" indent="0" algn="l" defTabSz="914400" rtl="0" eaLnBrk="1" fontAlgn="auto" latinLnBrk="0" hangingPunct="1">
-              <a:lnSpc>
-                <a:spcPct val="100000"/>
-              </a:lnSpc>
-              <a:spcBef>
-                <a:spcPts val="0"/>
-              </a:spcBef>
-              <a:spcAft>
-                <a:spcPts val="0"/>
-              </a:spcAft>
-              <a:buClrTx/>
-              <a:buSzTx/>
-              <a:buFontTx/>
-              <a:buNone/>
-              <a:tabLst/>
-              <a:defRPr/>
-            </a:pPr>
-            <a:r>
-              <a:rPr lang="en-US" dirty="0"/>
-              <a:t>https://arxiv.org/pdf/1406.2901.pdf</a:t>
+              <a:t>Only way to determine intent is after the fact.</a:t>
             </a:r>
           </a:p>
           <a:p>
@@ -2616,7 +3162,7 @@
     </p:spTree>
     <p:extLst>
       <p:ext uri="{BB962C8B-B14F-4D97-AF65-F5344CB8AC3E}">
-        <p14:creationId xmlns:p14="http://schemas.microsoft.com/office/powerpoint/2010/main" val="3578883136"/>
+        <p14:creationId xmlns:p14="http://schemas.microsoft.com/office/powerpoint/2010/main" val="3541831844"/>
       </p:ext>
     </p:extLst>
   </p:cSld>
@@ -2667,54 +3213,161 @@
         </p:nvSpPr>
         <p:spPr/>
         <p:txBody>
-          <a:bodyPr/>
+          <a:bodyPr>
+            <a:normAutofit fontScale="92500" lnSpcReduction="10000"/>
+          </a:bodyPr>
           <a:lstStyle/>
           <a:p>
             <a:r>
               <a:rPr lang="en-US" dirty="0"/>
-              <a:t>Why is detection extremely difficult? – Everything can be used for good and bad.</a:t>
-            </a:r>
+              <a:t>Dr J – AI wont work, it improves efficiency, it does nothing for effectiveness. Will not improve the effectiveness of failed processes.</a:t>
+            </a:r>
+          </a:p>
+          <a:p>
+            <a:endParaRPr lang="en-US" dirty="0"/>
           </a:p>
           <a:p>
             <a:r>
               <a:rPr lang="en-US" dirty="0"/>
-              <a:t>Only way to determine intent is after the fact.</a:t>
+              <a:t>Traffic Normalizers – Remove ambiguities and policy breaking elements in network traffic. (i.e. replace TTL field)</a:t>
+            </a:r>
+          </a:p>
+          <a:p>
+            <a:r>
+              <a:rPr lang="en-US" dirty="0"/>
+              <a:t>	- Might also set setting headers to default values</a:t>
+            </a:r>
+          </a:p>
+          <a:p>
+            <a:r>
+              <a:rPr lang="en-US" dirty="0"/>
+              <a:t>	- Limited by buffer size for re-ordering or fixing timing</a:t>
+            </a:r>
+          </a:p>
+          <a:p>
+            <a:r>
+              <a:rPr lang="en-US" dirty="0"/>
+              <a:t>Statistical Approaches – Detection vs inter-arrival time pattern, random value pattern, and maybe others based on statistical value distributions</a:t>
+            </a:r>
+          </a:p>
+          <a:p>
+            <a:r>
+              <a:rPr lang="en-US" dirty="0"/>
+              <a:t>Machine Learning – Covert channels can be detected using supervised ML approaches </a:t>
+            </a:r>
+          </a:p>
+          <a:p>
+            <a:r>
+              <a:rPr lang="en-US" dirty="0"/>
+              <a:t>	-SVM – can detect IP ID or TCP ISN covert channels</a:t>
+            </a:r>
+          </a:p>
+          <a:p>
+            <a:r>
+              <a:rPr lang="en-US" dirty="0"/>
+              <a:t>	-NN – can detect TCP ISN</a:t>
+            </a:r>
+          </a:p>
+          <a:p>
+            <a:r>
+              <a:rPr lang="en-US" dirty="0"/>
+              <a:t>	-C4.5 DT – can detect inter-packet timing channels and simple protocol switching channels</a:t>
+            </a:r>
+          </a:p>
+          <a:p>
+            <a:r>
+              <a:rPr lang="en-US" dirty="0"/>
+              <a:t>Web Tap – measures browsing patters to determine if it is a legit user</a:t>
+            </a:r>
+          </a:p>
+          <a:p>
+            <a:r>
+              <a:rPr lang="en-US" dirty="0"/>
+              <a:t>	-Header format, Delay times, Request sizes, bandwidth usage (out vs in), request regularity/ time</a:t>
+            </a:r>
+          </a:p>
+          <a:p>
+            <a:r>
+              <a:rPr lang="en-US" dirty="0"/>
+              <a:t>Tunnel Hunter – statistical fingerprinting to detect network tunnels</a:t>
+            </a:r>
+          </a:p>
+          <a:p>
+            <a:r>
+              <a:rPr lang="en-US" dirty="0"/>
+              <a:t>	-IP packet size, time between arrival, order of arrival </a:t>
             </a:r>
           </a:p>
           <a:p>
             <a:endParaRPr lang="en-US" dirty="0"/>
           </a:p>
           <a:p>
+            <a:pPr marL="0" marR="0" lvl="0" indent="0" algn="l" defTabSz="914400" rtl="0" eaLnBrk="1" fontAlgn="auto" latinLnBrk="0" hangingPunct="1">
+              <a:lnSpc>
+                <a:spcPct val="100000"/>
+              </a:lnSpc>
+              <a:spcBef>
+                <a:spcPts val="0"/>
+              </a:spcBef>
+              <a:spcAft>
+                <a:spcPts val="0"/>
+              </a:spcAft>
+              <a:buClrTx/>
+              <a:buSzTx/>
+              <a:buFontTx/>
+              <a:buNone/>
+              <a:tabLst/>
+              <a:defRPr/>
+            </a:pPr>
             <a:r>
               <a:rPr lang="en-US" dirty="0"/>
-              <a:t>Dr J video: </a:t>
-            </a:r>
-            <a:r>
-              <a:rPr lang="en-US" dirty="0">
-                <a:hlinkClick r:id="rId3"/>
-              </a:rPr>
-              <a:t>https://drive.google.com/file/d/16HpL1qxRjlv6YxaC59_Jb3yMlKtvaJni/view?fbclid=IwAR2PlPvzaUYx6Dvmn2X0-ro398YgznFL4QzrdKxUlN7lBlHzx9LdZAWsVys</a:t>
-            </a:r>
+              <a:t>Screenshot from </a:t>
+            </a:r>
+            <a:r>
+              <a:rPr lang="en-US" sz="1200" dirty="0"/>
+              <a:t>A Pattern-based Survey and Categorization of Network Covert Channel Techniques by Steffen </a:t>
+            </a:r>
+            <a:r>
+              <a:rPr lang="en-US" sz="1200" dirty="0" err="1"/>
+              <a:t>Wendzel</a:t>
+            </a:r>
+            <a:r>
+              <a:rPr lang="en-US" dirty="0"/>
+              <a:t> </a:t>
+            </a:r>
+          </a:p>
+          <a:p>
+            <a:pPr marL="0" marR="0" lvl="0" indent="0" algn="l" defTabSz="914400" rtl="0" eaLnBrk="1" fontAlgn="auto" latinLnBrk="0" hangingPunct="1">
+              <a:lnSpc>
+                <a:spcPct val="100000"/>
+              </a:lnSpc>
+              <a:spcBef>
+                <a:spcPts val="0"/>
+              </a:spcBef>
+              <a:spcAft>
+                <a:spcPts val="0"/>
+              </a:spcAft>
+              <a:buClrTx/>
+              <a:buSzTx/>
+              <a:buFontTx/>
+              <a:buNone/>
+              <a:tabLst/>
+              <a:defRPr/>
+            </a:pPr>
+            <a:r>
+              <a:rPr lang="en-US" dirty="0"/>
+              <a:t>https://arxiv.org/pdf/1406.2901.pdf</a:t>
+            </a:r>
+          </a:p>
+          <a:p>
             <a:endParaRPr lang="en-US" dirty="0"/>
-          </a:p>
-          <a:p>
-            <a:r>
-              <a:rPr lang="en-US" dirty="0"/>
-              <a:t>7:35 for Hume’s Induction Problem</a:t>
-            </a:r>
-          </a:p>
-          <a:p>
-            <a:r>
-              <a:rPr lang="en-US" dirty="0"/>
-              <a:t>47:28 for why AI/ML wont save us (ends at 50:30)</a:t>
-            </a:r>
           </a:p>
         </p:txBody>
       </p:sp>
     </p:spTree>
     <p:extLst>
       <p:ext uri="{BB962C8B-B14F-4D97-AF65-F5344CB8AC3E}">
-        <p14:creationId xmlns:p14="http://schemas.microsoft.com/office/powerpoint/2010/main" val="2525503367"/>
+        <p14:creationId xmlns:p14="http://schemas.microsoft.com/office/powerpoint/2010/main" val="3578883136"/>
       </p:ext>
     </p:extLst>
   </p:cSld>
@@ -2765,707 +3418,54 @@
         </p:nvSpPr>
         <p:spPr/>
         <p:txBody>
-          <a:bodyPr>
-            <a:normAutofit fontScale="92500" lnSpcReduction="10000"/>
-          </a:bodyPr>
+          <a:bodyPr/>
           <a:lstStyle/>
           <a:p>
-            <a:pPr algn="l"/>
-            <a:r>
-              <a:rPr lang="en-US" b="0" i="0" dirty="0">
-                <a:solidFill>
-                  <a:srgbClr val="222222"/>
-                </a:solidFill>
-                <a:effectLst/>
-                <a:latin typeface="Arial" panose="020B0604020202020204" pitchFamily="34" charset="0"/>
-              </a:rPr>
-              <a:t>[1] S. </a:t>
-            </a:r>
-            <a:r>
-              <a:rPr lang="en-US" b="0" i="0" dirty="0" err="1">
-                <a:solidFill>
-                  <a:srgbClr val="222222"/>
-                </a:solidFill>
-                <a:effectLst/>
-                <a:latin typeface="Arial" panose="020B0604020202020204" pitchFamily="34" charset="0"/>
-              </a:rPr>
-              <a:t>Wendzel</a:t>
-            </a:r>
-            <a:r>
-              <a:rPr lang="en-US" b="0" i="0" dirty="0">
-                <a:solidFill>
-                  <a:srgbClr val="222222"/>
-                </a:solidFill>
-                <a:effectLst/>
-                <a:latin typeface="Arial" panose="020B0604020202020204" pitchFamily="34" charset="0"/>
-              </a:rPr>
-              <a:t>, S. Zander, B. Fechner, C. </a:t>
-            </a:r>
-            <a:r>
-              <a:rPr lang="en-US" b="0" i="0" dirty="0" err="1">
-                <a:solidFill>
-                  <a:srgbClr val="222222"/>
-                </a:solidFill>
-                <a:effectLst/>
-                <a:latin typeface="Arial" panose="020B0604020202020204" pitchFamily="34" charset="0"/>
-              </a:rPr>
-              <a:t>Herdin</a:t>
-            </a:r>
-            <a:r>
-              <a:rPr lang="en-US" b="0" i="0" dirty="0">
-                <a:solidFill>
-                  <a:srgbClr val="222222"/>
-                </a:solidFill>
-                <a:effectLst/>
-                <a:latin typeface="Arial" panose="020B0604020202020204" pitchFamily="34" charset="0"/>
-              </a:rPr>
-              <a:t>: </a:t>
-            </a:r>
-            <a:r>
-              <a:rPr lang="en-US" b="0" i="1" u="none" strike="noStrike" dirty="0">
-                <a:solidFill>
-                  <a:srgbClr val="1177CC"/>
-                </a:solidFill>
-                <a:effectLst/>
-                <a:latin typeface="Arial" panose="020B0604020202020204" pitchFamily="34" charset="0"/>
+            <a:r>
+              <a:rPr lang="en-US" dirty="0"/>
+              <a:t>Why is detection extremely difficult? – Everything can be used for good and bad.</a:t>
+            </a:r>
+          </a:p>
+          <a:p>
+            <a:r>
+              <a:rPr lang="en-US" dirty="0"/>
+              <a:t>Only way to determine intent is after the fact.</a:t>
+            </a:r>
+          </a:p>
+          <a:p>
+            <a:endParaRPr lang="en-US" dirty="0"/>
+          </a:p>
+          <a:p>
+            <a:r>
+              <a:rPr lang="en-US" dirty="0"/>
+              <a:t>Dr J video: </a:t>
+            </a:r>
+            <a:r>
+              <a:rPr lang="en-US" dirty="0">
                 <a:hlinkClick r:id="rId3"/>
               </a:rPr>
-              <a:t>Pattern-based Survey and Categorization of Network Covert Channel Techniques</a:t>
-            </a:r>
-            <a:r>
-              <a:rPr lang="en-US" b="0" i="0" dirty="0">
-                <a:solidFill>
-                  <a:srgbClr val="222222"/>
-                </a:solidFill>
-                <a:effectLst/>
-                <a:latin typeface="Arial" panose="020B0604020202020204" pitchFamily="34" charset="0"/>
-              </a:rPr>
-              <a:t>, ACM Computing Surveys, Vol. 47, Issue 3, pp. 50:1-26, ACM, 2015.</a:t>
-            </a:r>
-            <a:br>
-              <a:rPr lang="en-US" b="0" i="0" dirty="0">
-                <a:solidFill>
-                  <a:srgbClr val="222222"/>
-                </a:solidFill>
-                <a:effectLst/>
-                <a:latin typeface="Arial" panose="020B0604020202020204" pitchFamily="34" charset="0"/>
-              </a:rPr>
-            </a:br>
-            <a:r>
-              <a:rPr lang="en-US" b="0" i="0" dirty="0">
-                <a:solidFill>
-                  <a:srgbClr val="222222"/>
-                </a:solidFill>
-                <a:effectLst/>
-                <a:latin typeface="Arial" panose="020B0604020202020204" pitchFamily="34" charset="0"/>
-              </a:rPr>
-              <a:t>An early version of the article is available here: </a:t>
-            </a:r>
-            <a:r>
-              <a:rPr lang="en-US" b="0" i="0" u="none" strike="noStrike" dirty="0">
-                <a:solidFill>
-                  <a:srgbClr val="1177CC"/>
-                </a:solidFill>
-                <a:effectLst/>
-                <a:latin typeface="Arial" panose="020B0604020202020204" pitchFamily="34" charset="0"/>
-                <a:hlinkClick r:id="rId4"/>
-              </a:rPr>
-              <a:t>download</a:t>
-            </a:r>
-            <a:r>
-              <a:rPr lang="en-US" b="0" i="0" dirty="0">
-                <a:solidFill>
-                  <a:srgbClr val="222222"/>
-                </a:solidFill>
-                <a:effectLst/>
-                <a:latin typeface="Arial" panose="020B0604020202020204" pitchFamily="34" charset="0"/>
-              </a:rPr>
-              <a:t>.</a:t>
-            </a:r>
-            <a:br>
-              <a:rPr lang="en-US" b="0" i="0" dirty="0">
-                <a:solidFill>
-                  <a:srgbClr val="222222"/>
-                </a:solidFill>
-                <a:effectLst/>
-                <a:latin typeface="Arial" panose="020B0604020202020204" pitchFamily="34" charset="0"/>
-              </a:rPr>
-            </a:br>
-            <a:br>
-              <a:rPr lang="en-US" b="0" i="0" dirty="0">
-                <a:solidFill>
-                  <a:srgbClr val="222222"/>
-                </a:solidFill>
-                <a:effectLst/>
-                <a:latin typeface="Arial" panose="020B0604020202020204" pitchFamily="34" charset="0"/>
-              </a:rPr>
-            </a:br>
-            <a:r>
-              <a:rPr lang="en-US" b="0" i="0" dirty="0">
-                <a:solidFill>
-                  <a:srgbClr val="222222"/>
-                </a:solidFill>
-                <a:effectLst/>
-                <a:latin typeface="Arial" panose="020B0604020202020204" pitchFamily="34" charset="0"/>
-              </a:rPr>
-              <a:t>[2] W. </a:t>
-            </a:r>
-            <a:r>
-              <a:rPr lang="en-US" b="0" i="0" dirty="0" err="1">
-                <a:solidFill>
-                  <a:srgbClr val="222222"/>
-                </a:solidFill>
-                <a:effectLst/>
-                <a:latin typeface="Arial" panose="020B0604020202020204" pitchFamily="34" charset="0"/>
-              </a:rPr>
-              <a:t>Mazurczyk</a:t>
-            </a:r>
-            <a:r>
-              <a:rPr lang="en-US" b="0" i="0" dirty="0">
-                <a:solidFill>
-                  <a:srgbClr val="222222"/>
-                </a:solidFill>
-                <a:effectLst/>
-                <a:latin typeface="Arial" panose="020B0604020202020204" pitchFamily="34" charset="0"/>
-              </a:rPr>
-              <a:t>, S. </a:t>
-            </a:r>
-            <a:r>
-              <a:rPr lang="en-US" b="0" i="0" dirty="0" err="1">
-                <a:solidFill>
-                  <a:srgbClr val="222222"/>
-                </a:solidFill>
-                <a:effectLst/>
-                <a:latin typeface="Arial" panose="020B0604020202020204" pitchFamily="34" charset="0"/>
-              </a:rPr>
-              <a:t>Wendzel</a:t>
-            </a:r>
-            <a:r>
-              <a:rPr lang="en-US" b="0" i="0" dirty="0">
-                <a:solidFill>
-                  <a:srgbClr val="222222"/>
-                </a:solidFill>
-                <a:effectLst/>
-                <a:latin typeface="Arial" panose="020B0604020202020204" pitchFamily="34" charset="0"/>
-              </a:rPr>
-              <a:t>, S. Zander, A. </a:t>
-            </a:r>
-            <a:r>
-              <a:rPr lang="en-US" b="0" i="0" dirty="0" err="1">
-                <a:solidFill>
-                  <a:srgbClr val="222222"/>
-                </a:solidFill>
-                <a:effectLst/>
-                <a:latin typeface="Arial" panose="020B0604020202020204" pitchFamily="34" charset="0"/>
-              </a:rPr>
-              <a:t>Houmansadr</a:t>
-            </a:r>
-            <a:r>
-              <a:rPr lang="en-US" b="0" i="0" dirty="0">
-                <a:solidFill>
-                  <a:srgbClr val="222222"/>
-                </a:solidFill>
-                <a:effectLst/>
-                <a:latin typeface="Arial" panose="020B0604020202020204" pitchFamily="34" charset="0"/>
-              </a:rPr>
-              <a:t>, K. </a:t>
-            </a:r>
-            <a:r>
-              <a:rPr lang="en-US" b="0" i="0" dirty="0" err="1">
-                <a:solidFill>
-                  <a:srgbClr val="222222"/>
-                </a:solidFill>
-                <a:effectLst/>
-                <a:latin typeface="Arial" panose="020B0604020202020204" pitchFamily="34" charset="0"/>
-              </a:rPr>
-              <a:t>Szczypiorski</a:t>
-            </a:r>
-            <a:r>
-              <a:rPr lang="en-US" b="0" i="0" dirty="0">
-                <a:solidFill>
-                  <a:srgbClr val="222222"/>
-                </a:solidFill>
-                <a:effectLst/>
-                <a:latin typeface="Arial" panose="020B0604020202020204" pitchFamily="34" charset="0"/>
-              </a:rPr>
-              <a:t>: </a:t>
-            </a:r>
-            <a:r>
-              <a:rPr lang="en-US" b="0" i="1" u="none" strike="noStrike" dirty="0">
-                <a:solidFill>
-                  <a:srgbClr val="1177CC"/>
-                </a:solidFill>
-                <a:effectLst/>
-                <a:latin typeface="Arial" panose="020B0604020202020204" pitchFamily="34" charset="0"/>
-                <a:hlinkClick r:id="rId5"/>
-              </a:rPr>
-              <a:t>Information Hiding in Communication Networks</a:t>
-            </a:r>
-            <a:r>
-              <a:rPr lang="en-US" b="0" i="0" dirty="0">
-                <a:solidFill>
-                  <a:srgbClr val="222222"/>
-                </a:solidFill>
-                <a:effectLst/>
-                <a:latin typeface="Arial" panose="020B0604020202020204" pitchFamily="34" charset="0"/>
-              </a:rPr>
-              <a:t>, Wiley, 2016. Chapters 3 and 8 contain discussions on hiding patterns, basically on the basis of [1] but with an extension of timing-based patterns.</a:t>
-            </a:r>
-            <a:br>
-              <a:rPr lang="en-US" b="0" i="0" dirty="0">
-                <a:solidFill>
-                  <a:srgbClr val="222222"/>
-                </a:solidFill>
-                <a:effectLst/>
-                <a:latin typeface="Arial" panose="020B0604020202020204" pitchFamily="34" charset="0"/>
-              </a:rPr>
-            </a:br>
-            <a:br>
-              <a:rPr lang="en-US" b="0" i="0" dirty="0">
-                <a:solidFill>
-                  <a:srgbClr val="222222"/>
-                </a:solidFill>
-                <a:effectLst/>
-                <a:latin typeface="Arial" panose="020B0604020202020204" pitchFamily="34" charset="0"/>
-              </a:rPr>
-            </a:br>
-            <a:r>
-              <a:rPr lang="en-US" b="0" i="0" dirty="0">
-                <a:solidFill>
-                  <a:srgbClr val="222222"/>
-                </a:solidFill>
-                <a:effectLst/>
-                <a:latin typeface="Arial" panose="020B0604020202020204" pitchFamily="34" charset="0"/>
-              </a:rPr>
-              <a:t>[3] W. </a:t>
-            </a:r>
-            <a:r>
-              <a:rPr lang="en-US" b="0" i="0" dirty="0" err="1">
-                <a:solidFill>
-                  <a:srgbClr val="222222"/>
-                </a:solidFill>
-                <a:effectLst/>
-                <a:latin typeface="Arial" panose="020B0604020202020204" pitchFamily="34" charset="0"/>
-              </a:rPr>
-              <a:t>Mazurczyk</a:t>
-            </a:r>
-            <a:r>
-              <a:rPr lang="en-US" b="0" i="0" dirty="0">
-                <a:solidFill>
-                  <a:srgbClr val="222222"/>
-                </a:solidFill>
-                <a:effectLst/>
-                <a:latin typeface="Arial" panose="020B0604020202020204" pitchFamily="34" charset="0"/>
-              </a:rPr>
-              <a:t>, S. </a:t>
-            </a:r>
-            <a:r>
-              <a:rPr lang="en-US" b="0" i="0" dirty="0" err="1">
-                <a:solidFill>
-                  <a:srgbClr val="222222"/>
-                </a:solidFill>
-                <a:effectLst/>
-                <a:latin typeface="Arial" panose="020B0604020202020204" pitchFamily="34" charset="0"/>
-              </a:rPr>
-              <a:t>Wendzel</a:t>
-            </a:r>
-            <a:r>
-              <a:rPr lang="en-US" b="0" i="0" dirty="0">
-                <a:solidFill>
-                  <a:srgbClr val="222222"/>
-                </a:solidFill>
-                <a:effectLst/>
-                <a:latin typeface="Arial" panose="020B0604020202020204" pitchFamily="34" charset="0"/>
-              </a:rPr>
-              <a:t>, K. </a:t>
-            </a:r>
-            <a:r>
-              <a:rPr lang="en-US" b="0" i="0" dirty="0" err="1">
-                <a:solidFill>
-                  <a:srgbClr val="222222"/>
-                </a:solidFill>
-                <a:effectLst/>
-                <a:latin typeface="Arial" panose="020B0604020202020204" pitchFamily="34" charset="0"/>
-              </a:rPr>
-              <a:t>Cabaj</a:t>
-            </a:r>
-            <a:r>
-              <a:rPr lang="en-US" b="0" i="0" dirty="0">
-                <a:solidFill>
-                  <a:srgbClr val="222222"/>
-                </a:solidFill>
-                <a:effectLst/>
-                <a:latin typeface="Arial" panose="020B0604020202020204" pitchFamily="34" charset="0"/>
-              </a:rPr>
-              <a:t>: </a:t>
-            </a:r>
-            <a:r>
-              <a:rPr lang="en-US" b="0" i="1" u="none" strike="noStrike" dirty="0">
-                <a:solidFill>
-                  <a:srgbClr val="1177CC"/>
-                </a:solidFill>
-                <a:effectLst/>
-                <a:latin typeface="Arial" panose="020B0604020202020204" pitchFamily="34" charset="0"/>
-                <a:hlinkClick r:id="rId6"/>
-              </a:rPr>
-              <a:t>Towards Deriving Insights into Data Hiding Methods Using Pattern-based Approach</a:t>
-            </a:r>
-            <a:r>
-              <a:rPr lang="en-US" b="0" i="0" dirty="0">
-                <a:solidFill>
-                  <a:srgbClr val="222222"/>
-                </a:solidFill>
-                <a:effectLst/>
-                <a:latin typeface="Arial" panose="020B0604020202020204" pitchFamily="34" charset="0"/>
-              </a:rPr>
-              <a:t>, in Proc. Second International Workshop on Criminal Use of Information Hiding (CUING 2018) at ARES, pp. 10:1-10:10, ACM, 2018.</a:t>
-            </a:r>
-          </a:p>
-          <a:p>
-            <a:pPr algn="l"/>
-            <a:r>
-              <a:rPr lang="en-US" b="0" i="0" dirty="0">
-                <a:solidFill>
-                  <a:srgbClr val="222222"/>
-                </a:solidFill>
-                <a:effectLst/>
-                <a:latin typeface="Arial" panose="020B0604020202020204" pitchFamily="34" charset="0"/>
-              </a:rPr>
-              <a:t>[4] A. </a:t>
-            </a:r>
-            <a:r>
-              <a:rPr lang="en-US" b="0" i="0" dirty="0" err="1">
-                <a:solidFill>
-                  <a:srgbClr val="222222"/>
-                </a:solidFill>
-                <a:effectLst/>
-                <a:latin typeface="Arial" panose="020B0604020202020204" pitchFamily="34" charset="0"/>
-              </a:rPr>
-              <a:t>Velinov</a:t>
-            </a:r>
-            <a:r>
-              <a:rPr lang="en-US" b="0" i="0" dirty="0">
-                <a:solidFill>
-                  <a:srgbClr val="222222"/>
-                </a:solidFill>
-                <a:effectLst/>
-                <a:latin typeface="Arial" panose="020B0604020202020204" pitchFamily="34" charset="0"/>
-              </a:rPr>
-              <a:t>, A. </a:t>
-            </a:r>
-            <a:r>
-              <a:rPr lang="en-US" b="0" i="0" dirty="0" err="1">
-                <a:solidFill>
-                  <a:srgbClr val="222222"/>
-                </a:solidFill>
-                <a:effectLst/>
-                <a:latin typeface="Arial" panose="020B0604020202020204" pitchFamily="34" charset="0"/>
-              </a:rPr>
-              <a:t>Mileva</a:t>
-            </a:r>
-            <a:r>
-              <a:rPr lang="en-US" b="0" i="0" dirty="0">
-                <a:solidFill>
-                  <a:srgbClr val="222222"/>
-                </a:solidFill>
-                <a:effectLst/>
-                <a:latin typeface="Arial" panose="020B0604020202020204" pitchFamily="34" charset="0"/>
-              </a:rPr>
-              <a:t>, S. </a:t>
-            </a:r>
-            <a:r>
-              <a:rPr lang="en-US" b="0" i="0" dirty="0" err="1">
-                <a:solidFill>
-                  <a:srgbClr val="222222"/>
-                </a:solidFill>
-                <a:effectLst/>
-                <a:latin typeface="Arial" panose="020B0604020202020204" pitchFamily="34" charset="0"/>
-              </a:rPr>
-              <a:t>Wendzel</a:t>
-            </a:r>
-            <a:r>
-              <a:rPr lang="en-US" b="0" i="0" dirty="0">
-                <a:solidFill>
-                  <a:srgbClr val="222222"/>
-                </a:solidFill>
-                <a:effectLst/>
-                <a:latin typeface="Arial" panose="020B0604020202020204" pitchFamily="34" charset="0"/>
-              </a:rPr>
-              <a:t>, W. </a:t>
-            </a:r>
-            <a:r>
-              <a:rPr lang="en-US" b="0" i="0" dirty="0" err="1">
-                <a:solidFill>
-                  <a:srgbClr val="222222"/>
-                </a:solidFill>
-                <a:effectLst/>
-                <a:latin typeface="Arial" panose="020B0604020202020204" pitchFamily="34" charset="0"/>
-              </a:rPr>
-              <a:t>Mazurczyk</a:t>
-            </a:r>
-            <a:r>
-              <a:rPr lang="en-US" b="0" i="0" dirty="0">
-                <a:solidFill>
-                  <a:srgbClr val="222222"/>
-                </a:solidFill>
-                <a:effectLst/>
-                <a:latin typeface="Arial" panose="020B0604020202020204" pitchFamily="34" charset="0"/>
-              </a:rPr>
-              <a:t>: </a:t>
-            </a:r>
-            <a:r>
-              <a:rPr lang="en-US" b="0" i="0" u="none" strike="noStrike" dirty="0">
-                <a:solidFill>
-                  <a:srgbClr val="1177CC"/>
-                </a:solidFill>
-                <a:effectLst/>
-                <a:latin typeface="Arial" panose="020B0604020202020204" pitchFamily="34" charset="0"/>
-                <a:hlinkClick r:id="rId7"/>
-              </a:rPr>
-              <a:t>Covert Channels in MQTT-based Internet of Things</a:t>
-            </a:r>
-            <a:r>
-              <a:rPr lang="en-US" b="0" i="0" dirty="0">
-                <a:solidFill>
-                  <a:srgbClr val="222222"/>
-                </a:solidFill>
-                <a:effectLst/>
-                <a:latin typeface="Arial" panose="020B0604020202020204" pitchFamily="34" charset="0"/>
-              </a:rPr>
-              <a:t>, </a:t>
-            </a:r>
-            <a:r>
-              <a:rPr lang="en-US" b="0" i="1" dirty="0">
-                <a:solidFill>
-                  <a:srgbClr val="222222"/>
-                </a:solidFill>
-                <a:effectLst/>
-                <a:latin typeface="Arial" panose="020B0604020202020204" pitchFamily="34" charset="0"/>
-              </a:rPr>
-              <a:t>IEEE ACCESS</a:t>
-            </a:r>
-            <a:r>
-              <a:rPr lang="en-US" b="0" i="0" dirty="0">
-                <a:solidFill>
-                  <a:srgbClr val="222222"/>
-                </a:solidFill>
-                <a:effectLst/>
-                <a:latin typeface="Arial" panose="020B0604020202020204" pitchFamily="34" charset="0"/>
-              </a:rPr>
-              <a:t>, Vol. 7, pp. 161899-161915, 2019. </a:t>
-            </a:r>
-            <a:br>
-              <a:rPr lang="en-US" b="0" i="0" dirty="0">
-                <a:solidFill>
-                  <a:srgbClr val="222222"/>
-                </a:solidFill>
-                <a:effectLst/>
-                <a:latin typeface="Arial" panose="020B0604020202020204" pitchFamily="34" charset="0"/>
-              </a:rPr>
-            </a:br>
-            <a:endParaRPr lang="en-US" b="0" i="0" dirty="0">
-              <a:solidFill>
-                <a:srgbClr val="222222"/>
-              </a:solidFill>
-              <a:effectLst/>
-              <a:latin typeface="Arial" panose="020B0604020202020204" pitchFamily="34" charset="0"/>
-            </a:endParaRPr>
-          </a:p>
-          <a:p>
-            <a:pPr algn="l"/>
-            <a:r>
-              <a:rPr lang="en-US" b="0" i="0" dirty="0">
-                <a:solidFill>
-                  <a:srgbClr val="222222"/>
-                </a:solidFill>
-                <a:effectLst/>
-                <a:latin typeface="Arial" panose="020B0604020202020204" pitchFamily="34" charset="0"/>
-              </a:rPr>
-              <a:t>[5] A. </a:t>
-            </a:r>
-            <a:r>
-              <a:rPr lang="en-US" b="0" i="0" dirty="0" err="1">
-                <a:solidFill>
-                  <a:srgbClr val="222222"/>
-                </a:solidFill>
-                <a:effectLst/>
-                <a:latin typeface="Arial" panose="020B0604020202020204" pitchFamily="34" charset="0"/>
-              </a:rPr>
-              <a:t>Mileva</a:t>
-            </a:r>
-            <a:r>
-              <a:rPr lang="en-US" b="0" i="0" dirty="0">
-                <a:solidFill>
-                  <a:srgbClr val="222222"/>
-                </a:solidFill>
-                <a:effectLst/>
-                <a:latin typeface="Arial" panose="020B0604020202020204" pitchFamily="34" charset="0"/>
-              </a:rPr>
-              <a:t>, A. </a:t>
-            </a:r>
-            <a:r>
-              <a:rPr lang="en-US" b="0" i="0" dirty="0" err="1">
-                <a:solidFill>
-                  <a:srgbClr val="222222"/>
-                </a:solidFill>
-                <a:effectLst/>
-                <a:latin typeface="Arial" panose="020B0604020202020204" pitchFamily="34" charset="0"/>
-              </a:rPr>
-              <a:t>Velinov</a:t>
-            </a:r>
-            <a:r>
-              <a:rPr lang="en-US" b="0" i="0" dirty="0">
-                <a:solidFill>
-                  <a:srgbClr val="222222"/>
-                </a:solidFill>
-                <a:effectLst/>
-                <a:latin typeface="Arial" panose="020B0604020202020204" pitchFamily="34" charset="0"/>
-              </a:rPr>
-              <a:t>, L. Hartmann, S. </a:t>
-            </a:r>
-            <a:r>
-              <a:rPr lang="en-US" b="0" i="0" dirty="0" err="1">
-                <a:solidFill>
-                  <a:srgbClr val="222222"/>
-                </a:solidFill>
-                <a:effectLst/>
-                <a:latin typeface="Arial" panose="020B0604020202020204" pitchFamily="34" charset="0"/>
-              </a:rPr>
-              <a:t>Wendzel</a:t>
-            </a:r>
-            <a:r>
-              <a:rPr lang="en-US" b="0" i="0" dirty="0">
-                <a:solidFill>
-                  <a:srgbClr val="222222"/>
-                </a:solidFill>
-                <a:effectLst/>
-                <a:latin typeface="Arial" panose="020B0604020202020204" pitchFamily="34" charset="0"/>
-              </a:rPr>
-              <a:t>, W. </a:t>
-            </a:r>
-            <a:r>
-              <a:rPr lang="en-US" b="0" i="0" dirty="0" err="1">
-                <a:solidFill>
-                  <a:srgbClr val="222222"/>
-                </a:solidFill>
-                <a:effectLst/>
-                <a:latin typeface="Arial" panose="020B0604020202020204" pitchFamily="34" charset="0"/>
-              </a:rPr>
-              <a:t>Mazurczyk</a:t>
-            </a:r>
-            <a:r>
-              <a:rPr lang="en-US" b="0" i="0" dirty="0">
-                <a:solidFill>
-                  <a:srgbClr val="222222"/>
-                </a:solidFill>
-                <a:effectLst/>
-                <a:latin typeface="Arial" panose="020B0604020202020204" pitchFamily="34" charset="0"/>
-              </a:rPr>
-              <a:t>: </a:t>
-            </a:r>
-            <a:r>
-              <a:rPr lang="en-US" b="0" i="1" dirty="0">
-                <a:solidFill>
-                  <a:srgbClr val="222222"/>
-                </a:solidFill>
-                <a:effectLst/>
-                <a:latin typeface="Arial" panose="020B0604020202020204" pitchFamily="34" charset="0"/>
-              </a:rPr>
-              <a:t>Comprehensive Analysis of MQTT 5.0 Susceptibility to Network Covert Channels</a:t>
-            </a:r>
-            <a:r>
-              <a:rPr lang="en-US" b="0" i="0" dirty="0">
-                <a:solidFill>
-                  <a:srgbClr val="222222"/>
-                </a:solidFill>
-                <a:effectLst/>
-                <a:latin typeface="Arial" panose="020B0604020202020204" pitchFamily="34" charset="0"/>
-              </a:rPr>
-              <a:t>, Computers &amp; Security, Elsevier, 2021. </a:t>
-            </a:r>
-          </a:p>
-          <a:p>
-            <a:pPr algn="l"/>
-            <a:r>
-              <a:rPr lang="en-US" b="0" i="0" dirty="0">
-                <a:solidFill>
-                  <a:srgbClr val="222222"/>
-                </a:solidFill>
-                <a:effectLst/>
-                <a:latin typeface="Arial" panose="020B0604020202020204" pitchFamily="34" charset="0"/>
-              </a:rPr>
-              <a:t>[6] L. Hartmann, S. </a:t>
-            </a:r>
-            <a:r>
-              <a:rPr lang="en-US" b="0" i="0" dirty="0" err="1">
-                <a:solidFill>
-                  <a:srgbClr val="222222"/>
-                </a:solidFill>
-                <a:effectLst/>
-                <a:latin typeface="Arial" panose="020B0604020202020204" pitchFamily="34" charset="0"/>
-              </a:rPr>
-              <a:t>Zillien</a:t>
-            </a:r>
-            <a:r>
-              <a:rPr lang="en-US" b="0" i="0" dirty="0">
-                <a:solidFill>
-                  <a:srgbClr val="222222"/>
-                </a:solidFill>
-                <a:effectLst/>
-                <a:latin typeface="Arial" panose="020B0604020202020204" pitchFamily="34" charset="0"/>
-              </a:rPr>
-              <a:t>, S. </a:t>
-            </a:r>
-            <a:r>
-              <a:rPr lang="en-US" b="0" i="0" dirty="0" err="1">
-                <a:solidFill>
-                  <a:srgbClr val="222222"/>
-                </a:solidFill>
-                <a:effectLst/>
-                <a:latin typeface="Arial" panose="020B0604020202020204" pitchFamily="34" charset="0"/>
-              </a:rPr>
-              <a:t>Wendzel</a:t>
-            </a:r>
-            <a:r>
-              <a:rPr lang="en-US" b="0" i="0" dirty="0">
-                <a:solidFill>
-                  <a:srgbClr val="222222"/>
-                </a:solidFill>
-                <a:effectLst/>
-                <a:latin typeface="Arial" panose="020B0604020202020204" pitchFamily="34" charset="0"/>
-              </a:rPr>
-              <a:t>: </a:t>
-            </a:r>
-            <a:r>
-              <a:rPr lang="en-US" b="0" i="1" dirty="0">
-                <a:solidFill>
-                  <a:srgbClr val="222222"/>
-                </a:solidFill>
-                <a:effectLst/>
-                <a:latin typeface="Arial" panose="020B0604020202020204" pitchFamily="34" charset="0"/>
-              </a:rPr>
-              <a:t>Reset- and Reconnection-based Covert Channels in CoAP</a:t>
-            </a:r>
-            <a:r>
-              <a:rPr lang="en-US" b="0" i="0" dirty="0">
-                <a:solidFill>
-                  <a:srgbClr val="222222"/>
-                </a:solidFill>
-                <a:effectLst/>
-                <a:latin typeface="Arial" panose="020B0604020202020204" pitchFamily="34" charset="0"/>
-              </a:rPr>
-              <a:t>. In: Proc. European Interdisciplinary Cybersecurity Conference (EICC), 2021.</a:t>
-            </a:r>
-          </a:p>
-          <a:p>
+              <a:t>https://drive.google.com/file/d/16HpL1qxRjlv6YxaC59_Jb3yMlKtvaJni/view?fbclid=IwAR2PlPvzaUYx6Dvmn2X0-ro398YgznFL4QzrdKxUlN7lBlHzx9LdZAWsVys</a:t>
+            </a:r>
             <a:endParaRPr lang="en-US" dirty="0"/>
+          </a:p>
+          <a:p>
+            <a:r>
+              <a:rPr lang="en-US" dirty="0"/>
+              <a:t>7:35 for Hume’s Induction Problem</a:t>
+            </a:r>
+          </a:p>
+          <a:p>
+            <a:r>
+              <a:rPr lang="en-US" dirty="0"/>
+              <a:t>47:28 for why AI/ML wont save us (ends at 50:30)</a:t>
+            </a:r>
           </a:p>
         </p:txBody>
       </p:sp>
     </p:spTree>
     <p:extLst>
       <p:ext uri="{BB962C8B-B14F-4D97-AF65-F5344CB8AC3E}">
-        <p14:creationId xmlns:p14="http://schemas.microsoft.com/office/powerpoint/2010/main" val="2652681500"/>
+        <p14:creationId xmlns:p14="http://schemas.microsoft.com/office/powerpoint/2010/main" val="2525503367"/>
       </p:ext>
     </p:extLst>
   </p:cSld>
@@ -7132,7 +7132,7 @@
           <a:p>
             <a:r>
               <a:rPr lang="en-US" dirty="0"/>
-              <a:t>23 JUL 2024</a:t>
+              <a:t>22 JUL 2025</a:t>
             </a:r>
           </a:p>
         </p:txBody>
@@ -10842,6 +10842,291 @@
           <p:cNvPr id="2" name="Text Placeholder 1">
             <a:extLst>
               <a:ext uri="{FF2B5EF4-FFF2-40B4-BE49-F238E27FC236}">
+                <a16:creationId xmlns:a16="http://schemas.microsoft.com/office/drawing/2014/main" id="{CC22F02C-42A0-43D8-8977-0CABAD923E88}"/>
+              </a:ext>
+            </a:extLst>
+          </p:cNvPr>
+          <p:cNvSpPr>
+            <a:spLocks noGrp="1"/>
+          </p:cNvSpPr>
+          <p:nvPr>
+            <p:ph type="body" sz="quarter" idx="4294967295"/>
+          </p:nvPr>
+        </p:nvSpPr>
+        <p:spPr>
+          <a:xfrm>
+            <a:off x="0" y="1144588"/>
+            <a:ext cx="8686800" cy="5114925"/>
+          </a:xfrm>
+          <a:prstGeom prst="rect">
+            <a:avLst/>
+          </a:prstGeom>
+        </p:spPr>
+        <p:txBody>
+          <a:bodyPr anchor="ctr"/>
+          <a:lstStyle/>
+          <a:p>
+            <a:pPr marL="203200" indent="0" algn="ctr">
+              <a:buNone/>
+            </a:pPr>
+            <a:r>
+              <a:rPr lang="en-US" sz="3000" dirty="0" err="1">
+                <a:solidFill>
+                  <a:schemeClr val="bg1"/>
+                </a:solidFill>
+                <a:latin typeface="Calibri" panose="020F0502020204030204" pitchFamily="34" charset="0"/>
+                <a:cs typeface="Calibri" panose="020F0502020204030204" pitchFamily="34" charset="0"/>
+              </a:rPr>
+              <a:t>Capt</a:t>
+            </a:r>
+            <a:r>
+              <a:rPr lang="en-US" sz="3000" dirty="0">
+                <a:solidFill>
+                  <a:schemeClr val="bg1"/>
+                </a:solidFill>
+                <a:latin typeface="Calibri" panose="020F0502020204030204" pitchFamily="34" charset="0"/>
+                <a:cs typeface="Calibri" panose="020F0502020204030204" pitchFamily="34" charset="0"/>
+              </a:rPr>
+              <a:t> Daniel Fitzgerald</a:t>
+            </a:r>
+          </a:p>
+        </p:txBody>
+      </p:sp>
+      <p:sp>
+        <p:nvSpPr>
+          <p:cNvPr id="3" name="Text Placeholder 2">
+            <a:extLst>
+              <a:ext uri="{FF2B5EF4-FFF2-40B4-BE49-F238E27FC236}">
+                <a16:creationId xmlns:a16="http://schemas.microsoft.com/office/drawing/2014/main" id="{C400EA97-4F9F-4269-986F-208E087714BC}"/>
+              </a:ext>
+            </a:extLst>
+          </p:cNvPr>
+          <p:cNvSpPr>
+            <a:spLocks noGrp="1"/>
+          </p:cNvSpPr>
+          <p:nvPr>
+            <p:ph type="body" sz="quarter" idx="4294967295"/>
+          </p:nvPr>
+        </p:nvSpPr>
+        <p:spPr>
+          <a:xfrm>
+            <a:off x="0" y="550863"/>
+            <a:ext cx="8686800" cy="439737"/>
+          </a:xfrm>
+          <a:prstGeom prst="rect">
+            <a:avLst/>
+          </a:prstGeom>
+        </p:spPr>
+        <p:txBody>
+          <a:bodyPr/>
+          <a:lstStyle/>
+          <a:p>
+            <a:pPr marL="0" indent="0">
+              <a:buNone/>
+            </a:pPr>
+            <a:r>
+              <a:rPr lang="en-US" dirty="0">
+                <a:solidFill>
+                  <a:schemeClr val="bg1"/>
+                </a:solidFill>
+              </a:rPr>
+              <a:t>Questions?</a:t>
+            </a:r>
+          </a:p>
+        </p:txBody>
+      </p:sp>
+    </p:spTree>
+    <p:extLst>
+      <p:ext uri="{BB962C8B-B14F-4D97-AF65-F5344CB8AC3E}">
+        <p14:creationId xmlns:p14="http://schemas.microsoft.com/office/powerpoint/2010/main" val="2370579419"/>
+      </p:ext>
+    </p:extLst>
+  </p:cSld>
+  <p:clrMapOvr>
+    <a:masterClrMapping/>
+  </p:clrMapOvr>
+</p:sld>
+</file>
+
+<file path=ppt/slides/slide34.xml><?xml version="1.0" encoding="utf-8"?>
+<p:sld xmlns:a="http://schemas.openxmlformats.org/drawingml/2006/main" xmlns:r="http://schemas.openxmlformats.org/officeDocument/2006/relationships" xmlns:p="http://schemas.openxmlformats.org/presentationml/2006/main">
+  <p:cSld>
+    <p:spTree>
+      <p:nvGrpSpPr>
+        <p:cNvPr id="1" name=""/>
+        <p:cNvGrpSpPr/>
+        <p:nvPr/>
+      </p:nvGrpSpPr>
+      <p:grpSpPr>
+        <a:xfrm>
+          <a:off x="0" y="0"/>
+          <a:ext cx="0" cy="0"/>
+          <a:chOff x="0" y="0"/>
+          <a:chExt cx="0" cy="0"/>
+        </a:xfrm>
+      </p:grpSpPr>
+      <p:sp>
+        <p:nvSpPr>
+          <p:cNvPr id="2" name="Text Placeholder 1">
+            <a:extLst>
+              <a:ext uri="{FF2B5EF4-FFF2-40B4-BE49-F238E27FC236}">
+                <a16:creationId xmlns:a16="http://schemas.microsoft.com/office/drawing/2014/main" id="{614199C1-38DD-4391-BF13-2C9608AD3148}"/>
+              </a:ext>
+            </a:extLst>
+          </p:cNvPr>
+          <p:cNvSpPr>
+            <a:spLocks noGrp="1"/>
+          </p:cNvSpPr>
+          <p:nvPr>
+            <p:ph type="body" sz="quarter" idx="10"/>
+          </p:nvPr>
+        </p:nvSpPr>
+        <p:spPr/>
+        <p:txBody>
+          <a:bodyPr/>
+          <a:lstStyle/>
+          <a:p>
+            <a:r>
+              <a:rPr lang="en-US" sz="2800" dirty="0"/>
+              <a:t>Covert Channel SANS White Paper [Couture 2010]</a:t>
+            </a:r>
+          </a:p>
+          <a:p>
+            <a:pPr lvl="1"/>
+            <a:r>
+              <a:rPr lang="en-US" sz="2400" dirty="0"/>
+              <a:t>https://www.sans.org/reading-room/whitepapers/detection/covert-channels-33413</a:t>
+            </a:r>
+          </a:p>
+          <a:p>
+            <a:r>
+              <a:rPr lang="en-US" sz="2800" dirty="0"/>
+              <a:t>Pattern-based Survey and Categorization of Network Covert Channels [</a:t>
+            </a:r>
+            <a:r>
+              <a:rPr lang="en-US" sz="2800" dirty="0" err="1"/>
+              <a:t>Wendzel</a:t>
+            </a:r>
+            <a:r>
+              <a:rPr lang="en-US" sz="2800" dirty="0"/>
+              <a:t> 2015]</a:t>
+            </a:r>
+          </a:p>
+          <a:p>
+            <a:pPr lvl="1"/>
+            <a:r>
+              <a:rPr lang="en-US" dirty="0">
+                <a:hlinkClick r:id="rId3"/>
+              </a:rPr>
+              <a:t>https://arxiv.org/pdf/1406.2901.pdf</a:t>
+            </a:r>
+            <a:endParaRPr lang="en-US" dirty="0"/>
+          </a:p>
+          <a:p>
+            <a:pPr lvl="1"/>
+            <a:r>
+              <a:rPr lang="en-US" dirty="0"/>
+              <a:t>Updated here: https://ih-patterns.blogspot.com/p/test.html</a:t>
+            </a:r>
+          </a:p>
+          <a:p>
+            <a:r>
+              <a:rPr lang="en-US" sz="2800" dirty="0"/>
+              <a:t>Work by </a:t>
+            </a:r>
+            <a:r>
+              <a:rPr lang="en-US" sz="2800" dirty="0" err="1"/>
+              <a:t>Wendzel</a:t>
+            </a:r>
+            <a:endParaRPr lang="en-US" sz="2800" dirty="0"/>
+          </a:p>
+          <a:p>
+            <a:pPr lvl="1"/>
+            <a:r>
+              <a:rPr lang="en-US" dirty="0"/>
+              <a:t>https://www.wendzel.de/</a:t>
+            </a:r>
+          </a:p>
+          <a:p>
+            <a:r>
+              <a:rPr lang="en-US" sz="2800" dirty="0"/>
+              <a:t>Google</a:t>
+            </a:r>
+          </a:p>
+          <a:p>
+            <a:r>
+              <a:rPr lang="en-US" sz="2800" dirty="0"/>
+              <a:t>Creativecommons.org/licenses</a:t>
+            </a:r>
+          </a:p>
+          <a:p>
+            <a:endParaRPr lang="en-US" dirty="0"/>
+          </a:p>
+        </p:txBody>
+      </p:sp>
+      <p:sp>
+        <p:nvSpPr>
+          <p:cNvPr id="3" name="Text Placeholder 2">
+            <a:extLst>
+              <a:ext uri="{FF2B5EF4-FFF2-40B4-BE49-F238E27FC236}">
+                <a16:creationId xmlns:a16="http://schemas.microsoft.com/office/drawing/2014/main" id="{5C8C057F-96AC-4921-8A79-BB4C4AF63434}"/>
+              </a:ext>
+            </a:extLst>
+          </p:cNvPr>
+          <p:cNvSpPr>
+            <a:spLocks noGrp="1"/>
+          </p:cNvSpPr>
+          <p:nvPr>
+            <p:ph type="body" sz="quarter" idx="11"/>
+          </p:nvPr>
+        </p:nvSpPr>
+        <p:spPr/>
+        <p:txBody>
+          <a:bodyPr/>
+          <a:lstStyle/>
+          <a:p>
+            <a:r>
+              <a:rPr lang="en-US" dirty="0"/>
+              <a:t>Main References</a:t>
+            </a:r>
+          </a:p>
+        </p:txBody>
+      </p:sp>
+    </p:spTree>
+    <p:extLst>
+      <p:ext uri="{BB962C8B-B14F-4D97-AF65-F5344CB8AC3E}">
+        <p14:creationId xmlns:p14="http://schemas.microsoft.com/office/powerpoint/2010/main" val="2500948470"/>
+      </p:ext>
+    </p:extLst>
+  </p:cSld>
+  <p:clrMapOvr>
+    <a:masterClrMapping/>
+  </p:clrMapOvr>
+</p:sld>
+</file>
+
+<file path=ppt/slides/slide35.xml><?xml version="1.0" encoding="utf-8"?>
+<p:sld xmlns:a="http://schemas.openxmlformats.org/drawingml/2006/main" xmlns:r="http://schemas.openxmlformats.org/officeDocument/2006/relationships" xmlns:p="http://schemas.openxmlformats.org/presentationml/2006/main" show="0">
+  <p:cSld>
+    <p:spTree>
+      <p:nvGrpSpPr>
+        <p:cNvPr id="1" name=""/>
+        <p:cNvGrpSpPr/>
+        <p:nvPr/>
+      </p:nvGrpSpPr>
+      <p:grpSpPr>
+        <a:xfrm>
+          <a:off x="0" y="0"/>
+          <a:ext cx="0" cy="0"/>
+          <a:chOff x="0" y="0"/>
+          <a:chExt cx="0" cy="0"/>
+        </a:xfrm>
+      </p:grpSpPr>
+      <p:sp>
+        <p:nvSpPr>
+          <p:cNvPr id="2" name="Text Placeholder 1">
+            <a:extLst>
+              <a:ext uri="{FF2B5EF4-FFF2-40B4-BE49-F238E27FC236}">
                 <a16:creationId xmlns:a16="http://schemas.microsoft.com/office/drawing/2014/main" id="{703E5C95-45BC-49DC-B8A5-5859C64AF3F4}"/>
               </a:ext>
             </a:extLst>
@@ -10954,8 +11239,8 @@
 </p:sld>
 </file>
 
-<file path=ppt/slides/slide34.xml><?xml version="1.0" encoding="utf-8"?>
-<p:sld xmlns:a="http://schemas.openxmlformats.org/drawingml/2006/main" xmlns:r="http://schemas.openxmlformats.org/officeDocument/2006/relationships" xmlns:p="http://schemas.openxmlformats.org/presentationml/2006/main">
+<file path=ppt/slides/slide36.xml><?xml version="1.0" encoding="utf-8"?>
+<p:sld xmlns:a="http://schemas.openxmlformats.org/drawingml/2006/main" xmlns:r="http://schemas.openxmlformats.org/officeDocument/2006/relationships" xmlns:p="http://schemas.openxmlformats.org/presentationml/2006/main" show="0">
   <p:cSld>
     <p:spTree>
       <p:nvGrpSpPr>
@@ -11191,8 +11476,8 @@
 </p:sld>
 </file>
 
-<file path=ppt/slides/slide35.xml><?xml version="1.0" encoding="utf-8"?>
-<p:sld xmlns:a="http://schemas.openxmlformats.org/drawingml/2006/main" xmlns:r="http://schemas.openxmlformats.org/officeDocument/2006/relationships" xmlns:p="http://schemas.openxmlformats.org/presentationml/2006/main">
+<file path=ppt/slides/slide37.xml><?xml version="1.0" encoding="utf-8"?>
+<p:sld xmlns:a="http://schemas.openxmlformats.org/drawingml/2006/main" xmlns:r="http://schemas.openxmlformats.org/officeDocument/2006/relationships" xmlns:p="http://schemas.openxmlformats.org/presentationml/2006/main" show="0">
   <p:cSld>
     <p:spTree>
       <p:nvGrpSpPr>
@@ -11289,306 +11574,6 @@
     <p:extLst>
       <p:ext uri="{BB962C8B-B14F-4D97-AF65-F5344CB8AC3E}">
         <p14:creationId xmlns:p14="http://schemas.microsoft.com/office/powerpoint/2010/main" val="672170101"/>
-      </p:ext>
-    </p:extLst>
-  </p:cSld>
-  <p:clrMapOvr>
-    <a:masterClrMapping/>
-  </p:clrMapOvr>
-</p:sld>
-</file>
-
-<file path=ppt/slides/slide36.xml><?xml version="1.0" encoding="utf-8"?>
-<p:sld xmlns:a="http://schemas.openxmlformats.org/drawingml/2006/main" xmlns:r="http://schemas.openxmlformats.org/officeDocument/2006/relationships" xmlns:p="http://schemas.openxmlformats.org/presentationml/2006/main">
-  <p:cSld>
-    <p:spTree>
-      <p:nvGrpSpPr>
-        <p:cNvPr id="1" name=""/>
-        <p:cNvGrpSpPr/>
-        <p:nvPr/>
-      </p:nvGrpSpPr>
-      <p:grpSpPr>
-        <a:xfrm>
-          <a:off x="0" y="0"/>
-          <a:ext cx="0" cy="0"/>
-          <a:chOff x="0" y="0"/>
-          <a:chExt cx="0" cy="0"/>
-        </a:xfrm>
-      </p:grpSpPr>
-      <p:sp>
-        <p:nvSpPr>
-          <p:cNvPr id="2" name="Text Placeholder 1">
-            <a:extLst>
-              <a:ext uri="{FF2B5EF4-FFF2-40B4-BE49-F238E27FC236}">
-                <a16:creationId xmlns:a16="http://schemas.microsoft.com/office/drawing/2014/main" id="{CC22F02C-42A0-43D8-8977-0CABAD923E88}"/>
-              </a:ext>
-            </a:extLst>
-          </p:cNvPr>
-          <p:cNvSpPr>
-            <a:spLocks noGrp="1"/>
-          </p:cNvSpPr>
-          <p:nvPr>
-            <p:ph type="body" sz="quarter" idx="4294967295"/>
-          </p:nvPr>
-        </p:nvSpPr>
-        <p:spPr>
-          <a:xfrm>
-            <a:off x="0" y="1144588"/>
-            <a:ext cx="8686800" cy="5114925"/>
-          </a:xfrm>
-          <a:prstGeom prst="rect">
-            <a:avLst/>
-          </a:prstGeom>
-        </p:spPr>
-        <p:txBody>
-          <a:bodyPr anchor="ctr"/>
-          <a:lstStyle/>
-          <a:p>
-            <a:pPr marL="203200" indent="0" algn="ctr">
-              <a:buNone/>
-            </a:pPr>
-            <a:r>
-              <a:rPr lang="en-US" sz="3000" dirty="0" err="1">
-                <a:solidFill>
-                  <a:schemeClr val="bg1"/>
-                </a:solidFill>
-                <a:latin typeface="Calibri" panose="020F0502020204030204" pitchFamily="34" charset="0"/>
-                <a:cs typeface="Calibri" panose="020F0502020204030204" pitchFamily="34" charset="0"/>
-              </a:rPr>
-              <a:t>Capt</a:t>
-            </a:r>
-            <a:r>
-              <a:rPr lang="en-US" sz="3000" dirty="0">
-                <a:solidFill>
-                  <a:schemeClr val="bg1"/>
-                </a:solidFill>
-                <a:latin typeface="Calibri" panose="020F0502020204030204" pitchFamily="34" charset="0"/>
-                <a:cs typeface="Calibri" panose="020F0502020204030204" pitchFamily="34" charset="0"/>
-              </a:rPr>
-              <a:t> Daniel Fitzgerald</a:t>
-            </a:r>
-          </a:p>
-          <a:p>
-            <a:pPr marL="203200" indent="0" algn="ctr">
-              <a:buNone/>
-            </a:pPr>
-            <a:r>
-              <a:rPr lang="en-US" sz="3000" dirty="0">
-                <a:solidFill>
-                  <a:schemeClr val="bg1"/>
-                </a:solidFill>
-                <a:latin typeface="Calibri" panose="020F0502020204030204" pitchFamily="34" charset="0"/>
-                <a:cs typeface="Calibri" panose="020F0502020204030204" pitchFamily="34" charset="0"/>
-              </a:rPr>
-              <a:t>fitzgerald.daniel.p@gmail.com</a:t>
-            </a:r>
-          </a:p>
-        </p:txBody>
-      </p:sp>
-      <p:sp>
-        <p:nvSpPr>
-          <p:cNvPr id="3" name="Text Placeholder 2">
-            <a:extLst>
-              <a:ext uri="{FF2B5EF4-FFF2-40B4-BE49-F238E27FC236}">
-                <a16:creationId xmlns:a16="http://schemas.microsoft.com/office/drawing/2014/main" id="{C400EA97-4F9F-4269-986F-208E087714BC}"/>
-              </a:ext>
-            </a:extLst>
-          </p:cNvPr>
-          <p:cNvSpPr>
-            <a:spLocks noGrp="1"/>
-          </p:cNvSpPr>
-          <p:nvPr>
-            <p:ph type="body" sz="quarter" idx="4294967295"/>
-          </p:nvPr>
-        </p:nvSpPr>
-        <p:spPr>
-          <a:xfrm>
-            <a:off x="0" y="550863"/>
-            <a:ext cx="8686800" cy="439737"/>
-          </a:xfrm>
-          <a:prstGeom prst="rect">
-            <a:avLst/>
-          </a:prstGeom>
-        </p:spPr>
-        <p:txBody>
-          <a:bodyPr/>
-          <a:lstStyle/>
-          <a:p>
-            <a:pPr marL="0" indent="0">
-              <a:buNone/>
-            </a:pPr>
-            <a:r>
-              <a:rPr lang="en-US" dirty="0">
-                <a:solidFill>
-                  <a:schemeClr val="bg1"/>
-                </a:solidFill>
-              </a:rPr>
-              <a:t>Questions?</a:t>
-            </a:r>
-          </a:p>
-        </p:txBody>
-      </p:sp>
-    </p:spTree>
-    <p:extLst>
-      <p:ext uri="{BB962C8B-B14F-4D97-AF65-F5344CB8AC3E}">
-        <p14:creationId xmlns:p14="http://schemas.microsoft.com/office/powerpoint/2010/main" val="2370579419"/>
-      </p:ext>
-    </p:extLst>
-  </p:cSld>
-  <p:clrMapOvr>
-    <a:masterClrMapping/>
-  </p:clrMapOvr>
-</p:sld>
-</file>
-
-<file path=ppt/slides/slide37.xml><?xml version="1.0" encoding="utf-8"?>
-<p:sld xmlns:a="http://schemas.openxmlformats.org/drawingml/2006/main" xmlns:r="http://schemas.openxmlformats.org/officeDocument/2006/relationships" xmlns:p="http://schemas.openxmlformats.org/presentationml/2006/main">
-  <p:cSld>
-    <p:spTree>
-      <p:nvGrpSpPr>
-        <p:cNvPr id="1" name=""/>
-        <p:cNvGrpSpPr/>
-        <p:nvPr/>
-      </p:nvGrpSpPr>
-      <p:grpSpPr>
-        <a:xfrm>
-          <a:off x="0" y="0"/>
-          <a:ext cx="0" cy="0"/>
-          <a:chOff x="0" y="0"/>
-          <a:chExt cx="0" cy="0"/>
-        </a:xfrm>
-      </p:grpSpPr>
-      <p:sp>
-        <p:nvSpPr>
-          <p:cNvPr id="2" name="Text Placeholder 1">
-            <a:extLst>
-              <a:ext uri="{FF2B5EF4-FFF2-40B4-BE49-F238E27FC236}">
-                <a16:creationId xmlns:a16="http://schemas.microsoft.com/office/drawing/2014/main" id="{614199C1-38DD-4391-BF13-2C9608AD3148}"/>
-              </a:ext>
-            </a:extLst>
-          </p:cNvPr>
-          <p:cNvSpPr>
-            <a:spLocks noGrp="1"/>
-          </p:cNvSpPr>
-          <p:nvPr>
-            <p:ph type="body" sz="quarter" idx="10"/>
-          </p:nvPr>
-        </p:nvSpPr>
-        <p:spPr/>
-        <p:txBody>
-          <a:bodyPr/>
-          <a:lstStyle/>
-          <a:p>
-            <a:r>
-              <a:rPr lang="en-US" sz="2800" dirty="0"/>
-              <a:t>Covert Channel SANS White Paper [Couture 2010]</a:t>
-            </a:r>
-          </a:p>
-          <a:p>
-            <a:pPr lvl="1"/>
-            <a:r>
-              <a:rPr lang="en-US" sz="2400" dirty="0"/>
-              <a:t>https://www.sans.org/reading-room/whitepapers/detection/covert-channels-33413</a:t>
-            </a:r>
-          </a:p>
-          <a:p>
-            <a:r>
-              <a:rPr lang="en-US" sz="2800" dirty="0"/>
-              <a:t>Pattern-based Survey and Categorization of Network Covert Channels [</a:t>
-            </a:r>
-            <a:r>
-              <a:rPr lang="en-US" sz="2800" dirty="0" err="1"/>
-              <a:t>Wendzel</a:t>
-            </a:r>
-            <a:r>
-              <a:rPr lang="en-US" sz="2800" dirty="0"/>
-              <a:t> 2015]</a:t>
-            </a:r>
-          </a:p>
-          <a:p>
-            <a:pPr lvl="1"/>
-            <a:r>
-              <a:rPr lang="en-US" dirty="0">
-                <a:hlinkClick r:id="rId3"/>
-              </a:rPr>
-              <a:t>https://arxiv.org/pdf/1406.2901.pdf</a:t>
-            </a:r>
-            <a:endParaRPr lang="en-US" dirty="0"/>
-          </a:p>
-          <a:p>
-            <a:pPr lvl="1"/>
-            <a:r>
-              <a:rPr lang="en-US" dirty="0"/>
-              <a:t>Updated here: https://ih-patterns.blogspot.com/p/test.html</a:t>
-            </a:r>
-          </a:p>
-          <a:p>
-            <a:r>
-              <a:rPr lang="en-US" sz="2800" dirty="0"/>
-              <a:t>Work by </a:t>
-            </a:r>
-            <a:r>
-              <a:rPr lang="en-US" sz="2800" dirty="0" err="1"/>
-              <a:t>Wendzel</a:t>
-            </a:r>
-            <a:endParaRPr lang="en-US" sz="2800" dirty="0"/>
-          </a:p>
-          <a:p>
-            <a:pPr lvl="1"/>
-            <a:r>
-              <a:rPr lang="en-US" dirty="0"/>
-              <a:t>https://www.wendzel.de/</a:t>
-            </a:r>
-          </a:p>
-          <a:p>
-            <a:r>
-              <a:rPr lang="en-US" sz="2800" dirty="0"/>
-              <a:t>Google</a:t>
-            </a:r>
-          </a:p>
-          <a:p>
-            <a:r>
-              <a:rPr lang="en-US" sz="2800" dirty="0"/>
-              <a:t>Creativecommons.org/licenses</a:t>
-            </a:r>
-          </a:p>
-          <a:p>
-            <a:endParaRPr lang="en-US" dirty="0"/>
-          </a:p>
-        </p:txBody>
-      </p:sp>
-      <p:sp>
-        <p:nvSpPr>
-          <p:cNvPr id="3" name="Text Placeholder 2">
-            <a:extLst>
-              <a:ext uri="{FF2B5EF4-FFF2-40B4-BE49-F238E27FC236}">
-                <a16:creationId xmlns:a16="http://schemas.microsoft.com/office/drawing/2014/main" id="{5C8C057F-96AC-4921-8A79-BB4C4AF63434}"/>
-              </a:ext>
-            </a:extLst>
-          </p:cNvPr>
-          <p:cNvSpPr>
-            <a:spLocks noGrp="1"/>
-          </p:cNvSpPr>
-          <p:nvPr>
-            <p:ph type="body" sz="quarter" idx="11"/>
-          </p:nvPr>
-        </p:nvSpPr>
-        <p:spPr/>
-        <p:txBody>
-          <a:bodyPr/>
-          <a:lstStyle/>
-          <a:p>
-            <a:r>
-              <a:rPr lang="en-US" dirty="0"/>
-              <a:t>Main References</a:t>
-            </a:r>
-          </a:p>
-        </p:txBody>
-      </p:sp>
-    </p:spTree>
-    <p:extLst>
-      <p:ext uri="{BB962C8B-B14F-4D97-AF65-F5344CB8AC3E}">
-        <p14:creationId xmlns:p14="http://schemas.microsoft.com/office/powerpoint/2010/main" val="2500948470"/>
       </p:ext>
     </p:extLst>
   </p:cSld>
